--- a/Presentation/THasINKync - 4x3.pptx
+++ b/Presentation/THasINKync - 4x3.pptx
@@ -3162,379 +3162,6 @@
       <dsp:cNvGrpSpPr/>
     </dsp:nvGrpSpPr>
     <dsp:grpSpPr/>
-    <dsp:sp modelId="{B88EDF4C-4C3E-43DA-8D4C-21268F4ED6EF}">
-      <dsp:nvSpPr>
-        <dsp:cNvPr id="0" name=""/>
-        <dsp:cNvSpPr/>
-      </dsp:nvSpPr>
-      <dsp:spPr>
-        <a:xfrm>
-          <a:off x="0" y="0"/>
-          <a:ext cx="1082239" cy="601244"/>
-        </a:xfrm>
-        <a:prstGeom prst="flowChartMultidocument">
-          <a:avLst/>
-        </a:prstGeom>
-        <a:solidFill>
-          <a:schemeClr val="accent1">
-            <a:hueOff val="0"/>
-            <a:satOff val="0"/>
-            <a:lumOff val="0"/>
-            <a:alphaOff val="0"/>
-          </a:schemeClr>
-        </a:solidFill>
-        <a:ln w="25400" cap="flat" cmpd="sng" algn="ctr">
-          <a:solidFill>
-            <a:schemeClr val="lt1">
-              <a:hueOff val="0"/>
-              <a:satOff val="0"/>
-              <a:lumOff val="0"/>
-              <a:alphaOff val="0"/>
-            </a:schemeClr>
-          </a:solidFill>
-          <a:prstDash val="solid"/>
-        </a:ln>
-        <a:effectLst/>
-      </dsp:spPr>
-      <dsp:style>
-        <a:lnRef idx="2">
-          <a:scrgbClr r="0" g="0" b="0"/>
-        </a:lnRef>
-        <a:fillRef idx="1">
-          <a:scrgbClr r="0" g="0" b="0"/>
-        </a:fillRef>
-        <a:effectRef idx="0">
-          <a:scrgbClr r="0" g="0" b="0"/>
-        </a:effectRef>
-        <a:fontRef idx="minor">
-          <a:schemeClr val="lt1"/>
-        </a:fontRef>
-      </dsp:style>
-      <dsp:txBody>
-        <a:bodyPr spcFirstLastPara="0" vert="horz" wrap="square" lIns="53340" tIns="53340" rIns="53340" bIns="53340" numCol="1" spcCol="1270" anchor="ctr" anchorCtr="0">
-          <a:noAutofit/>
-        </a:bodyPr>
-        <a:lstStyle/>
-        <a:p>
-          <a:pPr lvl="0" algn="ctr" defTabSz="622300">
-            <a:lnSpc>
-              <a:spcPct val="90000"/>
-            </a:lnSpc>
-            <a:spcBef>
-              <a:spcPct val="0"/>
-            </a:spcBef>
-            <a:spcAft>
-              <a:spcPct val="35000"/>
-            </a:spcAft>
-          </a:pPr>
-          <a:r>
-            <a:rPr lang="en-US" sz="1400" kern="1200" dirty="0" smtClean="0"/>
-            <a:t>…</a:t>
-          </a:r>
-          <a:endParaRPr lang="en-US" sz="1400" kern="1200" dirty="0"/>
-        </a:p>
-      </dsp:txBody>
-      <dsp:txXfrm>
-        <a:off x="0" y="102295"/>
-        <a:ext cx="931678" cy="476180"/>
-      </dsp:txXfrm>
-    </dsp:sp>
-    <dsp:sp modelId="{6F3F6FFB-3805-400E-92AC-42AFFB8E29D5}">
-      <dsp:nvSpPr>
-        <dsp:cNvPr id="0" name=""/>
-        <dsp:cNvSpPr/>
-      </dsp:nvSpPr>
-      <dsp:spPr>
-        <a:xfrm rot="5400000">
-          <a:off x="428386" y="616275"/>
-          <a:ext cx="225466" cy="270559"/>
-        </a:xfrm>
-        <a:prstGeom prst="rightArrow">
-          <a:avLst>
-            <a:gd name="adj1" fmla="val 60000"/>
-            <a:gd name="adj2" fmla="val 50000"/>
-          </a:avLst>
-        </a:prstGeom>
-        <a:solidFill>
-          <a:schemeClr val="accent1">
-            <a:tint val="60000"/>
-            <a:hueOff val="0"/>
-            <a:satOff val="0"/>
-            <a:lumOff val="0"/>
-            <a:alphaOff val="0"/>
-          </a:schemeClr>
-        </a:solidFill>
-        <a:ln>
-          <a:noFill/>
-        </a:ln>
-        <a:effectLst/>
-      </dsp:spPr>
-      <dsp:style>
-        <a:lnRef idx="0">
-          <a:scrgbClr r="0" g="0" b="0"/>
-        </a:lnRef>
-        <a:fillRef idx="1">
-          <a:scrgbClr r="0" g="0" b="0"/>
-        </a:fillRef>
-        <a:effectRef idx="0">
-          <a:scrgbClr r="0" g="0" b="0"/>
-        </a:effectRef>
-        <a:fontRef idx="minor">
-          <a:schemeClr val="lt1"/>
-        </a:fontRef>
-      </dsp:style>
-      <dsp:txBody>
-        <a:bodyPr spcFirstLastPara="0" vert="horz" wrap="square" lIns="0" tIns="0" rIns="0" bIns="0" numCol="1" spcCol="1270" anchor="ctr" anchorCtr="0">
-          <a:noAutofit/>
-        </a:bodyPr>
-        <a:lstStyle/>
-        <a:p>
-          <a:pPr lvl="0" algn="ctr" defTabSz="488950">
-            <a:lnSpc>
-              <a:spcPct val="90000"/>
-            </a:lnSpc>
-            <a:spcBef>
-              <a:spcPct val="0"/>
-            </a:spcBef>
-            <a:spcAft>
-              <a:spcPct val="35000"/>
-            </a:spcAft>
-          </a:pPr>
-          <a:endParaRPr lang="en-US" sz="1100" kern="1200"/>
-        </a:p>
-      </dsp:txBody>
-      <dsp:txXfrm rot="-5400000">
-        <a:off x="459952" y="638821"/>
-        <a:ext cx="162335" cy="157826"/>
-      </dsp:txXfrm>
-    </dsp:sp>
-    <dsp:sp modelId="{25EF5F4E-FB50-4FF9-B013-E9D8AA82EDC7}">
-      <dsp:nvSpPr>
-        <dsp:cNvPr id="0" name=""/>
-        <dsp:cNvSpPr/>
-      </dsp:nvSpPr>
-      <dsp:spPr>
-        <a:xfrm>
-          <a:off x="0" y="901866"/>
-          <a:ext cx="1082239" cy="601244"/>
-        </a:xfrm>
-        <a:prstGeom prst="roundRect">
-          <a:avLst>
-            <a:gd name="adj" fmla="val 10000"/>
-          </a:avLst>
-        </a:prstGeom>
-        <a:solidFill>
-          <a:schemeClr val="accent1">
-            <a:hueOff val="0"/>
-            <a:satOff val="0"/>
-            <a:lumOff val="0"/>
-            <a:alphaOff val="0"/>
-          </a:schemeClr>
-        </a:solidFill>
-        <a:ln w="25400" cap="flat" cmpd="sng" algn="ctr">
-          <a:solidFill>
-            <a:schemeClr val="lt1">
-              <a:hueOff val="0"/>
-              <a:satOff val="0"/>
-              <a:lumOff val="0"/>
-              <a:alphaOff val="0"/>
-            </a:schemeClr>
-          </a:solidFill>
-          <a:prstDash val="solid"/>
-        </a:ln>
-        <a:effectLst/>
-      </dsp:spPr>
-      <dsp:style>
-        <a:lnRef idx="2">
-          <a:scrgbClr r="0" g="0" b="0"/>
-        </a:lnRef>
-        <a:fillRef idx="1">
-          <a:scrgbClr r="0" g="0" b="0"/>
-        </a:fillRef>
-        <a:effectRef idx="0">
-          <a:scrgbClr r="0" g="0" b="0"/>
-        </a:effectRef>
-        <a:fontRef idx="minor">
-          <a:schemeClr val="lt1"/>
-        </a:fontRef>
-      </dsp:style>
-      <dsp:txBody>
-        <a:bodyPr spcFirstLastPara="0" vert="horz" wrap="square" lIns="53340" tIns="53340" rIns="53340" bIns="53340" numCol="1" spcCol="1270" anchor="ctr" anchorCtr="0">
-          <a:noAutofit/>
-        </a:bodyPr>
-        <a:lstStyle/>
-        <a:p>
-          <a:pPr lvl="0" algn="ctr" defTabSz="622300">
-            <a:lnSpc>
-              <a:spcPct val="90000"/>
-            </a:lnSpc>
-            <a:spcBef>
-              <a:spcPct val="0"/>
-            </a:spcBef>
-            <a:spcAft>
-              <a:spcPct val="35000"/>
-            </a:spcAft>
-          </a:pPr>
-          <a:r>
-            <a:rPr lang="en-US" sz="1400" kern="1200" dirty="0" smtClean="0"/>
-            <a:t>Accumulate Into Subtotal</a:t>
-          </a:r>
-          <a:endParaRPr lang="en-US" sz="1400" kern="1200" dirty="0"/>
-        </a:p>
-      </dsp:txBody>
-      <dsp:txXfrm>
-        <a:off x="17610" y="919476"/>
-        <a:ext cx="1047019" cy="566024"/>
-      </dsp:txXfrm>
-    </dsp:sp>
-    <dsp:sp modelId="{1BBC6809-A424-46A5-9C8A-0973516973CB}">
-      <dsp:nvSpPr>
-        <dsp:cNvPr id="0" name=""/>
-        <dsp:cNvSpPr/>
-      </dsp:nvSpPr>
-      <dsp:spPr>
-        <a:xfrm rot="5400000">
-          <a:off x="428386" y="1518141"/>
-          <a:ext cx="225466" cy="270559"/>
-        </a:xfrm>
-        <a:prstGeom prst="rightArrow">
-          <a:avLst>
-            <a:gd name="adj1" fmla="val 60000"/>
-            <a:gd name="adj2" fmla="val 50000"/>
-          </a:avLst>
-        </a:prstGeom>
-        <a:solidFill>
-          <a:schemeClr val="accent1">
-            <a:tint val="60000"/>
-            <a:hueOff val="0"/>
-            <a:satOff val="0"/>
-            <a:lumOff val="0"/>
-            <a:alphaOff val="0"/>
-          </a:schemeClr>
-        </a:solidFill>
-        <a:ln>
-          <a:noFill/>
-        </a:ln>
-        <a:effectLst/>
-      </dsp:spPr>
-      <dsp:style>
-        <a:lnRef idx="0">
-          <a:scrgbClr r="0" g="0" b="0"/>
-        </a:lnRef>
-        <a:fillRef idx="1">
-          <a:scrgbClr r="0" g="0" b="0"/>
-        </a:fillRef>
-        <a:effectRef idx="0">
-          <a:scrgbClr r="0" g="0" b="0"/>
-        </a:effectRef>
-        <a:fontRef idx="minor">
-          <a:schemeClr val="lt1"/>
-        </a:fontRef>
-      </dsp:style>
-      <dsp:txBody>
-        <a:bodyPr spcFirstLastPara="0" vert="horz" wrap="square" lIns="0" tIns="0" rIns="0" bIns="0" numCol="1" spcCol="1270" anchor="ctr" anchorCtr="0">
-          <a:noAutofit/>
-        </a:bodyPr>
-        <a:lstStyle/>
-        <a:p>
-          <a:pPr lvl="0" algn="ctr" defTabSz="488950">
-            <a:lnSpc>
-              <a:spcPct val="90000"/>
-            </a:lnSpc>
-            <a:spcBef>
-              <a:spcPct val="0"/>
-            </a:spcBef>
-            <a:spcAft>
-              <a:spcPct val="35000"/>
-            </a:spcAft>
-          </a:pPr>
-          <a:endParaRPr lang="en-US" sz="1100" kern="1200"/>
-        </a:p>
-      </dsp:txBody>
-      <dsp:txXfrm rot="-5400000">
-        <a:off x="459952" y="1540687"/>
-        <a:ext cx="162335" cy="157826"/>
-      </dsp:txXfrm>
-    </dsp:sp>
-    <dsp:sp modelId="{A72FF043-F390-4BC5-BCF5-E6F82BAB33C5}">
-      <dsp:nvSpPr>
-        <dsp:cNvPr id="0" name=""/>
-        <dsp:cNvSpPr/>
-      </dsp:nvSpPr>
-      <dsp:spPr>
-        <a:xfrm>
-          <a:off x="0" y="1803732"/>
-          <a:ext cx="1082239" cy="601244"/>
-        </a:xfrm>
-        <a:prstGeom prst="roundRect">
-          <a:avLst>
-            <a:gd name="adj" fmla="val 10000"/>
-          </a:avLst>
-        </a:prstGeom>
-        <a:solidFill>
-          <a:schemeClr val="accent1">
-            <a:hueOff val="0"/>
-            <a:satOff val="0"/>
-            <a:lumOff val="0"/>
-            <a:alphaOff val="0"/>
-          </a:schemeClr>
-        </a:solidFill>
-        <a:ln w="25400" cap="flat" cmpd="sng" algn="ctr">
-          <a:solidFill>
-            <a:schemeClr val="lt1">
-              <a:hueOff val="0"/>
-              <a:satOff val="0"/>
-              <a:lumOff val="0"/>
-              <a:alphaOff val="0"/>
-            </a:schemeClr>
-          </a:solidFill>
-          <a:prstDash val="solid"/>
-        </a:ln>
-        <a:effectLst/>
-      </dsp:spPr>
-      <dsp:style>
-        <a:lnRef idx="2">
-          <a:scrgbClr r="0" g="0" b="0"/>
-        </a:lnRef>
-        <a:fillRef idx="1">
-          <a:scrgbClr r="0" g="0" b="0"/>
-        </a:fillRef>
-        <a:effectRef idx="0">
-          <a:scrgbClr r="0" g="0" b="0"/>
-        </a:effectRef>
-        <a:fontRef idx="minor">
-          <a:schemeClr val="lt1"/>
-        </a:fontRef>
-      </dsp:style>
-      <dsp:txBody>
-        <a:bodyPr spcFirstLastPara="0" vert="horz" wrap="square" lIns="53340" tIns="53340" rIns="53340" bIns="53340" numCol="1" spcCol="1270" anchor="ctr" anchorCtr="0">
-          <a:noAutofit/>
-        </a:bodyPr>
-        <a:lstStyle/>
-        <a:p>
-          <a:pPr lvl="0" algn="ctr" defTabSz="622300">
-            <a:lnSpc>
-              <a:spcPct val="90000"/>
-            </a:lnSpc>
-            <a:spcBef>
-              <a:spcPct val="0"/>
-            </a:spcBef>
-            <a:spcAft>
-              <a:spcPct val="35000"/>
-            </a:spcAft>
-          </a:pPr>
-          <a:r>
-            <a:rPr lang="en-US" sz="1400" kern="1200" dirty="0" smtClean="0"/>
-            <a:t>Add Subtotal to Result</a:t>
-          </a:r>
-          <a:endParaRPr lang="en-US" sz="1400" kern="1200" dirty="0"/>
-        </a:p>
-      </dsp:txBody>
-      <dsp:txXfrm>
-        <a:off x="17610" y="1821342"/>
-        <a:ext cx="1047019" cy="566024"/>
-      </dsp:txXfrm>
-    </dsp:sp>
   </dsp:spTree>
 </dsp:drawing>
 </file>
@@ -3547,379 +3174,6 @@
       <dsp:cNvGrpSpPr/>
     </dsp:nvGrpSpPr>
     <dsp:grpSpPr/>
-    <dsp:sp modelId="{B88EDF4C-4C3E-43DA-8D4C-21268F4ED6EF}">
-      <dsp:nvSpPr>
-        <dsp:cNvPr id="0" name=""/>
-        <dsp:cNvSpPr/>
-      </dsp:nvSpPr>
-      <dsp:spPr>
-        <a:xfrm>
-          <a:off x="0" y="0"/>
-          <a:ext cx="1082239" cy="601244"/>
-        </a:xfrm>
-        <a:prstGeom prst="flowChartMultidocument">
-          <a:avLst/>
-        </a:prstGeom>
-        <a:solidFill>
-          <a:schemeClr val="accent1">
-            <a:hueOff val="0"/>
-            <a:satOff val="0"/>
-            <a:lumOff val="0"/>
-            <a:alphaOff val="0"/>
-          </a:schemeClr>
-        </a:solidFill>
-        <a:ln w="25400" cap="flat" cmpd="sng" algn="ctr">
-          <a:solidFill>
-            <a:schemeClr val="lt1">
-              <a:hueOff val="0"/>
-              <a:satOff val="0"/>
-              <a:lumOff val="0"/>
-              <a:alphaOff val="0"/>
-            </a:schemeClr>
-          </a:solidFill>
-          <a:prstDash val="solid"/>
-        </a:ln>
-        <a:effectLst/>
-      </dsp:spPr>
-      <dsp:style>
-        <a:lnRef idx="2">
-          <a:scrgbClr r="0" g="0" b="0"/>
-        </a:lnRef>
-        <a:fillRef idx="1">
-          <a:scrgbClr r="0" g="0" b="0"/>
-        </a:fillRef>
-        <a:effectRef idx="0">
-          <a:scrgbClr r="0" g="0" b="0"/>
-        </a:effectRef>
-        <a:fontRef idx="minor">
-          <a:schemeClr val="lt1"/>
-        </a:fontRef>
-      </dsp:style>
-      <dsp:txBody>
-        <a:bodyPr spcFirstLastPara="0" vert="horz" wrap="square" lIns="53340" tIns="53340" rIns="53340" bIns="53340" numCol="1" spcCol="1270" anchor="ctr" anchorCtr="0">
-          <a:noAutofit/>
-        </a:bodyPr>
-        <a:lstStyle/>
-        <a:p>
-          <a:pPr lvl="0" algn="ctr" defTabSz="622300">
-            <a:lnSpc>
-              <a:spcPct val="90000"/>
-            </a:lnSpc>
-            <a:spcBef>
-              <a:spcPct val="0"/>
-            </a:spcBef>
-            <a:spcAft>
-              <a:spcPct val="35000"/>
-            </a:spcAft>
-          </a:pPr>
-          <a:r>
-            <a:rPr lang="en-US" sz="1400" kern="1200" dirty="0" smtClean="0"/>
-            <a:t>…</a:t>
-          </a:r>
-          <a:endParaRPr lang="en-US" sz="1400" kern="1200" dirty="0"/>
-        </a:p>
-      </dsp:txBody>
-      <dsp:txXfrm>
-        <a:off x="0" y="102295"/>
-        <a:ext cx="931678" cy="476180"/>
-      </dsp:txXfrm>
-    </dsp:sp>
-    <dsp:sp modelId="{6F3F6FFB-3805-400E-92AC-42AFFB8E29D5}">
-      <dsp:nvSpPr>
-        <dsp:cNvPr id="0" name=""/>
-        <dsp:cNvSpPr/>
-      </dsp:nvSpPr>
-      <dsp:spPr>
-        <a:xfrm rot="5400000">
-          <a:off x="428386" y="616275"/>
-          <a:ext cx="225466" cy="270559"/>
-        </a:xfrm>
-        <a:prstGeom prst="rightArrow">
-          <a:avLst>
-            <a:gd name="adj1" fmla="val 60000"/>
-            <a:gd name="adj2" fmla="val 50000"/>
-          </a:avLst>
-        </a:prstGeom>
-        <a:solidFill>
-          <a:schemeClr val="accent1">
-            <a:tint val="60000"/>
-            <a:hueOff val="0"/>
-            <a:satOff val="0"/>
-            <a:lumOff val="0"/>
-            <a:alphaOff val="0"/>
-          </a:schemeClr>
-        </a:solidFill>
-        <a:ln>
-          <a:noFill/>
-        </a:ln>
-        <a:effectLst/>
-      </dsp:spPr>
-      <dsp:style>
-        <a:lnRef idx="0">
-          <a:scrgbClr r="0" g="0" b="0"/>
-        </a:lnRef>
-        <a:fillRef idx="1">
-          <a:scrgbClr r="0" g="0" b="0"/>
-        </a:fillRef>
-        <a:effectRef idx="0">
-          <a:scrgbClr r="0" g="0" b="0"/>
-        </a:effectRef>
-        <a:fontRef idx="minor">
-          <a:schemeClr val="lt1"/>
-        </a:fontRef>
-      </dsp:style>
-      <dsp:txBody>
-        <a:bodyPr spcFirstLastPara="0" vert="horz" wrap="square" lIns="0" tIns="0" rIns="0" bIns="0" numCol="1" spcCol="1270" anchor="ctr" anchorCtr="0">
-          <a:noAutofit/>
-        </a:bodyPr>
-        <a:lstStyle/>
-        <a:p>
-          <a:pPr lvl="0" algn="ctr" defTabSz="488950">
-            <a:lnSpc>
-              <a:spcPct val="90000"/>
-            </a:lnSpc>
-            <a:spcBef>
-              <a:spcPct val="0"/>
-            </a:spcBef>
-            <a:spcAft>
-              <a:spcPct val="35000"/>
-            </a:spcAft>
-          </a:pPr>
-          <a:endParaRPr lang="en-US" sz="1100" kern="1200"/>
-        </a:p>
-      </dsp:txBody>
-      <dsp:txXfrm rot="-5400000">
-        <a:off x="459952" y="638821"/>
-        <a:ext cx="162335" cy="157826"/>
-      </dsp:txXfrm>
-    </dsp:sp>
-    <dsp:sp modelId="{25EF5F4E-FB50-4FF9-B013-E9D8AA82EDC7}">
-      <dsp:nvSpPr>
-        <dsp:cNvPr id="0" name=""/>
-        <dsp:cNvSpPr/>
-      </dsp:nvSpPr>
-      <dsp:spPr>
-        <a:xfrm>
-          <a:off x="0" y="901866"/>
-          <a:ext cx="1082239" cy="601244"/>
-        </a:xfrm>
-        <a:prstGeom prst="roundRect">
-          <a:avLst>
-            <a:gd name="adj" fmla="val 10000"/>
-          </a:avLst>
-        </a:prstGeom>
-        <a:solidFill>
-          <a:schemeClr val="accent1">
-            <a:hueOff val="0"/>
-            <a:satOff val="0"/>
-            <a:lumOff val="0"/>
-            <a:alphaOff val="0"/>
-          </a:schemeClr>
-        </a:solidFill>
-        <a:ln w="25400" cap="flat" cmpd="sng" algn="ctr">
-          <a:solidFill>
-            <a:schemeClr val="lt1">
-              <a:hueOff val="0"/>
-              <a:satOff val="0"/>
-              <a:lumOff val="0"/>
-              <a:alphaOff val="0"/>
-            </a:schemeClr>
-          </a:solidFill>
-          <a:prstDash val="solid"/>
-        </a:ln>
-        <a:effectLst/>
-      </dsp:spPr>
-      <dsp:style>
-        <a:lnRef idx="2">
-          <a:scrgbClr r="0" g="0" b="0"/>
-        </a:lnRef>
-        <a:fillRef idx="1">
-          <a:scrgbClr r="0" g="0" b="0"/>
-        </a:fillRef>
-        <a:effectRef idx="0">
-          <a:scrgbClr r="0" g="0" b="0"/>
-        </a:effectRef>
-        <a:fontRef idx="minor">
-          <a:schemeClr val="lt1"/>
-        </a:fontRef>
-      </dsp:style>
-      <dsp:txBody>
-        <a:bodyPr spcFirstLastPara="0" vert="horz" wrap="square" lIns="53340" tIns="53340" rIns="53340" bIns="53340" numCol="1" spcCol="1270" anchor="ctr" anchorCtr="0">
-          <a:noAutofit/>
-        </a:bodyPr>
-        <a:lstStyle/>
-        <a:p>
-          <a:pPr lvl="0" algn="ctr" defTabSz="622300">
-            <a:lnSpc>
-              <a:spcPct val="90000"/>
-            </a:lnSpc>
-            <a:spcBef>
-              <a:spcPct val="0"/>
-            </a:spcBef>
-            <a:spcAft>
-              <a:spcPct val="35000"/>
-            </a:spcAft>
-          </a:pPr>
-          <a:r>
-            <a:rPr lang="en-US" sz="1400" kern="1200" dirty="0" smtClean="0"/>
-            <a:t>Accumulate Into Subtotal</a:t>
-          </a:r>
-          <a:endParaRPr lang="en-US" sz="1400" kern="1200" dirty="0"/>
-        </a:p>
-      </dsp:txBody>
-      <dsp:txXfrm>
-        <a:off x="17610" y="919476"/>
-        <a:ext cx="1047019" cy="566024"/>
-      </dsp:txXfrm>
-    </dsp:sp>
-    <dsp:sp modelId="{1BBC6809-A424-46A5-9C8A-0973516973CB}">
-      <dsp:nvSpPr>
-        <dsp:cNvPr id="0" name=""/>
-        <dsp:cNvSpPr/>
-      </dsp:nvSpPr>
-      <dsp:spPr>
-        <a:xfrm rot="5400000">
-          <a:off x="428386" y="1518141"/>
-          <a:ext cx="225466" cy="270559"/>
-        </a:xfrm>
-        <a:prstGeom prst="rightArrow">
-          <a:avLst>
-            <a:gd name="adj1" fmla="val 60000"/>
-            <a:gd name="adj2" fmla="val 50000"/>
-          </a:avLst>
-        </a:prstGeom>
-        <a:solidFill>
-          <a:schemeClr val="accent1">
-            <a:tint val="60000"/>
-            <a:hueOff val="0"/>
-            <a:satOff val="0"/>
-            <a:lumOff val="0"/>
-            <a:alphaOff val="0"/>
-          </a:schemeClr>
-        </a:solidFill>
-        <a:ln>
-          <a:noFill/>
-        </a:ln>
-        <a:effectLst/>
-      </dsp:spPr>
-      <dsp:style>
-        <a:lnRef idx="0">
-          <a:scrgbClr r="0" g="0" b="0"/>
-        </a:lnRef>
-        <a:fillRef idx="1">
-          <a:scrgbClr r="0" g="0" b="0"/>
-        </a:fillRef>
-        <a:effectRef idx="0">
-          <a:scrgbClr r="0" g="0" b="0"/>
-        </a:effectRef>
-        <a:fontRef idx="minor">
-          <a:schemeClr val="lt1"/>
-        </a:fontRef>
-      </dsp:style>
-      <dsp:txBody>
-        <a:bodyPr spcFirstLastPara="0" vert="horz" wrap="square" lIns="0" tIns="0" rIns="0" bIns="0" numCol="1" spcCol="1270" anchor="ctr" anchorCtr="0">
-          <a:noAutofit/>
-        </a:bodyPr>
-        <a:lstStyle/>
-        <a:p>
-          <a:pPr lvl="0" algn="ctr" defTabSz="488950">
-            <a:lnSpc>
-              <a:spcPct val="90000"/>
-            </a:lnSpc>
-            <a:spcBef>
-              <a:spcPct val="0"/>
-            </a:spcBef>
-            <a:spcAft>
-              <a:spcPct val="35000"/>
-            </a:spcAft>
-          </a:pPr>
-          <a:endParaRPr lang="en-US" sz="1100" kern="1200"/>
-        </a:p>
-      </dsp:txBody>
-      <dsp:txXfrm rot="-5400000">
-        <a:off x="459952" y="1540687"/>
-        <a:ext cx="162335" cy="157826"/>
-      </dsp:txXfrm>
-    </dsp:sp>
-    <dsp:sp modelId="{A72FF043-F390-4BC5-BCF5-E6F82BAB33C5}">
-      <dsp:nvSpPr>
-        <dsp:cNvPr id="0" name=""/>
-        <dsp:cNvSpPr/>
-      </dsp:nvSpPr>
-      <dsp:spPr>
-        <a:xfrm>
-          <a:off x="0" y="1803732"/>
-          <a:ext cx="1082239" cy="601244"/>
-        </a:xfrm>
-        <a:prstGeom prst="roundRect">
-          <a:avLst>
-            <a:gd name="adj" fmla="val 10000"/>
-          </a:avLst>
-        </a:prstGeom>
-        <a:solidFill>
-          <a:schemeClr val="accent1">
-            <a:hueOff val="0"/>
-            <a:satOff val="0"/>
-            <a:lumOff val="0"/>
-            <a:alphaOff val="0"/>
-          </a:schemeClr>
-        </a:solidFill>
-        <a:ln w="25400" cap="flat" cmpd="sng" algn="ctr">
-          <a:solidFill>
-            <a:schemeClr val="lt1">
-              <a:hueOff val="0"/>
-              <a:satOff val="0"/>
-              <a:lumOff val="0"/>
-              <a:alphaOff val="0"/>
-            </a:schemeClr>
-          </a:solidFill>
-          <a:prstDash val="solid"/>
-        </a:ln>
-        <a:effectLst/>
-      </dsp:spPr>
-      <dsp:style>
-        <a:lnRef idx="2">
-          <a:scrgbClr r="0" g="0" b="0"/>
-        </a:lnRef>
-        <a:fillRef idx="1">
-          <a:scrgbClr r="0" g="0" b="0"/>
-        </a:fillRef>
-        <a:effectRef idx="0">
-          <a:scrgbClr r="0" g="0" b="0"/>
-        </a:effectRef>
-        <a:fontRef idx="minor">
-          <a:schemeClr val="lt1"/>
-        </a:fontRef>
-      </dsp:style>
-      <dsp:txBody>
-        <a:bodyPr spcFirstLastPara="0" vert="horz" wrap="square" lIns="53340" tIns="53340" rIns="53340" bIns="53340" numCol="1" spcCol="1270" anchor="ctr" anchorCtr="0">
-          <a:noAutofit/>
-        </a:bodyPr>
-        <a:lstStyle/>
-        <a:p>
-          <a:pPr lvl="0" algn="ctr" defTabSz="622300">
-            <a:lnSpc>
-              <a:spcPct val="90000"/>
-            </a:lnSpc>
-            <a:spcBef>
-              <a:spcPct val="0"/>
-            </a:spcBef>
-            <a:spcAft>
-              <a:spcPct val="35000"/>
-            </a:spcAft>
-          </a:pPr>
-          <a:r>
-            <a:rPr lang="en-US" sz="1400" kern="1200" dirty="0" smtClean="0"/>
-            <a:t>Add Subtotal to Result</a:t>
-          </a:r>
-          <a:endParaRPr lang="en-US" sz="1400" kern="1200" dirty="0"/>
-        </a:p>
-      </dsp:txBody>
-      <dsp:txXfrm>
-        <a:off x="17610" y="1821342"/>
-        <a:ext cx="1047019" cy="566024"/>
-      </dsp:txXfrm>
-    </dsp:sp>
   </dsp:spTree>
 </dsp:drawing>
 </file>
@@ -3932,379 +3186,6 @@
       <dsp:cNvGrpSpPr/>
     </dsp:nvGrpSpPr>
     <dsp:grpSpPr/>
-    <dsp:sp modelId="{B88EDF4C-4C3E-43DA-8D4C-21268F4ED6EF}">
-      <dsp:nvSpPr>
-        <dsp:cNvPr id="0" name=""/>
-        <dsp:cNvSpPr/>
-      </dsp:nvSpPr>
-      <dsp:spPr>
-        <a:xfrm>
-          <a:off x="0" y="0"/>
-          <a:ext cx="1082239" cy="601244"/>
-        </a:xfrm>
-        <a:prstGeom prst="flowChartMultidocument">
-          <a:avLst/>
-        </a:prstGeom>
-        <a:solidFill>
-          <a:schemeClr val="accent1">
-            <a:hueOff val="0"/>
-            <a:satOff val="0"/>
-            <a:lumOff val="0"/>
-            <a:alphaOff val="0"/>
-          </a:schemeClr>
-        </a:solidFill>
-        <a:ln w="25400" cap="flat" cmpd="sng" algn="ctr">
-          <a:solidFill>
-            <a:schemeClr val="lt1">
-              <a:hueOff val="0"/>
-              <a:satOff val="0"/>
-              <a:lumOff val="0"/>
-              <a:alphaOff val="0"/>
-            </a:schemeClr>
-          </a:solidFill>
-          <a:prstDash val="solid"/>
-        </a:ln>
-        <a:effectLst/>
-      </dsp:spPr>
-      <dsp:style>
-        <a:lnRef idx="2">
-          <a:scrgbClr r="0" g="0" b="0"/>
-        </a:lnRef>
-        <a:fillRef idx="1">
-          <a:scrgbClr r="0" g="0" b="0"/>
-        </a:fillRef>
-        <a:effectRef idx="0">
-          <a:scrgbClr r="0" g="0" b="0"/>
-        </a:effectRef>
-        <a:fontRef idx="minor">
-          <a:schemeClr val="lt1"/>
-        </a:fontRef>
-      </dsp:style>
-      <dsp:txBody>
-        <a:bodyPr spcFirstLastPara="0" vert="horz" wrap="square" lIns="53340" tIns="53340" rIns="53340" bIns="53340" numCol="1" spcCol="1270" anchor="ctr" anchorCtr="0">
-          <a:noAutofit/>
-        </a:bodyPr>
-        <a:lstStyle/>
-        <a:p>
-          <a:pPr lvl="0" algn="ctr" defTabSz="622300">
-            <a:lnSpc>
-              <a:spcPct val="90000"/>
-            </a:lnSpc>
-            <a:spcBef>
-              <a:spcPct val="0"/>
-            </a:spcBef>
-            <a:spcAft>
-              <a:spcPct val="35000"/>
-            </a:spcAft>
-          </a:pPr>
-          <a:r>
-            <a:rPr lang="en-US" sz="1400" kern="1200" dirty="0" smtClean="0"/>
-            <a:t>…</a:t>
-          </a:r>
-          <a:endParaRPr lang="en-US" sz="1400" kern="1200" dirty="0"/>
-        </a:p>
-      </dsp:txBody>
-      <dsp:txXfrm>
-        <a:off x="0" y="102295"/>
-        <a:ext cx="931678" cy="476180"/>
-      </dsp:txXfrm>
-    </dsp:sp>
-    <dsp:sp modelId="{6F3F6FFB-3805-400E-92AC-42AFFB8E29D5}">
-      <dsp:nvSpPr>
-        <dsp:cNvPr id="0" name=""/>
-        <dsp:cNvSpPr/>
-      </dsp:nvSpPr>
-      <dsp:spPr>
-        <a:xfrm rot="5400000">
-          <a:off x="428386" y="616275"/>
-          <a:ext cx="225466" cy="270559"/>
-        </a:xfrm>
-        <a:prstGeom prst="rightArrow">
-          <a:avLst>
-            <a:gd name="adj1" fmla="val 60000"/>
-            <a:gd name="adj2" fmla="val 50000"/>
-          </a:avLst>
-        </a:prstGeom>
-        <a:solidFill>
-          <a:schemeClr val="accent1">
-            <a:tint val="60000"/>
-            <a:hueOff val="0"/>
-            <a:satOff val="0"/>
-            <a:lumOff val="0"/>
-            <a:alphaOff val="0"/>
-          </a:schemeClr>
-        </a:solidFill>
-        <a:ln>
-          <a:noFill/>
-        </a:ln>
-        <a:effectLst/>
-      </dsp:spPr>
-      <dsp:style>
-        <a:lnRef idx="0">
-          <a:scrgbClr r="0" g="0" b="0"/>
-        </a:lnRef>
-        <a:fillRef idx="1">
-          <a:scrgbClr r="0" g="0" b="0"/>
-        </a:fillRef>
-        <a:effectRef idx="0">
-          <a:scrgbClr r="0" g="0" b="0"/>
-        </a:effectRef>
-        <a:fontRef idx="minor">
-          <a:schemeClr val="lt1"/>
-        </a:fontRef>
-      </dsp:style>
-      <dsp:txBody>
-        <a:bodyPr spcFirstLastPara="0" vert="horz" wrap="square" lIns="0" tIns="0" rIns="0" bIns="0" numCol="1" spcCol="1270" anchor="ctr" anchorCtr="0">
-          <a:noAutofit/>
-        </a:bodyPr>
-        <a:lstStyle/>
-        <a:p>
-          <a:pPr lvl="0" algn="ctr" defTabSz="488950">
-            <a:lnSpc>
-              <a:spcPct val="90000"/>
-            </a:lnSpc>
-            <a:spcBef>
-              <a:spcPct val="0"/>
-            </a:spcBef>
-            <a:spcAft>
-              <a:spcPct val="35000"/>
-            </a:spcAft>
-          </a:pPr>
-          <a:endParaRPr lang="en-US" sz="1100" kern="1200"/>
-        </a:p>
-      </dsp:txBody>
-      <dsp:txXfrm rot="-5400000">
-        <a:off x="459952" y="638821"/>
-        <a:ext cx="162335" cy="157826"/>
-      </dsp:txXfrm>
-    </dsp:sp>
-    <dsp:sp modelId="{25EF5F4E-FB50-4FF9-B013-E9D8AA82EDC7}">
-      <dsp:nvSpPr>
-        <dsp:cNvPr id="0" name=""/>
-        <dsp:cNvSpPr/>
-      </dsp:nvSpPr>
-      <dsp:spPr>
-        <a:xfrm>
-          <a:off x="0" y="901866"/>
-          <a:ext cx="1082239" cy="601244"/>
-        </a:xfrm>
-        <a:prstGeom prst="roundRect">
-          <a:avLst>
-            <a:gd name="adj" fmla="val 10000"/>
-          </a:avLst>
-        </a:prstGeom>
-        <a:solidFill>
-          <a:schemeClr val="accent1">
-            <a:hueOff val="0"/>
-            <a:satOff val="0"/>
-            <a:lumOff val="0"/>
-            <a:alphaOff val="0"/>
-          </a:schemeClr>
-        </a:solidFill>
-        <a:ln w="25400" cap="flat" cmpd="sng" algn="ctr">
-          <a:solidFill>
-            <a:schemeClr val="lt1">
-              <a:hueOff val="0"/>
-              <a:satOff val="0"/>
-              <a:lumOff val="0"/>
-              <a:alphaOff val="0"/>
-            </a:schemeClr>
-          </a:solidFill>
-          <a:prstDash val="solid"/>
-        </a:ln>
-        <a:effectLst/>
-      </dsp:spPr>
-      <dsp:style>
-        <a:lnRef idx="2">
-          <a:scrgbClr r="0" g="0" b="0"/>
-        </a:lnRef>
-        <a:fillRef idx="1">
-          <a:scrgbClr r="0" g="0" b="0"/>
-        </a:fillRef>
-        <a:effectRef idx="0">
-          <a:scrgbClr r="0" g="0" b="0"/>
-        </a:effectRef>
-        <a:fontRef idx="minor">
-          <a:schemeClr val="lt1"/>
-        </a:fontRef>
-      </dsp:style>
-      <dsp:txBody>
-        <a:bodyPr spcFirstLastPara="0" vert="horz" wrap="square" lIns="53340" tIns="53340" rIns="53340" bIns="53340" numCol="1" spcCol="1270" anchor="ctr" anchorCtr="0">
-          <a:noAutofit/>
-        </a:bodyPr>
-        <a:lstStyle/>
-        <a:p>
-          <a:pPr lvl="0" algn="ctr" defTabSz="622300">
-            <a:lnSpc>
-              <a:spcPct val="90000"/>
-            </a:lnSpc>
-            <a:spcBef>
-              <a:spcPct val="0"/>
-            </a:spcBef>
-            <a:spcAft>
-              <a:spcPct val="35000"/>
-            </a:spcAft>
-          </a:pPr>
-          <a:r>
-            <a:rPr lang="en-US" sz="1400" kern="1200" dirty="0" smtClean="0"/>
-            <a:t>Accumulate Into Subtotal</a:t>
-          </a:r>
-          <a:endParaRPr lang="en-US" sz="1400" kern="1200" dirty="0"/>
-        </a:p>
-      </dsp:txBody>
-      <dsp:txXfrm>
-        <a:off x="17610" y="919476"/>
-        <a:ext cx="1047019" cy="566024"/>
-      </dsp:txXfrm>
-    </dsp:sp>
-    <dsp:sp modelId="{1BBC6809-A424-46A5-9C8A-0973516973CB}">
-      <dsp:nvSpPr>
-        <dsp:cNvPr id="0" name=""/>
-        <dsp:cNvSpPr/>
-      </dsp:nvSpPr>
-      <dsp:spPr>
-        <a:xfrm rot="5400000">
-          <a:off x="428386" y="1518141"/>
-          <a:ext cx="225466" cy="270559"/>
-        </a:xfrm>
-        <a:prstGeom prst="rightArrow">
-          <a:avLst>
-            <a:gd name="adj1" fmla="val 60000"/>
-            <a:gd name="adj2" fmla="val 50000"/>
-          </a:avLst>
-        </a:prstGeom>
-        <a:solidFill>
-          <a:schemeClr val="accent1">
-            <a:tint val="60000"/>
-            <a:hueOff val="0"/>
-            <a:satOff val="0"/>
-            <a:lumOff val="0"/>
-            <a:alphaOff val="0"/>
-          </a:schemeClr>
-        </a:solidFill>
-        <a:ln>
-          <a:noFill/>
-        </a:ln>
-        <a:effectLst/>
-      </dsp:spPr>
-      <dsp:style>
-        <a:lnRef idx="0">
-          <a:scrgbClr r="0" g="0" b="0"/>
-        </a:lnRef>
-        <a:fillRef idx="1">
-          <a:scrgbClr r="0" g="0" b="0"/>
-        </a:fillRef>
-        <a:effectRef idx="0">
-          <a:scrgbClr r="0" g="0" b="0"/>
-        </a:effectRef>
-        <a:fontRef idx="minor">
-          <a:schemeClr val="lt1"/>
-        </a:fontRef>
-      </dsp:style>
-      <dsp:txBody>
-        <a:bodyPr spcFirstLastPara="0" vert="horz" wrap="square" lIns="0" tIns="0" rIns="0" bIns="0" numCol="1" spcCol="1270" anchor="ctr" anchorCtr="0">
-          <a:noAutofit/>
-        </a:bodyPr>
-        <a:lstStyle/>
-        <a:p>
-          <a:pPr lvl="0" algn="ctr" defTabSz="488950">
-            <a:lnSpc>
-              <a:spcPct val="90000"/>
-            </a:lnSpc>
-            <a:spcBef>
-              <a:spcPct val="0"/>
-            </a:spcBef>
-            <a:spcAft>
-              <a:spcPct val="35000"/>
-            </a:spcAft>
-          </a:pPr>
-          <a:endParaRPr lang="en-US" sz="1100" kern="1200"/>
-        </a:p>
-      </dsp:txBody>
-      <dsp:txXfrm rot="-5400000">
-        <a:off x="459952" y="1540687"/>
-        <a:ext cx="162335" cy="157826"/>
-      </dsp:txXfrm>
-    </dsp:sp>
-    <dsp:sp modelId="{A72FF043-F390-4BC5-BCF5-E6F82BAB33C5}">
-      <dsp:nvSpPr>
-        <dsp:cNvPr id="0" name=""/>
-        <dsp:cNvSpPr/>
-      </dsp:nvSpPr>
-      <dsp:spPr>
-        <a:xfrm>
-          <a:off x="0" y="1803732"/>
-          <a:ext cx="1082239" cy="601244"/>
-        </a:xfrm>
-        <a:prstGeom prst="roundRect">
-          <a:avLst>
-            <a:gd name="adj" fmla="val 10000"/>
-          </a:avLst>
-        </a:prstGeom>
-        <a:solidFill>
-          <a:schemeClr val="accent1">
-            <a:hueOff val="0"/>
-            <a:satOff val="0"/>
-            <a:lumOff val="0"/>
-            <a:alphaOff val="0"/>
-          </a:schemeClr>
-        </a:solidFill>
-        <a:ln w="25400" cap="flat" cmpd="sng" algn="ctr">
-          <a:solidFill>
-            <a:schemeClr val="lt1">
-              <a:hueOff val="0"/>
-              <a:satOff val="0"/>
-              <a:lumOff val="0"/>
-              <a:alphaOff val="0"/>
-            </a:schemeClr>
-          </a:solidFill>
-          <a:prstDash val="solid"/>
-        </a:ln>
-        <a:effectLst/>
-      </dsp:spPr>
-      <dsp:style>
-        <a:lnRef idx="2">
-          <a:scrgbClr r="0" g="0" b="0"/>
-        </a:lnRef>
-        <a:fillRef idx="1">
-          <a:scrgbClr r="0" g="0" b="0"/>
-        </a:fillRef>
-        <a:effectRef idx="0">
-          <a:scrgbClr r="0" g="0" b="0"/>
-        </a:effectRef>
-        <a:fontRef idx="minor">
-          <a:schemeClr val="lt1"/>
-        </a:fontRef>
-      </dsp:style>
-      <dsp:txBody>
-        <a:bodyPr spcFirstLastPara="0" vert="horz" wrap="square" lIns="53340" tIns="53340" rIns="53340" bIns="53340" numCol="1" spcCol="1270" anchor="ctr" anchorCtr="0">
-          <a:noAutofit/>
-        </a:bodyPr>
-        <a:lstStyle/>
-        <a:p>
-          <a:pPr lvl="0" algn="ctr" defTabSz="622300">
-            <a:lnSpc>
-              <a:spcPct val="90000"/>
-            </a:lnSpc>
-            <a:spcBef>
-              <a:spcPct val="0"/>
-            </a:spcBef>
-            <a:spcAft>
-              <a:spcPct val="35000"/>
-            </a:spcAft>
-          </a:pPr>
-          <a:r>
-            <a:rPr lang="en-US" sz="1400" kern="1200" dirty="0" smtClean="0"/>
-            <a:t>Add Subtotal to Result</a:t>
-          </a:r>
-          <a:endParaRPr lang="en-US" sz="1400" kern="1200" dirty="0"/>
-        </a:p>
-      </dsp:txBody>
-      <dsp:txXfrm>
-        <a:off x="17610" y="1821342"/>
-        <a:ext cx="1047019" cy="566024"/>
-      </dsp:txXfrm>
-    </dsp:sp>
   </dsp:spTree>
 </dsp:drawing>
 </file>
@@ -14981,11 +13862,7 @@
           <a:p>
             <a:r>
               <a:rPr lang="en-US" dirty="0" smtClean="0"/>
-              <a:t>Superhero </a:t>
-            </a:r>
-            <a:r>
-              <a:rPr lang="en-US" dirty="0" smtClean="0"/>
-              <a:t>Joke</a:t>
+              <a:t>Superhero Joke</a:t>
             </a:r>
             <a:endParaRPr lang="en-US" dirty="0"/>
           </a:p>
@@ -16973,11 +15850,7 @@
           <a:p>
             <a:r>
               <a:rPr lang="en-US" sz="1350" dirty="0"/>
-              <a:t>Check </a:t>
-            </a:r>
-            <a:r>
-              <a:rPr lang="en-US" sz="1350" dirty="0"/>
-              <a:t>out Scala…</a:t>
+              <a:t>Check out Scala…</a:t>
             </a:r>
             <a:br>
               <a:rPr lang="en-US" sz="1350" dirty="0"/>
@@ -18141,7 +17014,6 @@
               <a:rPr lang="en-US" sz="1350" dirty="0"/>
               <a:t>Waiting to Run</a:t>
             </a:r>
-            <a:endParaRPr lang="en-US" sz="1350" dirty="0"/>
           </a:p>
         </p:txBody>
       </p:sp>
@@ -18183,7 +17055,6 @@
               <a:rPr lang="en-US" sz="1350" dirty="0"/>
               <a:t>Run to Completion</a:t>
             </a:r>
-            <a:endParaRPr lang="en-US" sz="1350" dirty="0"/>
           </a:p>
         </p:txBody>
       </p:sp>
@@ -18225,7 +17096,6 @@
               <a:rPr lang="en-US" sz="1350" dirty="0"/>
               <a:t>Running</a:t>
             </a:r>
-            <a:endParaRPr lang="en-US" sz="1350" dirty="0"/>
           </a:p>
         </p:txBody>
       </p:sp>
@@ -18267,7 +17137,6 @@
               <a:rPr lang="en-US" sz="1350" dirty="0"/>
               <a:t>Cancelled</a:t>
             </a:r>
-            <a:endParaRPr lang="en-US" sz="1350" dirty="0"/>
           </a:p>
         </p:txBody>
       </p:sp>
@@ -18309,7 +17178,6 @@
               <a:rPr lang="en-US" sz="1350" dirty="0"/>
               <a:t>Faulted</a:t>
             </a:r>
-            <a:endParaRPr lang="en-US" sz="1350" dirty="0"/>
           </a:p>
         </p:txBody>
       </p:sp>
@@ -18659,7 +17527,6 @@
               <a:rPr lang="en-US" dirty="0"/>
               <a:t>Rhetorical Joke</a:t>
             </a:r>
-            <a:endParaRPr lang="en-US" dirty="0"/>
           </a:p>
         </p:txBody>
       </p:sp>
@@ -19006,7 +17873,6 @@
               <a:rPr lang="en-US" sz="1350" dirty="0"/>
               <a:t>Partitioned Input Values</a:t>
             </a:r>
-            <a:endParaRPr lang="en-US" sz="1350" dirty="0"/>
           </a:p>
         </p:txBody>
       </p:sp>
@@ -19036,7 +17902,6 @@
               <a:rPr lang="en-US" sz="1350" dirty="0"/>
               <a:t>Independent Tasks</a:t>
             </a:r>
-            <a:endParaRPr lang="en-US" sz="1350" dirty="0"/>
           </a:p>
         </p:txBody>
       </p:sp>
@@ -19151,7 +18016,6 @@
                 <a:rPr lang="en-US" sz="1350" dirty="0"/>
                 <a:t>Return Aggregate Result</a:t>
               </a:r>
-              <a:endParaRPr lang="en-US" sz="1350" dirty="0"/>
             </a:p>
           </p:txBody>
         </p:sp>
@@ -19298,7 +18162,6 @@
               <a:rPr lang="en-US" sz="1350" dirty="0"/>
               <a:t>Coordinated by serializing locks</a:t>
             </a:r>
-            <a:endParaRPr lang="en-US" sz="1350" dirty="0"/>
           </a:p>
         </p:txBody>
       </p:sp>
@@ -19602,7 +18465,6 @@
               <a:rPr lang="en-US" dirty="0"/>
               <a:t>:  Mr. Curtis Schlak</a:t>
             </a:r>
-            <a:endParaRPr lang="en-US" dirty="0"/>
           </a:p>
         </p:txBody>
       </p:sp>
@@ -19850,7 +18712,6 @@
               <a:rPr lang="en-US" sz="1350" dirty="0"/>
               <a:t>f1(a)</a:t>
             </a:r>
-            <a:endParaRPr lang="en-US" sz="1350" dirty="0"/>
           </a:p>
         </p:txBody>
       </p:sp>
@@ -19892,7 +18753,6 @@
               <a:rPr lang="en-US" sz="1350" dirty="0"/>
               <a:t>f2(a)</a:t>
             </a:r>
-            <a:endParaRPr lang="en-US" sz="1350" dirty="0"/>
           </a:p>
         </p:txBody>
       </p:sp>
@@ -19934,7 +18794,6 @@
               <a:rPr lang="en-US" sz="1350" dirty="0"/>
               <a:t>f3(c)</a:t>
             </a:r>
-            <a:endParaRPr lang="en-US" sz="1350" dirty="0"/>
           </a:p>
         </p:txBody>
       </p:sp>
@@ -19976,7 +18835,6 @@
               <a:rPr lang="en-US" sz="1350" dirty="0"/>
               <a:t>f4(b, d)</a:t>
             </a:r>
-            <a:endParaRPr lang="en-US" sz="1350" dirty="0"/>
           </a:p>
         </p:txBody>
       </p:sp>
@@ -20240,7 +19098,6 @@
               <a:rPr lang="en-US" sz="1350" dirty="0"/>
               <a:t>a</a:t>
             </a:r>
-            <a:endParaRPr lang="en-US" sz="1350" dirty="0"/>
           </a:p>
         </p:txBody>
       </p:sp>
@@ -20270,7 +19127,6 @@
               <a:rPr lang="en-US" sz="1350" dirty="0"/>
               <a:t>a</a:t>
             </a:r>
-            <a:endParaRPr lang="en-US" sz="1350" dirty="0"/>
           </a:p>
         </p:txBody>
       </p:sp>
@@ -20387,7 +19243,6 @@
               <a:rPr lang="en-US" sz="1350" dirty="0"/>
               <a:t>f</a:t>
             </a:r>
-            <a:endParaRPr lang="en-US" sz="1350" dirty="0"/>
           </a:p>
         </p:txBody>
       </p:sp>
@@ -20514,12 +19369,12 @@
               <a:t>Audience Participation</a:t>
             </a:r>
             <a:r>
-              <a:rPr lang="en-US"/>
+              <a:rPr lang="en-US" dirty="0"/>
               <a:t>:  </a:t>
             </a:r>
             <a:r>
-              <a:rPr lang="en-US" smtClean="0"/>
-              <a:t>Anybody?</a:t>
+              <a:rPr lang="en-US" dirty="0" smtClean="0"/>
+              <a:t>Paul DeCarlo</a:t>
             </a:r>
             <a:endParaRPr lang="en-US" dirty="0"/>
           </a:p>
@@ -20717,7 +19572,6 @@
               <a:rPr lang="en-US" sz="1350" dirty="0"/>
               <a:t>Inputs</a:t>
             </a:r>
-            <a:endParaRPr lang="en-US" sz="1350" dirty="0"/>
           </a:p>
         </p:txBody>
       </p:sp>
@@ -20759,7 +19613,6 @@
               <a:rPr lang="en-US" sz="1350" dirty="0"/>
               <a:t>Read Strings</a:t>
             </a:r>
-            <a:endParaRPr lang="en-US" sz="1350" dirty="0"/>
           </a:p>
         </p:txBody>
       </p:sp>
@@ -20801,7 +19654,6 @@
               <a:rPr lang="en-US" sz="1350" dirty="0"/>
               <a:t>Buffer 1</a:t>
             </a:r>
-            <a:endParaRPr lang="en-US" sz="1350" dirty="0"/>
           </a:p>
         </p:txBody>
       </p:sp>
@@ -20843,7 +19695,6 @@
               <a:rPr lang="en-US" sz="1350" dirty="0"/>
               <a:t>Correct Case</a:t>
             </a:r>
-            <a:endParaRPr lang="en-US" sz="1350" dirty="0"/>
           </a:p>
         </p:txBody>
       </p:sp>
@@ -20883,11 +19734,7 @@
             <a:pPr algn="ctr"/>
             <a:r>
               <a:rPr lang="en-US" sz="1350" dirty="0"/>
-              <a:t>Create </a:t>
-            </a:r>
-            <a:r>
-              <a:rPr lang="en-US" sz="1350" dirty="0"/>
-              <a:t>Sentences</a:t>
+              <a:t>Create Sentences</a:t>
             </a:r>
           </a:p>
         </p:txBody>
@@ -20930,7 +19777,6 @@
               <a:rPr lang="en-US" sz="1350" dirty="0"/>
               <a:t>Write Sentences</a:t>
             </a:r>
-            <a:endParaRPr lang="en-US" sz="1350" dirty="0"/>
           </a:p>
         </p:txBody>
       </p:sp>
@@ -20972,7 +19818,6 @@
               <a:rPr lang="en-US" sz="1350" dirty="0"/>
               <a:t>Buffer 2</a:t>
             </a:r>
-            <a:endParaRPr lang="en-US" sz="1350" dirty="0"/>
           </a:p>
         </p:txBody>
       </p:sp>
@@ -21014,7 +19859,6 @@
               <a:rPr lang="en-US" sz="1350" dirty="0"/>
               <a:t>Buffer 3</a:t>
             </a:r>
-            <a:endParaRPr lang="en-US" sz="1350" dirty="0"/>
           </a:p>
         </p:txBody>
       </p:sp>
@@ -21056,7 +19900,6 @@
               <a:rPr lang="en-US" sz="1350" dirty="0"/>
               <a:t>Outputs</a:t>
             </a:r>
-            <a:endParaRPr lang="en-US" sz="1350" dirty="0"/>
           </a:p>
         </p:txBody>
       </p:sp>
@@ -23592,21 +22435,6 @@
 </file>
 
 <file path=customXml/item1.xml><?xml version="1.0" encoding="utf-8"?>
-<?mso-contentType ?>
-<FormTemplates xmlns="http://schemas.microsoft.com/sharepoint/v3/contenttype/forms">
-  <Display>DocumentLibraryForm</Display>
-  <Edit>DocumentLibraryForm</Edit>
-  <New>DocumentLibraryForm</New>
-</FormTemplates>
-</file>
-
-<file path=customXml/item2.xml><?xml version="1.0" encoding="utf-8"?>
-<p:properties xmlns:p="http://schemas.microsoft.com/office/2006/metadata/properties" xmlns:xsi="http://www.w3.org/2001/XMLSchema-instance" xmlns:pc="http://schemas.microsoft.com/office/infopath/2007/PartnerControls">
-  <documentManagement/>
-</p:properties>
-</file>
-
-<file path=customXml/item3.xml><?xml version="1.0" encoding="utf-8"?>
 <ct:contentTypeSchema xmlns:ct="http://schemas.microsoft.com/office/2006/metadata/contentType" xmlns:ma="http://schemas.microsoft.com/office/2006/metadata/properties/metaAttributes" ct:_="" ma:_="" ma:contentTypeName="Document" ma:contentTypeID="0x010100D7398AE121397446B28901E5E849BF40" ma:contentTypeVersion="1" ma:contentTypeDescription="Create a new document." ma:contentTypeScope="" ma:versionID="a7e693a555462a2cb5a0a6921c4c327e">
   <xsd:schema xmlns:xsd="http://www.w3.org/2001/XMLSchema" xmlns:xs="http://www.w3.org/2001/XMLSchema" xmlns:p="http://schemas.microsoft.com/office/2006/metadata/properties" targetNamespace="http://schemas.microsoft.com/office/2006/metadata/properties" ma:root="true" ma:fieldsID="391dd5b7355e85894d95fdf891f88749">
     <xsd:element name="properties">
@@ -23720,10 +22548,33 @@
 </ct:contentTypeSchema>
 </file>
 
+<file path=customXml/item2.xml><?xml version="1.0" encoding="utf-8"?>
+<p:properties xmlns:p="http://schemas.microsoft.com/office/2006/metadata/properties" xmlns:xsi="http://www.w3.org/2001/XMLSchema-instance" xmlns:pc="http://schemas.microsoft.com/office/infopath/2007/PartnerControls">
+  <documentManagement/>
+</p:properties>
+</file>
+
+<file path=customXml/item3.xml><?xml version="1.0" encoding="utf-8"?>
+<?mso-contentType ?>
+<FormTemplates xmlns="http://schemas.microsoft.com/sharepoint/v3/contenttype/forms">
+  <Display>DocumentLibraryForm</Display>
+  <Edit>DocumentLibraryForm</Edit>
+  <New>DocumentLibraryForm</New>
+</FormTemplates>
+</file>
+
 <file path=customXml/itemProps1.xml><?xml version="1.0" encoding="utf-8"?>
-<ds:datastoreItem xmlns:ds="http://schemas.openxmlformats.org/officeDocument/2006/customXml" ds:itemID="{B857AB07-B2ED-439E-860F-4F56FB345D1B}">
+<ds:datastoreItem xmlns:ds="http://schemas.openxmlformats.org/officeDocument/2006/customXml" ds:itemID="{BC072F6F-04ED-4B85-B28F-4D6DE375C2E0}">
   <ds:schemaRefs>
-    <ds:schemaRef ds:uri="http://schemas.microsoft.com/sharepoint/v3/contenttype/forms"/>
+    <ds:schemaRef ds:uri="http://schemas.microsoft.com/office/2006/metadata/contentType"/>
+    <ds:schemaRef ds:uri="http://schemas.microsoft.com/office/2006/metadata/properties/metaAttributes"/>
+    <ds:schemaRef ds:uri="http://www.w3.org/2001/XMLSchema"/>
+    <ds:schemaRef ds:uri="http://schemas.microsoft.com/office/2006/metadata/properties"/>
+    <ds:schemaRef ds:uri="http://schemas.openxmlformats.org/package/2006/metadata/core-properties"/>
+    <ds:schemaRef ds:uri="http://purl.org/dc/elements/1.1/"/>
+    <ds:schemaRef ds:uri="http://purl.org/dc/terms/"/>
+    <ds:schemaRef ds:uri="http://schemas.microsoft.com/internal/obd"/>
+    <ds:schemaRef ds:uri="http://schemas.microsoft.com/office/infopath/2007/PartnerControls"/>
   </ds:schemaRefs>
 </ds:datastoreItem>
 </file>
@@ -23744,17 +22595,9 @@
 </file>
 
 <file path=customXml/itemProps3.xml><?xml version="1.0" encoding="utf-8"?>
-<ds:datastoreItem xmlns:ds="http://schemas.openxmlformats.org/officeDocument/2006/customXml" ds:itemID="{BC072F6F-04ED-4B85-B28F-4D6DE375C2E0}">
+<ds:datastoreItem xmlns:ds="http://schemas.openxmlformats.org/officeDocument/2006/customXml" ds:itemID="{B857AB07-B2ED-439E-860F-4F56FB345D1B}">
   <ds:schemaRefs>
-    <ds:schemaRef ds:uri="http://schemas.microsoft.com/office/2006/metadata/contentType"/>
-    <ds:schemaRef ds:uri="http://schemas.microsoft.com/office/2006/metadata/properties/metaAttributes"/>
-    <ds:schemaRef ds:uri="http://www.w3.org/2001/XMLSchema"/>
-    <ds:schemaRef ds:uri="http://schemas.microsoft.com/office/2006/metadata/properties"/>
-    <ds:schemaRef ds:uri="http://schemas.openxmlformats.org/package/2006/metadata/core-properties"/>
-    <ds:schemaRef ds:uri="http://purl.org/dc/elements/1.1/"/>
-    <ds:schemaRef ds:uri="http://purl.org/dc/terms/"/>
-    <ds:schemaRef ds:uri="http://schemas.microsoft.com/internal/obd"/>
-    <ds:schemaRef ds:uri="http://schemas.microsoft.com/office/infopath/2007/PartnerControls"/>
+    <ds:schemaRef ds:uri="http://schemas.microsoft.com/sharepoint/v3/contenttype/forms"/>
   </ds:schemaRefs>
 </ds:datastoreItem>
 </file>
--- a/Presentation/THasINKync - 4x3.pptx
+++ b/Presentation/THasINKync - 4x3.pptx
@@ -3,49 +3,44 @@
 <p:presentation xmlns:a="http://schemas.openxmlformats.org/drawingml/2006/main" xmlns:r="http://schemas.openxmlformats.org/officeDocument/2006/relationships" xmlns:p="http://schemas.openxmlformats.org/presentationml/2006/main" saveSubsetFonts="1" autoCompressPictures="0">
   <p:sldMasterIdLst>
     <p:sldMasterId id="2147483648" r:id="rId4"/>
-    <p:sldMasterId id="2147483674" r:id="rId5"/>
   </p:sldMasterIdLst>
   <p:sldIdLst>
-    <p:sldId id="256" r:id="rId6"/>
-    <p:sldId id="260" r:id="rId7"/>
-    <p:sldId id="261" r:id="rId8"/>
-    <p:sldId id="259" r:id="rId9"/>
-    <p:sldId id="257" r:id="rId10"/>
-    <p:sldId id="258" r:id="rId11"/>
-    <p:sldId id="262" r:id="rId12"/>
-    <p:sldId id="269" r:id="rId13"/>
-    <p:sldId id="263" r:id="rId14"/>
-    <p:sldId id="270" r:id="rId15"/>
-    <p:sldId id="264" r:id="rId16"/>
-    <p:sldId id="271" r:id="rId17"/>
-    <p:sldId id="265" r:id="rId18"/>
-    <p:sldId id="272" r:id="rId19"/>
-    <p:sldId id="266" r:id="rId20"/>
-    <p:sldId id="267" r:id="rId21"/>
-    <p:sldId id="295" r:id="rId22"/>
-    <p:sldId id="268" r:id="rId23"/>
-    <p:sldId id="273" r:id="rId24"/>
-    <p:sldId id="274" r:id="rId25"/>
-    <p:sldId id="278" r:id="rId26"/>
-    <p:sldId id="290" r:id="rId27"/>
-    <p:sldId id="275" r:id="rId28"/>
-    <p:sldId id="279" r:id="rId29"/>
-    <p:sldId id="281" r:id="rId30"/>
-    <p:sldId id="291" r:id="rId31"/>
-    <p:sldId id="277" r:id="rId32"/>
-    <p:sldId id="280" r:id="rId33"/>
-    <p:sldId id="282" r:id="rId34"/>
-    <p:sldId id="287" r:id="rId35"/>
-    <p:sldId id="283" r:id="rId36"/>
-    <p:sldId id="284" r:id="rId37"/>
-    <p:sldId id="288" r:id="rId38"/>
-    <p:sldId id="285" r:id="rId39"/>
-    <p:sldId id="286" r:id="rId40"/>
-    <p:sldId id="292" r:id="rId41"/>
-    <p:sldId id="289" r:id="rId42"/>
-    <p:sldId id="276" r:id="rId43"/>
-    <p:sldId id="294" r:id="rId44"/>
-    <p:sldId id="293" r:id="rId45"/>
+    <p:sldId id="260" r:id="rId5"/>
+    <p:sldId id="262" r:id="rId6"/>
+    <p:sldId id="296" r:id="rId7"/>
+    <p:sldId id="269" r:id="rId8"/>
+    <p:sldId id="263" r:id="rId9"/>
+    <p:sldId id="270" r:id="rId10"/>
+    <p:sldId id="264" r:id="rId11"/>
+    <p:sldId id="271" r:id="rId12"/>
+    <p:sldId id="265" r:id="rId13"/>
+    <p:sldId id="272" r:id="rId14"/>
+    <p:sldId id="266" r:id="rId15"/>
+    <p:sldId id="267" r:id="rId16"/>
+    <p:sldId id="295" r:id="rId17"/>
+    <p:sldId id="268" r:id="rId18"/>
+    <p:sldId id="273" r:id="rId19"/>
+    <p:sldId id="274" r:id="rId20"/>
+    <p:sldId id="278" r:id="rId21"/>
+    <p:sldId id="290" r:id="rId22"/>
+    <p:sldId id="275" r:id="rId23"/>
+    <p:sldId id="279" r:id="rId24"/>
+    <p:sldId id="281" r:id="rId25"/>
+    <p:sldId id="291" r:id="rId26"/>
+    <p:sldId id="277" r:id="rId27"/>
+    <p:sldId id="280" r:id="rId28"/>
+    <p:sldId id="282" r:id="rId29"/>
+    <p:sldId id="287" r:id="rId30"/>
+    <p:sldId id="283" r:id="rId31"/>
+    <p:sldId id="284" r:id="rId32"/>
+    <p:sldId id="288" r:id="rId33"/>
+    <p:sldId id="285" r:id="rId34"/>
+    <p:sldId id="286" r:id="rId35"/>
+    <p:sldId id="292" r:id="rId36"/>
+    <p:sldId id="289" r:id="rId37"/>
+    <p:sldId id="276" r:id="rId38"/>
+    <p:sldId id="294" r:id="rId39"/>
+    <p:sldId id="293" r:id="rId40"/>
   </p:sldIdLst>
   <p:sldSz cx="6858000" cy="5143500"/>
   <p:notesSz cx="6858000" cy="9144000"/>
@@ -3162,6 +3157,379 @@
       <dsp:cNvGrpSpPr/>
     </dsp:nvGrpSpPr>
     <dsp:grpSpPr/>
+    <dsp:sp modelId="{B88EDF4C-4C3E-43DA-8D4C-21268F4ED6EF}">
+      <dsp:nvSpPr>
+        <dsp:cNvPr id="0" name=""/>
+        <dsp:cNvSpPr/>
+      </dsp:nvSpPr>
+      <dsp:spPr>
+        <a:xfrm>
+          <a:off x="0" y="0"/>
+          <a:ext cx="1082239" cy="601244"/>
+        </a:xfrm>
+        <a:prstGeom prst="flowChartMultidocument">
+          <a:avLst/>
+        </a:prstGeom>
+        <a:solidFill>
+          <a:schemeClr val="accent1">
+            <a:hueOff val="0"/>
+            <a:satOff val="0"/>
+            <a:lumOff val="0"/>
+            <a:alphaOff val="0"/>
+          </a:schemeClr>
+        </a:solidFill>
+        <a:ln w="25400" cap="flat" cmpd="sng" algn="ctr">
+          <a:solidFill>
+            <a:schemeClr val="lt1">
+              <a:hueOff val="0"/>
+              <a:satOff val="0"/>
+              <a:lumOff val="0"/>
+              <a:alphaOff val="0"/>
+            </a:schemeClr>
+          </a:solidFill>
+          <a:prstDash val="solid"/>
+        </a:ln>
+        <a:effectLst/>
+      </dsp:spPr>
+      <dsp:style>
+        <a:lnRef idx="2">
+          <a:scrgbClr r="0" g="0" b="0"/>
+        </a:lnRef>
+        <a:fillRef idx="1">
+          <a:scrgbClr r="0" g="0" b="0"/>
+        </a:fillRef>
+        <a:effectRef idx="0">
+          <a:scrgbClr r="0" g="0" b="0"/>
+        </a:effectRef>
+        <a:fontRef idx="minor">
+          <a:schemeClr val="lt1"/>
+        </a:fontRef>
+      </dsp:style>
+      <dsp:txBody>
+        <a:bodyPr spcFirstLastPara="0" vert="horz" wrap="square" lIns="53340" tIns="53340" rIns="53340" bIns="53340" numCol="1" spcCol="1270" anchor="ctr" anchorCtr="0">
+          <a:noAutofit/>
+        </a:bodyPr>
+        <a:lstStyle/>
+        <a:p>
+          <a:pPr lvl="0" algn="ctr" defTabSz="622300">
+            <a:lnSpc>
+              <a:spcPct val="90000"/>
+            </a:lnSpc>
+            <a:spcBef>
+              <a:spcPct val="0"/>
+            </a:spcBef>
+            <a:spcAft>
+              <a:spcPct val="35000"/>
+            </a:spcAft>
+          </a:pPr>
+          <a:r>
+            <a:rPr lang="en-US" sz="1400" kern="1200" dirty="0" smtClean="0"/>
+            <a:t>…</a:t>
+          </a:r>
+          <a:endParaRPr lang="en-US" sz="1400" kern="1200" dirty="0"/>
+        </a:p>
+      </dsp:txBody>
+      <dsp:txXfrm>
+        <a:off x="0" y="102295"/>
+        <a:ext cx="931678" cy="476180"/>
+      </dsp:txXfrm>
+    </dsp:sp>
+    <dsp:sp modelId="{6F3F6FFB-3805-400E-92AC-42AFFB8E29D5}">
+      <dsp:nvSpPr>
+        <dsp:cNvPr id="0" name=""/>
+        <dsp:cNvSpPr/>
+      </dsp:nvSpPr>
+      <dsp:spPr>
+        <a:xfrm rot="5400000">
+          <a:off x="428386" y="616275"/>
+          <a:ext cx="225466" cy="270559"/>
+        </a:xfrm>
+        <a:prstGeom prst="rightArrow">
+          <a:avLst>
+            <a:gd name="adj1" fmla="val 60000"/>
+            <a:gd name="adj2" fmla="val 50000"/>
+          </a:avLst>
+        </a:prstGeom>
+        <a:solidFill>
+          <a:schemeClr val="accent1">
+            <a:tint val="60000"/>
+            <a:hueOff val="0"/>
+            <a:satOff val="0"/>
+            <a:lumOff val="0"/>
+            <a:alphaOff val="0"/>
+          </a:schemeClr>
+        </a:solidFill>
+        <a:ln>
+          <a:noFill/>
+        </a:ln>
+        <a:effectLst/>
+      </dsp:spPr>
+      <dsp:style>
+        <a:lnRef idx="0">
+          <a:scrgbClr r="0" g="0" b="0"/>
+        </a:lnRef>
+        <a:fillRef idx="1">
+          <a:scrgbClr r="0" g="0" b="0"/>
+        </a:fillRef>
+        <a:effectRef idx="0">
+          <a:scrgbClr r="0" g="0" b="0"/>
+        </a:effectRef>
+        <a:fontRef idx="minor">
+          <a:schemeClr val="lt1"/>
+        </a:fontRef>
+      </dsp:style>
+      <dsp:txBody>
+        <a:bodyPr spcFirstLastPara="0" vert="horz" wrap="square" lIns="0" tIns="0" rIns="0" bIns="0" numCol="1" spcCol="1270" anchor="ctr" anchorCtr="0">
+          <a:noAutofit/>
+        </a:bodyPr>
+        <a:lstStyle/>
+        <a:p>
+          <a:pPr lvl="0" algn="ctr" defTabSz="488950">
+            <a:lnSpc>
+              <a:spcPct val="90000"/>
+            </a:lnSpc>
+            <a:spcBef>
+              <a:spcPct val="0"/>
+            </a:spcBef>
+            <a:spcAft>
+              <a:spcPct val="35000"/>
+            </a:spcAft>
+          </a:pPr>
+          <a:endParaRPr lang="en-US" sz="1100" kern="1200"/>
+        </a:p>
+      </dsp:txBody>
+      <dsp:txXfrm rot="-5400000">
+        <a:off x="459952" y="638821"/>
+        <a:ext cx="162335" cy="157826"/>
+      </dsp:txXfrm>
+    </dsp:sp>
+    <dsp:sp modelId="{25EF5F4E-FB50-4FF9-B013-E9D8AA82EDC7}">
+      <dsp:nvSpPr>
+        <dsp:cNvPr id="0" name=""/>
+        <dsp:cNvSpPr/>
+      </dsp:nvSpPr>
+      <dsp:spPr>
+        <a:xfrm>
+          <a:off x="0" y="901866"/>
+          <a:ext cx="1082239" cy="601244"/>
+        </a:xfrm>
+        <a:prstGeom prst="roundRect">
+          <a:avLst>
+            <a:gd name="adj" fmla="val 10000"/>
+          </a:avLst>
+        </a:prstGeom>
+        <a:solidFill>
+          <a:schemeClr val="accent1">
+            <a:hueOff val="0"/>
+            <a:satOff val="0"/>
+            <a:lumOff val="0"/>
+            <a:alphaOff val="0"/>
+          </a:schemeClr>
+        </a:solidFill>
+        <a:ln w="25400" cap="flat" cmpd="sng" algn="ctr">
+          <a:solidFill>
+            <a:schemeClr val="lt1">
+              <a:hueOff val="0"/>
+              <a:satOff val="0"/>
+              <a:lumOff val="0"/>
+              <a:alphaOff val="0"/>
+            </a:schemeClr>
+          </a:solidFill>
+          <a:prstDash val="solid"/>
+        </a:ln>
+        <a:effectLst/>
+      </dsp:spPr>
+      <dsp:style>
+        <a:lnRef idx="2">
+          <a:scrgbClr r="0" g="0" b="0"/>
+        </a:lnRef>
+        <a:fillRef idx="1">
+          <a:scrgbClr r="0" g="0" b="0"/>
+        </a:fillRef>
+        <a:effectRef idx="0">
+          <a:scrgbClr r="0" g="0" b="0"/>
+        </a:effectRef>
+        <a:fontRef idx="minor">
+          <a:schemeClr val="lt1"/>
+        </a:fontRef>
+      </dsp:style>
+      <dsp:txBody>
+        <a:bodyPr spcFirstLastPara="0" vert="horz" wrap="square" lIns="53340" tIns="53340" rIns="53340" bIns="53340" numCol="1" spcCol="1270" anchor="ctr" anchorCtr="0">
+          <a:noAutofit/>
+        </a:bodyPr>
+        <a:lstStyle/>
+        <a:p>
+          <a:pPr lvl="0" algn="ctr" defTabSz="622300">
+            <a:lnSpc>
+              <a:spcPct val="90000"/>
+            </a:lnSpc>
+            <a:spcBef>
+              <a:spcPct val="0"/>
+            </a:spcBef>
+            <a:spcAft>
+              <a:spcPct val="35000"/>
+            </a:spcAft>
+          </a:pPr>
+          <a:r>
+            <a:rPr lang="en-US" sz="1400" kern="1200" dirty="0" smtClean="0"/>
+            <a:t>Accumulate Into Subtotal</a:t>
+          </a:r>
+          <a:endParaRPr lang="en-US" sz="1400" kern="1200" dirty="0"/>
+        </a:p>
+      </dsp:txBody>
+      <dsp:txXfrm>
+        <a:off x="17610" y="919476"/>
+        <a:ext cx="1047019" cy="566024"/>
+      </dsp:txXfrm>
+    </dsp:sp>
+    <dsp:sp modelId="{1BBC6809-A424-46A5-9C8A-0973516973CB}">
+      <dsp:nvSpPr>
+        <dsp:cNvPr id="0" name=""/>
+        <dsp:cNvSpPr/>
+      </dsp:nvSpPr>
+      <dsp:spPr>
+        <a:xfrm rot="5400000">
+          <a:off x="428386" y="1518141"/>
+          <a:ext cx="225466" cy="270559"/>
+        </a:xfrm>
+        <a:prstGeom prst="rightArrow">
+          <a:avLst>
+            <a:gd name="adj1" fmla="val 60000"/>
+            <a:gd name="adj2" fmla="val 50000"/>
+          </a:avLst>
+        </a:prstGeom>
+        <a:solidFill>
+          <a:schemeClr val="accent1">
+            <a:tint val="60000"/>
+            <a:hueOff val="0"/>
+            <a:satOff val="0"/>
+            <a:lumOff val="0"/>
+            <a:alphaOff val="0"/>
+          </a:schemeClr>
+        </a:solidFill>
+        <a:ln>
+          <a:noFill/>
+        </a:ln>
+        <a:effectLst/>
+      </dsp:spPr>
+      <dsp:style>
+        <a:lnRef idx="0">
+          <a:scrgbClr r="0" g="0" b="0"/>
+        </a:lnRef>
+        <a:fillRef idx="1">
+          <a:scrgbClr r="0" g="0" b="0"/>
+        </a:fillRef>
+        <a:effectRef idx="0">
+          <a:scrgbClr r="0" g="0" b="0"/>
+        </a:effectRef>
+        <a:fontRef idx="minor">
+          <a:schemeClr val="lt1"/>
+        </a:fontRef>
+      </dsp:style>
+      <dsp:txBody>
+        <a:bodyPr spcFirstLastPara="0" vert="horz" wrap="square" lIns="0" tIns="0" rIns="0" bIns="0" numCol="1" spcCol="1270" anchor="ctr" anchorCtr="0">
+          <a:noAutofit/>
+        </a:bodyPr>
+        <a:lstStyle/>
+        <a:p>
+          <a:pPr lvl="0" algn="ctr" defTabSz="488950">
+            <a:lnSpc>
+              <a:spcPct val="90000"/>
+            </a:lnSpc>
+            <a:spcBef>
+              <a:spcPct val="0"/>
+            </a:spcBef>
+            <a:spcAft>
+              <a:spcPct val="35000"/>
+            </a:spcAft>
+          </a:pPr>
+          <a:endParaRPr lang="en-US" sz="1100" kern="1200"/>
+        </a:p>
+      </dsp:txBody>
+      <dsp:txXfrm rot="-5400000">
+        <a:off x="459952" y="1540687"/>
+        <a:ext cx="162335" cy="157826"/>
+      </dsp:txXfrm>
+    </dsp:sp>
+    <dsp:sp modelId="{A72FF043-F390-4BC5-BCF5-E6F82BAB33C5}">
+      <dsp:nvSpPr>
+        <dsp:cNvPr id="0" name=""/>
+        <dsp:cNvSpPr/>
+      </dsp:nvSpPr>
+      <dsp:spPr>
+        <a:xfrm>
+          <a:off x="0" y="1803732"/>
+          <a:ext cx="1082239" cy="601244"/>
+        </a:xfrm>
+        <a:prstGeom prst="roundRect">
+          <a:avLst>
+            <a:gd name="adj" fmla="val 10000"/>
+          </a:avLst>
+        </a:prstGeom>
+        <a:solidFill>
+          <a:schemeClr val="accent1">
+            <a:hueOff val="0"/>
+            <a:satOff val="0"/>
+            <a:lumOff val="0"/>
+            <a:alphaOff val="0"/>
+          </a:schemeClr>
+        </a:solidFill>
+        <a:ln w="25400" cap="flat" cmpd="sng" algn="ctr">
+          <a:solidFill>
+            <a:schemeClr val="lt1">
+              <a:hueOff val="0"/>
+              <a:satOff val="0"/>
+              <a:lumOff val="0"/>
+              <a:alphaOff val="0"/>
+            </a:schemeClr>
+          </a:solidFill>
+          <a:prstDash val="solid"/>
+        </a:ln>
+        <a:effectLst/>
+      </dsp:spPr>
+      <dsp:style>
+        <a:lnRef idx="2">
+          <a:scrgbClr r="0" g="0" b="0"/>
+        </a:lnRef>
+        <a:fillRef idx="1">
+          <a:scrgbClr r="0" g="0" b="0"/>
+        </a:fillRef>
+        <a:effectRef idx="0">
+          <a:scrgbClr r="0" g="0" b="0"/>
+        </a:effectRef>
+        <a:fontRef idx="minor">
+          <a:schemeClr val="lt1"/>
+        </a:fontRef>
+      </dsp:style>
+      <dsp:txBody>
+        <a:bodyPr spcFirstLastPara="0" vert="horz" wrap="square" lIns="53340" tIns="53340" rIns="53340" bIns="53340" numCol="1" spcCol="1270" anchor="ctr" anchorCtr="0">
+          <a:noAutofit/>
+        </a:bodyPr>
+        <a:lstStyle/>
+        <a:p>
+          <a:pPr lvl="0" algn="ctr" defTabSz="622300">
+            <a:lnSpc>
+              <a:spcPct val="90000"/>
+            </a:lnSpc>
+            <a:spcBef>
+              <a:spcPct val="0"/>
+            </a:spcBef>
+            <a:spcAft>
+              <a:spcPct val="35000"/>
+            </a:spcAft>
+          </a:pPr>
+          <a:r>
+            <a:rPr lang="en-US" sz="1400" kern="1200" dirty="0" smtClean="0"/>
+            <a:t>Add Subtotal to Result</a:t>
+          </a:r>
+          <a:endParaRPr lang="en-US" sz="1400" kern="1200" dirty="0"/>
+        </a:p>
+      </dsp:txBody>
+      <dsp:txXfrm>
+        <a:off x="17610" y="1821342"/>
+        <a:ext cx="1047019" cy="566024"/>
+      </dsp:txXfrm>
+    </dsp:sp>
   </dsp:spTree>
 </dsp:drawing>
 </file>
@@ -3174,6 +3542,379 @@
       <dsp:cNvGrpSpPr/>
     </dsp:nvGrpSpPr>
     <dsp:grpSpPr/>
+    <dsp:sp modelId="{B88EDF4C-4C3E-43DA-8D4C-21268F4ED6EF}">
+      <dsp:nvSpPr>
+        <dsp:cNvPr id="0" name=""/>
+        <dsp:cNvSpPr/>
+      </dsp:nvSpPr>
+      <dsp:spPr>
+        <a:xfrm>
+          <a:off x="0" y="0"/>
+          <a:ext cx="1082239" cy="601244"/>
+        </a:xfrm>
+        <a:prstGeom prst="flowChartMultidocument">
+          <a:avLst/>
+        </a:prstGeom>
+        <a:solidFill>
+          <a:schemeClr val="accent1">
+            <a:hueOff val="0"/>
+            <a:satOff val="0"/>
+            <a:lumOff val="0"/>
+            <a:alphaOff val="0"/>
+          </a:schemeClr>
+        </a:solidFill>
+        <a:ln w="25400" cap="flat" cmpd="sng" algn="ctr">
+          <a:solidFill>
+            <a:schemeClr val="lt1">
+              <a:hueOff val="0"/>
+              <a:satOff val="0"/>
+              <a:lumOff val="0"/>
+              <a:alphaOff val="0"/>
+            </a:schemeClr>
+          </a:solidFill>
+          <a:prstDash val="solid"/>
+        </a:ln>
+        <a:effectLst/>
+      </dsp:spPr>
+      <dsp:style>
+        <a:lnRef idx="2">
+          <a:scrgbClr r="0" g="0" b="0"/>
+        </a:lnRef>
+        <a:fillRef idx="1">
+          <a:scrgbClr r="0" g="0" b="0"/>
+        </a:fillRef>
+        <a:effectRef idx="0">
+          <a:scrgbClr r="0" g="0" b="0"/>
+        </a:effectRef>
+        <a:fontRef idx="minor">
+          <a:schemeClr val="lt1"/>
+        </a:fontRef>
+      </dsp:style>
+      <dsp:txBody>
+        <a:bodyPr spcFirstLastPara="0" vert="horz" wrap="square" lIns="53340" tIns="53340" rIns="53340" bIns="53340" numCol="1" spcCol="1270" anchor="ctr" anchorCtr="0">
+          <a:noAutofit/>
+        </a:bodyPr>
+        <a:lstStyle/>
+        <a:p>
+          <a:pPr lvl="0" algn="ctr" defTabSz="622300">
+            <a:lnSpc>
+              <a:spcPct val="90000"/>
+            </a:lnSpc>
+            <a:spcBef>
+              <a:spcPct val="0"/>
+            </a:spcBef>
+            <a:spcAft>
+              <a:spcPct val="35000"/>
+            </a:spcAft>
+          </a:pPr>
+          <a:r>
+            <a:rPr lang="en-US" sz="1400" kern="1200" dirty="0" smtClean="0"/>
+            <a:t>…</a:t>
+          </a:r>
+          <a:endParaRPr lang="en-US" sz="1400" kern="1200" dirty="0"/>
+        </a:p>
+      </dsp:txBody>
+      <dsp:txXfrm>
+        <a:off x="0" y="102295"/>
+        <a:ext cx="931678" cy="476180"/>
+      </dsp:txXfrm>
+    </dsp:sp>
+    <dsp:sp modelId="{6F3F6FFB-3805-400E-92AC-42AFFB8E29D5}">
+      <dsp:nvSpPr>
+        <dsp:cNvPr id="0" name=""/>
+        <dsp:cNvSpPr/>
+      </dsp:nvSpPr>
+      <dsp:spPr>
+        <a:xfrm rot="5400000">
+          <a:off x="428386" y="616275"/>
+          <a:ext cx="225466" cy="270559"/>
+        </a:xfrm>
+        <a:prstGeom prst="rightArrow">
+          <a:avLst>
+            <a:gd name="adj1" fmla="val 60000"/>
+            <a:gd name="adj2" fmla="val 50000"/>
+          </a:avLst>
+        </a:prstGeom>
+        <a:solidFill>
+          <a:schemeClr val="accent1">
+            <a:tint val="60000"/>
+            <a:hueOff val="0"/>
+            <a:satOff val="0"/>
+            <a:lumOff val="0"/>
+            <a:alphaOff val="0"/>
+          </a:schemeClr>
+        </a:solidFill>
+        <a:ln>
+          <a:noFill/>
+        </a:ln>
+        <a:effectLst/>
+      </dsp:spPr>
+      <dsp:style>
+        <a:lnRef idx="0">
+          <a:scrgbClr r="0" g="0" b="0"/>
+        </a:lnRef>
+        <a:fillRef idx="1">
+          <a:scrgbClr r="0" g="0" b="0"/>
+        </a:fillRef>
+        <a:effectRef idx="0">
+          <a:scrgbClr r="0" g="0" b="0"/>
+        </a:effectRef>
+        <a:fontRef idx="minor">
+          <a:schemeClr val="lt1"/>
+        </a:fontRef>
+      </dsp:style>
+      <dsp:txBody>
+        <a:bodyPr spcFirstLastPara="0" vert="horz" wrap="square" lIns="0" tIns="0" rIns="0" bIns="0" numCol="1" spcCol="1270" anchor="ctr" anchorCtr="0">
+          <a:noAutofit/>
+        </a:bodyPr>
+        <a:lstStyle/>
+        <a:p>
+          <a:pPr lvl="0" algn="ctr" defTabSz="488950">
+            <a:lnSpc>
+              <a:spcPct val="90000"/>
+            </a:lnSpc>
+            <a:spcBef>
+              <a:spcPct val="0"/>
+            </a:spcBef>
+            <a:spcAft>
+              <a:spcPct val="35000"/>
+            </a:spcAft>
+          </a:pPr>
+          <a:endParaRPr lang="en-US" sz="1100" kern="1200"/>
+        </a:p>
+      </dsp:txBody>
+      <dsp:txXfrm rot="-5400000">
+        <a:off x="459952" y="638821"/>
+        <a:ext cx="162335" cy="157826"/>
+      </dsp:txXfrm>
+    </dsp:sp>
+    <dsp:sp modelId="{25EF5F4E-FB50-4FF9-B013-E9D8AA82EDC7}">
+      <dsp:nvSpPr>
+        <dsp:cNvPr id="0" name=""/>
+        <dsp:cNvSpPr/>
+      </dsp:nvSpPr>
+      <dsp:spPr>
+        <a:xfrm>
+          <a:off x="0" y="901866"/>
+          <a:ext cx="1082239" cy="601244"/>
+        </a:xfrm>
+        <a:prstGeom prst="roundRect">
+          <a:avLst>
+            <a:gd name="adj" fmla="val 10000"/>
+          </a:avLst>
+        </a:prstGeom>
+        <a:solidFill>
+          <a:schemeClr val="accent1">
+            <a:hueOff val="0"/>
+            <a:satOff val="0"/>
+            <a:lumOff val="0"/>
+            <a:alphaOff val="0"/>
+          </a:schemeClr>
+        </a:solidFill>
+        <a:ln w="25400" cap="flat" cmpd="sng" algn="ctr">
+          <a:solidFill>
+            <a:schemeClr val="lt1">
+              <a:hueOff val="0"/>
+              <a:satOff val="0"/>
+              <a:lumOff val="0"/>
+              <a:alphaOff val="0"/>
+            </a:schemeClr>
+          </a:solidFill>
+          <a:prstDash val="solid"/>
+        </a:ln>
+        <a:effectLst/>
+      </dsp:spPr>
+      <dsp:style>
+        <a:lnRef idx="2">
+          <a:scrgbClr r="0" g="0" b="0"/>
+        </a:lnRef>
+        <a:fillRef idx="1">
+          <a:scrgbClr r="0" g="0" b="0"/>
+        </a:fillRef>
+        <a:effectRef idx="0">
+          <a:scrgbClr r="0" g="0" b="0"/>
+        </a:effectRef>
+        <a:fontRef idx="minor">
+          <a:schemeClr val="lt1"/>
+        </a:fontRef>
+      </dsp:style>
+      <dsp:txBody>
+        <a:bodyPr spcFirstLastPara="0" vert="horz" wrap="square" lIns="53340" tIns="53340" rIns="53340" bIns="53340" numCol="1" spcCol="1270" anchor="ctr" anchorCtr="0">
+          <a:noAutofit/>
+        </a:bodyPr>
+        <a:lstStyle/>
+        <a:p>
+          <a:pPr lvl="0" algn="ctr" defTabSz="622300">
+            <a:lnSpc>
+              <a:spcPct val="90000"/>
+            </a:lnSpc>
+            <a:spcBef>
+              <a:spcPct val="0"/>
+            </a:spcBef>
+            <a:spcAft>
+              <a:spcPct val="35000"/>
+            </a:spcAft>
+          </a:pPr>
+          <a:r>
+            <a:rPr lang="en-US" sz="1400" kern="1200" dirty="0" smtClean="0"/>
+            <a:t>Accumulate Into Subtotal</a:t>
+          </a:r>
+          <a:endParaRPr lang="en-US" sz="1400" kern="1200" dirty="0"/>
+        </a:p>
+      </dsp:txBody>
+      <dsp:txXfrm>
+        <a:off x="17610" y="919476"/>
+        <a:ext cx="1047019" cy="566024"/>
+      </dsp:txXfrm>
+    </dsp:sp>
+    <dsp:sp modelId="{1BBC6809-A424-46A5-9C8A-0973516973CB}">
+      <dsp:nvSpPr>
+        <dsp:cNvPr id="0" name=""/>
+        <dsp:cNvSpPr/>
+      </dsp:nvSpPr>
+      <dsp:spPr>
+        <a:xfrm rot="5400000">
+          <a:off x="428386" y="1518141"/>
+          <a:ext cx="225466" cy="270559"/>
+        </a:xfrm>
+        <a:prstGeom prst="rightArrow">
+          <a:avLst>
+            <a:gd name="adj1" fmla="val 60000"/>
+            <a:gd name="adj2" fmla="val 50000"/>
+          </a:avLst>
+        </a:prstGeom>
+        <a:solidFill>
+          <a:schemeClr val="accent1">
+            <a:tint val="60000"/>
+            <a:hueOff val="0"/>
+            <a:satOff val="0"/>
+            <a:lumOff val="0"/>
+            <a:alphaOff val="0"/>
+          </a:schemeClr>
+        </a:solidFill>
+        <a:ln>
+          <a:noFill/>
+        </a:ln>
+        <a:effectLst/>
+      </dsp:spPr>
+      <dsp:style>
+        <a:lnRef idx="0">
+          <a:scrgbClr r="0" g="0" b="0"/>
+        </a:lnRef>
+        <a:fillRef idx="1">
+          <a:scrgbClr r="0" g="0" b="0"/>
+        </a:fillRef>
+        <a:effectRef idx="0">
+          <a:scrgbClr r="0" g="0" b="0"/>
+        </a:effectRef>
+        <a:fontRef idx="minor">
+          <a:schemeClr val="lt1"/>
+        </a:fontRef>
+      </dsp:style>
+      <dsp:txBody>
+        <a:bodyPr spcFirstLastPara="0" vert="horz" wrap="square" lIns="0" tIns="0" rIns="0" bIns="0" numCol="1" spcCol="1270" anchor="ctr" anchorCtr="0">
+          <a:noAutofit/>
+        </a:bodyPr>
+        <a:lstStyle/>
+        <a:p>
+          <a:pPr lvl="0" algn="ctr" defTabSz="488950">
+            <a:lnSpc>
+              <a:spcPct val="90000"/>
+            </a:lnSpc>
+            <a:spcBef>
+              <a:spcPct val="0"/>
+            </a:spcBef>
+            <a:spcAft>
+              <a:spcPct val="35000"/>
+            </a:spcAft>
+          </a:pPr>
+          <a:endParaRPr lang="en-US" sz="1100" kern="1200"/>
+        </a:p>
+      </dsp:txBody>
+      <dsp:txXfrm rot="-5400000">
+        <a:off x="459952" y="1540687"/>
+        <a:ext cx="162335" cy="157826"/>
+      </dsp:txXfrm>
+    </dsp:sp>
+    <dsp:sp modelId="{A72FF043-F390-4BC5-BCF5-E6F82BAB33C5}">
+      <dsp:nvSpPr>
+        <dsp:cNvPr id="0" name=""/>
+        <dsp:cNvSpPr/>
+      </dsp:nvSpPr>
+      <dsp:spPr>
+        <a:xfrm>
+          <a:off x="0" y="1803732"/>
+          <a:ext cx="1082239" cy="601244"/>
+        </a:xfrm>
+        <a:prstGeom prst="roundRect">
+          <a:avLst>
+            <a:gd name="adj" fmla="val 10000"/>
+          </a:avLst>
+        </a:prstGeom>
+        <a:solidFill>
+          <a:schemeClr val="accent1">
+            <a:hueOff val="0"/>
+            <a:satOff val="0"/>
+            <a:lumOff val="0"/>
+            <a:alphaOff val="0"/>
+          </a:schemeClr>
+        </a:solidFill>
+        <a:ln w="25400" cap="flat" cmpd="sng" algn="ctr">
+          <a:solidFill>
+            <a:schemeClr val="lt1">
+              <a:hueOff val="0"/>
+              <a:satOff val="0"/>
+              <a:lumOff val="0"/>
+              <a:alphaOff val="0"/>
+            </a:schemeClr>
+          </a:solidFill>
+          <a:prstDash val="solid"/>
+        </a:ln>
+        <a:effectLst/>
+      </dsp:spPr>
+      <dsp:style>
+        <a:lnRef idx="2">
+          <a:scrgbClr r="0" g="0" b="0"/>
+        </a:lnRef>
+        <a:fillRef idx="1">
+          <a:scrgbClr r="0" g="0" b="0"/>
+        </a:fillRef>
+        <a:effectRef idx="0">
+          <a:scrgbClr r="0" g="0" b="0"/>
+        </a:effectRef>
+        <a:fontRef idx="minor">
+          <a:schemeClr val="lt1"/>
+        </a:fontRef>
+      </dsp:style>
+      <dsp:txBody>
+        <a:bodyPr spcFirstLastPara="0" vert="horz" wrap="square" lIns="53340" tIns="53340" rIns="53340" bIns="53340" numCol="1" spcCol="1270" anchor="ctr" anchorCtr="0">
+          <a:noAutofit/>
+        </a:bodyPr>
+        <a:lstStyle/>
+        <a:p>
+          <a:pPr lvl="0" algn="ctr" defTabSz="622300">
+            <a:lnSpc>
+              <a:spcPct val="90000"/>
+            </a:lnSpc>
+            <a:spcBef>
+              <a:spcPct val="0"/>
+            </a:spcBef>
+            <a:spcAft>
+              <a:spcPct val="35000"/>
+            </a:spcAft>
+          </a:pPr>
+          <a:r>
+            <a:rPr lang="en-US" sz="1400" kern="1200" dirty="0" smtClean="0"/>
+            <a:t>Add Subtotal to Result</a:t>
+          </a:r>
+          <a:endParaRPr lang="en-US" sz="1400" kern="1200" dirty="0"/>
+        </a:p>
+      </dsp:txBody>
+      <dsp:txXfrm>
+        <a:off x="17610" y="1821342"/>
+        <a:ext cx="1047019" cy="566024"/>
+      </dsp:txXfrm>
+    </dsp:sp>
   </dsp:spTree>
 </dsp:drawing>
 </file>
@@ -3186,6 +3927,379 @@
       <dsp:cNvGrpSpPr/>
     </dsp:nvGrpSpPr>
     <dsp:grpSpPr/>
+    <dsp:sp modelId="{B88EDF4C-4C3E-43DA-8D4C-21268F4ED6EF}">
+      <dsp:nvSpPr>
+        <dsp:cNvPr id="0" name=""/>
+        <dsp:cNvSpPr/>
+      </dsp:nvSpPr>
+      <dsp:spPr>
+        <a:xfrm>
+          <a:off x="0" y="0"/>
+          <a:ext cx="1082239" cy="601244"/>
+        </a:xfrm>
+        <a:prstGeom prst="flowChartMultidocument">
+          <a:avLst/>
+        </a:prstGeom>
+        <a:solidFill>
+          <a:schemeClr val="accent1">
+            <a:hueOff val="0"/>
+            <a:satOff val="0"/>
+            <a:lumOff val="0"/>
+            <a:alphaOff val="0"/>
+          </a:schemeClr>
+        </a:solidFill>
+        <a:ln w="25400" cap="flat" cmpd="sng" algn="ctr">
+          <a:solidFill>
+            <a:schemeClr val="lt1">
+              <a:hueOff val="0"/>
+              <a:satOff val="0"/>
+              <a:lumOff val="0"/>
+              <a:alphaOff val="0"/>
+            </a:schemeClr>
+          </a:solidFill>
+          <a:prstDash val="solid"/>
+        </a:ln>
+        <a:effectLst/>
+      </dsp:spPr>
+      <dsp:style>
+        <a:lnRef idx="2">
+          <a:scrgbClr r="0" g="0" b="0"/>
+        </a:lnRef>
+        <a:fillRef idx="1">
+          <a:scrgbClr r="0" g="0" b="0"/>
+        </a:fillRef>
+        <a:effectRef idx="0">
+          <a:scrgbClr r="0" g="0" b="0"/>
+        </a:effectRef>
+        <a:fontRef idx="minor">
+          <a:schemeClr val="lt1"/>
+        </a:fontRef>
+      </dsp:style>
+      <dsp:txBody>
+        <a:bodyPr spcFirstLastPara="0" vert="horz" wrap="square" lIns="53340" tIns="53340" rIns="53340" bIns="53340" numCol="1" spcCol="1270" anchor="ctr" anchorCtr="0">
+          <a:noAutofit/>
+        </a:bodyPr>
+        <a:lstStyle/>
+        <a:p>
+          <a:pPr lvl="0" algn="ctr" defTabSz="622300">
+            <a:lnSpc>
+              <a:spcPct val="90000"/>
+            </a:lnSpc>
+            <a:spcBef>
+              <a:spcPct val="0"/>
+            </a:spcBef>
+            <a:spcAft>
+              <a:spcPct val="35000"/>
+            </a:spcAft>
+          </a:pPr>
+          <a:r>
+            <a:rPr lang="en-US" sz="1400" kern="1200" dirty="0" smtClean="0"/>
+            <a:t>…</a:t>
+          </a:r>
+          <a:endParaRPr lang="en-US" sz="1400" kern="1200" dirty="0"/>
+        </a:p>
+      </dsp:txBody>
+      <dsp:txXfrm>
+        <a:off x="0" y="102295"/>
+        <a:ext cx="931678" cy="476180"/>
+      </dsp:txXfrm>
+    </dsp:sp>
+    <dsp:sp modelId="{6F3F6FFB-3805-400E-92AC-42AFFB8E29D5}">
+      <dsp:nvSpPr>
+        <dsp:cNvPr id="0" name=""/>
+        <dsp:cNvSpPr/>
+      </dsp:nvSpPr>
+      <dsp:spPr>
+        <a:xfrm rot="5400000">
+          <a:off x="428386" y="616275"/>
+          <a:ext cx="225466" cy="270559"/>
+        </a:xfrm>
+        <a:prstGeom prst="rightArrow">
+          <a:avLst>
+            <a:gd name="adj1" fmla="val 60000"/>
+            <a:gd name="adj2" fmla="val 50000"/>
+          </a:avLst>
+        </a:prstGeom>
+        <a:solidFill>
+          <a:schemeClr val="accent1">
+            <a:tint val="60000"/>
+            <a:hueOff val="0"/>
+            <a:satOff val="0"/>
+            <a:lumOff val="0"/>
+            <a:alphaOff val="0"/>
+          </a:schemeClr>
+        </a:solidFill>
+        <a:ln>
+          <a:noFill/>
+        </a:ln>
+        <a:effectLst/>
+      </dsp:spPr>
+      <dsp:style>
+        <a:lnRef idx="0">
+          <a:scrgbClr r="0" g="0" b="0"/>
+        </a:lnRef>
+        <a:fillRef idx="1">
+          <a:scrgbClr r="0" g="0" b="0"/>
+        </a:fillRef>
+        <a:effectRef idx="0">
+          <a:scrgbClr r="0" g="0" b="0"/>
+        </a:effectRef>
+        <a:fontRef idx="minor">
+          <a:schemeClr val="lt1"/>
+        </a:fontRef>
+      </dsp:style>
+      <dsp:txBody>
+        <a:bodyPr spcFirstLastPara="0" vert="horz" wrap="square" lIns="0" tIns="0" rIns="0" bIns="0" numCol="1" spcCol="1270" anchor="ctr" anchorCtr="0">
+          <a:noAutofit/>
+        </a:bodyPr>
+        <a:lstStyle/>
+        <a:p>
+          <a:pPr lvl="0" algn="ctr" defTabSz="488950">
+            <a:lnSpc>
+              <a:spcPct val="90000"/>
+            </a:lnSpc>
+            <a:spcBef>
+              <a:spcPct val="0"/>
+            </a:spcBef>
+            <a:spcAft>
+              <a:spcPct val="35000"/>
+            </a:spcAft>
+          </a:pPr>
+          <a:endParaRPr lang="en-US" sz="1100" kern="1200"/>
+        </a:p>
+      </dsp:txBody>
+      <dsp:txXfrm rot="-5400000">
+        <a:off x="459952" y="638821"/>
+        <a:ext cx="162335" cy="157826"/>
+      </dsp:txXfrm>
+    </dsp:sp>
+    <dsp:sp modelId="{25EF5F4E-FB50-4FF9-B013-E9D8AA82EDC7}">
+      <dsp:nvSpPr>
+        <dsp:cNvPr id="0" name=""/>
+        <dsp:cNvSpPr/>
+      </dsp:nvSpPr>
+      <dsp:spPr>
+        <a:xfrm>
+          <a:off x="0" y="901866"/>
+          <a:ext cx="1082239" cy="601244"/>
+        </a:xfrm>
+        <a:prstGeom prst="roundRect">
+          <a:avLst>
+            <a:gd name="adj" fmla="val 10000"/>
+          </a:avLst>
+        </a:prstGeom>
+        <a:solidFill>
+          <a:schemeClr val="accent1">
+            <a:hueOff val="0"/>
+            <a:satOff val="0"/>
+            <a:lumOff val="0"/>
+            <a:alphaOff val="0"/>
+          </a:schemeClr>
+        </a:solidFill>
+        <a:ln w="25400" cap="flat" cmpd="sng" algn="ctr">
+          <a:solidFill>
+            <a:schemeClr val="lt1">
+              <a:hueOff val="0"/>
+              <a:satOff val="0"/>
+              <a:lumOff val="0"/>
+              <a:alphaOff val="0"/>
+            </a:schemeClr>
+          </a:solidFill>
+          <a:prstDash val="solid"/>
+        </a:ln>
+        <a:effectLst/>
+      </dsp:spPr>
+      <dsp:style>
+        <a:lnRef idx="2">
+          <a:scrgbClr r="0" g="0" b="0"/>
+        </a:lnRef>
+        <a:fillRef idx="1">
+          <a:scrgbClr r="0" g="0" b="0"/>
+        </a:fillRef>
+        <a:effectRef idx="0">
+          <a:scrgbClr r="0" g="0" b="0"/>
+        </a:effectRef>
+        <a:fontRef idx="minor">
+          <a:schemeClr val="lt1"/>
+        </a:fontRef>
+      </dsp:style>
+      <dsp:txBody>
+        <a:bodyPr spcFirstLastPara="0" vert="horz" wrap="square" lIns="53340" tIns="53340" rIns="53340" bIns="53340" numCol="1" spcCol="1270" anchor="ctr" anchorCtr="0">
+          <a:noAutofit/>
+        </a:bodyPr>
+        <a:lstStyle/>
+        <a:p>
+          <a:pPr lvl="0" algn="ctr" defTabSz="622300">
+            <a:lnSpc>
+              <a:spcPct val="90000"/>
+            </a:lnSpc>
+            <a:spcBef>
+              <a:spcPct val="0"/>
+            </a:spcBef>
+            <a:spcAft>
+              <a:spcPct val="35000"/>
+            </a:spcAft>
+          </a:pPr>
+          <a:r>
+            <a:rPr lang="en-US" sz="1400" kern="1200" dirty="0" smtClean="0"/>
+            <a:t>Accumulate Into Subtotal</a:t>
+          </a:r>
+          <a:endParaRPr lang="en-US" sz="1400" kern="1200" dirty="0"/>
+        </a:p>
+      </dsp:txBody>
+      <dsp:txXfrm>
+        <a:off x="17610" y="919476"/>
+        <a:ext cx="1047019" cy="566024"/>
+      </dsp:txXfrm>
+    </dsp:sp>
+    <dsp:sp modelId="{1BBC6809-A424-46A5-9C8A-0973516973CB}">
+      <dsp:nvSpPr>
+        <dsp:cNvPr id="0" name=""/>
+        <dsp:cNvSpPr/>
+      </dsp:nvSpPr>
+      <dsp:spPr>
+        <a:xfrm rot="5400000">
+          <a:off x="428386" y="1518141"/>
+          <a:ext cx="225466" cy="270559"/>
+        </a:xfrm>
+        <a:prstGeom prst="rightArrow">
+          <a:avLst>
+            <a:gd name="adj1" fmla="val 60000"/>
+            <a:gd name="adj2" fmla="val 50000"/>
+          </a:avLst>
+        </a:prstGeom>
+        <a:solidFill>
+          <a:schemeClr val="accent1">
+            <a:tint val="60000"/>
+            <a:hueOff val="0"/>
+            <a:satOff val="0"/>
+            <a:lumOff val="0"/>
+            <a:alphaOff val="0"/>
+          </a:schemeClr>
+        </a:solidFill>
+        <a:ln>
+          <a:noFill/>
+        </a:ln>
+        <a:effectLst/>
+      </dsp:spPr>
+      <dsp:style>
+        <a:lnRef idx="0">
+          <a:scrgbClr r="0" g="0" b="0"/>
+        </a:lnRef>
+        <a:fillRef idx="1">
+          <a:scrgbClr r="0" g="0" b="0"/>
+        </a:fillRef>
+        <a:effectRef idx="0">
+          <a:scrgbClr r="0" g="0" b="0"/>
+        </a:effectRef>
+        <a:fontRef idx="minor">
+          <a:schemeClr val="lt1"/>
+        </a:fontRef>
+      </dsp:style>
+      <dsp:txBody>
+        <a:bodyPr spcFirstLastPara="0" vert="horz" wrap="square" lIns="0" tIns="0" rIns="0" bIns="0" numCol="1" spcCol="1270" anchor="ctr" anchorCtr="0">
+          <a:noAutofit/>
+        </a:bodyPr>
+        <a:lstStyle/>
+        <a:p>
+          <a:pPr lvl="0" algn="ctr" defTabSz="488950">
+            <a:lnSpc>
+              <a:spcPct val="90000"/>
+            </a:lnSpc>
+            <a:spcBef>
+              <a:spcPct val="0"/>
+            </a:spcBef>
+            <a:spcAft>
+              <a:spcPct val="35000"/>
+            </a:spcAft>
+          </a:pPr>
+          <a:endParaRPr lang="en-US" sz="1100" kern="1200"/>
+        </a:p>
+      </dsp:txBody>
+      <dsp:txXfrm rot="-5400000">
+        <a:off x="459952" y="1540687"/>
+        <a:ext cx="162335" cy="157826"/>
+      </dsp:txXfrm>
+    </dsp:sp>
+    <dsp:sp modelId="{A72FF043-F390-4BC5-BCF5-E6F82BAB33C5}">
+      <dsp:nvSpPr>
+        <dsp:cNvPr id="0" name=""/>
+        <dsp:cNvSpPr/>
+      </dsp:nvSpPr>
+      <dsp:spPr>
+        <a:xfrm>
+          <a:off x="0" y="1803732"/>
+          <a:ext cx="1082239" cy="601244"/>
+        </a:xfrm>
+        <a:prstGeom prst="roundRect">
+          <a:avLst>
+            <a:gd name="adj" fmla="val 10000"/>
+          </a:avLst>
+        </a:prstGeom>
+        <a:solidFill>
+          <a:schemeClr val="accent1">
+            <a:hueOff val="0"/>
+            <a:satOff val="0"/>
+            <a:lumOff val="0"/>
+            <a:alphaOff val="0"/>
+          </a:schemeClr>
+        </a:solidFill>
+        <a:ln w="25400" cap="flat" cmpd="sng" algn="ctr">
+          <a:solidFill>
+            <a:schemeClr val="lt1">
+              <a:hueOff val="0"/>
+              <a:satOff val="0"/>
+              <a:lumOff val="0"/>
+              <a:alphaOff val="0"/>
+            </a:schemeClr>
+          </a:solidFill>
+          <a:prstDash val="solid"/>
+        </a:ln>
+        <a:effectLst/>
+      </dsp:spPr>
+      <dsp:style>
+        <a:lnRef idx="2">
+          <a:scrgbClr r="0" g="0" b="0"/>
+        </a:lnRef>
+        <a:fillRef idx="1">
+          <a:scrgbClr r="0" g="0" b="0"/>
+        </a:fillRef>
+        <a:effectRef idx="0">
+          <a:scrgbClr r="0" g="0" b="0"/>
+        </a:effectRef>
+        <a:fontRef idx="minor">
+          <a:schemeClr val="lt1"/>
+        </a:fontRef>
+      </dsp:style>
+      <dsp:txBody>
+        <a:bodyPr spcFirstLastPara="0" vert="horz" wrap="square" lIns="53340" tIns="53340" rIns="53340" bIns="53340" numCol="1" spcCol="1270" anchor="ctr" anchorCtr="0">
+          <a:noAutofit/>
+        </a:bodyPr>
+        <a:lstStyle/>
+        <a:p>
+          <a:pPr lvl="0" algn="ctr" defTabSz="622300">
+            <a:lnSpc>
+              <a:spcPct val="90000"/>
+            </a:lnSpc>
+            <a:spcBef>
+              <a:spcPct val="0"/>
+            </a:spcBef>
+            <a:spcAft>
+              <a:spcPct val="35000"/>
+            </a:spcAft>
+          </a:pPr>
+          <a:r>
+            <a:rPr lang="en-US" sz="1400" kern="1200" dirty="0" smtClean="0"/>
+            <a:t>Add Subtotal to Result</a:t>
+          </a:r>
+          <a:endParaRPr lang="en-US" sz="1400" kern="1200" dirty="0"/>
+        </a:p>
+      </dsp:txBody>
+      <dsp:txXfrm>
+        <a:off x="17610" y="1821342"/>
+        <a:ext cx="1047019" cy="566024"/>
+      </dsp:txXfrm>
+    </dsp:sp>
   </dsp:spTree>
 </dsp:drawing>
 </file>
@@ -6957,7 +8071,7 @@
           <a:p>
             <a:fld id="{2A7CB402-B72D-3346-9EA5-354251120F9E}" type="datetimeFigureOut">
               <a:rPr lang="en-US" smtClean="0"/>
-              <a:t>7/9/2015</a:t>
+              <a:t>9/12/2015</a:t>
             </a:fld>
             <a:endParaRPr lang="en-US"/>
           </a:p>
@@ -7174,7 +8288,7 @@
           <a:p>
             <a:fld id="{2A7CB402-B72D-3346-9EA5-354251120F9E}" type="datetimeFigureOut">
               <a:rPr lang="en-US" smtClean="0"/>
-              <a:t>7/9/2015</a:t>
+              <a:t>9/12/2015</a:t>
             </a:fld>
             <a:endParaRPr lang="en-US"/>
           </a:p>
@@ -7335,7 +8449,7 @@
           <a:p>
             <a:fld id="{2A7CB402-B72D-3346-9EA5-354251120F9E}" type="datetimeFigureOut">
               <a:rPr lang="en-US" smtClean="0"/>
-              <a:t>7/9/2015</a:t>
+              <a:t>9/12/2015</a:t>
             </a:fld>
             <a:endParaRPr lang="en-US"/>
           </a:p>
@@ -7368,1978 +8482,6 @@
     <p:extLst>
       <p:ext uri="{BB962C8B-B14F-4D97-AF65-F5344CB8AC3E}">
         <p14:creationId xmlns:p14="http://schemas.microsoft.com/office/powerpoint/2010/main" val="186437517"/>
-      </p:ext>
-    </p:extLst>
-  </p:cSld>
-  <p:clrMapOvr>
-    <a:masterClrMapping/>
-  </p:clrMapOvr>
-</p:sldLayout>
-</file>
-
-<file path=ppt/slideLayouts/slideLayout12.xml><?xml version="1.0" encoding="utf-8"?>
-<p:sldLayout xmlns:a="http://schemas.openxmlformats.org/drawingml/2006/main" xmlns:r="http://schemas.openxmlformats.org/officeDocument/2006/relationships" xmlns:p="http://schemas.openxmlformats.org/presentationml/2006/main" type="title" preserve="1">
-  <p:cSld name="Title Slide">
-    <p:spTree>
-      <p:nvGrpSpPr>
-        <p:cNvPr id="1" name=""/>
-        <p:cNvGrpSpPr/>
-        <p:nvPr/>
-      </p:nvGrpSpPr>
-      <p:grpSpPr>
-        <a:xfrm>
-          <a:off x="0" y="0"/>
-          <a:ext cx="0" cy="0"/>
-          <a:chOff x="0" y="0"/>
-          <a:chExt cx="0" cy="0"/>
-        </a:xfrm>
-      </p:grpSpPr>
-      <p:sp>
-        <p:nvSpPr>
-          <p:cNvPr id="2" name="Title 1"/>
-          <p:cNvSpPr>
-            <a:spLocks noGrp="1"/>
-          </p:cNvSpPr>
-          <p:nvPr>
-            <p:ph type="ctrTitle"/>
-          </p:nvPr>
-        </p:nvSpPr>
-        <p:spPr>
-          <a:xfrm>
-            <a:off x="514350" y="841772"/>
-            <a:ext cx="5829300" cy="1790700"/>
-          </a:xfrm>
-        </p:spPr>
-        <p:txBody>
-          <a:bodyPr anchor="b"/>
-          <a:lstStyle>
-            <a:lvl1pPr algn="ctr">
-              <a:defRPr sz="4500"/>
-            </a:lvl1pPr>
-          </a:lstStyle>
-          <a:p>
-            <a:r>
-              <a:rPr lang="en-US" smtClean="0"/>
-              <a:t>Click to edit Master title style</a:t>
-            </a:r>
-            <a:endParaRPr lang="en-US" dirty="0"/>
-          </a:p>
-        </p:txBody>
-      </p:sp>
-      <p:sp>
-        <p:nvSpPr>
-          <p:cNvPr id="3" name="Subtitle 2"/>
-          <p:cNvSpPr>
-            <a:spLocks noGrp="1"/>
-          </p:cNvSpPr>
-          <p:nvPr>
-            <p:ph type="subTitle" idx="1"/>
-          </p:nvPr>
-        </p:nvSpPr>
-        <p:spPr>
-          <a:xfrm>
-            <a:off x="857250" y="2701528"/>
-            <a:ext cx="5143500" cy="1241822"/>
-          </a:xfrm>
-        </p:spPr>
-        <p:txBody>
-          <a:bodyPr/>
-          <a:lstStyle>
-            <a:lvl1pPr marL="0" indent="0" algn="ctr">
-              <a:buNone/>
-              <a:defRPr sz="1800"/>
-            </a:lvl1pPr>
-            <a:lvl2pPr marL="342900" indent="0" algn="ctr">
-              <a:buNone/>
-              <a:defRPr sz="1500"/>
-            </a:lvl2pPr>
-            <a:lvl3pPr marL="685800" indent="0" algn="ctr">
-              <a:buNone/>
-              <a:defRPr sz="1350"/>
-            </a:lvl3pPr>
-            <a:lvl4pPr marL="1028700" indent="0" algn="ctr">
-              <a:buNone/>
-              <a:defRPr sz="1200"/>
-            </a:lvl4pPr>
-            <a:lvl5pPr marL="1371600" indent="0" algn="ctr">
-              <a:buNone/>
-              <a:defRPr sz="1200"/>
-            </a:lvl5pPr>
-            <a:lvl6pPr marL="1714500" indent="0" algn="ctr">
-              <a:buNone/>
-              <a:defRPr sz="1200"/>
-            </a:lvl6pPr>
-            <a:lvl7pPr marL="2057400" indent="0" algn="ctr">
-              <a:buNone/>
-              <a:defRPr sz="1200"/>
-            </a:lvl7pPr>
-            <a:lvl8pPr marL="2400300" indent="0" algn="ctr">
-              <a:buNone/>
-              <a:defRPr sz="1200"/>
-            </a:lvl8pPr>
-            <a:lvl9pPr marL="2743200" indent="0" algn="ctr">
-              <a:buNone/>
-              <a:defRPr sz="1200"/>
-            </a:lvl9pPr>
-          </a:lstStyle>
-          <a:p>
-            <a:r>
-              <a:rPr lang="en-US" smtClean="0"/>
-              <a:t>Click to edit Master subtitle style</a:t>
-            </a:r>
-            <a:endParaRPr lang="en-US" dirty="0"/>
-          </a:p>
-        </p:txBody>
-      </p:sp>
-      <p:sp>
-        <p:nvSpPr>
-          <p:cNvPr id="4" name="Date Placeholder 3"/>
-          <p:cNvSpPr>
-            <a:spLocks noGrp="1"/>
-          </p:cNvSpPr>
-          <p:nvPr>
-            <p:ph type="dt" sz="half" idx="10"/>
-          </p:nvPr>
-        </p:nvSpPr>
-        <p:spPr/>
-        <p:txBody>
-          <a:bodyPr/>
-          <a:lstStyle/>
-          <a:p>
-            <a:fld id="{4CFFEE8A-0C3B-4CE3-BDBE-3AB865C6E9B1}" type="datetimeFigureOut">
-              <a:rPr lang="en-US" smtClean="0">
-                <a:solidFill>
-                  <a:prstClr val="black">
-                    <a:tint val="75000"/>
-                  </a:prstClr>
-                </a:solidFill>
-              </a:rPr>
-              <a:pPr/>
-              <a:t>7/9/2015</a:t>
-            </a:fld>
-            <a:endParaRPr lang="en-US">
-              <a:solidFill>
-                <a:prstClr val="black">
-                  <a:tint val="75000"/>
-                </a:prstClr>
-              </a:solidFill>
-            </a:endParaRPr>
-          </a:p>
-        </p:txBody>
-      </p:sp>
-      <p:sp>
-        <p:nvSpPr>
-          <p:cNvPr id="5" name="Footer Placeholder 4"/>
-          <p:cNvSpPr>
-            <a:spLocks noGrp="1"/>
-          </p:cNvSpPr>
-          <p:nvPr>
-            <p:ph type="ftr" sz="quarter" idx="11"/>
-          </p:nvPr>
-        </p:nvSpPr>
-        <p:spPr/>
-        <p:txBody>
-          <a:bodyPr/>
-          <a:lstStyle/>
-          <a:p>
-            <a:endParaRPr lang="en-US">
-              <a:solidFill>
-                <a:prstClr val="black">
-                  <a:tint val="75000"/>
-                </a:prstClr>
-              </a:solidFill>
-            </a:endParaRPr>
-          </a:p>
-        </p:txBody>
-      </p:sp>
-      <p:sp>
-        <p:nvSpPr>
-          <p:cNvPr id="6" name="Slide Number Placeholder 5"/>
-          <p:cNvSpPr>
-            <a:spLocks noGrp="1"/>
-          </p:cNvSpPr>
-          <p:nvPr>
-            <p:ph type="sldNum" sz="quarter" idx="12"/>
-          </p:nvPr>
-        </p:nvSpPr>
-        <p:spPr/>
-        <p:txBody>
-          <a:bodyPr/>
-          <a:lstStyle/>
-          <a:p>
-            <a:fld id="{E0DBC28C-C8D9-41EE-A049-76BA2ACCFAA1}" type="slidenum">
-              <a:rPr lang="en-US" smtClean="0">
-                <a:solidFill>
-                  <a:prstClr val="black">
-                    <a:tint val="75000"/>
-                  </a:prstClr>
-                </a:solidFill>
-              </a:rPr>
-              <a:pPr/>
-              <a:t>‹#›</a:t>
-            </a:fld>
-            <a:endParaRPr lang="en-US">
-              <a:solidFill>
-                <a:prstClr val="black">
-                  <a:tint val="75000"/>
-                </a:prstClr>
-              </a:solidFill>
-            </a:endParaRPr>
-          </a:p>
-        </p:txBody>
-      </p:sp>
-    </p:spTree>
-    <p:extLst>
-      <p:ext uri="{BB962C8B-B14F-4D97-AF65-F5344CB8AC3E}">
-        <p14:creationId xmlns:p14="http://schemas.microsoft.com/office/powerpoint/2010/main" val="77994955"/>
-      </p:ext>
-    </p:extLst>
-  </p:cSld>
-  <p:clrMapOvr>
-    <a:masterClrMapping/>
-  </p:clrMapOvr>
-</p:sldLayout>
-</file>
-
-<file path=ppt/slideLayouts/slideLayout13.xml><?xml version="1.0" encoding="utf-8"?>
-<p:sldLayout xmlns:a="http://schemas.openxmlformats.org/drawingml/2006/main" xmlns:r="http://schemas.openxmlformats.org/officeDocument/2006/relationships" xmlns:p="http://schemas.openxmlformats.org/presentationml/2006/main" type="obj" preserve="1">
-  <p:cSld name="Title and Content">
-    <p:spTree>
-      <p:nvGrpSpPr>
-        <p:cNvPr id="1" name=""/>
-        <p:cNvGrpSpPr/>
-        <p:nvPr/>
-      </p:nvGrpSpPr>
-      <p:grpSpPr>
-        <a:xfrm>
-          <a:off x="0" y="0"/>
-          <a:ext cx="0" cy="0"/>
-          <a:chOff x="0" y="0"/>
-          <a:chExt cx="0" cy="0"/>
-        </a:xfrm>
-      </p:grpSpPr>
-      <p:sp>
-        <p:nvSpPr>
-          <p:cNvPr id="2" name="Title 1"/>
-          <p:cNvSpPr>
-            <a:spLocks noGrp="1"/>
-          </p:cNvSpPr>
-          <p:nvPr>
-            <p:ph type="title"/>
-          </p:nvPr>
-        </p:nvSpPr>
-        <p:spPr/>
-        <p:txBody>
-          <a:bodyPr/>
-          <a:lstStyle/>
-          <a:p>
-            <a:r>
-              <a:rPr lang="en-US" smtClean="0"/>
-              <a:t>Click to edit Master title style</a:t>
-            </a:r>
-            <a:endParaRPr lang="en-US" dirty="0"/>
-          </a:p>
-        </p:txBody>
-      </p:sp>
-      <p:sp>
-        <p:nvSpPr>
-          <p:cNvPr id="3" name="Content Placeholder 2"/>
-          <p:cNvSpPr>
-            <a:spLocks noGrp="1"/>
-          </p:cNvSpPr>
-          <p:nvPr>
-            <p:ph idx="1"/>
-          </p:nvPr>
-        </p:nvSpPr>
-        <p:spPr/>
-        <p:txBody>
-          <a:bodyPr/>
-          <a:lstStyle/>
-          <a:p>
-            <a:pPr lvl="0"/>
-            <a:r>
-              <a:rPr lang="en-US" smtClean="0"/>
-              <a:t>Click to edit Master text styles</a:t>
-            </a:r>
-          </a:p>
-          <a:p>
-            <a:pPr lvl="1"/>
-            <a:r>
-              <a:rPr lang="en-US" smtClean="0"/>
-              <a:t>Second level</a:t>
-            </a:r>
-          </a:p>
-          <a:p>
-            <a:pPr lvl="2"/>
-            <a:r>
-              <a:rPr lang="en-US" smtClean="0"/>
-              <a:t>Third level</a:t>
-            </a:r>
-          </a:p>
-          <a:p>
-            <a:pPr lvl="3"/>
-            <a:r>
-              <a:rPr lang="en-US" smtClean="0"/>
-              <a:t>Fourth level</a:t>
-            </a:r>
-          </a:p>
-          <a:p>
-            <a:pPr lvl="4"/>
-            <a:r>
-              <a:rPr lang="en-US" smtClean="0"/>
-              <a:t>Fifth level</a:t>
-            </a:r>
-            <a:endParaRPr lang="en-US" dirty="0"/>
-          </a:p>
-        </p:txBody>
-      </p:sp>
-      <p:sp>
-        <p:nvSpPr>
-          <p:cNvPr id="4" name="Date Placeholder 3"/>
-          <p:cNvSpPr>
-            <a:spLocks noGrp="1"/>
-          </p:cNvSpPr>
-          <p:nvPr>
-            <p:ph type="dt" sz="half" idx="10"/>
-          </p:nvPr>
-        </p:nvSpPr>
-        <p:spPr/>
-        <p:txBody>
-          <a:bodyPr/>
-          <a:lstStyle/>
-          <a:p>
-            <a:pPr defTabSz="385763"/>
-            <a:fld id="{4CFFEE8A-0C3B-4CE3-BDBE-3AB865C6E9B1}" type="datetimeFigureOut">
-              <a:rPr lang="en-US" smtClean="0">
-                <a:solidFill>
-                  <a:prstClr val="black">
-                    <a:tint val="75000"/>
-                  </a:prstClr>
-                </a:solidFill>
-              </a:rPr>
-              <a:pPr defTabSz="385763"/>
-              <a:t>7/9/2015</a:t>
-            </a:fld>
-            <a:endParaRPr lang="en-US">
-              <a:solidFill>
-                <a:prstClr val="black">
-                  <a:tint val="75000"/>
-                </a:prstClr>
-              </a:solidFill>
-            </a:endParaRPr>
-          </a:p>
-        </p:txBody>
-      </p:sp>
-      <p:sp>
-        <p:nvSpPr>
-          <p:cNvPr id="5" name="Footer Placeholder 4"/>
-          <p:cNvSpPr>
-            <a:spLocks noGrp="1"/>
-          </p:cNvSpPr>
-          <p:nvPr>
-            <p:ph type="ftr" sz="quarter" idx="11"/>
-          </p:nvPr>
-        </p:nvSpPr>
-        <p:spPr/>
-        <p:txBody>
-          <a:bodyPr/>
-          <a:lstStyle/>
-          <a:p>
-            <a:pPr defTabSz="385763"/>
-            <a:endParaRPr lang="en-US">
-              <a:solidFill>
-                <a:prstClr val="black">
-                  <a:tint val="75000"/>
-                </a:prstClr>
-              </a:solidFill>
-            </a:endParaRPr>
-          </a:p>
-        </p:txBody>
-      </p:sp>
-      <p:sp>
-        <p:nvSpPr>
-          <p:cNvPr id="6" name="Slide Number Placeholder 5"/>
-          <p:cNvSpPr>
-            <a:spLocks noGrp="1"/>
-          </p:cNvSpPr>
-          <p:nvPr>
-            <p:ph type="sldNum" sz="quarter" idx="12"/>
-          </p:nvPr>
-        </p:nvSpPr>
-        <p:spPr/>
-        <p:txBody>
-          <a:bodyPr/>
-          <a:lstStyle/>
-          <a:p>
-            <a:pPr defTabSz="385763"/>
-            <a:fld id="{E0DBC28C-C8D9-41EE-A049-76BA2ACCFAA1}" type="slidenum">
-              <a:rPr lang="en-US" smtClean="0">
-                <a:solidFill>
-                  <a:prstClr val="black">
-                    <a:tint val="75000"/>
-                  </a:prstClr>
-                </a:solidFill>
-              </a:rPr>
-              <a:pPr defTabSz="385763"/>
-              <a:t>‹#›</a:t>
-            </a:fld>
-            <a:endParaRPr lang="en-US">
-              <a:solidFill>
-                <a:prstClr val="black">
-                  <a:tint val="75000"/>
-                </a:prstClr>
-              </a:solidFill>
-            </a:endParaRPr>
-          </a:p>
-        </p:txBody>
-      </p:sp>
-    </p:spTree>
-    <p:extLst>
-      <p:ext uri="{BB962C8B-B14F-4D97-AF65-F5344CB8AC3E}">
-        <p14:creationId xmlns:p14="http://schemas.microsoft.com/office/powerpoint/2010/main" val="2028847686"/>
-      </p:ext>
-    </p:extLst>
-  </p:cSld>
-  <p:clrMapOvr>
-    <a:masterClrMapping/>
-  </p:clrMapOvr>
-</p:sldLayout>
-</file>
-
-<file path=ppt/slideLayouts/slideLayout14.xml><?xml version="1.0" encoding="utf-8"?>
-<p:sldLayout xmlns:a="http://schemas.openxmlformats.org/drawingml/2006/main" xmlns:r="http://schemas.openxmlformats.org/officeDocument/2006/relationships" xmlns:p="http://schemas.openxmlformats.org/presentationml/2006/main" type="secHead" preserve="1">
-  <p:cSld name="Section Header">
-    <p:spTree>
-      <p:nvGrpSpPr>
-        <p:cNvPr id="1" name=""/>
-        <p:cNvGrpSpPr/>
-        <p:nvPr/>
-      </p:nvGrpSpPr>
-      <p:grpSpPr>
-        <a:xfrm>
-          <a:off x="0" y="0"/>
-          <a:ext cx="0" cy="0"/>
-          <a:chOff x="0" y="0"/>
-          <a:chExt cx="0" cy="0"/>
-        </a:xfrm>
-      </p:grpSpPr>
-      <p:sp>
-        <p:nvSpPr>
-          <p:cNvPr id="2" name="Title 1"/>
-          <p:cNvSpPr>
-            <a:spLocks noGrp="1"/>
-          </p:cNvSpPr>
-          <p:nvPr>
-            <p:ph type="title"/>
-          </p:nvPr>
-        </p:nvSpPr>
-        <p:spPr>
-          <a:xfrm>
-            <a:off x="467916" y="1282305"/>
-            <a:ext cx="5915025" cy="2139553"/>
-          </a:xfrm>
-        </p:spPr>
-        <p:txBody>
-          <a:bodyPr anchor="b"/>
-          <a:lstStyle>
-            <a:lvl1pPr>
-              <a:defRPr sz="4500"/>
-            </a:lvl1pPr>
-          </a:lstStyle>
-          <a:p>
-            <a:r>
-              <a:rPr lang="en-US" smtClean="0"/>
-              <a:t>Click to edit Master title style</a:t>
-            </a:r>
-            <a:endParaRPr lang="en-US" dirty="0"/>
-          </a:p>
-        </p:txBody>
-      </p:sp>
-      <p:sp>
-        <p:nvSpPr>
-          <p:cNvPr id="3" name="Text Placeholder 2"/>
-          <p:cNvSpPr>
-            <a:spLocks noGrp="1"/>
-          </p:cNvSpPr>
-          <p:nvPr>
-            <p:ph type="body" idx="1"/>
-          </p:nvPr>
-        </p:nvSpPr>
-        <p:spPr>
-          <a:xfrm>
-            <a:off x="467916" y="3442099"/>
-            <a:ext cx="5915025" cy="1125140"/>
-          </a:xfrm>
-        </p:spPr>
-        <p:txBody>
-          <a:bodyPr/>
-          <a:lstStyle>
-            <a:lvl1pPr marL="0" indent="0">
-              <a:buNone/>
-              <a:defRPr sz="1800">
-                <a:solidFill>
-                  <a:schemeClr val="tx1"/>
-                </a:solidFill>
-              </a:defRPr>
-            </a:lvl1pPr>
-            <a:lvl2pPr marL="342900" indent="0">
-              <a:buNone/>
-              <a:defRPr sz="1500">
-                <a:solidFill>
-                  <a:schemeClr val="tx1">
-                    <a:tint val="75000"/>
-                  </a:schemeClr>
-                </a:solidFill>
-              </a:defRPr>
-            </a:lvl2pPr>
-            <a:lvl3pPr marL="685800" indent="0">
-              <a:buNone/>
-              <a:defRPr sz="1350">
-                <a:solidFill>
-                  <a:schemeClr val="tx1">
-                    <a:tint val="75000"/>
-                  </a:schemeClr>
-                </a:solidFill>
-              </a:defRPr>
-            </a:lvl3pPr>
-            <a:lvl4pPr marL="1028700" indent="0">
-              <a:buNone/>
-              <a:defRPr sz="1200">
-                <a:solidFill>
-                  <a:schemeClr val="tx1">
-                    <a:tint val="75000"/>
-                  </a:schemeClr>
-                </a:solidFill>
-              </a:defRPr>
-            </a:lvl4pPr>
-            <a:lvl5pPr marL="1371600" indent="0">
-              <a:buNone/>
-              <a:defRPr sz="1200">
-                <a:solidFill>
-                  <a:schemeClr val="tx1">
-                    <a:tint val="75000"/>
-                  </a:schemeClr>
-                </a:solidFill>
-              </a:defRPr>
-            </a:lvl5pPr>
-            <a:lvl6pPr marL="1714500" indent="0">
-              <a:buNone/>
-              <a:defRPr sz="1200">
-                <a:solidFill>
-                  <a:schemeClr val="tx1">
-                    <a:tint val="75000"/>
-                  </a:schemeClr>
-                </a:solidFill>
-              </a:defRPr>
-            </a:lvl6pPr>
-            <a:lvl7pPr marL="2057400" indent="0">
-              <a:buNone/>
-              <a:defRPr sz="1200">
-                <a:solidFill>
-                  <a:schemeClr val="tx1">
-                    <a:tint val="75000"/>
-                  </a:schemeClr>
-                </a:solidFill>
-              </a:defRPr>
-            </a:lvl7pPr>
-            <a:lvl8pPr marL="2400300" indent="0">
-              <a:buNone/>
-              <a:defRPr sz="1200">
-                <a:solidFill>
-                  <a:schemeClr val="tx1">
-                    <a:tint val="75000"/>
-                  </a:schemeClr>
-                </a:solidFill>
-              </a:defRPr>
-            </a:lvl8pPr>
-            <a:lvl9pPr marL="2743200" indent="0">
-              <a:buNone/>
-              <a:defRPr sz="1200">
-                <a:solidFill>
-                  <a:schemeClr val="tx1">
-                    <a:tint val="75000"/>
-                  </a:schemeClr>
-                </a:solidFill>
-              </a:defRPr>
-            </a:lvl9pPr>
-          </a:lstStyle>
-          <a:p>
-            <a:pPr lvl="0"/>
-            <a:r>
-              <a:rPr lang="en-US" smtClean="0"/>
-              <a:t>Click to edit Master text styles</a:t>
-            </a:r>
-          </a:p>
-        </p:txBody>
-      </p:sp>
-      <p:sp>
-        <p:nvSpPr>
-          <p:cNvPr id="4" name="Date Placeholder 3"/>
-          <p:cNvSpPr>
-            <a:spLocks noGrp="1"/>
-          </p:cNvSpPr>
-          <p:nvPr>
-            <p:ph type="dt" sz="half" idx="10"/>
-          </p:nvPr>
-        </p:nvSpPr>
-        <p:spPr/>
-        <p:txBody>
-          <a:bodyPr/>
-          <a:lstStyle/>
-          <a:p>
-            <a:pPr defTabSz="385763"/>
-            <a:fld id="{4CFFEE8A-0C3B-4CE3-BDBE-3AB865C6E9B1}" type="datetimeFigureOut">
-              <a:rPr lang="en-US" smtClean="0">
-                <a:solidFill>
-                  <a:prstClr val="black">
-                    <a:tint val="75000"/>
-                  </a:prstClr>
-                </a:solidFill>
-              </a:rPr>
-              <a:pPr defTabSz="385763"/>
-              <a:t>7/9/2015</a:t>
-            </a:fld>
-            <a:endParaRPr lang="en-US">
-              <a:solidFill>
-                <a:prstClr val="black">
-                  <a:tint val="75000"/>
-                </a:prstClr>
-              </a:solidFill>
-            </a:endParaRPr>
-          </a:p>
-        </p:txBody>
-      </p:sp>
-      <p:sp>
-        <p:nvSpPr>
-          <p:cNvPr id="5" name="Footer Placeholder 4"/>
-          <p:cNvSpPr>
-            <a:spLocks noGrp="1"/>
-          </p:cNvSpPr>
-          <p:nvPr>
-            <p:ph type="ftr" sz="quarter" idx="11"/>
-          </p:nvPr>
-        </p:nvSpPr>
-        <p:spPr/>
-        <p:txBody>
-          <a:bodyPr/>
-          <a:lstStyle/>
-          <a:p>
-            <a:pPr defTabSz="385763"/>
-            <a:endParaRPr lang="en-US">
-              <a:solidFill>
-                <a:prstClr val="black">
-                  <a:tint val="75000"/>
-                </a:prstClr>
-              </a:solidFill>
-            </a:endParaRPr>
-          </a:p>
-        </p:txBody>
-      </p:sp>
-      <p:sp>
-        <p:nvSpPr>
-          <p:cNvPr id="6" name="Slide Number Placeholder 5"/>
-          <p:cNvSpPr>
-            <a:spLocks noGrp="1"/>
-          </p:cNvSpPr>
-          <p:nvPr>
-            <p:ph type="sldNum" sz="quarter" idx="12"/>
-          </p:nvPr>
-        </p:nvSpPr>
-        <p:spPr/>
-        <p:txBody>
-          <a:bodyPr/>
-          <a:lstStyle/>
-          <a:p>
-            <a:pPr defTabSz="385763"/>
-            <a:fld id="{E0DBC28C-C8D9-41EE-A049-76BA2ACCFAA1}" type="slidenum">
-              <a:rPr lang="en-US" smtClean="0">
-                <a:solidFill>
-                  <a:prstClr val="black">
-                    <a:tint val="75000"/>
-                  </a:prstClr>
-                </a:solidFill>
-              </a:rPr>
-              <a:pPr defTabSz="385763"/>
-              <a:t>‹#›</a:t>
-            </a:fld>
-            <a:endParaRPr lang="en-US">
-              <a:solidFill>
-                <a:prstClr val="black">
-                  <a:tint val="75000"/>
-                </a:prstClr>
-              </a:solidFill>
-            </a:endParaRPr>
-          </a:p>
-        </p:txBody>
-      </p:sp>
-    </p:spTree>
-    <p:extLst>
-      <p:ext uri="{BB962C8B-B14F-4D97-AF65-F5344CB8AC3E}">
-        <p14:creationId xmlns:p14="http://schemas.microsoft.com/office/powerpoint/2010/main" val="679859486"/>
-      </p:ext>
-    </p:extLst>
-  </p:cSld>
-  <p:clrMapOvr>
-    <a:masterClrMapping/>
-  </p:clrMapOvr>
-</p:sldLayout>
-</file>
-
-<file path=ppt/slideLayouts/slideLayout15.xml><?xml version="1.0" encoding="utf-8"?>
-<p:sldLayout xmlns:a="http://schemas.openxmlformats.org/drawingml/2006/main" xmlns:r="http://schemas.openxmlformats.org/officeDocument/2006/relationships" xmlns:p="http://schemas.openxmlformats.org/presentationml/2006/main" type="twoObj" preserve="1">
-  <p:cSld name="Two Content">
-    <p:spTree>
-      <p:nvGrpSpPr>
-        <p:cNvPr id="1" name=""/>
-        <p:cNvGrpSpPr/>
-        <p:nvPr/>
-      </p:nvGrpSpPr>
-      <p:grpSpPr>
-        <a:xfrm>
-          <a:off x="0" y="0"/>
-          <a:ext cx="0" cy="0"/>
-          <a:chOff x="0" y="0"/>
-          <a:chExt cx="0" cy="0"/>
-        </a:xfrm>
-      </p:grpSpPr>
-      <p:sp>
-        <p:nvSpPr>
-          <p:cNvPr id="2" name="Title 1"/>
-          <p:cNvSpPr>
-            <a:spLocks noGrp="1"/>
-          </p:cNvSpPr>
-          <p:nvPr>
-            <p:ph type="title"/>
-          </p:nvPr>
-        </p:nvSpPr>
-        <p:spPr/>
-        <p:txBody>
-          <a:bodyPr/>
-          <a:lstStyle/>
-          <a:p>
-            <a:r>
-              <a:rPr lang="en-US" smtClean="0"/>
-              <a:t>Click to edit Master title style</a:t>
-            </a:r>
-            <a:endParaRPr lang="en-US" dirty="0"/>
-          </a:p>
-        </p:txBody>
-      </p:sp>
-      <p:sp>
-        <p:nvSpPr>
-          <p:cNvPr id="3" name="Content Placeholder 2"/>
-          <p:cNvSpPr>
-            <a:spLocks noGrp="1"/>
-          </p:cNvSpPr>
-          <p:nvPr>
-            <p:ph sz="half" idx="1"/>
-          </p:nvPr>
-        </p:nvSpPr>
-        <p:spPr>
-          <a:xfrm>
-            <a:off x="471488" y="1369219"/>
-            <a:ext cx="2914650" cy="3263504"/>
-          </a:xfrm>
-        </p:spPr>
-        <p:txBody>
-          <a:bodyPr/>
-          <a:lstStyle/>
-          <a:p>
-            <a:pPr lvl="0"/>
-            <a:r>
-              <a:rPr lang="en-US" smtClean="0"/>
-              <a:t>Click to edit Master text styles</a:t>
-            </a:r>
-          </a:p>
-          <a:p>
-            <a:pPr lvl="1"/>
-            <a:r>
-              <a:rPr lang="en-US" smtClean="0"/>
-              <a:t>Second level</a:t>
-            </a:r>
-          </a:p>
-          <a:p>
-            <a:pPr lvl="2"/>
-            <a:r>
-              <a:rPr lang="en-US" smtClean="0"/>
-              <a:t>Third level</a:t>
-            </a:r>
-          </a:p>
-          <a:p>
-            <a:pPr lvl="3"/>
-            <a:r>
-              <a:rPr lang="en-US" smtClean="0"/>
-              <a:t>Fourth level</a:t>
-            </a:r>
-          </a:p>
-          <a:p>
-            <a:pPr lvl="4"/>
-            <a:r>
-              <a:rPr lang="en-US" smtClean="0"/>
-              <a:t>Fifth level</a:t>
-            </a:r>
-            <a:endParaRPr lang="en-US" dirty="0"/>
-          </a:p>
-        </p:txBody>
-      </p:sp>
-      <p:sp>
-        <p:nvSpPr>
-          <p:cNvPr id="4" name="Content Placeholder 3"/>
-          <p:cNvSpPr>
-            <a:spLocks noGrp="1"/>
-          </p:cNvSpPr>
-          <p:nvPr>
-            <p:ph sz="half" idx="2"/>
-          </p:nvPr>
-        </p:nvSpPr>
-        <p:spPr>
-          <a:xfrm>
-            <a:off x="3471863" y="1369219"/>
-            <a:ext cx="2914650" cy="3263504"/>
-          </a:xfrm>
-        </p:spPr>
-        <p:txBody>
-          <a:bodyPr/>
-          <a:lstStyle/>
-          <a:p>
-            <a:pPr lvl="0"/>
-            <a:r>
-              <a:rPr lang="en-US" smtClean="0"/>
-              <a:t>Click to edit Master text styles</a:t>
-            </a:r>
-          </a:p>
-          <a:p>
-            <a:pPr lvl="1"/>
-            <a:r>
-              <a:rPr lang="en-US" smtClean="0"/>
-              <a:t>Second level</a:t>
-            </a:r>
-          </a:p>
-          <a:p>
-            <a:pPr lvl="2"/>
-            <a:r>
-              <a:rPr lang="en-US" smtClean="0"/>
-              <a:t>Third level</a:t>
-            </a:r>
-          </a:p>
-          <a:p>
-            <a:pPr lvl="3"/>
-            <a:r>
-              <a:rPr lang="en-US" smtClean="0"/>
-              <a:t>Fourth level</a:t>
-            </a:r>
-          </a:p>
-          <a:p>
-            <a:pPr lvl="4"/>
-            <a:r>
-              <a:rPr lang="en-US" smtClean="0"/>
-              <a:t>Fifth level</a:t>
-            </a:r>
-            <a:endParaRPr lang="en-US" dirty="0"/>
-          </a:p>
-        </p:txBody>
-      </p:sp>
-      <p:sp>
-        <p:nvSpPr>
-          <p:cNvPr id="5" name="Date Placeholder 4"/>
-          <p:cNvSpPr>
-            <a:spLocks noGrp="1"/>
-          </p:cNvSpPr>
-          <p:nvPr>
-            <p:ph type="dt" sz="half" idx="10"/>
-          </p:nvPr>
-        </p:nvSpPr>
-        <p:spPr/>
-        <p:txBody>
-          <a:bodyPr/>
-          <a:lstStyle/>
-          <a:p>
-            <a:pPr defTabSz="385763"/>
-            <a:fld id="{4CFFEE8A-0C3B-4CE3-BDBE-3AB865C6E9B1}" type="datetimeFigureOut">
-              <a:rPr lang="en-US" smtClean="0">
-                <a:solidFill>
-                  <a:prstClr val="black">
-                    <a:tint val="75000"/>
-                  </a:prstClr>
-                </a:solidFill>
-              </a:rPr>
-              <a:pPr defTabSz="385763"/>
-              <a:t>7/9/2015</a:t>
-            </a:fld>
-            <a:endParaRPr lang="en-US">
-              <a:solidFill>
-                <a:prstClr val="black">
-                  <a:tint val="75000"/>
-                </a:prstClr>
-              </a:solidFill>
-            </a:endParaRPr>
-          </a:p>
-        </p:txBody>
-      </p:sp>
-      <p:sp>
-        <p:nvSpPr>
-          <p:cNvPr id="6" name="Footer Placeholder 5"/>
-          <p:cNvSpPr>
-            <a:spLocks noGrp="1"/>
-          </p:cNvSpPr>
-          <p:nvPr>
-            <p:ph type="ftr" sz="quarter" idx="11"/>
-          </p:nvPr>
-        </p:nvSpPr>
-        <p:spPr/>
-        <p:txBody>
-          <a:bodyPr/>
-          <a:lstStyle/>
-          <a:p>
-            <a:pPr defTabSz="385763"/>
-            <a:endParaRPr lang="en-US">
-              <a:solidFill>
-                <a:prstClr val="black">
-                  <a:tint val="75000"/>
-                </a:prstClr>
-              </a:solidFill>
-            </a:endParaRPr>
-          </a:p>
-        </p:txBody>
-      </p:sp>
-      <p:sp>
-        <p:nvSpPr>
-          <p:cNvPr id="7" name="Slide Number Placeholder 6"/>
-          <p:cNvSpPr>
-            <a:spLocks noGrp="1"/>
-          </p:cNvSpPr>
-          <p:nvPr>
-            <p:ph type="sldNum" sz="quarter" idx="12"/>
-          </p:nvPr>
-        </p:nvSpPr>
-        <p:spPr/>
-        <p:txBody>
-          <a:bodyPr/>
-          <a:lstStyle/>
-          <a:p>
-            <a:pPr defTabSz="385763"/>
-            <a:fld id="{E0DBC28C-C8D9-41EE-A049-76BA2ACCFAA1}" type="slidenum">
-              <a:rPr lang="en-US" smtClean="0">
-                <a:solidFill>
-                  <a:prstClr val="black">
-                    <a:tint val="75000"/>
-                  </a:prstClr>
-                </a:solidFill>
-              </a:rPr>
-              <a:pPr defTabSz="385763"/>
-              <a:t>‹#›</a:t>
-            </a:fld>
-            <a:endParaRPr lang="en-US">
-              <a:solidFill>
-                <a:prstClr val="black">
-                  <a:tint val="75000"/>
-                </a:prstClr>
-              </a:solidFill>
-            </a:endParaRPr>
-          </a:p>
-        </p:txBody>
-      </p:sp>
-    </p:spTree>
-    <p:extLst>
-      <p:ext uri="{BB962C8B-B14F-4D97-AF65-F5344CB8AC3E}">
-        <p14:creationId xmlns:p14="http://schemas.microsoft.com/office/powerpoint/2010/main" val="1701792281"/>
-      </p:ext>
-    </p:extLst>
-  </p:cSld>
-  <p:clrMapOvr>
-    <a:masterClrMapping/>
-  </p:clrMapOvr>
-</p:sldLayout>
-</file>
-
-<file path=ppt/slideLayouts/slideLayout16.xml><?xml version="1.0" encoding="utf-8"?>
-<p:sldLayout xmlns:a="http://schemas.openxmlformats.org/drawingml/2006/main" xmlns:r="http://schemas.openxmlformats.org/officeDocument/2006/relationships" xmlns:p="http://schemas.openxmlformats.org/presentationml/2006/main" type="twoTxTwoObj" preserve="1">
-  <p:cSld name="Comparison">
-    <p:spTree>
-      <p:nvGrpSpPr>
-        <p:cNvPr id="1" name=""/>
-        <p:cNvGrpSpPr/>
-        <p:nvPr/>
-      </p:nvGrpSpPr>
-      <p:grpSpPr>
-        <a:xfrm>
-          <a:off x="0" y="0"/>
-          <a:ext cx="0" cy="0"/>
-          <a:chOff x="0" y="0"/>
-          <a:chExt cx="0" cy="0"/>
-        </a:xfrm>
-      </p:grpSpPr>
-      <p:sp>
-        <p:nvSpPr>
-          <p:cNvPr id="2" name="Title 1"/>
-          <p:cNvSpPr>
-            <a:spLocks noGrp="1"/>
-          </p:cNvSpPr>
-          <p:nvPr>
-            <p:ph type="title"/>
-          </p:nvPr>
-        </p:nvSpPr>
-        <p:spPr>
-          <a:xfrm>
-            <a:off x="472381" y="273845"/>
-            <a:ext cx="5915025" cy="994172"/>
-          </a:xfrm>
-        </p:spPr>
-        <p:txBody>
-          <a:bodyPr/>
-          <a:lstStyle/>
-          <a:p>
-            <a:r>
-              <a:rPr lang="en-US" smtClean="0"/>
-              <a:t>Click to edit Master title style</a:t>
-            </a:r>
-            <a:endParaRPr lang="en-US" dirty="0"/>
-          </a:p>
-        </p:txBody>
-      </p:sp>
-      <p:sp>
-        <p:nvSpPr>
-          <p:cNvPr id="3" name="Text Placeholder 2"/>
-          <p:cNvSpPr>
-            <a:spLocks noGrp="1"/>
-          </p:cNvSpPr>
-          <p:nvPr>
-            <p:ph type="body" idx="1"/>
-          </p:nvPr>
-        </p:nvSpPr>
-        <p:spPr>
-          <a:xfrm>
-            <a:off x="472381" y="1260872"/>
-            <a:ext cx="2901255" cy="617934"/>
-          </a:xfrm>
-        </p:spPr>
-        <p:txBody>
-          <a:bodyPr anchor="b"/>
-          <a:lstStyle>
-            <a:lvl1pPr marL="0" indent="0">
-              <a:buNone/>
-              <a:defRPr sz="1800" b="1"/>
-            </a:lvl1pPr>
-            <a:lvl2pPr marL="342900" indent="0">
-              <a:buNone/>
-              <a:defRPr sz="1500" b="1"/>
-            </a:lvl2pPr>
-            <a:lvl3pPr marL="685800" indent="0">
-              <a:buNone/>
-              <a:defRPr sz="1350" b="1"/>
-            </a:lvl3pPr>
-            <a:lvl4pPr marL="1028700" indent="0">
-              <a:buNone/>
-              <a:defRPr sz="1200" b="1"/>
-            </a:lvl4pPr>
-            <a:lvl5pPr marL="1371600" indent="0">
-              <a:buNone/>
-              <a:defRPr sz="1200" b="1"/>
-            </a:lvl5pPr>
-            <a:lvl6pPr marL="1714500" indent="0">
-              <a:buNone/>
-              <a:defRPr sz="1200" b="1"/>
-            </a:lvl6pPr>
-            <a:lvl7pPr marL="2057400" indent="0">
-              <a:buNone/>
-              <a:defRPr sz="1200" b="1"/>
-            </a:lvl7pPr>
-            <a:lvl8pPr marL="2400300" indent="0">
-              <a:buNone/>
-              <a:defRPr sz="1200" b="1"/>
-            </a:lvl8pPr>
-            <a:lvl9pPr marL="2743200" indent="0">
-              <a:buNone/>
-              <a:defRPr sz="1200" b="1"/>
-            </a:lvl9pPr>
-          </a:lstStyle>
-          <a:p>
-            <a:pPr lvl="0"/>
-            <a:r>
-              <a:rPr lang="en-US" smtClean="0"/>
-              <a:t>Click to edit Master text styles</a:t>
-            </a:r>
-          </a:p>
-        </p:txBody>
-      </p:sp>
-      <p:sp>
-        <p:nvSpPr>
-          <p:cNvPr id="4" name="Content Placeholder 3"/>
-          <p:cNvSpPr>
-            <a:spLocks noGrp="1"/>
-          </p:cNvSpPr>
-          <p:nvPr>
-            <p:ph sz="half" idx="2"/>
-          </p:nvPr>
-        </p:nvSpPr>
-        <p:spPr>
-          <a:xfrm>
-            <a:off x="472381" y="1878806"/>
-            <a:ext cx="2901255" cy="2763441"/>
-          </a:xfrm>
-        </p:spPr>
-        <p:txBody>
-          <a:bodyPr/>
-          <a:lstStyle/>
-          <a:p>
-            <a:pPr lvl="0"/>
-            <a:r>
-              <a:rPr lang="en-US" smtClean="0"/>
-              <a:t>Click to edit Master text styles</a:t>
-            </a:r>
-          </a:p>
-          <a:p>
-            <a:pPr lvl="1"/>
-            <a:r>
-              <a:rPr lang="en-US" smtClean="0"/>
-              <a:t>Second level</a:t>
-            </a:r>
-          </a:p>
-          <a:p>
-            <a:pPr lvl="2"/>
-            <a:r>
-              <a:rPr lang="en-US" smtClean="0"/>
-              <a:t>Third level</a:t>
-            </a:r>
-          </a:p>
-          <a:p>
-            <a:pPr lvl="3"/>
-            <a:r>
-              <a:rPr lang="en-US" smtClean="0"/>
-              <a:t>Fourth level</a:t>
-            </a:r>
-          </a:p>
-          <a:p>
-            <a:pPr lvl="4"/>
-            <a:r>
-              <a:rPr lang="en-US" smtClean="0"/>
-              <a:t>Fifth level</a:t>
-            </a:r>
-            <a:endParaRPr lang="en-US" dirty="0"/>
-          </a:p>
-        </p:txBody>
-      </p:sp>
-      <p:sp>
-        <p:nvSpPr>
-          <p:cNvPr id="5" name="Text Placeholder 4"/>
-          <p:cNvSpPr>
-            <a:spLocks noGrp="1"/>
-          </p:cNvSpPr>
-          <p:nvPr>
-            <p:ph type="body" sz="quarter" idx="3"/>
-          </p:nvPr>
-        </p:nvSpPr>
-        <p:spPr>
-          <a:xfrm>
-            <a:off x="3471863" y="1260872"/>
-            <a:ext cx="2915543" cy="617934"/>
-          </a:xfrm>
-        </p:spPr>
-        <p:txBody>
-          <a:bodyPr anchor="b"/>
-          <a:lstStyle>
-            <a:lvl1pPr marL="0" indent="0">
-              <a:buNone/>
-              <a:defRPr sz="1800" b="1"/>
-            </a:lvl1pPr>
-            <a:lvl2pPr marL="342900" indent="0">
-              <a:buNone/>
-              <a:defRPr sz="1500" b="1"/>
-            </a:lvl2pPr>
-            <a:lvl3pPr marL="685800" indent="0">
-              <a:buNone/>
-              <a:defRPr sz="1350" b="1"/>
-            </a:lvl3pPr>
-            <a:lvl4pPr marL="1028700" indent="0">
-              <a:buNone/>
-              <a:defRPr sz="1200" b="1"/>
-            </a:lvl4pPr>
-            <a:lvl5pPr marL="1371600" indent="0">
-              <a:buNone/>
-              <a:defRPr sz="1200" b="1"/>
-            </a:lvl5pPr>
-            <a:lvl6pPr marL="1714500" indent="0">
-              <a:buNone/>
-              <a:defRPr sz="1200" b="1"/>
-            </a:lvl6pPr>
-            <a:lvl7pPr marL="2057400" indent="0">
-              <a:buNone/>
-              <a:defRPr sz="1200" b="1"/>
-            </a:lvl7pPr>
-            <a:lvl8pPr marL="2400300" indent="0">
-              <a:buNone/>
-              <a:defRPr sz="1200" b="1"/>
-            </a:lvl8pPr>
-            <a:lvl9pPr marL="2743200" indent="0">
-              <a:buNone/>
-              <a:defRPr sz="1200" b="1"/>
-            </a:lvl9pPr>
-          </a:lstStyle>
-          <a:p>
-            <a:pPr lvl="0"/>
-            <a:r>
-              <a:rPr lang="en-US" smtClean="0"/>
-              <a:t>Click to edit Master text styles</a:t>
-            </a:r>
-          </a:p>
-        </p:txBody>
-      </p:sp>
-      <p:sp>
-        <p:nvSpPr>
-          <p:cNvPr id="6" name="Content Placeholder 5"/>
-          <p:cNvSpPr>
-            <a:spLocks noGrp="1"/>
-          </p:cNvSpPr>
-          <p:nvPr>
-            <p:ph sz="quarter" idx="4"/>
-          </p:nvPr>
-        </p:nvSpPr>
-        <p:spPr>
-          <a:xfrm>
-            <a:off x="3471863" y="1878806"/>
-            <a:ext cx="2915543" cy="2763441"/>
-          </a:xfrm>
-        </p:spPr>
-        <p:txBody>
-          <a:bodyPr/>
-          <a:lstStyle/>
-          <a:p>
-            <a:pPr lvl="0"/>
-            <a:r>
-              <a:rPr lang="en-US" smtClean="0"/>
-              <a:t>Click to edit Master text styles</a:t>
-            </a:r>
-          </a:p>
-          <a:p>
-            <a:pPr lvl="1"/>
-            <a:r>
-              <a:rPr lang="en-US" smtClean="0"/>
-              <a:t>Second level</a:t>
-            </a:r>
-          </a:p>
-          <a:p>
-            <a:pPr lvl="2"/>
-            <a:r>
-              <a:rPr lang="en-US" smtClean="0"/>
-              <a:t>Third level</a:t>
-            </a:r>
-          </a:p>
-          <a:p>
-            <a:pPr lvl="3"/>
-            <a:r>
-              <a:rPr lang="en-US" smtClean="0"/>
-              <a:t>Fourth level</a:t>
-            </a:r>
-          </a:p>
-          <a:p>
-            <a:pPr lvl="4"/>
-            <a:r>
-              <a:rPr lang="en-US" smtClean="0"/>
-              <a:t>Fifth level</a:t>
-            </a:r>
-            <a:endParaRPr lang="en-US" dirty="0"/>
-          </a:p>
-        </p:txBody>
-      </p:sp>
-      <p:sp>
-        <p:nvSpPr>
-          <p:cNvPr id="7" name="Date Placeholder 6"/>
-          <p:cNvSpPr>
-            <a:spLocks noGrp="1"/>
-          </p:cNvSpPr>
-          <p:nvPr>
-            <p:ph type="dt" sz="half" idx="10"/>
-          </p:nvPr>
-        </p:nvSpPr>
-        <p:spPr/>
-        <p:txBody>
-          <a:bodyPr/>
-          <a:lstStyle/>
-          <a:p>
-            <a:pPr defTabSz="385763"/>
-            <a:fld id="{4CFFEE8A-0C3B-4CE3-BDBE-3AB865C6E9B1}" type="datetimeFigureOut">
-              <a:rPr lang="en-US" smtClean="0">
-                <a:solidFill>
-                  <a:prstClr val="black">
-                    <a:tint val="75000"/>
-                  </a:prstClr>
-                </a:solidFill>
-              </a:rPr>
-              <a:pPr defTabSz="385763"/>
-              <a:t>7/9/2015</a:t>
-            </a:fld>
-            <a:endParaRPr lang="en-US">
-              <a:solidFill>
-                <a:prstClr val="black">
-                  <a:tint val="75000"/>
-                </a:prstClr>
-              </a:solidFill>
-            </a:endParaRPr>
-          </a:p>
-        </p:txBody>
-      </p:sp>
-      <p:sp>
-        <p:nvSpPr>
-          <p:cNvPr id="8" name="Footer Placeholder 7"/>
-          <p:cNvSpPr>
-            <a:spLocks noGrp="1"/>
-          </p:cNvSpPr>
-          <p:nvPr>
-            <p:ph type="ftr" sz="quarter" idx="11"/>
-          </p:nvPr>
-        </p:nvSpPr>
-        <p:spPr/>
-        <p:txBody>
-          <a:bodyPr/>
-          <a:lstStyle/>
-          <a:p>
-            <a:pPr defTabSz="385763"/>
-            <a:endParaRPr lang="en-US">
-              <a:solidFill>
-                <a:prstClr val="black">
-                  <a:tint val="75000"/>
-                </a:prstClr>
-              </a:solidFill>
-            </a:endParaRPr>
-          </a:p>
-        </p:txBody>
-      </p:sp>
-      <p:sp>
-        <p:nvSpPr>
-          <p:cNvPr id="9" name="Slide Number Placeholder 8"/>
-          <p:cNvSpPr>
-            <a:spLocks noGrp="1"/>
-          </p:cNvSpPr>
-          <p:nvPr>
-            <p:ph type="sldNum" sz="quarter" idx="12"/>
-          </p:nvPr>
-        </p:nvSpPr>
-        <p:spPr/>
-        <p:txBody>
-          <a:bodyPr/>
-          <a:lstStyle/>
-          <a:p>
-            <a:pPr defTabSz="385763"/>
-            <a:fld id="{E0DBC28C-C8D9-41EE-A049-76BA2ACCFAA1}" type="slidenum">
-              <a:rPr lang="en-US" smtClean="0">
-                <a:solidFill>
-                  <a:prstClr val="black">
-                    <a:tint val="75000"/>
-                  </a:prstClr>
-                </a:solidFill>
-              </a:rPr>
-              <a:pPr defTabSz="385763"/>
-              <a:t>‹#›</a:t>
-            </a:fld>
-            <a:endParaRPr lang="en-US">
-              <a:solidFill>
-                <a:prstClr val="black">
-                  <a:tint val="75000"/>
-                </a:prstClr>
-              </a:solidFill>
-            </a:endParaRPr>
-          </a:p>
-        </p:txBody>
-      </p:sp>
-    </p:spTree>
-    <p:extLst>
-      <p:ext uri="{BB962C8B-B14F-4D97-AF65-F5344CB8AC3E}">
-        <p14:creationId xmlns:p14="http://schemas.microsoft.com/office/powerpoint/2010/main" val="2270252369"/>
-      </p:ext>
-    </p:extLst>
-  </p:cSld>
-  <p:clrMapOvr>
-    <a:masterClrMapping/>
-  </p:clrMapOvr>
-</p:sldLayout>
-</file>
-
-<file path=ppt/slideLayouts/slideLayout17.xml><?xml version="1.0" encoding="utf-8"?>
-<p:sldLayout xmlns:a="http://schemas.openxmlformats.org/drawingml/2006/main" xmlns:r="http://schemas.openxmlformats.org/officeDocument/2006/relationships" xmlns:p="http://schemas.openxmlformats.org/presentationml/2006/main" type="titleOnly" preserve="1">
-  <p:cSld name="Title Only">
-    <p:spTree>
-      <p:nvGrpSpPr>
-        <p:cNvPr id="1" name=""/>
-        <p:cNvGrpSpPr/>
-        <p:nvPr/>
-      </p:nvGrpSpPr>
-      <p:grpSpPr>
-        <a:xfrm>
-          <a:off x="0" y="0"/>
-          <a:ext cx="0" cy="0"/>
-          <a:chOff x="0" y="0"/>
-          <a:chExt cx="0" cy="0"/>
-        </a:xfrm>
-      </p:grpSpPr>
-      <p:sp>
-        <p:nvSpPr>
-          <p:cNvPr id="2" name="Title 1"/>
-          <p:cNvSpPr>
-            <a:spLocks noGrp="1"/>
-          </p:cNvSpPr>
-          <p:nvPr>
-            <p:ph type="title"/>
-          </p:nvPr>
-        </p:nvSpPr>
-        <p:spPr/>
-        <p:txBody>
-          <a:bodyPr/>
-          <a:lstStyle/>
-          <a:p>
-            <a:r>
-              <a:rPr lang="en-US" smtClean="0"/>
-              <a:t>Click to edit Master title style</a:t>
-            </a:r>
-            <a:endParaRPr lang="en-US" dirty="0"/>
-          </a:p>
-        </p:txBody>
-      </p:sp>
-      <p:sp>
-        <p:nvSpPr>
-          <p:cNvPr id="3" name="Date Placeholder 2"/>
-          <p:cNvSpPr>
-            <a:spLocks noGrp="1"/>
-          </p:cNvSpPr>
-          <p:nvPr>
-            <p:ph type="dt" sz="half" idx="10"/>
-          </p:nvPr>
-        </p:nvSpPr>
-        <p:spPr/>
-        <p:txBody>
-          <a:bodyPr/>
-          <a:lstStyle/>
-          <a:p>
-            <a:pPr defTabSz="385763"/>
-            <a:fld id="{4CFFEE8A-0C3B-4CE3-BDBE-3AB865C6E9B1}" type="datetimeFigureOut">
-              <a:rPr lang="en-US" smtClean="0">
-                <a:solidFill>
-                  <a:prstClr val="black">
-                    <a:tint val="75000"/>
-                  </a:prstClr>
-                </a:solidFill>
-              </a:rPr>
-              <a:pPr defTabSz="385763"/>
-              <a:t>7/9/2015</a:t>
-            </a:fld>
-            <a:endParaRPr lang="en-US">
-              <a:solidFill>
-                <a:prstClr val="black">
-                  <a:tint val="75000"/>
-                </a:prstClr>
-              </a:solidFill>
-            </a:endParaRPr>
-          </a:p>
-        </p:txBody>
-      </p:sp>
-      <p:sp>
-        <p:nvSpPr>
-          <p:cNvPr id="4" name="Footer Placeholder 3"/>
-          <p:cNvSpPr>
-            <a:spLocks noGrp="1"/>
-          </p:cNvSpPr>
-          <p:nvPr>
-            <p:ph type="ftr" sz="quarter" idx="11"/>
-          </p:nvPr>
-        </p:nvSpPr>
-        <p:spPr/>
-        <p:txBody>
-          <a:bodyPr/>
-          <a:lstStyle/>
-          <a:p>
-            <a:pPr defTabSz="385763"/>
-            <a:endParaRPr lang="en-US">
-              <a:solidFill>
-                <a:prstClr val="black">
-                  <a:tint val="75000"/>
-                </a:prstClr>
-              </a:solidFill>
-            </a:endParaRPr>
-          </a:p>
-        </p:txBody>
-      </p:sp>
-      <p:sp>
-        <p:nvSpPr>
-          <p:cNvPr id="5" name="Slide Number Placeholder 4"/>
-          <p:cNvSpPr>
-            <a:spLocks noGrp="1"/>
-          </p:cNvSpPr>
-          <p:nvPr>
-            <p:ph type="sldNum" sz="quarter" idx="12"/>
-          </p:nvPr>
-        </p:nvSpPr>
-        <p:spPr/>
-        <p:txBody>
-          <a:bodyPr/>
-          <a:lstStyle/>
-          <a:p>
-            <a:pPr defTabSz="385763"/>
-            <a:fld id="{E0DBC28C-C8D9-41EE-A049-76BA2ACCFAA1}" type="slidenum">
-              <a:rPr lang="en-US" smtClean="0">
-                <a:solidFill>
-                  <a:prstClr val="black">
-                    <a:tint val="75000"/>
-                  </a:prstClr>
-                </a:solidFill>
-              </a:rPr>
-              <a:pPr defTabSz="385763"/>
-              <a:t>‹#›</a:t>
-            </a:fld>
-            <a:endParaRPr lang="en-US">
-              <a:solidFill>
-                <a:prstClr val="black">
-                  <a:tint val="75000"/>
-                </a:prstClr>
-              </a:solidFill>
-            </a:endParaRPr>
-          </a:p>
-        </p:txBody>
-      </p:sp>
-    </p:spTree>
-    <p:extLst>
-      <p:ext uri="{BB962C8B-B14F-4D97-AF65-F5344CB8AC3E}">
-        <p14:creationId xmlns:p14="http://schemas.microsoft.com/office/powerpoint/2010/main" val="1715913688"/>
-      </p:ext>
-    </p:extLst>
-  </p:cSld>
-  <p:clrMapOvr>
-    <a:masterClrMapping/>
-  </p:clrMapOvr>
-</p:sldLayout>
-</file>
-
-<file path=ppt/slideLayouts/slideLayout18.xml><?xml version="1.0" encoding="utf-8"?>
-<p:sldLayout xmlns:a="http://schemas.openxmlformats.org/drawingml/2006/main" xmlns:r="http://schemas.openxmlformats.org/officeDocument/2006/relationships" xmlns:p="http://schemas.openxmlformats.org/presentationml/2006/main" type="blank" preserve="1">
-  <p:cSld name="Blank">
-    <p:spTree>
-      <p:nvGrpSpPr>
-        <p:cNvPr id="1" name=""/>
-        <p:cNvGrpSpPr/>
-        <p:nvPr/>
-      </p:nvGrpSpPr>
-      <p:grpSpPr>
-        <a:xfrm>
-          <a:off x="0" y="0"/>
-          <a:ext cx="0" cy="0"/>
-          <a:chOff x="0" y="0"/>
-          <a:chExt cx="0" cy="0"/>
-        </a:xfrm>
-      </p:grpSpPr>
-      <p:sp>
-        <p:nvSpPr>
-          <p:cNvPr id="2" name="Date Placeholder 1"/>
-          <p:cNvSpPr>
-            <a:spLocks noGrp="1"/>
-          </p:cNvSpPr>
-          <p:nvPr>
-            <p:ph type="dt" sz="half" idx="10"/>
-          </p:nvPr>
-        </p:nvSpPr>
-        <p:spPr/>
-        <p:txBody>
-          <a:bodyPr/>
-          <a:lstStyle/>
-          <a:p>
-            <a:pPr defTabSz="385763"/>
-            <a:fld id="{4CFFEE8A-0C3B-4CE3-BDBE-3AB865C6E9B1}" type="datetimeFigureOut">
-              <a:rPr lang="en-US" smtClean="0">
-                <a:solidFill>
-                  <a:prstClr val="black">
-                    <a:tint val="75000"/>
-                  </a:prstClr>
-                </a:solidFill>
-              </a:rPr>
-              <a:pPr defTabSz="385763"/>
-              <a:t>7/9/2015</a:t>
-            </a:fld>
-            <a:endParaRPr lang="en-US">
-              <a:solidFill>
-                <a:prstClr val="black">
-                  <a:tint val="75000"/>
-                </a:prstClr>
-              </a:solidFill>
-            </a:endParaRPr>
-          </a:p>
-        </p:txBody>
-      </p:sp>
-      <p:sp>
-        <p:nvSpPr>
-          <p:cNvPr id="3" name="Footer Placeholder 2"/>
-          <p:cNvSpPr>
-            <a:spLocks noGrp="1"/>
-          </p:cNvSpPr>
-          <p:nvPr>
-            <p:ph type="ftr" sz="quarter" idx="11"/>
-          </p:nvPr>
-        </p:nvSpPr>
-        <p:spPr/>
-        <p:txBody>
-          <a:bodyPr/>
-          <a:lstStyle/>
-          <a:p>
-            <a:pPr defTabSz="385763"/>
-            <a:endParaRPr lang="en-US">
-              <a:solidFill>
-                <a:prstClr val="black">
-                  <a:tint val="75000"/>
-                </a:prstClr>
-              </a:solidFill>
-            </a:endParaRPr>
-          </a:p>
-        </p:txBody>
-      </p:sp>
-      <p:sp>
-        <p:nvSpPr>
-          <p:cNvPr id="4" name="Slide Number Placeholder 3"/>
-          <p:cNvSpPr>
-            <a:spLocks noGrp="1"/>
-          </p:cNvSpPr>
-          <p:nvPr>
-            <p:ph type="sldNum" sz="quarter" idx="12"/>
-          </p:nvPr>
-        </p:nvSpPr>
-        <p:spPr/>
-        <p:txBody>
-          <a:bodyPr/>
-          <a:lstStyle/>
-          <a:p>
-            <a:pPr defTabSz="385763"/>
-            <a:fld id="{E0DBC28C-C8D9-41EE-A049-76BA2ACCFAA1}" type="slidenum">
-              <a:rPr lang="en-US" smtClean="0">
-                <a:solidFill>
-                  <a:prstClr val="black">
-                    <a:tint val="75000"/>
-                  </a:prstClr>
-                </a:solidFill>
-              </a:rPr>
-              <a:pPr defTabSz="385763"/>
-              <a:t>‹#›</a:t>
-            </a:fld>
-            <a:endParaRPr lang="en-US">
-              <a:solidFill>
-                <a:prstClr val="black">
-                  <a:tint val="75000"/>
-                </a:prstClr>
-              </a:solidFill>
-            </a:endParaRPr>
-          </a:p>
-        </p:txBody>
-      </p:sp>
-    </p:spTree>
-    <p:extLst>
-      <p:ext uri="{BB962C8B-B14F-4D97-AF65-F5344CB8AC3E}">
-        <p14:creationId xmlns:p14="http://schemas.microsoft.com/office/powerpoint/2010/main" val="1415933116"/>
-      </p:ext>
-    </p:extLst>
-  </p:cSld>
-  <p:clrMapOvr>
-    <a:masterClrMapping/>
-  </p:clrMapOvr>
-</p:sldLayout>
-</file>
-
-<file path=ppt/slideLayouts/slideLayout19.xml><?xml version="1.0" encoding="utf-8"?>
-<p:sldLayout xmlns:a="http://schemas.openxmlformats.org/drawingml/2006/main" xmlns:r="http://schemas.openxmlformats.org/officeDocument/2006/relationships" xmlns:p="http://schemas.openxmlformats.org/presentationml/2006/main" type="objTx" preserve="1">
-  <p:cSld name="Content with Caption">
-    <p:spTree>
-      <p:nvGrpSpPr>
-        <p:cNvPr id="1" name=""/>
-        <p:cNvGrpSpPr/>
-        <p:nvPr/>
-      </p:nvGrpSpPr>
-      <p:grpSpPr>
-        <a:xfrm>
-          <a:off x="0" y="0"/>
-          <a:ext cx="0" cy="0"/>
-          <a:chOff x="0" y="0"/>
-          <a:chExt cx="0" cy="0"/>
-        </a:xfrm>
-      </p:grpSpPr>
-      <p:sp>
-        <p:nvSpPr>
-          <p:cNvPr id="2" name="Title 1"/>
-          <p:cNvSpPr>
-            <a:spLocks noGrp="1"/>
-          </p:cNvSpPr>
-          <p:nvPr>
-            <p:ph type="title"/>
-          </p:nvPr>
-        </p:nvSpPr>
-        <p:spPr>
-          <a:xfrm>
-            <a:off x="472381" y="342900"/>
-            <a:ext cx="2211884" cy="1200150"/>
-          </a:xfrm>
-        </p:spPr>
-        <p:txBody>
-          <a:bodyPr anchor="b"/>
-          <a:lstStyle>
-            <a:lvl1pPr>
-              <a:defRPr sz="2400"/>
-            </a:lvl1pPr>
-          </a:lstStyle>
-          <a:p>
-            <a:r>
-              <a:rPr lang="en-US" smtClean="0"/>
-              <a:t>Click to edit Master title style</a:t>
-            </a:r>
-            <a:endParaRPr lang="en-US" dirty="0"/>
-          </a:p>
-        </p:txBody>
-      </p:sp>
-      <p:sp>
-        <p:nvSpPr>
-          <p:cNvPr id="3" name="Content Placeholder 2"/>
-          <p:cNvSpPr>
-            <a:spLocks noGrp="1"/>
-          </p:cNvSpPr>
-          <p:nvPr>
-            <p:ph idx="1"/>
-          </p:nvPr>
-        </p:nvSpPr>
-        <p:spPr>
-          <a:xfrm>
-            <a:off x="2915543" y="740570"/>
-            <a:ext cx="3471863" cy="3655219"/>
-          </a:xfrm>
-        </p:spPr>
-        <p:txBody>
-          <a:bodyPr/>
-          <a:lstStyle>
-            <a:lvl1pPr>
-              <a:defRPr sz="2400"/>
-            </a:lvl1pPr>
-            <a:lvl2pPr>
-              <a:defRPr sz="2100"/>
-            </a:lvl2pPr>
-            <a:lvl3pPr>
-              <a:defRPr sz="1800"/>
-            </a:lvl3pPr>
-            <a:lvl4pPr>
-              <a:defRPr sz="1500"/>
-            </a:lvl4pPr>
-            <a:lvl5pPr>
-              <a:defRPr sz="1500"/>
-            </a:lvl5pPr>
-            <a:lvl6pPr>
-              <a:defRPr sz="1500"/>
-            </a:lvl6pPr>
-            <a:lvl7pPr>
-              <a:defRPr sz="1500"/>
-            </a:lvl7pPr>
-            <a:lvl8pPr>
-              <a:defRPr sz="1500"/>
-            </a:lvl8pPr>
-            <a:lvl9pPr>
-              <a:defRPr sz="1500"/>
-            </a:lvl9pPr>
-          </a:lstStyle>
-          <a:p>
-            <a:pPr lvl="0"/>
-            <a:r>
-              <a:rPr lang="en-US" smtClean="0"/>
-              <a:t>Click to edit Master text styles</a:t>
-            </a:r>
-          </a:p>
-          <a:p>
-            <a:pPr lvl="1"/>
-            <a:r>
-              <a:rPr lang="en-US" smtClean="0"/>
-              <a:t>Second level</a:t>
-            </a:r>
-          </a:p>
-          <a:p>
-            <a:pPr lvl="2"/>
-            <a:r>
-              <a:rPr lang="en-US" smtClean="0"/>
-              <a:t>Third level</a:t>
-            </a:r>
-          </a:p>
-          <a:p>
-            <a:pPr lvl="3"/>
-            <a:r>
-              <a:rPr lang="en-US" smtClean="0"/>
-              <a:t>Fourth level</a:t>
-            </a:r>
-          </a:p>
-          <a:p>
-            <a:pPr lvl="4"/>
-            <a:r>
-              <a:rPr lang="en-US" smtClean="0"/>
-              <a:t>Fifth level</a:t>
-            </a:r>
-            <a:endParaRPr lang="en-US" dirty="0"/>
-          </a:p>
-        </p:txBody>
-      </p:sp>
-      <p:sp>
-        <p:nvSpPr>
-          <p:cNvPr id="4" name="Text Placeholder 3"/>
-          <p:cNvSpPr>
-            <a:spLocks noGrp="1"/>
-          </p:cNvSpPr>
-          <p:nvPr>
-            <p:ph type="body" sz="half" idx="2"/>
-          </p:nvPr>
-        </p:nvSpPr>
-        <p:spPr>
-          <a:xfrm>
-            <a:off x="472381" y="1543050"/>
-            <a:ext cx="2211884" cy="2858691"/>
-          </a:xfrm>
-        </p:spPr>
-        <p:txBody>
-          <a:bodyPr/>
-          <a:lstStyle>
-            <a:lvl1pPr marL="0" indent="0">
-              <a:buNone/>
-              <a:defRPr sz="1200"/>
-            </a:lvl1pPr>
-            <a:lvl2pPr marL="342900" indent="0">
-              <a:buNone/>
-              <a:defRPr sz="1050"/>
-            </a:lvl2pPr>
-            <a:lvl3pPr marL="685800" indent="0">
-              <a:buNone/>
-              <a:defRPr sz="900"/>
-            </a:lvl3pPr>
-            <a:lvl4pPr marL="1028700" indent="0">
-              <a:buNone/>
-              <a:defRPr sz="750"/>
-            </a:lvl4pPr>
-            <a:lvl5pPr marL="1371600" indent="0">
-              <a:buNone/>
-              <a:defRPr sz="750"/>
-            </a:lvl5pPr>
-            <a:lvl6pPr marL="1714500" indent="0">
-              <a:buNone/>
-              <a:defRPr sz="750"/>
-            </a:lvl6pPr>
-            <a:lvl7pPr marL="2057400" indent="0">
-              <a:buNone/>
-              <a:defRPr sz="750"/>
-            </a:lvl7pPr>
-            <a:lvl8pPr marL="2400300" indent="0">
-              <a:buNone/>
-              <a:defRPr sz="750"/>
-            </a:lvl8pPr>
-            <a:lvl9pPr marL="2743200" indent="0">
-              <a:buNone/>
-              <a:defRPr sz="750"/>
-            </a:lvl9pPr>
-          </a:lstStyle>
-          <a:p>
-            <a:pPr lvl="0"/>
-            <a:r>
-              <a:rPr lang="en-US" smtClean="0"/>
-              <a:t>Click to edit Master text styles</a:t>
-            </a:r>
-          </a:p>
-        </p:txBody>
-      </p:sp>
-      <p:sp>
-        <p:nvSpPr>
-          <p:cNvPr id="5" name="Date Placeholder 4"/>
-          <p:cNvSpPr>
-            <a:spLocks noGrp="1"/>
-          </p:cNvSpPr>
-          <p:nvPr>
-            <p:ph type="dt" sz="half" idx="10"/>
-          </p:nvPr>
-        </p:nvSpPr>
-        <p:spPr/>
-        <p:txBody>
-          <a:bodyPr/>
-          <a:lstStyle/>
-          <a:p>
-            <a:pPr defTabSz="385763"/>
-            <a:fld id="{4CFFEE8A-0C3B-4CE3-BDBE-3AB865C6E9B1}" type="datetimeFigureOut">
-              <a:rPr lang="en-US" smtClean="0">
-                <a:solidFill>
-                  <a:prstClr val="black">
-                    <a:tint val="75000"/>
-                  </a:prstClr>
-                </a:solidFill>
-              </a:rPr>
-              <a:pPr defTabSz="385763"/>
-              <a:t>7/9/2015</a:t>
-            </a:fld>
-            <a:endParaRPr lang="en-US">
-              <a:solidFill>
-                <a:prstClr val="black">
-                  <a:tint val="75000"/>
-                </a:prstClr>
-              </a:solidFill>
-            </a:endParaRPr>
-          </a:p>
-        </p:txBody>
-      </p:sp>
-      <p:sp>
-        <p:nvSpPr>
-          <p:cNvPr id="6" name="Footer Placeholder 5"/>
-          <p:cNvSpPr>
-            <a:spLocks noGrp="1"/>
-          </p:cNvSpPr>
-          <p:nvPr>
-            <p:ph type="ftr" sz="quarter" idx="11"/>
-          </p:nvPr>
-        </p:nvSpPr>
-        <p:spPr/>
-        <p:txBody>
-          <a:bodyPr/>
-          <a:lstStyle/>
-          <a:p>
-            <a:pPr defTabSz="385763"/>
-            <a:endParaRPr lang="en-US">
-              <a:solidFill>
-                <a:prstClr val="black">
-                  <a:tint val="75000"/>
-                </a:prstClr>
-              </a:solidFill>
-            </a:endParaRPr>
-          </a:p>
-        </p:txBody>
-      </p:sp>
-      <p:sp>
-        <p:nvSpPr>
-          <p:cNvPr id="7" name="Slide Number Placeholder 6"/>
-          <p:cNvSpPr>
-            <a:spLocks noGrp="1"/>
-          </p:cNvSpPr>
-          <p:nvPr>
-            <p:ph type="sldNum" sz="quarter" idx="12"/>
-          </p:nvPr>
-        </p:nvSpPr>
-        <p:spPr/>
-        <p:txBody>
-          <a:bodyPr/>
-          <a:lstStyle/>
-          <a:p>
-            <a:pPr defTabSz="385763"/>
-            <a:fld id="{E0DBC28C-C8D9-41EE-A049-76BA2ACCFAA1}" type="slidenum">
-              <a:rPr lang="en-US" smtClean="0">
-                <a:solidFill>
-                  <a:prstClr val="black">
-                    <a:tint val="75000"/>
-                  </a:prstClr>
-                </a:solidFill>
-              </a:rPr>
-              <a:pPr defTabSz="385763"/>
-              <a:t>‹#›</a:t>
-            </a:fld>
-            <a:endParaRPr lang="en-US">
-              <a:solidFill>
-                <a:prstClr val="black">
-                  <a:tint val="75000"/>
-                </a:prstClr>
-              </a:solidFill>
-            </a:endParaRPr>
-          </a:p>
-        </p:txBody>
-      </p:sp>
-    </p:spTree>
-    <p:extLst>
-      <p:ext uri="{BB962C8B-B14F-4D97-AF65-F5344CB8AC3E}">
-        <p14:creationId xmlns:p14="http://schemas.microsoft.com/office/powerpoint/2010/main" val="2920029882"/>
       </p:ext>
     </p:extLst>
   </p:cSld>
@@ -9530,7 +8672,7 @@
           <a:p>
             <a:fld id="{2A7CB402-B72D-3346-9EA5-354251120F9E}" type="datetimeFigureOut">
               <a:rPr lang="en-US" smtClean="0"/>
-              <a:t>7/9/2015</a:t>
+              <a:t>9/12/2015</a:t>
             </a:fld>
             <a:endParaRPr lang="en-US"/>
           </a:p>
@@ -9593,718 +8735,6 @@
     <p:extLst>
       <p:ext uri="{BB962C8B-B14F-4D97-AF65-F5344CB8AC3E}">
         <p14:creationId xmlns:p14="http://schemas.microsoft.com/office/powerpoint/2010/main" val="3851053917"/>
-      </p:ext>
-    </p:extLst>
-  </p:cSld>
-  <p:clrMapOvr>
-    <a:masterClrMapping/>
-  </p:clrMapOvr>
-</p:sldLayout>
-</file>
-
-<file path=ppt/slideLayouts/slideLayout20.xml><?xml version="1.0" encoding="utf-8"?>
-<p:sldLayout xmlns:a="http://schemas.openxmlformats.org/drawingml/2006/main" xmlns:r="http://schemas.openxmlformats.org/officeDocument/2006/relationships" xmlns:p="http://schemas.openxmlformats.org/presentationml/2006/main" type="picTx" preserve="1">
-  <p:cSld name="Picture with Caption">
-    <p:spTree>
-      <p:nvGrpSpPr>
-        <p:cNvPr id="1" name=""/>
-        <p:cNvGrpSpPr/>
-        <p:nvPr/>
-      </p:nvGrpSpPr>
-      <p:grpSpPr>
-        <a:xfrm>
-          <a:off x="0" y="0"/>
-          <a:ext cx="0" cy="0"/>
-          <a:chOff x="0" y="0"/>
-          <a:chExt cx="0" cy="0"/>
-        </a:xfrm>
-      </p:grpSpPr>
-      <p:sp>
-        <p:nvSpPr>
-          <p:cNvPr id="2" name="Title 1"/>
-          <p:cNvSpPr>
-            <a:spLocks noGrp="1"/>
-          </p:cNvSpPr>
-          <p:nvPr>
-            <p:ph type="title"/>
-          </p:nvPr>
-        </p:nvSpPr>
-        <p:spPr>
-          <a:xfrm>
-            <a:off x="472381" y="342900"/>
-            <a:ext cx="2211884" cy="1200150"/>
-          </a:xfrm>
-        </p:spPr>
-        <p:txBody>
-          <a:bodyPr anchor="b"/>
-          <a:lstStyle>
-            <a:lvl1pPr>
-              <a:defRPr sz="2400"/>
-            </a:lvl1pPr>
-          </a:lstStyle>
-          <a:p>
-            <a:r>
-              <a:rPr lang="en-US" smtClean="0"/>
-              <a:t>Click to edit Master title style</a:t>
-            </a:r>
-            <a:endParaRPr lang="en-US" dirty="0"/>
-          </a:p>
-        </p:txBody>
-      </p:sp>
-      <p:sp>
-        <p:nvSpPr>
-          <p:cNvPr id="3" name="Picture Placeholder 2"/>
-          <p:cNvSpPr>
-            <a:spLocks noGrp="1" noChangeAspect="1"/>
-          </p:cNvSpPr>
-          <p:nvPr>
-            <p:ph type="pic" idx="1"/>
-          </p:nvPr>
-        </p:nvSpPr>
-        <p:spPr>
-          <a:xfrm>
-            <a:off x="2915543" y="740570"/>
-            <a:ext cx="3471863" cy="3655219"/>
-          </a:xfrm>
-        </p:spPr>
-        <p:txBody>
-          <a:bodyPr anchor="t"/>
-          <a:lstStyle>
-            <a:lvl1pPr marL="0" indent="0">
-              <a:buNone/>
-              <a:defRPr sz="2400"/>
-            </a:lvl1pPr>
-            <a:lvl2pPr marL="342900" indent="0">
-              <a:buNone/>
-              <a:defRPr sz="2100"/>
-            </a:lvl2pPr>
-            <a:lvl3pPr marL="685800" indent="0">
-              <a:buNone/>
-              <a:defRPr sz="1800"/>
-            </a:lvl3pPr>
-            <a:lvl4pPr marL="1028700" indent="0">
-              <a:buNone/>
-              <a:defRPr sz="1500"/>
-            </a:lvl4pPr>
-            <a:lvl5pPr marL="1371600" indent="0">
-              <a:buNone/>
-              <a:defRPr sz="1500"/>
-            </a:lvl5pPr>
-            <a:lvl6pPr marL="1714500" indent="0">
-              <a:buNone/>
-              <a:defRPr sz="1500"/>
-            </a:lvl6pPr>
-            <a:lvl7pPr marL="2057400" indent="0">
-              <a:buNone/>
-              <a:defRPr sz="1500"/>
-            </a:lvl7pPr>
-            <a:lvl8pPr marL="2400300" indent="0">
-              <a:buNone/>
-              <a:defRPr sz="1500"/>
-            </a:lvl8pPr>
-            <a:lvl9pPr marL="2743200" indent="0">
-              <a:buNone/>
-              <a:defRPr sz="1500"/>
-            </a:lvl9pPr>
-          </a:lstStyle>
-          <a:p>
-            <a:r>
-              <a:rPr lang="en-US" smtClean="0"/>
-              <a:t>Click icon to add picture</a:t>
-            </a:r>
-            <a:endParaRPr lang="en-US" dirty="0"/>
-          </a:p>
-        </p:txBody>
-      </p:sp>
-      <p:sp>
-        <p:nvSpPr>
-          <p:cNvPr id="4" name="Text Placeholder 3"/>
-          <p:cNvSpPr>
-            <a:spLocks noGrp="1"/>
-          </p:cNvSpPr>
-          <p:nvPr>
-            <p:ph type="body" sz="half" idx="2"/>
-          </p:nvPr>
-        </p:nvSpPr>
-        <p:spPr>
-          <a:xfrm>
-            <a:off x="472381" y="1543050"/>
-            <a:ext cx="2211884" cy="2858691"/>
-          </a:xfrm>
-        </p:spPr>
-        <p:txBody>
-          <a:bodyPr/>
-          <a:lstStyle>
-            <a:lvl1pPr marL="0" indent="0">
-              <a:buNone/>
-              <a:defRPr sz="1200"/>
-            </a:lvl1pPr>
-            <a:lvl2pPr marL="342900" indent="0">
-              <a:buNone/>
-              <a:defRPr sz="1050"/>
-            </a:lvl2pPr>
-            <a:lvl3pPr marL="685800" indent="0">
-              <a:buNone/>
-              <a:defRPr sz="900"/>
-            </a:lvl3pPr>
-            <a:lvl4pPr marL="1028700" indent="0">
-              <a:buNone/>
-              <a:defRPr sz="750"/>
-            </a:lvl4pPr>
-            <a:lvl5pPr marL="1371600" indent="0">
-              <a:buNone/>
-              <a:defRPr sz="750"/>
-            </a:lvl5pPr>
-            <a:lvl6pPr marL="1714500" indent="0">
-              <a:buNone/>
-              <a:defRPr sz="750"/>
-            </a:lvl6pPr>
-            <a:lvl7pPr marL="2057400" indent="0">
-              <a:buNone/>
-              <a:defRPr sz="750"/>
-            </a:lvl7pPr>
-            <a:lvl8pPr marL="2400300" indent="0">
-              <a:buNone/>
-              <a:defRPr sz="750"/>
-            </a:lvl8pPr>
-            <a:lvl9pPr marL="2743200" indent="0">
-              <a:buNone/>
-              <a:defRPr sz="750"/>
-            </a:lvl9pPr>
-          </a:lstStyle>
-          <a:p>
-            <a:pPr lvl="0"/>
-            <a:r>
-              <a:rPr lang="en-US" smtClean="0"/>
-              <a:t>Click to edit Master text styles</a:t>
-            </a:r>
-          </a:p>
-        </p:txBody>
-      </p:sp>
-      <p:sp>
-        <p:nvSpPr>
-          <p:cNvPr id="5" name="Date Placeholder 4"/>
-          <p:cNvSpPr>
-            <a:spLocks noGrp="1"/>
-          </p:cNvSpPr>
-          <p:nvPr>
-            <p:ph type="dt" sz="half" idx="10"/>
-          </p:nvPr>
-        </p:nvSpPr>
-        <p:spPr/>
-        <p:txBody>
-          <a:bodyPr/>
-          <a:lstStyle/>
-          <a:p>
-            <a:pPr defTabSz="385763"/>
-            <a:fld id="{4CFFEE8A-0C3B-4CE3-BDBE-3AB865C6E9B1}" type="datetimeFigureOut">
-              <a:rPr lang="en-US" smtClean="0">
-                <a:solidFill>
-                  <a:prstClr val="black">
-                    <a:tint val="75000"/>
-                  </a:prstClr>
-                </a:solidFill>
-              </a:rPr>
-              <a:pPr defTabSz="385763"/>
-              <a:t>7/9/2015</a:t>
-            </a:fld>
-            <a:endParaRPr lang="en-US">
-              <a:solidFill>
-                <a:prstClr val="black">
-                  <a:tint val="75000"/>
-                </a:prstClr>
-              </a:solidFill>
-            </a:endParaRPr>
-          </a:p>
-        </p:txBody>
-      </p:sp>
-      <p:sp>
-        <p:nvSpPr>
-          <p:cNvPr id="6" name="Footer Placeholder 5"/>
-          <p:cNvSpPr>
-            <a:spLocks noGrp="1"/>
-          </p:cNvSpPr>
-          <p:nvPr>
-            <p:ph type="ftr" sz="quarter" idx="11"/>
-          </p:nvPr>
-        </p:nvSpPr>
-        <p:spPr/>
-        <p:txBody>
-          <a:bodyPr/>
-          <a:lstStyle/>
-          <a:p>
-            <a:pPr defTabSz="385763"/>
-            <a:endParaRPr lang="en-US">
-              <a:solidFill>
-                <a:prstClr val="black">
-                  <a:tint val="75000"/>
-                </a:prstClr>
-              </a:solidFill>
-            </a:endParaRPr>
-          </a:p>
-        </p:txBody>
-      </p:sp>
-      <p:sp>
-        <p:nvSpPr>
-          <p:cNvPr id="7" name="Slide Number Placeholder 6"/>
-          <p:cNvSpPr>
-            <a:spLocks noGrp="1"/>
-          </p:cNvSpPr>
-          <p:nvPr>
-            <p:ph type="sldNum" sz="quarter" idx="12"/>
-          </p:nvPr>
-        </p:nvSpPr>
-        <p:spPr/>
-        <p:txBody>
-          <a:bodyPr/>
-          <a:lstStyle/>
-          <a:p>
-            <a:pPr defTabSz="385763"/>
-            <a:fld id="{E0DBC28C-C8D9-41EE-A049-76BA2ACCFAA1}" type="slidenum">
-              <a:rPr lang="en-US" smtClean="0">
-                <a:solidFill>
-                  <a:prstClr val="black">
-                    <a:tint val="75000"/>
-                  </a:prstClr>
-                </a:solidFill>
-              </a:rPr>
-              <a:pPr defTabSz="385763"/>
-              <a:t>‹#›</a:t>
-            </a:fld>
-            <a:endParaRPr lang="en-US">
-              <a:solidFill>
-                <a:prstClr val="black">
-                  <a:tint val="75000"/>
-                </a:prstClr>
-              </a:solidFill>
-            </a:endParaRPr>
-          </a:p>
-        </p:txBody>
-      </p:sp>
-    </p:spTree>
-    <p:extLst>
-      <p:ext uri="{BB962C8B-B14F-4D97-AF65-F5344CB8AC3E}">
-        <p14:creationId xmlns:p14="http://schemas.microsoft.com/office/powerpoint/2010/main" val="2861714818"/>
-      </p:ext>
-    </p:extLst>
-  </p:cSld>
-  <p:clrMapOvr>
-    <a:masterClrMapping/>
-  </p:clrMapOvr>
-</p:sldLayout>
-</file>
-
-<file path=ppt/slideLayouts/slideLayout21.xml><?xml version="1.0" encoding="utf-8"?>
-<p:sldLayout xmlns:a="http://schemas.openxmlformats.org/drawingml/2006/main" xmlns:r="http://schemas.openxmlformats.org/officeDocument/2006/relationships" xmlns:p="http://schemas.openxmlformats.org/presentationml/2006/main" type="vertTx" preserve="1">
-  <p:cSld name="Title and Vertical Text">
-    <p:spTree>
-      <p:nvGrpSpPr>
-        <p:cNvPr id="1" name=""/>
-        <p:cNvGrpSpPr/>
-        <p:nvPr/>
-      </p:nvGrpSpPr>
-      <p:grpSpPr>
-        <a:xfrm>
-          <a:off x="0" y="0"/>
-          <a:ext cx="0" cy="0"/>
-          <a:chOff x="0" y="0"/>
-          <a:chExt cx="0" cy="0"/>
-        </a:xfrm>
-      </p:grpSpPr>
-      <p:sp>
-        <p:nvSpPr>
-          <p:cNvPr id="2" name="Title 1"/>
-          <p:cNvSpPr>
-            <a:spLocks noGrp="1"/>
-          </p:cNvSpPr>
-          <p:nvPr>
-            <p:ph type="title"/>
-          </p:nvPr>
-        </p:nvSpPr>
-        <p:spPr/>
-        <p:txBody>
-          <a:bodyPr/>
-          <a:lstStyle/>
-          <a:p>
-            <a:r>
-              <a:rPr lang="en-US" smtClean="0"/>
-              <a:t>Click to edit Master title style</a:t>
-            </a:r>
-            <a:endParaRPr lang="en-US" dirty="0"/>
-          </a:p>
-        </p:txBody>
-      </p:sp>
-      <p:sp>
-        <p:nvSpPr>
-          <p:cNvPr id="3" name="Vertical Text Placeholder 2"/>
-          <p:cNvSpPr>
-            <a:spLocks noGrp="1"/>
-          </p:cNvSpPr>
-          <p:nvPr>
-            <p:ph type="body" orient="vert" idx="1"/>
-          </p:nvPr>
-        </p:nvSpPr>
-        <p:spPr/>
-        <p:txBody>
-          <a:bodyPr vert="eaVert"/>
-          <a:lstStyle/>
-          <a:p>
-            <a:pPr lvl="0"/>
-            <a:r>
-              <a:rPr lang="en-US" smtClean="0"/>
-              <a:t>Click to edit Master text styles</a:t>
-            </a:r>
-          </a:p>
-          <a:p>
-            <a:pPr lvl="1"/>
-            <a:r>
-              <a:rPr lang="en-US" smtClean="0"/>
-              <a:t>Second level</a:t>
-            </a:r>
-          </a:p>
-          <a:p>
-            <a:pPr lvl="2"/>
-            <a:r>
-              <a:rPr lang="en-US" smtClean="0"/>
-              <a:t>Third level</a:t>
-            </a:r>
-          </a:p>
-          <a:p>
-            <a:pPr lvl="3"/>
-            <a:r>
-              <a:rPr lang="en-US" smtClean="0"/>
-              <a:t>Fourth level</a:t>
-            </a:r>
-          </a:p>
-          <a:p>
-            <a:pPr lvl="4"/>
-            <a:r>
-              <a:rPr lang="en-US" smtClean="0"/>
-              <a:t>Fifth level</a:t>
-            </a:r>
-            <a:endParaRPr lang="en-US" dirty="0"/>
-          </a:p>
-        </p:txBody>
-      </p:sp>
-      <p:sp>
-        <p:nvSpPr>
-          <p:cNvPr id="4" name="Date Placeholder 3"/>
-          <p:cNvSpPr>
-            <a:spLocks noGrp="1"/>
-          </p:cNvSpPr>
-          <p:nvPr>
-            <p:ph type="dt" sz="half" idx="10"/>
-          </p:nvPr>
-        </p:nvSpPr>
-        <p:spPr/>
-        <p:txBody>
-          <a:bodyPr/>
-          <a:lstStyle/>
-          <a:p>
-            <a:pPr defTabSz="385763"/>
-            <a:fld id="{4CFFEE8A-0C3B-4CE3-BDBE-3AB865C6E9B1}" type="datetimeFigureOut">
-              <a:rPr lang="en-US" smtClean="0">
-                <a:solidFill>
-                  <a:prstClr val="black">
-                    <a:tint val="75000"/>
-                  </a:prstClr>
-                </a:solidFill>
-              </a:rPr>
-              <a:pPr defTabSz="385763"/>
-              <a:t>7/9/2015</a:t>
-            </a:fld>
-            <a:endParaRPr lang="en-US">
-              <a:solidFill>
-                <a:prstClr val="black">
-                  <a:tint val="75000"/>
-                </a:prstClr>
-              </a:solidFill>
-            </a:endParaRPr>
-          </a:p>
-        </p:txBody>
-      </p:sp>
-      <p:sp>
-        <p:nvSpPr>
-          <p:cNvPr id="5" name="Footer Placeholder 4"/>
-          <p:cNvSpPr>
-            <a:spLocks noGrp="1"/>
-          </p:cNvSpPr>
-          <p:nvPr>
-            <p:ph type="ftr" sz="quarter" idx="11"/>
-          </p:nvPr>
-        </p:nvSpPr>
-        <p:spPr/>
-        <p:txBody>
-          <a:bodyPr/>
-          <a:lstStyle/>
-          <a:p>
-            <a:pPr defTabSz="385763"/>
-            <a:endParaRPr lang="en-US">
-              <a:solidFill>
-                <a:prstClr val="black">
-                  <a:tint val="75000"/>
-                </a:prstClr>
-              </a:solidFill>
-            </a:endParaRPr>
-          </a:p>
-        </p:txBody>
-      </p:sp>
-      <p:sp>
-        <p:nvSpPr>
-          <p:cNvPr id="6" name="Slide Number Placeholder 5"/>
-          <p:cNvSpPr>
-            <a:spLocks noGrp="1"/>
-          </p:cNvSpPr>
-          <p:nvPr>
-            <p:ph type="sldNum" sz="quarter" idx="12"/>
-          </p:nvPr>
-        </p:nvSpPr>
-        <p:spPr/>
-        <p:txBody>
-          <a:bodyPr/>
-          <a:lstStyle/>
-          <a:p>
-            <a:pPr defTabSz="385763"/>
-            <a:fld id="{E0DBC28C-C8D9-41EE-A049-76BA2ACCFAA1}" type="slidenum">
-              <a:rPr lang="en-US" smtClean="0">
-                <a:solidFill>
-                  <a:prstClr val="black">
-                    <a:tint val="75000"/>
-                  </a:prstClr>
-                </a:solidFill>
-              </a:rPr>
-              <a:pPr defTabSz="385763"/>
-              <a:t>‹#›</a:t>
-            </a:fld>
-            <a:endParaRPr lang="en-US">
-              <a:solidFill>
-                <a:prstClr val="black">
-                  <a:tint val="75000"/>
-                </a:prstClr>
-              </a:solidFill>
-            </a:endParaRPr>
-          </a:p>
-        </p:txBody>
-      </p:sp>
-    </p:spTree>
-    <p:extLst>
-      <p:ext uri="{BB962C8B-B14F-4D97-AF65-F5344CB8AC3E}">
-        <p14:creationId xmlns:p14="http://schemas.microsoft.com/office/powerpoint/2010/main" val="4082002663"/>
-      </p:ext>
-    </p:extLst>
-  </p:cSld>
-  <p:clrMapOvr>
-    <a:masterClrMapping/>
-  </p:clrMapOvr>
-</p:sldLayout>
-</file>
-
-<file path=ppt/slideLayouts/slideLayout22.xml><?xml version="1.0" encoding="utf-8"?>
-<p:sldLayout xmlns:a="http://schemas.openxmlformats.org/drawingml/2006/main" xmlns:r="http://schemas.openxmlformats.org/officeDocument/2006/relationships" xmlns:p="http://schemas.openxmlformats.org/presentationml/2006/main" type="vertTitleAndTx" preserve="1">
-  <p:cSld name="Vertical Title and Text">
-    <p:spTree>
-      <p:nvGrpSpPr>
-        <p:cNvPr id="1" name=""/>
-        <p:cNvGrpSpPr/>
-        <p:nvPr/>
-      </p:nvGrpSpPr>
-      <p:grpSpPr>
-        <a:xfrm>
-          <a:off x="0" y="0"/>
-          <a:ext cx="0" cy="0"/>
-          <a:chOff x="0" y="0"/>
-          <a:chExt cx="0" cy="0"/>
-        </a:xfrm>
-      </p:grpSpPr>
-      <p:sp>
-        <p:nvSpPr>
-          <p:cNvPr id="2" name="Vertical Title 1"/>
-          <p:cNvSpPr>
-            <a:spLocks noGrp="1"/>
-          </p:cNvSpPr>
-          <p:nvPr>
-            <p:ph type="title" orient="vert"/>
-          </p:nvPr>
-        </p:nvSpPr>
-        <p:spPr>
-          <a:xfrm>
-            <a:off x="4907757" y="273844"/>
-            <a:ext cx="1478756" cy="4358879"/>
-          </a:xfrm>
-        </p:spPr>
-        <p:txBody>
-          <a:bodyPr vert="eaVert"/>
-          <a:lstStyle/>
-          <a:p>
-            <a:r>
-              <a:rPr lang="en-US" smtClean="0"/>
-              <a:t>Click to edit Master title style</a:t>
-            </a:r>
-            <a:endParaRPr lang="en-US" dirty="0"/>
-          </a:p>
-        </p:txBody>
-      </p:sp>
-      <p:sp>
-        <p:nvSpPr>
-          <p:cNvPr id="3" name="Vertical Text Placeholder 2"/>
-          <p:cNvSpPr>
-            <a:spLocks noGrp="1"/>
-          </p:cNvSpPr>
-          <p:nvPr>
-            <p:ph type="body" orient="vert" idx="1"/>
-          </p:nvPr>
-        </p:nvSpPr>
-        <p:spPr>
-          <a:xfrm>
-            <a:off x="471488" y="273844"/>
-            <a:ext cx="4350544" cy="4358879"/>
-          </a:xfrm>
-        </p:spPr>
-        <p:txBody>
-          <a:bodyPr vert="eaVert"/>
-          <a:lstStyle/>
-          <a:p>
-            <a:pPr lvl="0"/>
-            <a:r>
-              <a:rPr lang="en-US" smtClean="0"/>
-              <a:t>Click to edit Master text styles</a:t>
-            </a:r>
-          </a:p>
-          <a:p>
-            <a:pPr lvl="1"/>
-            <a:r>
-              <a:rPr lang="en-US" smtClean="0"/>
-              <a:t>Second level</a:t>
-            </a:r>
-          </a:p>
-          <a:p>
-            <a:pPr lvl="2"/>
-            <a:r>
-              <a:rPr lang="en-US" smtClean="0"/>
-              <a:t>Third level</a:t>
-            </a:r>
-          </a:p>
-          <a:p>
-            <a:pPr lvl="3"/>
-            <a:r>
-              <a:rPr lang="en-US" smtClean="0"/>
-              <a:t>Fourth level</a:t>
-            </a:r>
-          </a:p>
-          <a:p>
-            <a:pPr lvl="4"/>
-            <a:r>
-              <a:rPr lang="en-US" smtClean="0"/>
-              <a:t>Fifth level</a:t>
-            </a:r>
-            <a:endParaRPr lang="en-US" dirty="0"/>
-          </a:p>
-        </p:txBody>
-      </p:sp>
-      <p:sp>
-        <p:nvSpPr>
-          <p:cNvPr id="4" name="Date Placeholder 3"/>
-          <p:cNvSpPr>
-            <a:spLocks noGrp="1"/>
-          </p:cNvSpPr>
-          <p:nvPr>
-            <p:ph type="dt" sz="half" idx="10"/>
-          </p:nvPr>
-        </p:nvSpPr>
-        <p:spPr/>
-        <p:txBody>
-          <a:bodyPr/>
-          <a:lstStyle/>
-          <a:p>
-            <a:pPr defTabSz="385763"/>
-            <a:fld id="{4CFFEE8A-0C3B-4CE3-BDBE-3AB865C6E9B1}" type="datetimeFigureOut">
-              <a:rPr lang="en-US" smtClean="0">
-                <a:solidFill>
-                  <a:prstClr val="black">
-                    <a:tint val="75000"/>
-                  </a:prstClr>
-                </a:solidFill>
-              </a:rPr>
-              <a:pPr defTabSz="385763"/>
-              <a:t>7/9/2015</a:t>
-            </a:fld>
-            <a:endParaRPr lang="en-US">
-              <a:solidFill>
-                <a:prstClr val="black">
-                  <a:tint val="75000"/>
-                </a:prstClr>
-              </a:solidFill>
-            </a:endParaRPr>
-          </a:p>
-        </p:txBody>
-      </p:sp>
-      <p:sp>
-        <p:nvSpPr>
-          <p:cNvPr id="5" name="Footer Placeholder 4"/>
-          <p:cNvSpPr>
-            <a:spLocks noGrp="1"/>
-          </p:cNvSpPr>
-          <p:nvPr>
-            <p:ph type="ftr" sz="quarter" idx="11"/>
-          </p:nvPr>
-        </p:nvSpPr>
-        <p:spPr/>
-        <p:txBody>
-          <a:bodyPr/>
-          <a:lstStyle/>
-          <a:p>
-            <a:pPr defTabSz="385763"/>
-            <a:endParaRPr lang="en-US">
-              <a:solidFill>
-                <a:prstClr val="black">
-                  <a:tint val="75000"/>
-                </a:prstClr>
-              </a:solidFill>
-            </a:endParaRPr>
-          </a:p>
-        </p:txBody>
-      </p:sp>
-      <p:sp>
-        <p:nvSpPr>
-          <p:cNvPr id="6" name="Slide Number Placeholder 5"/>
-          <p:cNvSpPr>
-            <a:spLocks noGrp="1"/>
-          </p:cNvSpPr>
-          <p:nvPr>
-            <p:ph type="sldNum" sz="quarter" idx="12"/>
-          </p:nvPr>
-        </p:nvSpPr>
-        <p:spPr/>
-        <p:txBody>
-          <a:bodyPr/>
-          <a:lstStyle/>
-          <a:p>
-            <a:pPr defTabSz="385763"/>
-            <a:fld id="{E0DBC28C-C8D9-41EE-A049-76BA2ACCFAA1}" type="slidenum">
-              <a:rPr lang="en-US" smtClean="0">
-                <a:solidFill>
-                  <a:prstClr val="black">
-                    <a:tint val="75000"/>
-                  </a:prstClr>
-                </a:solidFill>
-              </a:rPr>
-              <a:pPr defTabSz="385763"/>
-              <a:t>‹#›</a:t>
-            </a:fld>
-            <a:endParaRPr lang="en-US">
-              <a:solidFill>
-                <a:prstClr val="black">
-                  <a:tint val="75000"/>
-                </a:prstClr>
-              </a:solidFill>
-            </a:endParaRPr>
-          </a:p>
-        </p:txBody>
-      </p:sp>
-    </p:spTree>
-    <p:extLst>
-      <p:ext uri="{BB962C8B-B14F-4D97-AF65-F5344CB8AC3E}">
-        <p14:creationId xmlns:p14="http://schemas.microsoft.com/office/powerpoint/2010/main" val="3054365518"/>
       </p:ext>
     </p:extLst>
   </p:cSld>
@@ -10581,7 +9011,7 @@
           <a:p>
             <a:fld id="{2A7CB402-B72D-3346-9EA5-354251120F9E}" type="datetimeFigureOut">
               <a:rPr lang="en-US" smtClean="0"/>
-              <a:t>7/9/2015</a:t>
+              <a:t>9/12/2015</a:t>
             </a:fld>
             <a:endParaRPr lang="en-US"/>
           </a:p>
@@ -10959,7 +9389,7 @@
           <a:p>
             <a:fld id="{2A7CB402-B72D-3346-9EA5-354251120F9E}" type="datetimeFigureOut">
               <a:rPr lang="en-US" smtClean="0"/>
-              <a:t>7/9/2015</a:t>
+              <a:t>9/12/2015</a:t>
             </a:fld>
             <a:endParaRPr lang="en-US"/>
           </a:p>
@@ -11475,7 +9905,7 @@
           <a:p>
             <a:fld id="{2A7CB402-B72D-3346-9EA5-354251120F9E}" type="datetimeFigureOut">
               <a:rPr lang="en-US" smtClean="0"/>
-              <a:t>7/9/2015</a:t>
+              <a:t>9/12/2015</a:t>
             </a:fld>
             <a:endParaRPr lang="en-US"/>
           </a:p>
@@ -11643,7 +10073,7 @@
           <a:p>
             <a:fld id="{2A7CB402-B72D-3346-9EA5-354251120F9E}" type="datetimeFigureOut">
               <a:rPr lang="en-US" smtClean="0"/>
-              <a:t>7/9/2015</a:t>
+              <a:t>9/12/2015</a:t>
             </a:fld>
             <a:endParaRPr lang="en-US"/>
           </a:p>
@@ -11773,7 +10203,7 @@
           <a:p>
             <a:fld id="{2A7CB402-B72D-3346-9EA5-354251120F9E}" type="datetimeFigureOut">
               <a:rPr lang="en-US" smtClean="0"/>
-              <a:t>7/9/2015</a:t>
+              <a:t>9/12/2015</a:t>
             </a:fld>
             <a:endParaRPr lang="en-US"/>
           </a:p>
@@ -12121,7 +10551,7 @@
           <a:p>
             <a:fld id="{2A7CB402-B72D-3346-9EA5-354251120F9E}" type="datetimeFigureOut">
               <a:rPr lang="en-US" smtClean="0"/>
-              <a:t>7/9/2015</a:t>
+              <a:t>9/12/2015</a:t>
             </a:fld>
             <a:endParaRPr lang="en-US"/>
           </a:p>
@@ -12359,7 +10789,7 @@
           <a:p>
             <a:fld id="{2A7CB402-B72D-3346-9EA5-354251120F9E}" type="datetimeFigureOut">
               <a:rPr lang="en-US" smtClean="0"/>
-              <a:t>7/9/2015</a:t>
+              <a:t>9/12/2015</a:t>
             </a:fld>
             <a:endParaRPr lang="en-US"/>
           </a:p>
@@ -12553,7 +10983,7 @@
           <a:p>
             <a:fld id="{2A7CB402-B72D-3346-9EA5-354251120F9E}" type="datetimeFigureOut">
               <a:rPr lang="en-US" smtClean="0"/>
-              <a:t>7/9/2015</a:t>
+              <a:t>9/12/2015</a:t>
             </a:fld>
             <a:endParaRPr lang="en-US"/>
           </a:p>
@@ -12874,546 +11304,6 @@
 </p:sldMaster>
 </file>
 
-<file path=ppt/slideMasters/slideMaster2.xml><?xml version="1.0" encoding="utf-8"?>
-<p:sldMaster xmlns:a="http://schemas.openxmlformats.org/drawingml/2006/main" xmlns:r="http://schemas.openxmlformats.org/officeDocument/2006/relationships" xmlns:p="http://schemas.openxmlformats.org/presentationml/2006/main">
-  <p:cSld>
-    <p:bg>
-      <p:bgRef idx="1001">
-        <a:schemeClr val="bg1"/>
-      </p:bgRef>
-    </p:bg>
-    <p:spTree>
-      <p:nvGrpSpPr>
-        <p:cNvPr id="1" name=""/>
-        <p:cNvGrpSpPr/>
-        <p:nvPr/>
-      </p:nvGrpSpPr>
-      <p:grpSpPr>
-        <a:xfrm>
-          <a:off x="0" y="0"/>
-          <a:ext cx="0" cy="0"/>
-          <a:chOff x="0" y="0"/>
-          <a:chExt cx="0" cy="0"/>
-        </a:xfrm>
-      </p:grpSpPr>
-      <p:sp>
-        <p:nvSpPr>
-          <p:cNvPr id="2" name="Title Placeholder 1"/>
-          <p:cNvSpPr>
-            <a:spLocks noGrp="1"/>
-          </p:cNvSpPr>
-          <p:nvPr>
-            <p:ph type="title"/>
-          </p:nvPr>
-        </p:nvSpPr>
-        <p:spPr>
-          <a:xfrm>
-            <a:off x="471488" y="273845"/>
-            <a:ext cx="5915025" cy="994172"/>
-          </a:xfrm>
-          <a:prstGeom prst="rect">
-            <a:avLst/>
-          </a:prstGeom>
-        </p:spPr>
-        <p:txBody>
-          <a:bodyPr vert="horz" lIns="91440" tIns="45720" rIns="91440" bIns="45720" rtlCol="0" anchor="ctr">
-            <a:normAutofit/>
-          </a:bodyPr>
-          <a:lstStyle/>
-          <a:p>
-            <a:r>
-              <a:rPr lang="en-US" smtClean="0"/>
-              <a:t>Click to edit Master title style</a:t>
-            </a:r>
-            <a:endParaRPr lang="en-US" dirty="0"/>
-          </a:p>
-        </p:txBody>
-      </p:sp>
-      <p:sp>
-        <p:nvSpPr>
-          <p:cNvPr id="3" name="Text Placeholder 2"/>
-          <p:cNvSpPr>
-            <a:spLocks noGrp="1"/>
-          </p:cNvSpPr>
-          <p:nvPr>
-            <p:ph type="body" idx="1"/>
-          </p:nvPr>
-        </p:nvSpPr>
-        <p:spPr>
-          <a:xfrm>
-            <a:off x="471488" y="1369219"/>
-            <a:ext cx="5915025" cy="3263504"/>
-          </a:xfrm>
-          <a:prstGeom prst="rect">
-            <a:avLst/>
-          </a:prstGeom>
-        </p:spPr>
-        <p:txBody>
-          <a:bodyPr vert="horz" lIns="91440" tIns="45720" rIns="91440" bIns="45720" rtlCol="0">
-            <a:normAutofit/>
-          </a:bodyPr>
-          <a:lstStyle/>
-          <a:p>
-            <a:pPr lvl="0"/>
-            <a:r>
-              <a:rPr lang="en-US" smtClean="0"/>
-              <a:t>Click to edit Master text styles</a:t>
-            </a:r>
-          </a:p>
-          <a:p>
-            <a:pPr lvl="1"/>
-            <a:r>
-              <a:rPr lang="en-US" smtClean="0"/>
-              <a:t>Second level</a:t>
-            </a:r>
-          </a:p>
-          <a:p>
-            <a:pPr lvl="2"/>
-            <a:r>
-              <a:rPr lang="en-US" smtClean="0"/>
-              <a:t>Third level</a:t>
-            </a:r>
-          </a:p>
-          <a:p>
-            <a:pPr lvl="3"/>
-            <a:r>
-              <a:rPr lang="en-US" smtClean="0"/>
-              <a:t>Fourth level</a:t>
-            </a:r>
-          </a:p>
-          <a:p>
-            <a:pPr lvl="4"/>
-            <a:r>
-              <a:rPr lang="en-US" smtClean="0"/>
-              <a:t>Fifth level</a:t>
-            </a:r>
-            <a:endParaRPr lang="en-US" dirty="0"/>
-          </a:p>
-        </p:txBody>
-      </p:sp>
-      <p:sp>
-        <p:nvSpPr>
-          <p:cNvPr id="4" name="Date Placeholder 3"/>
-          <p:cNvSpPr>
-            <a:spLocks noGrp="1"/>
-          </p:cNvSpPr>
-          <p:nvPr>
-            <p:ph type="dt" sz="half" idx="2"/>
-          </p:nvPr>
-        </p:nvSpPr>
-        <p:spPr>
-          <a:xfrm>
-            <a:off x="471488" y="4767264"/>
-            <a:ext cx="1543050" cy="273844"/>
-          </a:xfrm>
-          <a:prstGeom prst="rect">
-            <a:avLst/>
-          </a:prstGeom>
-        </p:spPr>
-        <p:txBody>
-          <a:bodyPr vert="horz" lIns="91440" tIns="45720" rIns="91440" bIns="45720" rtlCol="0" anchor="ctr"/>
-          <a:lstStyle>
-            <a:lvl1pPr algn="l">
-              <a:defRPr sz="900">
-                <a:solidFill>
-                  <a:schemeClr val="tx1">
-                    <a:tint val="75000"/>
-                  </a:schemeClr>
-                </a:solidFill>
-              </a:defRPr>
-            </a:lvl1pPr>
-          </a:lstStyle>
-          <a:p>
-            <a:fld id="{2A7CB402-B72D-3346-9EA5-354251120F9E}" type="datetimeFigureOut">
-              <a:rPr lang="en-US" smtClean="0"/>
-              <a:t>7/9/2015</a:t>
-            </a:fld>
-            <a:endParaRPr lang="en-US"/>
-          </a:p>
-        </p:txBody>
-      </p:sp>
-      <p:sp>
-        <p:nvSpPr>
-          <p:cNvPr id="5" name="Footer Placeholder 4"/>
-          <p:cNvSpPr>
-            <a:spLocks noGrp="1"/>
-          </p:cNvSpPr>
-          <p:nvPr>
-            <p:ph type="ftr" sz="quarter" idx="3"/>
-          </p:nvPr>
-        </p:nvSpPr>
-        <p:spPr>
-          <a:xfrm>
-            <a:off x="2271713" y="4767264"/>
-            <a:ext cx="2314575" cy="273844"/>
-          </a:xfrm>
-          <a:prstGeom prst="rect">
-            <a:avLst/>
-          </a:prstGeom>
-        </p:spPr>
-        <p:txBody>
-          <a:bodyPr vert="horz" lIns="91440" tIns="45720" rIns="91440" bIns="45720" rtlCol="0" anchor="ctr"/>
-          <a:lstStyle>
-            <a:lvl1pPr algn="ctr">
-              <a:defRPr sz="900">
-                <a:solidFill>
-                  <a:schemeClr val="tx1">
-                    <a:tint val="75000"/>
-                  </a:schemeClr>
-                </a:solidFill>
-              </a:defRPr>
-            </a:lvl1pPr>
-          </a:lstStyle>
-          <a:p>
-            <a:endParaRPr lang="en-US" dirty="0"/>
-          </a:p>
-        </p:txBody>
-      </p:sp>
-      <p:sp>
-        <p:nvSpPr>
-          <p:cNvPr id="6" name="Slide Number Placeholder 5"/>
-          <p:cNvSpPr>
-            <a:spLocks noGrp="1"/>
-          </p:cNvSpPr>
-          <p:nvPr>
-            <p:ph type="sldNum" sz="quarter" idx="4"/>
-          </p:nvPr>
-        </p:nvSpPr>
-        <p:spPr>
-          <a:xfrm>
-            <a:off x="4843463" y="4767264"/>
-            <a:ext cx="1543050" cy="273844"/>
-          </a:xfrm>
-          <a:prstGeom prst="rect">
-            <a:avLst/>
-          </a:prstGeom>
-        </p:spPr>
-        <p:txBody>
-          <a:bodyPr vert="horz" lIns="91440" tIns="45720" rIns="91440" bIns="45720" rtlCol="0" anchor="ctr"/>
-          <a:lstStyle>
-            <a:lvl1pPr algn="r">
-              <a:defRPr sz="900">
-                <a:solidFill>
-                  <a:schemeClr val="tx1">
-                    <a:tint val="75000"/>
-                  </a:schemeClr>
-                </a:solidFill>
-              </a:defRPr>
-            </a:lvl1pPr>
-          </a:lstStyle>
-          <a:p>
-            <a:fld id="{140BEB6C-1804-4B4E-AECB-25310A1E39A4}" type="slidenum">
-              <a:rPr lang="en-US" smtClean="0"/>
-              <a:t>‹#›</a:t>
-            </a:fld>
-            <a:endParaRPr lang="en-US"/>
-          </a:p>
-        </p:txBody>
-      </p:sp>
-    </p:spTree>
-    <p:extLst>
-      <p:ext uri="{BB962C8B-B14F-4D97-AF65-F5344CB8AC3E}">
-        <p14:creationId xmlns:p14="http://schemas.microsoft.com/office/powerpoint/2010/main" val="2378789152"/>
-      </p:ext>
-    </p:extLst>
-  </p:cSld>
-  <p:clrMap bg1="lt1" tx1="dk1" bg2="lt2" tx2="dk2" accent1="accent1" accent2="accent2" accent3="accent3" accent4="accent4" accent5="accent5" accent6="accent6" hlink="hlink" folHlink="folHlink"/>
-  <p:sldLayoutIdLst>
-    <p:sldLayoutId id="2147483675" r:id="rId1"/>
-    <p:sldLayoutId id="2147483676" r:id="rId2"/>
-    <p:sldLayoutId id="2147483677" r:id="rId3"/>
-    <p:sldLayoutId id="2147483678" r:id="rId4"/>
-    <p:sldLayoutId id="2147483679" r:id="rId5"/>
-    <p:sldLayoutId id="2147483680" r:id="rId6"/>
-    <p:sldLayoutId id="2147483681" r:id="rId7"/>
-    <p:sldLayoutId id="2147483682" r:id="rId8"/>
-    <p:sldLayoutId id="2147483683" r:id="rId9"/>
-    <p:sldLayoutId id="2147483684" r:id="rId10"/>
-    <p:sldLayoutId id="2147483685" r:id="rId11"/>
-  </p:sldLayoutIdLst>
-  <p:txStyles>
-    <p:titleStyle>
-      <a:lvl1pPr algn="l" defTabSz="685800" rtl="0" eaLnBrk="1" latinLnBrk="0" hangingPunct="1">
-        <a:lnSpc>
-          <a:spcPct val="90000"/>
-        </a:lnSpc>
-        <a:spcBef>
-          <a:spcPct val="0"/>
-        </a:spcBef>
-        <a:buNone/>
-        <a:defRPr sz="3300" kern="1200">
-          <a:solidFill>
-            <a:schemeClr val="tx1"/>
-          </a:solidFill>
-          <a:latin typeface="+mj-lt"/>
-          <a:ea typeface="+mj-ea"/>
-          <a:cs typeface="+mj-cs"/>
-        </a:defRPr>
-      </a:lvl1pPr>
-    </p:titleStyle>
-    <p:bodyStyle>
-      <a:lvl1pPr marL="171450" indent="-171450" algn="l" defTabSz="685800" rtl="0" eaLnBrk="1" latinLnBrk="0" hangingPunct="1">
-        <a:lnSpc>
-          <a:spcPct val="90000"/>
-        </a:lnSpc>
-        <a:spcBef>
-          <a:spcPts val="750"/>
-        </a:spcBef>
-        <a:buFont typeface="Arial" panose="020B0604020202020204" pitchFamily="34" charset="0"/>
-        <a:buChar char="•"/>
-        <a:defRPr sz="2100" kern="1200">
-          <a:solidFill>
-            <a:schemeClr val="tx1"/>
-          </a:solidFill>
-          <a:latin typeface="+mn-lt"/>
-          <a:ea typeface="+mn-ea"/>
-          <a:cs typeface="+mn-cs"/>
-        </a:defRPr>
-      </a:lvl1pPr>
-      <a:lvl2pPr marL="514350" indent="-171450" algn="l" defTabSz="685800" rtl="0" eaLnBrk="1" latinLnBrk="0" hangingPunct="1">
-        <a:lnSpc>
-          <a:spcPct val="90000"/>
-        </a:lnSpc>
-        <a:spcBef>
-          <a:spcPts val="375"/>
-        </a:spcBef>
-        <a:buFont typeface="Arial" panose="020B0604020202020204" pitchFamily="34" charset="0"/>
-        <a:buChar char="•"/>
-        <a:defRPr sz="1800" kern="1200">
-          <a:solidFill>
-            <a:schemeClr val="tx1"/>
-          </a:solidFill>
-          <a:latin typeface="+mn-lt"/>
-          <a:ea typeface="+mn-ea"/>
-          <a:cs typeface="+mn-cs"/>
-        </a:defRPr>
-      </a:lvl2pPr>
-      <a:lvl3pPr marL="857250" indent="-171450" algn="l" defTabSz="685800" rtl="0" eaLnBrk="1" latinLnBrk="0" hangingPunct="1">
-        <a:lnSpc>
-          <a:spcPct val="90000"/>
-        </a:lnSpc>
-        <a:spcBef>
-          <a:spcPts val="375"/>
-        </a:spcBef>
-        <a:buFont typeface="Arial" panose="020B0604020202020204" pitchFamily="34" charset="0"/>
-        <a:buChar char="•"/>
-        <a:defRPr sz="1500" kern="1200">
-          <a:solidFill>
-            <a:schemeClr val="tx1"/>
-          </a:solidFill>
-          <a:latin typeface="+mn-lt"/>
-          <a:ea typeface="+mn-ea"/>
-          <a:cs typeface="+mn-cs"/>
-        </a:defRPr>
-      </a:lvl3pPr>
-      <a:lvl4pPr marL="1200150" indent="-171450" algn="l" defTabSz="685800" rtl="0" eaLnBrk="1" latinLnBrk="0" hangingPunct="1">
-        <a:lnSpc>
-          <a:spcPct val="90000"/>
-        </a:lnSpc>
-        <a:spcBef>
-          <a:spcPts val="375"/>
-        </a:spcBef>
-        <a:buFont typeface="Arial" panose="020B0604020202020204" pitchFamily="34" charset="0"/>
-        <a:buChar char="•"/>
-        <a:defRPr sz="1350" kern="1200">
-          <a:solidFill>
-            <a:schemeClr val="tx1"/>
-          </a:solidFill>
-          <a:latin typeface="+mn-lt"/>
-          <a:ea typeface="+mn-ea"/>
-          <a:cs typeface="+mn-cs"/>
-        </a:defRPr>
-      </a:lvl4pPr>
-      <a:lvl5pPr marL="1543050" indent="-171450" algn="l" defTabSz="685800" rtl="0" eaLnBrk="1" latinLnBrk="0" hangingPunct="1">
-        <a:lnSpc>
-          <a:spcPct val="90000"/>
-        </a:lnSpc>
-        <a:spcBef>
-          <a:spcPts val="375"/>
-        </a:spcBef>
-        <a:buFont typeface="Arial" panose="020B0604020202020204" pitchFamily="34" charset="0"/>
-        <a:buChar char="•"/>
-        <a:defRPr sz="1350" kern="1200">
-          <a:solidFill>
-            <a:schemeClr val="tx1"/>
-          </a:solidFill>
-          <a:latin typeface="+mn-lt"/>
-          <a:ea typeface="+mn-ea"/>
-          <a:cs typeface="+mn-cs"/>
-        </a:defRPr>
-      </a:lvl5pPr>
-      <a:lvl6pPr marL="1885950" indent="-171450" algn="l" defTabSz="685800" rtl="0" eaLnBrk="1" latinLnBrk="0" hangingPunct="1">
-        <a:lnSpc>
-          <a:spcPct val="90000"/>
-        </a:lnSpc>
-        <a:spcBef>
-          <a:spcPts val="375"/>
-        </a:spcBef>
-        <a:buFont typeface="Arial" panose="020B0604020202020204" pitchFamily="34" charset="0"/>
-        <a:buChar char="•"/>
-        <a:defRPr sz="1350" kern="1200">
-          <a:solidFill>
-            <a:schemeClr val="tx1"/>
-          </a:solidFill>
-          <a:latin typeface="+mn-lt"/>
-          <a:ea typeface="+mn-ea"/>
-          <a:cs typeface="+mn-cs"/>
-        </a:defRPr>
-      </a:lvl6pPr>
-      <a:lvl7pPr marL="2228850" indent="-171450" algn="l" defTabSz="685800" rtl="0" eaLnBrk="1" latinLnBrk="0" hangingPunct="1">
-        <a:lnSpc>
-          <a:spcPct val="90000"/>
-        </a:lnSpc>
-        <a:spcBef>
-          <a:spcPts val="375"/>
-        </a:spcBef>
-        <a:buFont typeface="Arial" panose="020B0604020202020204" pitchFamily="34" charset="0"/>
-        <a:buChar char="•"/>
-        <a:defRPr sz="1350" kern="1200">
-          <a:solidFill>
-            <a:schemeClr val="tx1"/>
-          </a:solidFill>
-          <a:latin typeface="+mn-lt"/>
-          <a:ea typeface="+mn-ea"/>
-          <a:cs typeface="+mn-cs"/>
-        </a:defRPr>
-      </a:lvl7pPr>
-      <a:lvl8pPr marL="2571750" indent="-171450" algn="l" defTabSz="685800" rtl="0" eaLnBrk="1" latinLnBrk="0" hangingPunct="1">
-        <a:lnSpc>
-          <a:spcPct val="90000"/>
-        </a:lnSpc>
-        <a:spcBef>
-          <a:spcPts val="375"/>
-        </a:spcBef>
-        <a:buFont typeface="Arial" panose="020B0604020202020204" pitchFamily="34" charset="0"/>
-        <a:buChar char="•"/>
-        <a:defRPr sz="1350" kern="1200">
-          <a:solidFill>
-            <a:schemeClr val="tx1"/>
-          </a:solidFill>
-          <a:latin typeface="+mn-lt"/>
-          <a:ea typeface="+mn-ea"/>
-          <a:cs typeface="+mn-cs"/>
-        </a:defRPr>
-      </a:lvl8pPr>
-      <a:lvl9pPr marL="2914650" indent="-171450" algn="l" defTabSz="685800" rtl="0" eaLnBrk="1" latinLnBrk="0" hangingPunct="1">
-        <a:lnSpc>
-          <a:spcPct val="90000"/>
-        </a:lnSpc>
-        <a:spcBef>
-          <a:spcPts val="375"/>
-        </a:spcBef>
-        <a:buFont typeface="Arial" panose="020B0604020202020204" pitchFamily="34" charset="0"/>
-        <a:buChar char="•"/>
-        <a:defRPr sz="1350" kern="1200">
-          <a:solidFill>
-            <a:schemeClr val="tx1"/>
-          </a:solidFill>
-          <a:latin typeface="+mn-lt"/>
-          <a:ea typeface="+mn-ea"/>
-          <a:cs typeface="+mn-cs"/>
-        </a:defRPr>
-      </a:lvl9pPr>
-    </p:bodyStyle>
-    <p:otherStyle>
-      <a:defPPr>
-        <a:defRPr lang="en-US"/>
-      </a:defPPr>
-      <a:lvl1pPr marL="0" algn="l" defTabSz="685800" rtl="0" eaLnBrk="1" latinLnBrk="0" hangingPunct="1">
-        <a:defRPr sz="1350" kern="1200">
-          <a:solidFill>
-            <a:schemeClr val="tx1"/>
-          </a:solidFill>
-          <a:latin typeface="+mn-lt"/>
-          <a:ea typeface="+mn-ea"/>
-          <a:cs typeface="+mn-cs"/>
-        </a:defRPr>
-      </a:lvl1pPr>
-      <a:lvl2pPr marL="342900" algn="l" defTabSz="685800" rtl="0" eaLnBrk="1" latinLnBrk="0" hangingPunct="1">
-        <a:defRPr sz="1350" kern="1200">
-          <a:solidFill>
-            <a:schemeClr val="tx1"/>
-          </a:solidFill>
-          <a:latin typeface="+mn-lt"/>
-          <a:ea typeface="+mn-ea"/>
-          <a:cs typeface="+mn-cs"/>
-        </a:defRPr>
-      </a:lvl2pPr>
-      <a:lvl3pPr marL="685800" algn="l" defTabSz="685800" rtl="0" eaLnBrk="1" latinLnBrk="0" hangingPunct="1">
-        <a:defRPr sz="1350" kern="1200">
-          <a:solidFill>
-            <a:schemeClr val="tx1"/>
-          </a:solidFill>
-          <a:latin typeface="+mn-lt"/>
-          <a:ea typeface="+mn-ea"/>
-          <a:cs typeface="+mn-cs"/>
-        </a:defRPr>
-      </a:lvl3pPr>
-      <a:lvl4pPr marL="1028700" algn="l" defTabSz="685800" rtl="0" eaLnBrk="1" latinLnBrk="0" hangingPunct="1">
-        <a:defRPr sz="1350" kern="1200">
-          <a:solidFill>
-            <a:schemeClr val="tx1"/>
-          </a:solidFill>
-          <a:latin typeface="+mn-lt"/>
-          <a:ea typeface="+mn-ea"/>
-          <a:cs typeface="+mn-cs"/>
-        </a:defRPr>
-      </a:lvl4pPr>
-      <a:lvl5pPr marL="1371600" algn="l" defTabSz="685800" rtl="0" eaLnBrk="1" latinLnBrk="0" hangingPunct="1">
-        <a:defRPr sz="1350" kern="1200">
-          <a:solidFill>
-            <a:schemeClr val="tx1"/>
-          </a:solidFill>
-          <a:latin typeface="+mn-lt"/>
-          <a:ea typeface="+mn-ea"/>
-          <a:cs typeface="+mn-cs"/>
-        </a:defRPr>
-      </a:lvl5pPr>
-      <a:lvl6pPr marL="1714500" algn="l" defTabSz="685800" rtl="0" eaLnBrk="1" latinLnBrk="0" hangingPunct="1">
-        <a:defRPr sz="1350" kern="1200">
-          <a:solidFill>
-            <a:schemeClr val="tx1"/>
-          </a:solidFill>
-          <a:latin typeface="+mn-lt"/>
-          <a:ea typeface="+mn-ea"/>
-          <a:cs typeface="+mn-cs"/>
-        </a:defRPr>
-      </a:lvl6pPr>
-      <a:lvl7pPr marL="2057400" algn="l" defTabSz="685800" rtl="0" eaLnBrk="1" latinLnBrk="0" hangingPunct="1">
-        <a:defRPr sz="1350" kern="1200">
-          <a:solidFill>
-            <a:schemeClr val="tx1"/>
-          </a:solidFill>
-          <a:latin typeface="+mn-lt"/>
-          <a:ea typeface="+mn-ea"/>
-          <a:cs typeface="+mn-cs"/>
-        </a:defRPr>
-      </a:lvl7pPr>
-      <a:lvl8pPr marL="2400300" algn="l" defTabSz="685800" rtl="0" eaLnBrk="1" latinLnBrk="0" hangingPunct="1">
-        <a:defRPr sz="1350" kern="1200">
-          <a:solidFill>
-            <a:schemeClr val="tx1"/>
-          </a:solidFill>
-          <a:latin typeface="+mn-lt"/>
-          <a:ea typeface="+mn-ea"/>
-          <a:cs typeface="+mn-cs"/>
-        </a:defRPr>
-      </a:lvl8pPr>
-      <a:lvl9pPr marL="2743200" algn="l" defTabSz="685800" rtl="0" eaLnBrk="1" latinLnBrk="0" hangingPunct="1">
-        <a:defRPr sz="1350" kern="1200">
-          <a:solidFill>
-            <a:schemeClr val="tx1"/>
-          </a:solidFill>
-          <a:latin typeface="+mn-lt"/>
-          <a:ea typeface="+mn-ea"/>
-          <a:cs typeface="+mn-cs"/>
-        </a:defRPr>
-      </a:lvl9pPr>
-    </p:otherStyle>
-  </p:txStyles>
-</p:sldMaster>
-</file>
-
 <file path=ppt/slides/slide1.xml><?xml version="1.0" encoding="utf-8"?>
 <p:sld xmlns:a="http://schemas.openxmlformats.org/drawingml/2006/main" xmlns:r="http://schemas.openxmlformats.org/officeDocument/2006/relationships" xmlns:p="http://schemas.openxmlformats.org/presentationml/2006/main">
   <p:cSld>
@@ -13433,383 +11323,170 @@
       </p:grpSpPr>
       <p:sp>
         <p:nvSpPr>
-          <p:cNvPr id="6" name="Title 5"/>
+          <p:cNvPr id="2" name="Title 1"/>
           <p:cNvSpPr>
             <a:spLocks noGrp="1"/>
           </p:cNvSpPr>
           <p:nvPr>
-            <p:ph type="ctrTitle"/>
+            <p:ph type="title"/>
+          </p:nvPr>
+        </p:nvSpPr>
+        <p:spPr/>
+        <p:txBody>
+          <a:bodyPr>
+            <a:normAutofit/>
+          </a:bodyPr>
+          <a:lstStyle/>
+          <a:p>
+            <a:r>
+              <a:rPr lang="en-US" smtClean="0"/>
+              <a:t>Eric Burcham</a:t>
+            </a:r>
+            <a:endParaRPr lang="en-US" dirty="0"/>
+          </a:p>
+        </p:txBody>
+      </p:sp>
+      <p:sp>
+        <p:nvSpPr>
+          <p:cNvPr id="3" name="Content Placeholder 2"/>
+          <p:cNvSpPr>
+            <a:spLocks noGrp="1"/>
+          </p:cNvSpPr>
+          <p:nvPr>
+            <p:ph idx="1"/>
           </p:nvPr>
         </p:nvSpPr>
         <p:spPr>
           <a:xfrm>
-            <a:off x="514350" y="1841303"/>
-            <a:ext cx="5829300" cy="585611"/>
+            <a:off x="1114425" y="1269802"/>
+            <a:ext cx="4629150" cy="2819103"/>
           </a:xfrm>
         </p:spPr>
         <p:txBody>
           <a:bodyPr>
-            <a:normAutofit fontScale="90000"/>
+            <a:normAutofit fontScale="85000" lnSpcReduction="20000"/>
           </a:bodyPr>
           <a:lstStyle/>
           <a:p>
-            <a:r>
-              <a:rPr lang="en-US" dirty="0" err="1" smtClean="0"/>
-              <a:t>TH</a:t>
-            </a:r>
-            <a:r>
-              <a:rPr lang="en-US" b="1" dirty="0" err="1" smtClean="0">
-                <a:solidFill>
-                  <a:schemeClr val="accent1">
-                    <a:lumMod val="75000"/>
-                  </a:schemeClr>
-                </a:solidFill>
-              </a:rPr>
-              <a:t>asy</a:t>
-            </a:r>
-            <a:r>
-              <a:rPr lang="en-US" dirty="0" err="1" smtClean="0"/>
-              <a:t>INK</a:t>
-            </a:r>
-            <a:r>
-              <a:rPr lang="en-US" b="1" dirty="0" err="1" smtClean="0">
-                <a:solidFill>
-                  <a:schemeClr val="accent1">
-                    <a:lumMod val="75000"/>
-                  </a:schemeClr>
-                </a:solidFill>
-              </a:rPr>
-              <a:t>nc</a:t>
-            </a:r>
-            <a:r>
-              <a:rPr lang="en-US" b="1" dirty="0">
-                <a:solidFill>
-                  <a:schemeClr val="accent1">
-                    <a:lumMod val="75000"/>
-                  </a:schemeClr>
-                </a:solidFill>
-              </a:rPr>
-              <a:t/>
-            </a:r>
-            <a:br>
-              <a:rPr lang="en-US" b="1" dirty="0">
-                <a:solidFill>
-                  <a:schemeClr val="accent1">
-                    <a:lumMod val="75000"/>
-                  </a:schemeClr>
-                </a:solidFill>
-              </a:rPr>
-            </a:br>
-            <a:r>
-              <a:rPr lang="en-US" sz="900" b="1" dirty="0">
-                <a:solidFill>
-                  <a:schemeClr val="accent1">
-                    <a:lumMod val="75000"/>
-                  </a:schemeClr>
-                </a:solidFill>
-              </a:rPr>
-              <a:t>Thanks Curtissimo!</a:t>
-            </a:r>
-            <a:endParaRPr lang="en-US" sz="3975" dirty="0"/>
-          </a:p>
-        </p:txBody>
-      </p:sp>
-      <p:sp>
-        <p:nvSpPr>
-          <p:cNvPr id="7" name="Subtitle 6"/>
-          <p:cNvSpPr>
-            <a:spLocks noGrp="1"/>
-          </p:cNvSpPr>
-          <p:nvPr>
-            <p:ph type="subTitle" idx="1"/>
-          </p:nvPr>
-        </p:nvSpPr>
-        <p:spPr>
-          <a:xfrm>
-            <a:off x="499000" y="2579112"/>
-            <a:ext cx="4551998" cy="328018"/>
-          </a:xfrm>
-        </p:spPr>
-        <p:txBody>
-          <a:bodyPr>
-            <a:normAutofit fontScale="92500" lnSpcReduction="10000"/>
-          </a:bodyPr>
-          <a:lstStyle/>
-          <a:p>
-            <a:r>
-              <a:rPr lang="en-US" dirty="0" smtClean="0">
-                <a:solidFill>
-                  <a:schemeClr val="tx1">
-                    <a:lumMod val="75000"/>
-                    <a:lumOff val="25000"/>
-                  </a:schemeClr>
-                </a:solidFill>
-              </a:rPr>
-              <a:t>Multi-threaded Programming in </a:t>
-            </a:r>
-            <a:r>
-              <a:rPr lang="en-US" dirty="0" err="1" smtClean="0">
-                <a:solidFill>
-                  <a:schemeClr val="tx1">
-                    <a:lumMod val="75000"/>
-                    <a:lumOff val="25000"/>
-                  </a:schemeClr>
-                </a:solidFill>
-              </a:rPr>
-              <a:t>.Net</a:t>
-            </a:r>
-            <a:endParaRPr lang="en-US" dirty="0" smtClean="0">
-              <a:solidFill>
-                <a:schemeClr val="tx1">
-                  <a:lumMod val="75000"/>
-                  <a:lumOff val="25000"/>
-                </a:schemeClr>
-              </a:solidFill>
-            </a:endParaRPr>
-          </a:p>
-        </p:txBody>
-      </p:sp>
-      <p:sp>
-        <p:nvSpPr>
-          <p:cNvPr id="4" name="Subtitle 6"/>
-          <p:cNvSpPr txBox="1">
-            <a:spLocks/>
-          </p:cNvSpPr>
-          <p:nvPr/>
-        </p:nvSpPr>
-        <p:spPr>
-          <a:xfrm>
-            <a:off x="499000" y="2907129"/>
-            <a:ext cx="4551998" cy="328018"/>
-          </a:xfrm>
-          <a:prstGeom prst="rect">
-            <a:avLst/>
-          </a:prstGeom>
-        </p:spPr>
-        <p:txBody>
-          <a:bodyPr vert="horz" lIns="51435" tIns="25718" rIns="51435" bIns="25718" rtlCol="0">
-            <a:normAutofit/>
-          </a:bodyPr>
-          <a:lstStyle>
-            <a:lvl1pPr marL="365760" indent="0" algn="l" defTabSz="457200" rtl="0" eaLnBrk="1" latinLnBrk="0" hangingPunct="1">
-              <a:spcBef>
-                <a:spcPct val="20000"/>
-              </a:spcBef>
-              <a:buFont typeface="Arial"/>
+            <a:pPr marL="0" indent="0">
               <a:buNone/>
-              <a:defRPr sz="3200" kern="1200">
-                <a:solidFill>
-                  <a:schemeClr val="tx1">
-                    <a:tint val="75000"/>
-                  </a:schemeClr>
-                </a:solidFill>
-                <a:latin typeface="+mn-lt"/>
-                <a:ea typeface="+mn-ea"/>
-                <a:cs typeface="+mn-cs"/>
-              </a:defRPr>
-            </a:lvl1pPr>
-            <a:lvl2pPr marL="457200" indent="0" algn="ctr" defTabSz="457200" rtl="0" eaLnBrk="1" latinLnBrk="0" hangingPunct="1">
-              <a:spcBef>
-                <a:spcPct val="20000"/>
-              </a:spcBef>
-              <a:buFont typeface="Arial"/>
+            </a:pPr>
+            <a:r>
+              <a:rPr lang="en-US" b="1" dirty="0" smtClean="0"/>
+              <a:t>Likes</a:t>
+            </a:r>
+          </a:p>
+          <a:p>
+            <a:pPr>
+              <a:buFont typeface="Arial" panose="020B0604020202020204" pitchFamily="34" charset="0"/>
+              <a:buChar char="•"/>
+            </a:pPr>
+            <a:r>
+              <a:rPr lang="en-US" dirty="0" smtClean="0"/>
+              <a:t>Dogs</a:t>
+            </a:r>
+          </a:p>
+          <a:p>
+            <a:pPr>
+              <a:buFont typeface="Arial" panose="020B0604020202020204" pitchFamily="34" charset="0"/>
+              <a:buChar char="•"/>
+            </a:pPr>
+            <a:r>
+              <a:rPr lang="en-US" dirty="0" smtClean="0"/>
+              <a:t>Most people</a:t>
+            </a:r>
+          </a:p>
+          <a:p>
+            <a:pPr>
+              <a:buFont typeface="Arial" panose="020B0604020202020204" pitchFamily="34" charset="0"/>
+              <a:buChar char="•"/>
+            </a:pPr>
+            <a:r>
+              <a:rPr lang="en-US" dirty="0" smtClean="0"/>
+              <a:t>Telling bad jokes</a:t>
+            </a:r>
+          </a:p>
+          <a:p>
+            <a:pPr>
+              <a:buFont typeface="Arial" panose="020B0604020202020204" pitchFamily="34" charset="0"/>
+              <a:buChar char="•"/>
+            </a:pPr>
+            <a:r>
+              <a:rPr lang="en-US" dirty="0" smtClean="0"/>
+              <a:t>The words “bro” and “totally.”  I’m not kidding.</a:t>
+            </a:r>
+          </a:p>
+          <a:p>
+            <a:pPr>
+              <a:buFont typeface="Arial" panose="020B0604020202020204" pitchFamily="34" charset="0"/>
+              <a:buChar char="•"/>
+            </a:pPr>
+            <a:r>
+              <a:rPr lang="en-US" dirty="0"/>
+              <a:t>¡ɹ0x0q ɹn0ʎ 9u!ʞɔ@ɥ</a:t>
+            </a:r>
+          </a:p>
+          <a:p>
+            <a:pPr marL="0" indent="0">
               <a:buNone/>
-              <a:defRPr sz="2800" kern="1200">
-                <a:solidFill>
-                  <a:schemeClr val="tx1">
-                    <a:tint val="75000"/>
-                  </a:schemeClr>
-                </a:solidFill>
-                <a:latin typeface="+mn-lt"/>
-                <a:ea typeface="+mn-ea"/>
-                <a:cs typeface="+mn-cs"/>
-              </a:defRPr>
-            </a:lvl2pPr>
-            <a:lvl3pPr marL="914400" indent="0" algn="ctr" defTabSz="457200" rtl="0" eaLnBrk="1" latinLnBrk="0" hangingPunct="1">
-              <a:spcBef>
-                <a:spcPct val="20000"/>
-              </a:spcBef>
-              <a:buFont typeface="Arial"/>
+            </a:pPr>
+            <a:endParaRPr lang="en-US" b="1" dirty="0" smtClean="0"/>
+          </a:p>
+          <a:p>
+            <a:pPr marL="0" indent="0">
               <a:buNone/>
-              <a:defRPr sz="2400" kern="1200">
-                <a:solidFill>
-                  <a:schemeClr val="tx1">
-                    <a:tint val="75000"/>
-                  </a:schemeClr>
-                </a:solidFill>
-                <a:latin typeface="+mn-lt"/>
-                <a:ea typeface="+mn-ea"/>
-                <a:cs typeface="+mn-cs"/>
-              </a:defRPr>
-            </a:lvl3pPr>
-            <a:lvl4pPr marL="1371600" indent="0" algn="ctr" defTabSz="457200" rtl="0" eaLnBrk="1" latinLnBrk="0" hangingPunct="1">
-              <a:spcBef>
-                <a:spcPct val="20000"/>
-              </a:spcBef>
-              <a:buFont typeface="Arial"/>
-              <a:buNone/>
-              <a:defRPr sz="2000" kern="1200">
-                <a:solidFill>
-                  <a:schemeClr val="tx1">
-                    <a:tint val="75000"/>
-                  </a:schemeClr>
-                </a:solidFill>
-                <a:latin typeface="+mn-lt"/>
-                <a:ea typeface="+mn-ea"/>
-                <a:cs typeface="+mn-cs"/>
-              </a:defRPr>
-            </a:lvl4pPr>
-            <a:lvl5pPr marL="1828800" indent="0" algn="ctr" defTabSz="457200" rtl="0" eaLnBrk="1" latinLnBrk="0" hangingPunct="1">
-              <a:spcBef>
-                <a:spcPct val="20000"/>
-              </a:spcBef>
-              <a:buFont typeface="Arial"/>
-              <a:buNone/>
-              <a:defRPr sz="2000" kern="1200">
-                <a:solidFill>
-                  <a:schemeClr val="tx1">
-                    <a:tint val="75000"/>
-                  </a:schemeClr>
-                </a:solidFill>
-                <a:latin typeface="+mn-lt"/>
-                <a:ea typeface="+mn-ea"/>
-                <a:cs typeface="+mn-cs"/>
-              </a:defRPr>
-            </a:lvl5pPr>
-            <a:lvl6pPr marL="2286000" indent="0" algn="ctr" defTabSz="457200" rtl="0" eaLnBrk="1" latinLnBrk="0" hangingPunct="1">
-              <a:spcBef>
-                <a:spcPct val="20000"/>
-              </a:spcBef>
-              <a:buFont typeface="Arial"/>
-              <a:buNone/>
-              <a:defRPr sz="2000" kern="1200">
-                <a:solidFill>
-                  <a:schemeClr val="tx1">
-                    <a:tint val="75000"/>
-                  </a:schemeClr>
-                </a:solidFill>
-                <a:latin typeface="+mn-lt"/>
-                <a:ea typeface="+mn-ea"/>
-                <a:cs typeface="+mn-cs"/>
-              </a:defRPr>
-            </a:lvl6pPr>
-            <a:lvl7pPr marL="2743200" indent="0" algn="ctr" defTabSz="457200" rtl="0" eaLnBrk="1" latinLnBrk="0" hangingPunct="1">
-              <a:spcBef>
-                <a:spcPct val="20000"/>
-              </a:spcBef>
-              <a:buFont typeface="Arial"/>
-              <a:buNone/>
-              <a:defRPr sz="2000" kern="1200">
-                <a:solidFill>
-                  <a:schemeClr val="tx1">
-                    <a:tint val="75000"/>
-                  </a:schemeClr>
-                </a:solidFill>
-                <a:latin typeface="+mn-lt"/>
-                <a:ea typeface="+mn-ea"/>
-                <a:cs typeface="+mn-cs"/>
-              </a:defRPr>
-            </a:lvl7pPr>
-            <a:lvl8pPr marL="3200400" indent="0" algn="ctr" defTabSz="457200" rtl="0" eaLnBrk="1" latinLnBrk="0" hangingPunct="1">
-              <a:spcBef>
-                <a:spcPct val="20000"/>
-              </a:spcBef>
-              <a:buFont typeface="Arial"/>
-              <a:buNone/>
-              <a:defRPr sz="2000" kern="1200">
-                <a:solidFill>
-                  <a:schemeClr val="tx1">
-                    <a:tint val="75000"/>
-                  </a:schemeClr>
-                </a:solidFill>
-                <a:latin typeface="+mn-lt"/>
-                <a:ea typeface="+mn-ea"/>
-                <a:cs typeface="+mn-cs"/>
-              </a:defRPr>
-            </a:lvl8pPr>
-            <a:lvl9pPr marL="3657600" indent="0" algn="ctr" defTabSz="457200" rtl="0" eaLnBrk="1" latinLnBrk="0" hangingPunct="1">
-              <a:spcBef>
-                <a:spcPct val="20000"/>
-              </a:spcBef>
-              <a:buFont typeface="Arial"/>
-              <a:buNone/>
-              <a:defRPr sz="2000" kern="1200">
-                <a:solidFill>
-                  <a:schemeClr val="tx1">
-                    <a:tint val="75000"/>
-                  </a:schemeClr>
-                </a:solidFill>
-                <a:latin typeface="+mn-lt"/>
-                <a:ea typeface="+mn-ea"/>
-                <a:cs typeface="+mn-cs"/>
-              </a:defRPr>
-            </a:lvl9pPr>
-          </a:lstStyle>
-          <a:p>
-            <a:r>
-              <a:rPr lang="en-US" sz="1350" dirty="0">
-                <a:solidFill>
-                  <a:schemeClr val="tx1">
-                    <a:lumMod val="50000"/>
-                    <a:lumOff val="50000"/>
-                  </a:schemeClr>
-                </a:solidFill>
-              </a:rPr>
-              <a:t>Eric Burcham – Improving Enterprises</a:t>
-            </a:r>
-          </a:p>
-        </p:txBody>
-      </p:sp>
-      <p:sp>
-        <p:nvSpPr>
-          <p:cNvPr id="2" name="Rectangle 1"/>
-          <p:cNvSpPr/>
-          <p:nvPr/>
-        </p:nvSpPr>
-        <p:spPr>
-          <a:xfrm>
-            <a:off x="719419" y="3374142"/>
-            <a:ext cx="5085230" cy="300082"/>
-          </a:xfrm>
-          <a:prstGeom prst="rect">
-            <a:avLst/>
-          </a:prstGeom>
-        </p:spPr>
-        <p:txBody>
-          <a:bodyPr wrap="square">
-            <a:spAutoFit/>
-          </a:bodyPr>
-          <a:lstStyle/>
-          <a:p>
-            <a:r>
-              <a:rPr lang="en-US" sz="1350" b="1" dirty="0">
-                <a:solidFill>
-                  <a:schemeClr val="accent1">
-                    <a:lumMod val="75000"/>
-                  </a:schemeClr>
-                </a:solidFill>
-              </a:rPr>
-              <a:t>Source at: </a:t>
-            </a:r>
-            <a:r>
-              <a:rPr lang="en-US" sz="1350" b="1" dirty="0">
-                <a:solidFill>
-                  <a:schemeClr val="accent1">
-                    <a:lumMod val="75000"/>
-                  </a:schemeClr>
-                </a:solidFill>
-                <a:hlinkClick r:id="rId2"/>
-              </a:rPr>
-              <a:t>http://github.com/ericburcham/THasyINKnc/</a:t>
-            </a:r>
-            <a:endParaRPr lang="en-US" sz="1350" dirty="0"/>
+            </a:pPr>
+            <a:r>
+              <a:rPr lang="en-US" b="1" dirty="0" smtClean="0"/>
+              <a:t>Dislikes</a:t>
+            </a:r>
+          </a:p>
+          <a:p>
+            <a:pPr>
+              <a:buFont typeface="Arial" panose="020B0604020202020204" pitchFamily="34" charset="0"/>
+              <a:buChar char="•"/>
+            </a:pPr>
+            <a:r>
+              <a:rPr lang="en-US" dirty="0" smtClean="0"/>
+              <a:t>Dog hair</a:t>
+            </a:r>
+          </a:p>
+          <a:p>
+            <a:pPr>
+              <a:buFont typeface="Arial" panose="020B0604020202020204" pitchFamily="34" charset="0"/>
+              <a:buChar char="•"/>
+            </a:pPr>
+            <a:r>
+              <a:rPr lang="en-US" dirty="0" smtClean="0"/>
+              <a:t>A few people</a:t>
+            </a:r>
+          </a:p>
+          <a:p>
+            <a:pPr>
+              <a:buFont typeface="Arial" panose="020B0604020202020204" pitchFamily="34" charset="0"/>
+              <a:buChar char="•"/>
+            </a:pPr>
+            <a:r>
+              <a:rPr lang="en-US" dirty="0" smtClean="0"/>
+              <a:t>Telling jokes that don’t work (Happens a LOT)</a:t>
+            </a:r>
+          </a:p>
+          <a:p>
+            <a:pPr>
+              <a:buFont typeface="Arial" panose="020B0604020202020204" pitchFamily="34" charset="0"/>
+              <a:buChar char="•"/>
+            </a:pPr>
+            <a:r>
+              <a:rPr lang="en-US" dirty="0" smtClean="0"/>
+              <a:t>Making lists of stuff</a:t>
+            </a:r>
           </a:p>
         </p:txBody>
       </p:sp>
     </p:spTree>
     <p:extLst>
       <p:ext uri="{BB962C8B-B14F-4D97-AF65-F5344CB8AC3E}">
-        <p14:creationId xmlns:p14="http://schemas.microsoft.com/office/powerpoint/2010/main" val="3962304860"/>
+        <p14:creationId xmlns:p14="http://schemas.microsoft.com/office/powerpoint/2010/main" val="2708422358"/>
       </p:ext>
     </p:extLst>
   </p:cSld>
@@ -13862,7 +11539,7 @@
           <a:p>
             <a:r>
               <a:rPr lang="en-US" dirty="0" smtClean="0"/>
-              <a:t>Superhero Joke</a:t>
+              <a:t>Profiling Joke</a:t>
             </a:r>
             <a:endParaRPr lang="en-US" dirty="0"/>
           </a:p>
@@ -13880,7 +11557,9 @@
         </p:nvSpPr>
         <p:spPr/>
         <p:txBody>
-          <a:bodyPr/>
+          <a:bodyPr>
+            <a:normAutofit/>
+          </a:bodyPr>
           <a:lstStyle/>
           <a:p>
             <a:pPr marL="0" indent="0">
@@ -13888,7 +11567,7 @@
             </a:pPr>
             <a:r>
               <a:rPr lang="en-US" dirty="0" smtClean="0"/>
-              <a:t>Sixteen sodium atoms walk into a bar, followed by Batman.</a:t>
+              <a:t>There are only two types of people in this world…</a:t>
             </a:r>
             <a:endParaRPr lang="en-US" dirty="0"/>
           </a:p>
@@ -13897,7 +11576,7 @@
     </p:spTree>
     <p:extLst>
       <p:ext uri="{BB962C8B-B14F-4D97-AF65-F5344CB8AC3E}">
-        <p14:creationId xmlns:p14="http://schemas.microsoft.com/office/powerpoint/2010/main" val="3353674203"/>
+        <p14:creationId xmlns:p14="http://schemas.microsoft.com/office/powerpoint/2010/main" val="2076512389"/>
       </p:ext>
     </p:extLst>
   </p:cSld>
@@ -13950,7 +11629,7 @@
           <a:p>
             <a:r>
               <a:rPr lang="en-US" dirty="0" smtClean="0"/>
-              <a:t>A Word of Caution</a:t>
+              <a:t>Tips and Tricks</a:t>
             </a:r>
             <a:endParaRPr lang="en-US" dirty="0"/>
           </a:p>
@@ -13969,105 +11648,48 @@
         <p:spPr/>
         <p:txBody>
           <a:bodyPr>
-            <a:normAutofit fontScale="92500" lnSpcReduction="10000"/>
+            <a:normAutofit/>
           </a:bodyPr>
           <a:lstStyle/>
           <a:p>
             <a:r>
               <a:rPr lang="en-US" dirty="0" smtClean="0"/>
-              <a:t>I’m not an expert.</a:t>
-            </a:r>
-          </a:p>
-          <a:p>
+              <a:t>Locks are the “</a:t>
+            </a:r>
+            <a:r>
+              <a:rPr lang="en-US" dirty="0" err="1" smtClean="0"/>
+              <a:t>goto</a:t>
+            </a:r>
             <a:r>
               <a:rPr lang="en-US" dirty="0" smtClean="0"/>
-              <a:t>Can become a minefield of subtle and hard to reproduce defects.</a:t>
+              <a:t>” statement of multi-threading.</a:t>
             </a:r>
           </a:p>
           <a:p>
             <a:r>
               <a:rPr lang="en-US" dirty="0" smtClean="0"/>
-              <a:t>More computing sins are committed in the name of efficiency that for any other single reason, including blind stupidity</a:t>
-            </a:r>
-            <a:br>
+              <a:t>The code NEEDS to be correct.  If you aren’t certain, seek help.  This stuff is hard!</a:t>
+            </a:r>
+          </a:p>
+          <a:p>
+            <a:r>
               <a:rPr lang="en-US" dirty="0" smtClean="0"/>
-            </a:br>
+              <a:t>Don’t share data among threads unless absolutely necessary.</a:t>
+            </a:r>
+          </a:p>
+          <a:p>
             <a:r>
               <a:rPr lang="en-US" dirty="0" smtClean="0"/>
-              <a:t>		– W.A. </a:t>
-            </a:r>
-            <a:r>
-              <a:rPr lang="en-US" dirty="0" err="1" smtClean="0"/>
-              <a:t>Wulf</a:t>
-            </a:r>
-            <a:endParaRPr lang="en-US" dirty="0" smtClean="0"/>
-          </a:p>
-          <a:p>
-            <a:r>
-              <a:rPr lang="en-US" dirty="0" smtClean="0"/>
-              <a:t>Premature optimization is the root of all evil</a:t>
-            </a:r>
-            <a:br>
-              <a:rPr lang="en-US" dirty="0" smtClean="0"/>
-            </a:br>
-            <a:r>
-              <a:rPr lang="en-US" dirty="0" smtClean="0"/>
-              <a:t>		– Donald </a:t>
-            </a:r>
-            <a:r>
-              <a:rPr lang="en-US" dirty="0" err="1" smtClean="0"/>
-              <a:t>Kuth</a:t>
-            </a:r>
-            <a:endParaRPr lang="en-US" dirty="0" smtClean="0"/>
-          </a:p>
-          <a:p>
-            <a:r>
-              <a:rPr lang="en-US" dirty="0" smtClean="0"/>
-              <a:t>Jackson’s Rules of Optimization</a:t>
-            </a:r>
-          </a:p>
-          <a:p>
-            <a:pPr lvl="1"/>
-            <a:r>
-              <a:rPr lang="en-US" dirty="0" smtClean="0"/>
-              <a:t>Don’t do it.</a:t>
-            </a:r>
-          </a:p>
-          <a:p>
-            <a:pPr lvl="1"/>
-            <a:r>
-              <a:rPr lang="en-US" dirty="0" smtClean="0"/>
-              <a:t>(For experts only): Don’t do it </a:t>
-            </a:r>
-            <a:r>
-              <a:rPr lang="en-US" i="1" dirty="0" smtClean="0"/>
-              <a:t>yet</a:t>
-            </a:r>
-            <a:r>
-              <a:rPr lang="en-US" dirty="0" smtClean="0"/>
-              <a:t>.</a:t>
+              <a:t>Try to use threads and locks as a last resort.  Try to raise the level of abstraction from threads to tasks.</a:t>
             </a:r>
             <a:endParaRPr lang="en-US" dirty="0"/>
-          </a:p>
-          <a:p>
-            <a:r>
-              <a:rPr lang="en-US" dirty="0" smtClean="0"/>
-              <a:t>Eric’s Rule of Optimization</a:t>
-            </a:r>
-          </a:p>
-          <a:p>
-            <a:pPr lvl="1"/>
-            <a:r>
-              <a:rPr lang="en-US" dirty="0" smtClean="0"/>
-              <a:t>Do whatever the heck you want!</a:t>
-            </a:r>
           </a:p>
         </p:txBody>
       </p:sp>
     </p:spTree>
     <p:extLst>
       <p:ext uri="{BB962C8B-B14F-4D97-AF65-F5344CB8AC3E}">
-        <p14:creationId xmlns:p14="http://schemas.microsoft.com/office/powerpoint/2010/main" val="266457984"/>
+        <p14:creationId xmlns:p14="http://schemas.microsoft.com/office/powerpoint/2010/main" val="454309200"/>
       </p:ext>
     </p:extLst>
   </p:cSld>
@@ -14120,424 +11742,6 @@
           <a:p>
             <a:r>
               <a:rPr lang="en-US" dirty="0" smtClean="0"/>
-              <a:t>Language Joke</a:t>
-            </a:r>
-            <a:endParaRPr lang="en-US" dirty="0"/>
-          </a:p>
-        </p:txBody>
-      </p:sp>
-      <p:sp>
-        <p:nvSpPr>
-          <p:cNvPr id="3" name="Content Placeholder 2"/>
-          <p:cNvSpPr>
-            <a:spLocks noGrp="1"/>
-          </p:cNvSpPr>
-          <p:nvPr>
-            <p:ph idx="1"/>
-          </p:nvPr>
-        </p:nvSpPr>
-        <p:spPr/>
-        <p:txBody>
-          <a:bodyPr>
-            <a:normAutofit/>
-          </a:bodyPr>
-          <a:lstStyle/>
-          <a:p>
-            <a:pPr marL="0" indent="0">
-              <a:buNone/>
-            </a:pPr>
-            <a:r>
-              <a:rPr lang="en-US" dirty="0"/>
-              <a:t>What’s the difference between an etymologist and an </a:t>
-            </a:r>
-            <a:r>
-              <a:rPr lang="en-US" dirty="0" smtClean="0"/>
-              <a:t>entomologist?</a:t>
-            </a:r>
-            <a:endParaRPr lang="en-US" dirty="0"/>
-          </a:p>
-        </p:txBody>
-      </p:sp>
-    </p:spTree>
-    <p:extLst>
-      <p:ext uri="{BB962C8B-B14F-4D97-AF65-F5344CB8AC3E}">
-        <p14:creationId xmlns:p14="http://schemas.microsoft.com/office/powerpoint/2010/main" val="1260671292"/>
-      </p:ext>
-    </p:extLst>
-  </p:cSld>
-  <p:clrMapOvr>
-    <a:masterClrMapping/>
-  </p:clrMapOvr>
-  <p:timing>
-    <p:tnLst>
-      <p:par>
-        <p:cTn id="1" dur="indefinite" restart="never" nodeType="tmRoot"/>
-      </p:par>
-    </p:tnLst>
-  </p:timing>
-</p:sld>
-</file>
-
-<file path=ppt/slides/slide13.xml><?xml version="1.0" encoding="utf-8"?>
-<p:sld xmlns:a="http://schemas.openxmlformats.org/drawingml/2006/main" xmlns:r="http://schemas.openxmlformats.org/officeDocument/2006/relationships" xmlns:p="http://schemas.openxmlformats.org/presentationml/2006/main">
-  <p:cSld>
-    <p:spTree>
-      <p:nvGrpSpPr>
-        <p:cNvPr id="1" name=""/>
-        <p:cNvGrpSpPr/>
-        <p:nvPr/>
-      </p:nvGrpSpPr>
-      <p:grpSpPr>
-        <a:xfrm>
-          <a:off x="0" y="0"/>
-          <a:ext cx="0" cy="0"/>
-          <a:chOff x="0" y="0"/>
-          <a:chExt cx="0" cy="0"/>
-        </a:xfrm>
-      </p:grpSpPr>
-      <p:sp>
-        <p:nvSpPr>
-          <p:cNvPr id="2" name="Title 1"/>
-          <p:cNvSpPr>
-            <a:spLocks noGrp="1"/>
-          </p:cNvSpPr>
-          <p:nvPr>
-            <p:ph type="title"/>
-          </p:nvPr>
-        </p:nvSpPr>
-        <p:spPr/>
-        <p:txBody>
-          <a:bodyPr>
-            <a:normAutofit/>
-          </a:bodyPr>
-          <a:lstStyle/>
-          <a:p>
-            <a:r>
-              <a:rPr lang="en-US" dirty="0" smtClean="0"/>
-              <a:t>How to Begin</a:t>
-            </a:r>
-            <a:endParaRPr lang="en-US" dirty="0"/>
-          </a:p>
-        </p:txBody>
-      </p:sp>
-      <p:sp>
-        <p:nvSpPr>
-          <p:cNvPr id="3" name="Content Placeholder 2"/>
-          <p:cNvSpPr>
-            <a:spLocks noGrp="1"/>
-          </p:cNvSpPr>
-          <p:nvPr>
-            <p:ph idx="1"/>
-          </p:nvPr>
-        </p:nvSpPr>
-        <p:spPr/>
-        <p:txBody>
-          <a:bodyPr/>
-          <a:lstStyle/>
-          <a:p>
-            <a:r>
-              <a:rPr lang="en-US" dirty="0" smtClean="0"/>
-              <a:t>Understanding your application and what can be done in parallel </a:t>
-            </a:r>
-            <a:r>
-              <a:rPr lang="en-US" b="1" dirty="0" smtClean="0">
-                <a:solidFill>
-                  <a:srgbClr val="FF0000"/>
-                </a:solidFill>
-              </a:rPr>
-              <a:t>CANNOT be skipped</a:t>
-            </a:r>
-            <a:r>
-              <a:rPr lang="en-US" dirty="0" smtClean="0"/>
-              <a:t>.</a:t>
-            </a:r>
-          </a:p>
-          <a:p>
-            <a:r>
-              <a:rPr lang="en-US" dirty="0" smtClean="0"/>
-              <a:t>Look for potential parallelism across the application as a whole.</a:t>
-            </a:r>
-          </a:p>
-          <a:p>
-            <a:r>
-              <a:rPr lang="en-US" dirty="0" smtClean="0"/>
-              <a:t>Prepare your application for parallel execution my making structural changes.</a:t>
-            </a:r>
-          </a:p>
-          <a:p>
-            <a:r>
-              <a:rPr lang="en-US" dirty="0" smtClean="0"/>
-              <a:t>Sound vague?  Know </a:t>
-            </a:r>
-            <a:r>
-              <a:rPr lang="en-US" dirty="0"/>
-              <a:t>the patterns and the problems they solve!</a:t>
-            </a:r>
-          </a:p>
-          <a:p>
-            <a:endParaRPr lang="en-US" dirty="0"/>
-          </a:p>
-        </p:txBody>
-      </p:sp>
-    </p:spTree>
-    <p:extLst>
-      <p:ext uri="{BB962C8B-B14F-4D97-AF65-F5344CB8AC3E}">
-        <p14:creationId xmlns:p14="http://schemas.microsoft.com/office/powerpoint/2010/main" val="2846285021"/>
-      </p:ext>
-    </p:extLst>
-  </p:cSld>
-  <p:clrMapOvr>
-    <a:masterClrMapping/>
-  </p:clrMapOvr>
-  <p:timing>
-    <p:tnLst>
-      <p:par>
-        <p:cTn id="1" dur="indefinite" restart="never" nodeType="tmRoot"/>
-      </p:par>
-    </p:tnLst>
-  </p:timing>
-</p:sld>
-</file>
-
-<file path=ppt/slides/slide14.xml><?xml version="1.0" encoding="utf-8"?>
-<p:sld xmlns:a="http://schemas.openxmlformats.org/drawingml/2006/main" xmlns:r="http://schemas.openxmlformats.org/officeDocument/2006/relationships" xmlns:p="http://schemas.openxmlformats.org/presentationml/2006/main">
-  <p:cSld>
-    <p:spTree>
-      <p:nvGrpSpPr>
-        <p:cNvPr id="1" name=""/>
-        <p:cNvGrpSpPr/>
-        <p:nvPr/>
-      </p:nvGrpSpPr>
-      <p:grpSpPr>
-        <a:xfrm>
-          <a:off x="0" y="0"/>
-          <a:ext cx="0" cy="0"/>
-          <a:chOff x="0" y="0"/>
-          <a:chExt cx="0" cy="0"/>
-        </a:xfrm>
-      </p:grpSpPr>
-      <p:sp>
-        <p:nvSpPr>
-          <p:cNvPr id="2" name="Title 1"/>
-          <p:cNvSpPr>
-            <a:spLocks noGrp="1"/>
-          </p:cNvSpPr>
-          <p:nvPr>
-            <p:ph type="title"/>
-          </p:nvPr>
-        </p:nvSpPr>
-        <p:spPr/>
-        <p:txBody>
-          <a:bodyPr>
-            <a:normAutofit/>
-          </a:bodyPr>
-          <a:lstStyle/>
-          <a:p>
-            <a:r>
-              <a:rPr lang="en-US" dirty="0" smtClean="0"/>
-              <a:t>Profiling Joke</a:t>
-            </a:r>
-            <a:endParaRPr lang="en-US" dirty="0"/>
-          </a:p>
-        </p:txBody>
-      </p:sp>
-      <p:sp>
-        <p:nvSpPr>
-          <p:cNvPr id="3" name="Content Placeholder 2"/>
-          <p:cNvSpPr>
-            <a:spLocks noGrp="1"/>
-          </p:cNvSpPr>
-          <p:nvPr>
-            <p:ph idx="1"/>
-          </p:nvPr>
-        </p:nvSpPr>
-        <p:spPr/>
-        <p:txBody>
-          <a:bodyPr>
-            <a:normAutofit/>
-          </a:bodyPr>
-          <a:lstStyle/>
-          <a:p>
-            <a:pPr marL="0" indent="0">
-              <a:buNone/>
-            </a:pPr>
-            <a:r>
-              <a:rPr lang="en-US" dirty="0" smtClean="0"/>
-              <a:t>There are only two types of people in this world…</a:t>
-            </a:r>
-            <a:endParaRPr lang="en-US" dirty="0"/>
-          </a:p>
-        </p:txBody>
-      </p:sp>
-    </p:spTree>
-    <p:extLst>
-      <p:ext uri="{BB962C8B-B14F-4D97-AF65-F5344CB8AC3E}">
-        <p14:creationId xmlns:p14="http://schemas.microsoft.com/office/powerpoint/2010/main" val="2076512389"/>
-      </p:ext>
-    </p:extLst>
-  </p:cSld>
-  <p:clrMapOvr>
-    <a:masterClrMapping/>
-  </p:clrMapOvr>
-  <p:timing>
-    <p:tnLst>
-      <p:par>
-        <p:cTn id="1" dur="indefinite" restart="never" nodeType="tmRoot"/>
-      </p:par>
-    </p:tnLst>
-  </p:timing>
-</p:sld>
-</file>
-
-<file path=ppt/slides/slide15.xml><?xml version="1.0" encoding="utf-8"?>
-<p:sld xmlns:a="http://schemas.openxmlformats.org/drawingml/2006/main" xmlns:r="http://schemas.openxmlformats.org/officeDocument/2006/relationships" xmlns:p="http://schemas.openxmlformats.org/presentationml/2006/main">
-  <p:cSld>
-    <p:spTree>
-      <p:nvGrpSpPr>
-        <p:cNvPr id="1" name=""/>
-        <p:cNvGrpSpPr/>
-        <p:nvPr/>
-      </p:nvGrpSpPr>
-      <p:grpSpPr>
-        <a:xfrm>
-          <a:off x="0" y="0"/>
-          <a:ext cx="0" cy="0"/>
-          <a:chOff x="0" y="0"/>
-          <a:chExt cx="0" cy="0"/>
-        </a:xfrm>
-      </p:grpSpPr>
-      <p:sp>
-        <p:nvSpPr>
-          <p:cNvPr id="2" name="Title 1"/>
-          <p:cNvSpPr>
-            <a:spLocks noGrp="1"/>
-          </p:cNvSpPr>
-          <p:nvPr>
-            <p:ph type="title"/>
-          </p:nvPr>
-        </p:nvSpPr>
-        <p:spPr/>
-        <p:txBody>
-          <a:bodyPr>
-            <a:normAutofit/>
-          </a:bodyPr>
-          <a:lstStyle/>
-          <a:p>
-            <a:r>
-              <a:rPr lang="en-US" dirty="0" smtClean="0"/>
-              <a:t>Tips and Tricks</a:t>
-            </a:r>
-            <a:endParaRPr lang="en-US" dirty="0"/>
-          </a:p>
-        </p:txBody>
-      </p:sp>
-      <p:sp>
-        <p:nvSpPr>
-          <p:cNvPr id="3" name="Content Placeholder 2"/>
-          <p:cNvSpPr>
-            <a:spLocks noGrp="1"/>
-          </p:cNvSpPr>
-          <p:nvPr>
-            <p:ph idx="1"/>
-          </p:nvPr>
-        </p:nvSpPr>
-        <p:spPr/>
-        <p:txBody>
-          <a:bodyPr>
-            <a:normAutofit/>
-          </a:bodyPr>
-          <a:lstStyle/>
-          <a:p>
-            <a:r>
-              <a:rPr lang="en-US" dirty="0" smtClean="0"/>
-              <a:t>Locks are the “</a:t>
-            </a:r>
-            <a:r>
-              <a:rPr lang="en-US" dirty="0" err="1" smtClean="0"/>
-              <a:t>goto</a:t>
-            </a:r>
-            <a:r>
-              <a:rPr lang="en-US" dirty="0" smtClean="0"/>
-              <a:t>” statement of multi-threading.</a:t>
-            </a:r>
-          </a:p>
-          <a:p>
-            <a:r>
-              <a:rPr lang="en-US" dirty="0" smtClean="0"/>
-              <a:t>The code NEEDS to be correct.  If you aren’t certain, seek help.  This stuff is hard!</a:t>
-            </a:r>
-          </a:p>
-          <a:p>
-            <a:r>
-              <a:rPr lang="en-US" dirty="0" smtClean="0"/>
-              <a:t>Don’t share data among threads unless absolutely necessary.</a:t>
-            </a:r>
-          </a:p>
-          <a:p>
-            <a:r>
-              <a:rPr lang="en-US" dirty="0" smtClean="0"/>
-              <a:t>Try to use threads and locks as a last resort.  Try to raise the level of abstraction from threads to tasks.</a:t>
-            </a:r>
-            <a:endParaRPr lang="en-US" dirty="0"/>
-          </a:p>
-        </p:txBody>
-      </p:sp>
-    </p:spTree>
-    <p:extLst>
-      <p:ext uri="{BB962C8B-B14F-4D97-AF65-F5344CB8AC3E}">
-        <p14:creationId xmlns:p14="http://schemas.microsoft.com/office/powerpoint/2010/main" val="454309200"/>
-      </p:ext>
-    </p:extLst>
-  </p:cSld>
-  <p:clrMapOvr>
-    <a:masterClrMapping/>
-  </p:clrMapOvr>
-  <p:timing>
-    <p:tnLst>
-      <p:par>
-        <p:cTn id="1" dur="indefinite" restart="never" nodeType="tmRoot"/>
-      </p:par>
-    </p:tnLst>
-  </p:timing>
-</p:sld>
-</file>
-
-<file path=ppt/slides/slide16.xml><?xml version="1.0" encoding="utf-8"?>
-<p:sld xmlns:a="http://schemas.openxmlformats.org/drawingml/2006/main" xmlns:r="http://schemas.openxmlformats.org/officeDocument/2006/relationships" xmlns:p="http://schemas.openxmlformats.org/presentationml/2006/main">
-  <p:cSld>
-    <p:spTree>
-      <p:nvGrpSpPr>
-        <p:cNvPr id="1" name=""/>
-        <p:cNvGrpSpPr/>
-        <p:nvPr/>
-      </p:nvGrpSpPr>
-      <p:grpSpPr>
-        <a:xfrm>
-          <a:off x="0" y="0"/>
-          <a:ext cx="0" cy="0"/>
-          <a:chOff x="0" y="0"/>
-          <a:chExt cx="0" cy="0"/>
-        </a:xfrm>
-      </p:grpSpPr>
-      <p:sp>
-        <p:nvSpPr>
-          <p:cNvPr id="2" name="Title 1"/>
-          <p:cNvSpPr>
-            <a:spLocks noGrp="1"/>
-          </p:cNvSpPr>
-          <p:nvPr>
-            <p:ph type="title"/>
-          </p:nvPr>
-        </p:nvSpPr>
-        <p:spPr/>
-        <p:txBody>
-          <a:bodyPr>
-            <a:normAutofit/>
-          </a:bodyPr>
-          <a:lstStyle/>
-          <a:p>
-            <a:r>
-              <a:rPr lang="en-US" dirty="0" smtClean="0"/>
               <a:t>Math Joke</a:t>
             </a:r>
             <a:endParaRPr lang="en-US" dirty="0"/>
@@ -14590,7 +11794,7 @@
 </p:sld>
 </file>
 
-<file path=ppt/slides/slide17.xml><?xml version="1.0" encoding="utf-8"?>
+<file path=ppt/slides/slide13.xml><?xml version="1.0" encoding="utf-8"?>
 <p:sld xmlns:a="http://schemas.openxmlformats.org/drawingml/2006/main" xmlns:r="http://schemas.openxmlformats.org/officeDocument/2006/relationships" xmlns:p="http://schemas.openxmlformats.org/presentationml/2006/main">
   <p:cSld>
     <p:spTree>
@@ -15885,6 +13089,558 @@
 </p:sld>
 </file>
 
+<file path=ppt/slides/slide14.xml><?xml version="1.0" encoding="utf-8"?>
+<p:sld xmlns:a="http://schemas.openxmlformats.org/drawingml/2006/main" xmlns:r="http://schemas.openxmlformats.org/officeDocument/2006/relationships" xmlns:p="http://schemas.openxmlformats.org/presentationml/2006/main">
+  <p:cSld>
+    <p:spTree>
+      <p:nvGrpSpPr>
+        <p:cNvPr id="1" name=""/>
+        <p:cNvGrpSpPr/>
+        <p:nvPr/>
+      </p:nvGrpSpPr>
+      <p:grpSpPr>
+        <a:xfrm>
+          <a:off x="0" y="0"/>
+          <a:ext cx="0" cy="0"/>
+          <a:chOff x="0" y="0"/>
+          <a:chExt cx="0" cy="0"/>
+        </a:xfrm>
+      </p:grpSpPr>
+      <p:sp>
+        <p:nvSpPr>
+          <p:cNvPr id="2" name="Title 1"/>
+          <p:cNvSpPr>
+            <a:spLocks noGrp="1"/>
+          </p:cNvSpPr>
+          <p:nvPr>
+            <p:ph type="title"/>
+          </p:nvPr>
+        </p:nvSpPr>
+        <p:spPr/>
+        <p:txBody>
+          <a:bodyPr>
+            <a:normAutofit/>
+          </a:bodyPr>
+          <a:lstStyle/>
+          <a:p>
+            <a:r>
+              <a:rPr lang="en-US" dirty="0" smtClean="0"/>
+              <a:t>Basics of Threading in </a:t>
+            </a:r>
+            <a:r>
+              <a:rPr lang="en-US" dirty="0" err="1" smtClean="0"/>
+              <a:t>.Net</a:t>
+            </a:r>
+            <a:endParaRPr lang="en-US" dirty="0"/>
+          </a:p>
+        </p:txBody>
+      </p:sp>
+      <p:sp>
+        <p:nvSpPr>
+          <p:cNvPr id="3" name="Content Placeholder 2"/>
+          <p:cNvSpPr>
+            <a:spLocks noGrp="1"/>
+          </p:cNvSpPr>
+          <p:nvPr>
+            <p:ph idx="1"/>
+          </p:nvPr>
+        </p:nvSpPr>
+        <p:spPr>
+          <a:xfrm>
+            <a:off x="342900" y="1552318"/>
+            <a:ext cx="6172200" cy="2545854"/>
+          </a:xfrm>
+        </p:spPr>
+        <p:txBody>
+          <a:bodyPr>
+            <a:normAutofit fontScale="55000" lnSpcReduction="20000"/>
+          </a:bodyPr>
+          <a:lstStyle/>
+          <a:p>
+            <a:r>
+              <a:rPr lang="en-US" dirty="0" smtClean="0"/>
+              <a:t>Threading hello world</a:t>
+            </a:r>
+          </a:p>
+          <a:p>
+            <a:r>
+              <a:rPr lang="en-US" dirty="0" smtClean="0"/>
+              <a:t>Passing parameters to threads</a:t>
+            </a:r>
+          </a:p>
+          <a:p>
+            <a:r>
+              <a:rPr lang="en-US" dirty="0" smtClean="0"/>
+              <a:t>Data races and locking</a:t>
+            </a:r>
+          </a:p>
+          <a:p>
+            <a:r>
+              <a:rPr lang="en-US" dirty="0" smtClean="0"/>
+              <a:t>Deadlocks, waiting, and pulsing</a:t>
+            </a:r>
+          </a:p>
+          <a:p>
+            <a:r>
+              <a:rPr lang="en-US" dirty="0"/>
+              <a:t>Wait handles, Reset Events, and </a:t>
+            </a:r>
+            <a:r>
+              <a:rPr lang="en-US" dirty="0" err="1"/>
+              <a:t>Mutexes</a:t>
+            </a:r>
+            <a:endParaRPr lang="en-US" dirty="0"/>
+          </a:p>
+          <a:p>
+            <a:r>
+              <a:rPr lang="en-US" dirty="0" smtClean="0"/>
+              <a:t>Using the thread pool and asynchronous methods.</a:t>
+            </a:r>
+          </a:p>
+          <a:p>
+            <a:r>
+              <a:rPr lang="en-US" dirty="0" smtClean="0"/>
+              <a:t>Shutting down workers</a:t>
+            </a:r>
+          </a:p>
+          <a:p>
+            <a:r>
+              <a:rPr lang="en-US" b="1" dirty="0">
+                <a:solidFill>
+                  <a:srgbClr val="FF0000"/>
+                </a:solidFill>
+              </a:rPr>
+              <a:t>Volatility, atomicity, and interlocking</a:t>
+            </a:r>
+          </a:p>
+          <a:p>
+            <a:r>
+              <a:rPr lang="en-US" b="1" dirty="0" smtClean="0">
+                <a:solidFill>
+                  <a:srgbClr val="FF0000"/>
+                </a:solidFill>
+              </a:rPr>
+              <a:t>Locking (and choosing what to lock on)</a:t>
+            </a:r>
+          </a:p>
+          <a:p>
+            <a:r>
+              <a:rPr lang="en-US" b="1" dirty="0" smtClean="0">
+                <a:solidFill>
+                  <a:srgbClr val="FF0000"/>
+                </a:solidFill>
+              </a:rPr>
+              <a:t>Alternative approaches to monitors</a:t>
+            </a:r>
+          </a:p>
+          <a:p>
+            <a:r>
+              <a:rPr lang="en-US" b="1" dirty="0" smtClean="0">
+                <a:solidFill>
+                  <a:srgbClr val="FF0000"/>
+                </a:solidFill>
+              </a:rPr>
+              <a:t>Thread-safety</a:t>
+            </a:r>
+          </a:p>
+          <a:p>
+            <a:r>
+              <a:rPr lang="en-US" b="1" dirty="0" smtClean="0">
+                <a:solidFill>
+                  <a:srgbClr val="FF0000"/>
+                </a:solidFill>
+              </a:rPr>
+              <a:t>Aborting and interrupting threads</a:t>
+            </a:r>
+          </a:p>
+          <a:p>
+            <a:r>
+              <a:rPr lang="en-US" b="1" dirty="0" smtClean="0">
+                <a:solidFill>
+                  <a:srgbClr val="FF0000"/>
+                </a:solidFill>
+              </a:rPr>
+              <a:t>Error handling</a:t>
+            </a:r>
+          </a:p>
+          <a:p>
+            <a:r>
+              <a:rPr lang="en-US" b="1" dirty="0" smtClean="0">
+                <a:solidFill>
+                  <a:srgbClr val="FF0000"/>
+                </a:solidFill>
+              </a:rPr>
+              <a:t>Testing Parallel Code</a:t>
+            </a:r>
+          </a:p>
+          <a:p>
+            <a:r>
+              <a:rPr lang="en-US" b="1" dirty="0" smtClean="0">
+                <a:solidFill>
+                  <a:srgbClr val="FF0000"/>
+                </a:solidFill>
+              </a:rPr>
+              <a:t>F# Examples</a:t>
+            </a:r>
+          </a:p>
+          <a:p>
+            <a:r>
+              <a:rPr lang="en-US" b="1" dirty="0" smtClean="0">
+                <a:solidFill>
+                  <a:srgbClr val="FF0000"/>
+                </a:solidFill>
+              </a:rPr>
+              <a:t>GPU (</a:t>
+            </a:r>
+            <a:r>
+              <a:rPr lang="en-US" b="1" dirty="0" err="1" smtClean="0">
+                <a:solidFill>
+                  <a:srgbClr val="FF0000"/>
+                </a:solidFill>
+              </a:rPr>
+              <a:t>Cuda</a:t>
+            </a:r>
+            <a:r>
+              <a:rPr lang="en-US" b="1" dirty="0" smtClean="0">
+                <a:solidFill>
+                  <a:srgbClr val="FF0000"/>
+                </a:solidFill>
+              </a:rPr>
+              <a:t> / </a:t>
+            </a:r>
+            <a:r>
+              <a:rPr lang="en-US" b="1" dirty="0" err="1" smtClean="0">
+                <a:solidFill>
+                  <a:srgbClr val="FF0000"/>
+                </a:solidFill>
+              </a:rPr>
+              <a:t>OpenCL</a:t>
+            </a:r>
+            <a:r>
+              <a:rPr lang="en-US" b="1" dirty="0" smtClean="0">
+                <a:solidFill>
+                  <a:srgbClr val="FF0000"/>
+                </a:solidFill>
+              </a:rPr>
+              <a:t>) Examples</a:t>
+            </a:r>
+          </a:p>
+          <a:p>
+            <a:endParaRPr lang="en-US" dirty="0" smtClean="0"/>
+          </a:p>
+          <a:p>
+            <a:endParaRPr lang="en-US" dirty="0"/>
+          </a:p>
+        </p:txBody>
+      </p:sp>
+    </p:spTree>
+    <p:extLst>
+      <p:ext uri="{BB962C8B-B14F-4D97-AF65-F5344CB8AC3E}">
+        <p14:creationId xmlns:p14="http://schemas.microsoft.com/office/powerpoint/2010/main" val="960250843"/>
+      </p:ext>
+    </p:extLst>
+  </p:cSld>
+  <p:clrMapOvr>
+    <a:masterClrMapping/>
+  </p:clrMapOvr>
+  <p:timing>
+    <p:tnLst>
+      <p:par>
+        <p:cTn id="1" dur="indefinite" restart="never" nodeType="tmRoot"/>
+      </p:par>
+    </p:tnLst>
+  </p:timing>
+</p:sld>
+</file>
+
+<file path=ppt/slides/slide15.xml><?xml version="1.0" encoding="utf-8"?>
+<p:sld xmlns:a="http://schemas.openxmlformats.org/drawingml/2006/main" xmlns:r="http://schemas.openxmlformats.org/officeDocument/2006/relationships" xmlns:p="http://schemas.openxmlformats.org/presentationml/2006/main">
+  <p:cSld>
+    <p:spTree>
+      <p:nvGrpSpPr>
+        <p:cNvPr id="1" name=""/>
+        <p:cNvGrpSpPr/>
+        <p:nvPr/>
+      </p:nvGrpSpPr>
+      <p:grpSpPr>
+        <a:xfrm>
+          <a:off x="0" y="0"/>
+          <a:ext cx="0" cy="0"/>
+          <a:chOff x="0" y="0"/>
+          <a:chExt cx="0" cy="0"/>
+        </a:xfrm>
+      </p:grpSpPr>
+      <p:sp>
+        <p:nvSpPr>
+          <p:cNvPr id="2" name="Title 1"/>
+          <p:cNvSpPr>
+            <a:spLocks noGrp="1"/>
+          </p:cNvSpPr>
+          <p:nvPr>
+            <p:ph type="title"/>
+          </p:nvPr>
+        </p:nvSpPr>
+        <p:spPr/>
+        <p:txBody>
+          <a:bodyPr>
+            <a:normAutofit/>
+          </a:bodyPr>
+          <a:lstStyle/>
+          <a:p>
+            <a:r>
+              <a:rPr lang="en-US" dirty="0" smtClean="0"/>
+              <a:t>Sarcasm Joke</a:t>
+            </a:r>
+            <a:endParaRPr lang="en-US" dirty="0"/>
+          </a:p>
+        </p:txBody>
+      </p:sp>
+      <p:sp>
+        <p:nvSpPr>
+          <p:cNvPr id="3" name="Content Placeholder 2"/>
+          <p:cNvSpPr>
+            <a:spLocks noGrp="1"/>
+          </p:cNvSpPr>
+          <p:nvPr>
+            <p:ph idx="1"/>
+          </p:nvPr>
+        </p:nvSpPr>
+        <p:spPr/>
+        <p:txBody>
+          <a:bodyPr>
+            <a:normAutofit/>
+          </a:bodyPr>
+          <a:lstStyle/>
+          <a:p>
+            <a:pPr marL="0" indent="0">
+              <a:buNone/>
+            </a:pPr>
+            <a:r>
+              <a:rPr lang="en-US" dirty="0"/>
+              <a:t>An MIT linguistics professor was lecturing his class the other </a:t>
+            </a:r>
+            <a:r>
+              <a:rPr lang="en-US" dirty="0" smtClean="0"/>
+              <a:t>day…</a:t>
+            </a:r>
+            <a:endParaRPr lang="en-US" dirty="0"/>
+          </a:p>
+        </p:txBody>
+      </p:sp>
+    </p:spTree>
+    <p:extLst>
+      <p:ext uri="{BB962C8B-B14F-4D97-AF65-F5344CB8AC3E}">
+        <p14:creationId xmlns:p14="http://schemas.microsoft.com/office/powerpoint/2010/main" val="2481591714"/>
+      </p:ext>
+    </p:extLst>
+  </p:cSld>
+  <p:clrMapOvr>
+    <a:masterClrMapping/>
+  </p:clrMapOvr>
+  <p:timing>
+    <p:tnLst>
+      <p:par>
+        <p:cTn id="1" dur="indefinite" restart="never" nodeType="tmRoot"/>
+      </p:par>
+    </p:tnLst>
+  </p:timing>
+</p:sld>
+</file>
+
+<file path=ppt/slides/slide16.xml><?xml version="1.0" encoding="utf-8"?>
+<p:sld xmlns:a="http://schemas.openxmlformats.org/drawingml/2006/main" xmlns:r="http://schemas.openxmlformats.org/officeDocument/2006/relationships" xmlns:p="http://schemas.openxmlformats.org/presentationml/2006/main">
+  <p:cSld>
+    <p:spTree>
+      <p:nvGrpSpPr>
+        <p:cNvPr id="1" name=""/>
+        <p:cNvGrpSpPr/>
+        <p:nvPr/>
+      </p:nvGrpSpPr>
+      <p:grpSpPr>
+        <a:xfrm>
+          <a:off x="0" y="0"/>
+          <a:ext cx="0" cy="0"/>
+          <a:chOff x="0" y="0"/>
+          <a:chExt cx="0" cy="0"/>
+        </a:xfrm>
+      </p:grpSpPr>
+      <p:sp>
+        <p:nvSpPr>
+          <p:cNvPr id="2" name="Title 1"/>
+          <p:cNvSpPr>
+            <a:spLocks noGrp="1"/>
+          </p:cNvSpPr>
+          <p:nvPr>
+            <p:ph type="title"/>
+          </p:nvPr>
+        </p:nvSpPr>
+        <p:spPr/>
+        <p:txBody>
+          <a:bodyPr>
+            <a:normAutofit/>
+          </a:bodyPr>
+          <a:lstStyle/>
+          <a:p>
+            <a:r>
+              <a:rPr lang="en-US" dirty="0" smtClean="0"/>
+              <a:t>Parallel Design Patterns</a:t>
+            </a:r>
+            <a:endParaRPr lang="en-US" dirty="0"/>
+          </a:p>
+        </p:txBody>
+      </p:sp>
+      <p:sp>
+        <p:nvSpPr>
+          <p:cNvPr id="3" name="Content Placeholder 2"/>
+          <p:cNvSpPr>
+            <a:spLocks noGrp="1"/>
+          </p:cNvSpPr>
+          <p:nvPr>
+            <p:ph idx="1"/>
+          </p:nvPr>
+        </p:nvSpPr>
+        <p:spPr/>
+        <p:txBody>
+          <a:bodyPr/>
+          <a:lstStyle/>
+          <a:p>
+            <a:r>
+              <a:rPr lang="en-US" dirty="0" smtClean="0"/>
+              <a:t>Parallel Loops</a:t>
+            </a:r>
+          </a:p>
+          <a:p>
+            <a:r>
+              <a:rPr lang="en-US" dirty="0" smtClean="0"/>
+              <a:t>Parallel Tasks</a:t>
+            </a:r>
+          </a:p>
+          <a:p>
+            <a:r>
+              <a:rPr lang="en-US" dirty="0" smtClean="0"/>
+              <a:t>Parallel Aggregation</a:t>
+            </a:r>
+          </a:p>
+          <a:p>
+            <a:r>
+              <a:rPr lang="en-US" dirty="0" smtClean="0"/>
+              <a:t>Futures (Task Graph)</a:t>
+            </a:r>
+          </a:p>
+          <a:p>
+            <a:r>
+              <a:rPr lang="en-US" dirty="0" smtClean="0"/>
+              <a:t>Pipelines</a:t>
+            </a:r>
+          </a:p>
+        </p:txBody>
+      </p:sp>
+    </p:spTree>
+    <p:extLst>
+      <p:ext uri="{BB962C8B-B14F-4D97-AF65-F5344CB8AC3E}">
+        <p14:creationId xmlns:p14="http://schemas.microsoft.com/office/powerpoint/2010/main" val="1197900658"/>
+      </p:ext>
+    </p:extLst>
+  </p:cSld>
+  <p:clrMapOvr>
+    <a:masterClrMapping/>
+  </p:clrMapOvr>
+  <p:timing>
+    <p:tnLst>
+      <p:par>
+        <p:cTn id="1" dur="indefinite" restart="never" nodeType="tmRoot"/>
+      </p:par>
+    </p:tnLst>
+  </p:timing>
+</p:sld>
+</file>
+
+<file path=ppt/slides/slide17.xml><?xml version="1.0" encoding="utf-8"?>
+<p:sld xmlns:a="http://schemas.openxmlformats.org/drawingml/2006/main" xmlns:r="http://schemas.openxmlformats.org/officeDocument/2006/relationships" xmlns:p="http://schemas.openxmlformats.org/presentationml/2006/main">
+  <p:cSld>
+    <p:spTree>
+      <p:nvGrpSpPr>
+        <p:cNvPr id="1" name=""/>
+        <p:cNvGrpSpPr/>
+        <p:nvPr/>
+      </p:nvGrpSpPr>
+      <p:grpSpPr>
+        <a:xfrm>
+          <a:off x="0" y="0"/>
+          <a:ext cx="0" cy="0"/>
+          <a:chOff x="0" y="0"/>
+          <a:chExt cx="0" cy="0"/>
+        </a:xfrm>
+      </p:grpSpPr>
+      <p:sp>
+        <p:nvSpPr>
+          <p:cNvPr id="2" name="Title 1"/>
+          <p:cNvSpPr>
+            <a:spLocks noGrp="1"/>
+          </p:cNvSpPr>
+          <p:nvPr>
+            <p:ph type="title"/>
+          </p:nvPr>
+        </p:nvSpPr>
+        <p:spPr/>
+        <p:txBody>
+          <a:bodyPr>
+            <a:normAutofit/>
+          </a:bodyPr>
+          <a:lstStyle/>
+          <a:p>
+            <a:r>
+              <a:rPr lang="en-US" dirty="0" smtClean="0"/>
+              <a:t>Parallel Loops</a:t>
+            </a:r>
+            <a:endParaRPr lang="en-US" dirty="0"/>
+          </a:p>
+        </p:txBody>
+      </p:sp>
+      <p:sp>
+        <p:nvSpPr>
+          <p:cNvPr id="3" name="Content Placeholder 2"/>
+          <p:cNvSpPr>
+            <a:spLocks noGrp="1"/>
+          </p:cNvSpPr>
+          <p:nvPr>
+            <p:ph idx="1"/>
+          </p:nvPr>
+        </p:nvSpPr>
+        <p:spPr/>
+        <p:txBody>
+          <a:bodyPr/>
+          <a:lstStyle/>
+          <a:p>
+            <a:r>
+              <a:rPr lang="en-US" dirty="0" smtClean="0"/>
+              <a:t>Perform the same independent operation on each element of a collection or for a fixed number of iterations.</a:t>
+            </a:r>
+          </a:p>
+          <a:p>
+            <a:r>
+              <a:rPr lang="en-US" dirty="0" smtClean="0"/>
+              <a:t>Steps are independent if they don’t write to memory locations, files, or other resources that are used by other steps.</a:t>
+            </a:r>
+          </a:p>
+          <a:p>
+            <a:endParaRPr lang="en-US" dirty="0"/>
+          </a:p>
+        </p:txBody>
+      </p:sp>
+    </p:spTree>
+    <p:extLst>
+      <p:ext uri="{BB962C8B-B14F-4D97-AF65-F5344CB8AC3E}">
+        <p14:creationId xmlns:p14="http://schemas.microsoft.com/office/powerpoint/2010/main" val="2861235052"/>
+      </p:ext>
+    </p:extLst>
+  </p:cSld>
+  <p:clrMapOvr>
+    <a:masterClrMapping/>
+  </p:clrMapOvr>
+</p:sld>
+</file>
+
 <file path=ppt/slides/slide18.xml><?xml version="1.0" encoding="utf-8"?>
 <p:sld xmlns:a="http://schemas.openxmlformats.org/drawingml/2006/main" xmlns:r="http://schemas.openxmlformats.org/officeDocument/2006/relationships" xmlns:p="http://schemas.openxmlformats.org/presentationml/2006/main">
   <p:cSld>
@@ -15921,11 +13677,7 @@
           <a:p>
             <a:r>
               <a:rPr lang="en-US" dirty="0" smtClean="0"/>
-              <a:t>Basics of Threading in </a:t>
-            </a:r>
-            <a:r>
-              <a:rPr lang="en-US" dirty="0" err="1" smtClean="0"/>
-              <a:t>.Net</a:t>
+              <a:t>Anti-Patterns</a:t>
             </a:r>
             <a:endParaRPr lang="en-US" dirty="0"/>
           </a:p>
@@ -15941,190 +13693,49 @@
             <p:ph idx="1"/>
           </p:nvPr>
         </p:nvSpPr>
-        <p:spPr>
-          <a:xfrm>
-            <a:off x="342900" y="1552318"/>
-            <a:ext cx="6172200" cy="2545854"/>
-          </a:xfrm>
-        </p:spPr>
+        <p:spPr/>
         <p:txBody>
-          <a:bodyPr>
-            <a:normAutofit fontScale="55000" lnSpcReduction="20000"/>
-          </a:bodyPr>
+          <a:bodyPr/>
           <a:lstStyle/>
           <a:p>
             <a:r>
+              <a:rPr lang="en-US" b="1" dirty="0" smtClean="0"/>
+              <a:t>Step size != 1</a:t>
+            </a:r>
+            <a:r>
               <a:rPr lang="en-US" dirty="0" smtClean="0"/>
-              <a:t>Threading hello world</a:t>
-            </a:r>
-          </a:p>
-          <a:p>
+              <a:t>:  Often indicates data-dependency.</a:t>
+            </a:r>
+          </a:p>
+          <a:p>
+            <a:r>
+              <a:rPr lang="en-US" b="1" dirty="0" smtClean="0"/>
+              <a:t>Hidden loop body dependencies</a:t>
+            </a:r>
             <a:r>
               <a:rPr lang="en-US" dirty="0" smtClean="0"/>
-              <a:t>Passing parameters to threads</a:t>
-            </a:r>
-          </a:p>
-          <a:p>
+              <a:t>:  Don’t try to share instances that are not thread-safe, for example.  Random is a culprit in one of my examples.</a:t>
+            </a:r>
+          </a:p>
+          <a:p>
+            <a:r>
+              <a:rPr lang="en-US" b="1" dirty="0" smtClean="0"/>
+              <a:t>Small loop bodies with few iterations</a:t>
+            </a:r>
             <a:r>
               <a:rPr lang="en-US" dirty="0" smtClean="0"/>
-              <a:t>Data races and locking</a:t>
-            </a:r>
-          </a:p>
-          <a:p>
+              <a:t>:  You won’t get enough performance improvement to justify the complexity.</a:t>
+            </a:r>
+          </a:p>
+          <a:p>
+            <a:r>
+              <a:rPr lang="en-US" b="1" dirty="0" smtClean="0"/>
+              <a:t>Processor over/under subscription</a:t>
+            </a:r>
             <a:r>
               <a:rPr lang="en-US" dirty="0" smtClean="0"/>
-              <a:t>Deadlocks, waiting, and pulsing</a:t>
-            </a:r>
-          </a:p>
-          <a:p>
-            <a:r>
-              <a:rPr lang="en-US" dirty="0"/>
-              <a:t>Wait handles, Reset Events, and </a:t>
-            </a:r>
-            <a:r>
-              <a:rPr lang="en-US" dirty="0" err="1"/>
-              <a:t>Mutexes</a:t>
-            </a:r>
-            <a:endParaRPr lang="en-US" dirty="0"/>
-          </a:p>
-          <a:p>
-            <a:r>
-              <a:rPr lang="en-US" dirty="0" smtClean="0"/>
-              <a:t>Using the thread pool and asynchronous methods.</a:t>
-            </a:r>
-          </a:p>
-          <a:p>
-            <a:r>
-              <a:rPr lang="en-US" dirty="0" smtClean="0"/>
-              <a:t>Shutting down workers</a:t>
-            </a:r>
-          </a:p>
-          <a:p>
-            <a:r>
-              <a:rPr lang="en-US" b="1" dirty="0">
-                <a:solidFill>
-                  <a:srgbClr val="FF0000"/>
-                </a:solidFill>
-              </a:rPr>
-              <a:t>Volatility, atomicity, and interlocking</a:t>
-            </a:r>
-          </a:p>
-          <a:p>
-            <a:r>
-              <a:rPr lang="en-US" b="1" dirty="0" smtClean="0">
-                <a:solidFill>
-                  <a:srgbClr val="FF0000"/>
-                </a:solidFill>
-              </a:rPr>
-              <a:t>Locking (and choosing what to lock on)</a:t>
-            </a:r>
-          </a:p>
-          <a:p>
-            <a:r>
-              <a:rPr lang="en-US" b="1" dirty="0" smtClean="0">
-                <a:solidFill>
-                  <a:srgbClr val="FF0000"/>
-                </a:solidFill>
-              </a:rPr>
-              <a:t>Alternative approaches to monitors</a:t>
-            </a:r>
-          </a:p>
-          <a:p>
-            <a:r>
-              <a:rPr lang="en-US" b="1" dirty="0" smtClean="0">
-                <a:solidFill>
-                  <a:srgbClr val="FF0000"/>
-                </a:solidFill>
-              </a:rPr>
-              <a:t>Thread-safety</a:t>
-            </a:r>
-          </a:p>
-          <a:p>
-            <a:r>
-              <a:rPr lang="en-US" b="1" dirty="0" smtClean="0">
-                <a:solidFill>
-                  <a:srgbClr val="FF0000"/>
-                </a:solidFill>
-              </a:rPr>
-              <a:t>Aborting and interrupting threads</a:t>
-            </a:r>
-          </a:p>
-          <a:p>
-            <a:r>
-              <a:rPr lang="en-US" b="1" dirty="0" smtClean="0">
-                <a:solidFill>
-                  <a:srgbClr val="FF0000"/>
-                </a:solidFill>
-              </a:rPr>
-              <a:t>Error handling</a:t>
-            </a:r>
-          </a:p>
-          <a:p>
-            <a:r>
-              <a:rPr lang="en-US" b="1" dirty="0" smtClean="0">
-                <a:solidFill>
-                  <a:srgbClr val="FF0000"/>
-                </a:solidFill>
-              </a:rPr>
-              <a:t>Testing Parallel Code</a:t>
-            </a:r>
-          </a:p>
-          <a:p>
-            <a:r>
-              <a:rPr lang="en-US" b="1" dirty="0" smtClean="0">
-                <a:solidFill>
-                  <a:srgbClr val="FF0000"/>
-                </a:solidFill>
-              </a:rPr>
-              <a:t>F# Examples</a:t>
-            </a:r>
-          </a:p>
-          <a:p>
-            <a:r>
-              <a:rPr lang="en-US" b="1" dirty="0" smtClean="0">
-                <a:solidFill>
-                  <a:srgbClr val="FF0000"/>
-                </a:solidFill>
-              </a:rPr>
-              <a:t>GPU (</a:t>
-            </a:r>
-            <a:r>
-              <a:rPr lang="en-US" b="1" dirty="0" err="1" smtClean="0">
-                <a:solidFill>
-                  <a:srgbClr val="FF0000"/>
-                </a:solidFill>
-              </a:rPr>
-              <a:t>Cuda</a:t>
-            </a:r>
-            <a:r>
-              <a:rPr lang="en-US" b="1" dirty="0" smtClean="0">
-                <a:solidFill>
-                  <a:srgbClr val="FF0000"/>
-                </a:solidFill>
-              </a:rPr>
-              <a:t> / </a:t>
-            </a:r>
-            <a:r>
-              <a:rPr lang="en-US" b="1" dirty="0" err="1" smtClean="0">
-                <a:solidFill>
-                  <a:srgbClr val="FF0000"/>
-                </a:solidFill>
-              </a:rPr>
-              <a:t>OpenCL</a:t>
-            </a:r>
-            <a:r>
-              <a:rPr lang="en-US" b="1" dirty="0" smtClean="0">
-                <a:solidFill>
-                  <a:srgbClr val="FF0000"/>
-                </a:solidFill>
-              </a:rPr>
-              <a:t>) Examples</a:t>
-            </a:r>
-          </a:p>
-          <a:p>
-            <a:endParaRPr lang="en-US" dirty="0" smtClean="0"/>
-          </a:p>
-          <a:p>
+              <a:t>:  Having many more or fewer threads running than available underutilized cores.</a:t>
+            </a:r>
             <a:endParaRPr lang="en-US" dirty="0"/>
           </a:p>
         </p:txBody>
@@ -16132,20 +13743,13 @@
     </p:spTree>
     <p:extLst>
       <p:ext uri="{BB962C8B-B14F-4D97-AF65-F5344CB8AC3E}">
-        <p14:creationId xmlns:p14="http://schemas.microsoft.com/office/powerpoint/2010/main" val="960250843"/>
+        <p14:creationId xmlns:p14="http://schemas.microsoft.com/office/powerpoint/2010/main" val="2880399272"/>
       </p:ext>
     </p:extLst>
   </p:cSld>
   <p:clrMapOvr>
     <a:masterClrMapping/>
   </p:clrMapOvr>
-  <p:timing>
-    <p:tnLst>
-      <p:par>
-        <p:cTn id="1" dur="indefinite" restart="never" nodeType="tmRoot"/>
-      </p:par>
-    </p:tnLst>
-  </p:timing>
 </p:sld>
 </file>
 
@@ -16185,7 +13789,7 @@
           <a:p>
             <a:r>
               <a:rPr lang="en-US" dirty="0" smtClean="0"/>
-              <a:t>Sarcasm Joke</a:t>
+              <a:t>Recursion Joke</a:t>
             </a:r>
             <a:endParaRPr lang="en-US" dirty="0"/>
           </a:p>
@@ -16212,12 +13816,8 @@
               <a:buNone/>
             </a:pPr>
             <a:r>
-              <a:rPr lang="en-US" dirty="0"/>
-              <a:t>An MIT linguistics professor was lecturing his class the other </a:t>
-            </a:r>
-            <a:r>
               <a:rPr lang="en-US" dirty="0" smtClean="0"/>
-              <a:t>day…</a:t>
+              <a:t>What does the “B” in Benoit B. Mandelbrot stand for?</a:t>
             </a:r>
             <a:endParaRPr lang="en-US" dirty="0"/>
           </a:p>
@@ -16226,7 +13826,7 @@
     </p:spTree>
     <p:extLst>
       <p:ext uri="{BB962C8B-B14F-4D97-AF65-F5344CB8AC3E}">
-        <p14:creationId xmlns:p14="http://schemas.microsoft.com/office/powerpoint/2010/main" val="2481591714"/>
+        <p14:creationId xmlns:p14="http://schemas.microsoft.com/office/powerpoint/2010/main" val="3778818798"/>
       </p:ext>
     </p:extLst>
   </p:cSld>
@@ -16278,8 +13878,8 @@
           <a:lstStyle/>
           <a:p>
             <a:r>
-              <a:rPr lang="en-US" smtClean="0"/>
-              <a:t>Eric Burcham</a:t>
+              <a:rPr lang="en-US" dirty="0" smtClean="0"/>
+              <a:t>Overview</a:t>
             </a:r>
             <a:endParaRPr lang="en-US" dirty="0"/>
           </a:p>
@@ -16295,137 +13895,77 @@
             <p:ph idx="1"/>
           </p:nvPr>
         </p:nvSpPr>
-        <p:spPr>
-          <a:xfrm>
-            <a:off x="1114425" y="1269802"/>
-            <a:ext cx="4629150" cy="2819103"/>
-          </a:xfrm>
-        </p:spPr>
+        <p:spPr/>
         <p:txBody>
           <a:bodyPr>
-            <a:normAutofit fontScale="85000" lnSpcReduction="20000"/>
+            <a:normAutofit/>
           </a:bodyPr>
           <a:lstStyle/>
           <a:p>
-            <a:pPr marL="0" indent="0">
-              <a:buNone/>
-            </a:pPr>
-            <a:r>
-              <a:rPr lang="en-US" b="1" dirty="0" smtClean="0"/>
-              <a:t>Likes</a:t>
-            </a:r>
-          </a:p>
-          <a:p>
-            <a:pPr>
-              <a:buFont typeface="Arial" panose="020B0604020202020204" pitchFamily="34" charset="0"/>
-              <a:buChar char="•"/>
-            </a:pPr>
             <a:r>
               <a:rPr lang="en-US" dirty="0" smtClean="0"/>
-              <a:t>Dogs</a:t>
-            </a:r>
-          </a:p>
-          <a:p>
-            <a:pPr>
-              <a:buFont typeface="Arial" panose="020B0604020202020204" pitchFamily="34" charset="0"/>
-              <a:buChar char="•"/>
-            </a:pPr>
+              <a:t>Lots of bad jokes (I can’t help it).</a:t>
+            </a:r>
+          </a:p>
+          <a:p>
             <a:r>
               <a:rPr lang="en-US" dirty="0" smtClean="0"/>
-              <a:t>Most people</a:t>
-            </a:r>
-          </a:p>
-          <a:p>
-            <a:pPr>
-              <a:buFont typeface="Arial" panose="020B0604020202020204" pitchFamily="34" charset="0"/>
-              <a:buChar char="•"/>
-            </a:pPr>
+              <a:t>When to use threads.</a:t>
+            </a:r>
+          </a:p>
+          <a:p>
             <a:r>
               <a:rPr lang="en-US" dirty="0" smtClean="0"/>
-              <a:t>Telling bad jokes</a:t>
-            </a:r>
-          </a:p>
-          <a:p>
-            <a:pPr>
-              <a:buFont typeface="Arial" panose="020B0604020202020204" pitchFamily="34" charset="0"/>
-              <a:buChar char="•"/>
-            </a:pPr>
+              <a:t>Basics of multi-threading in </a:t>
+            </a:r>
+            <a:r>
+              <a:rPr lang="en-US" dirty="0" err="1" smtClean="0"/>
+              <a:t>.Net</a:t>
+            </a:r>
+            <a:endParaRPr lang="en-US" dirty="0" smtClean="0"/>
+          </a:p>
+          <a:p>
             <a:r>
               <a:rPr lang="en-US" dirty="0" smtClean="0"/>
-              <a:t>The words “bro” and “totally.”  I’m not kidding.</a:t>
-            </a:r>
-          </a:p>
-          <a:p>
-            <a:pPr>
-              <a:buFont typeface="Arial" panose="020B0604020202020204" pitchFamily="34" charset="0"/>
-              <a:buChar char="•"/>
-            </a:pPr>
-            <a:r>
-              <a:rPr lang="en-US" dirty="0"/>
-              <a:t>¡ɹ0x0q ɹn0ʎ 9u!ʞɔ@ɥ</a:t>
-            </a:r>
-          </a:p>
-          <a:p>
-            <a:pPr marL="0" indent="0">
-              <a:buNone/>
-            </a:pPr>
-            <a:endParaRPr lang="en-US" b="1" dirty="0" smtClean="0"/>
-          </a:p>
-          <a:p>
-            <a:pPr marL="0" indent="0">
-              <a:buNone/>
-            </a:pPr>
-            <a:r>
-              <a:rPr lang="en-US" b="1" dirty="0" smtClean="0"/>
-              <a:t>Dislikes</a:t>
-            </a:r>
-          </a:p>
-          <a:p>
-            <a:pPr>
-              <a:buFont typeface="Arial" panose="020B0604020202020204" pitchFamily="34" charset="0"/>
-              <a:buChar char="•"/>
-            </a:pPr>
+              <a:t>Multi-threaded programming patterns</a:t>
+            </a:r>
+          </a:p>
+          <a:p>
             <a:r>
               <a:rPr lang="en-US" dirty="0" smtClean="0"/>
-              <a:t>Dog hair</a:t>
-            </a:r>
-          </a:p>
-          <a:p>
-            <a:pPr>
-              <a:buFont typeface="Arial" panose="020B0604020202020204" pitchFamily="34" charset="0"/>
-              <a:buChar char="•"/>
-            </a:pPr>
+              <a:t>Parallel </a:t>
+            </a:r>
+            <a:r>
+              <a:rPr lang="en-US" dirty="0" err="1" smtClean="0"/>
+              <a:t>Linq</a:t>
+            </a:r>
+            <a:endParaRPr lang="en-US" dirty="0" smtClean="0"/>
+          </a:p>
+          <a:p>
             <a:r>
               <a:rPr lang="en-US" dirty="0" smtClean="0"/>
-              <a:t>A few people</a:t>
-            </a:r>
-          </a:p>
-          <a:p>
-            <a:pPr>
-              <a:buFont typeface="Arial" panose="020B0604020202020204" pitchFamily="34" charset="0"/>
-              <a:buChar char="•"/>
-            </a:pPr>
+              <a:t>Task Parallel Library</a:t>
+            </a:r>
+          </a:p>
+          <a:p>
+            <a:r>
+              <a:rPr lang="en-US" dirty="0" err="1" smtClean="0"/>
+              <a:t>Async</a:t>
+            </a:r>
             <a:r>
               <a:rPr lang="en-US" dirty="0" smtClean="0"/>
-              <a:t>Telling jokes that don’t work (Happens a LOT)</a:t>
-            </a:r>
-          </a:p>
-          <a:p>
-            <a:pPr>
-              <a:buFont typeface="Arial" panose="020B0604020202020204" pitchFamily="34" charset="0"/>
-              <a:buChar char="•"/>
-            </a:pPr>
-            <a:r>
-              <a:rPr lang="en-US" dirty="0" smtClean="0"/>
-              <a:t>Making lists of stuff</a:t>
-            </a:r>
+              <a:t> Controllers (and why they matter)</a:t>
+            </a:r>
+          </a:p>
+          <a:p>
+            <a:endParaRPr lang="en-US" dirty="0"/>
           </a:p>
         </p:txBody>
       </p:sp>
     </p:spTree>
     <p:extLst>
       <p:ext uri="{BB962C8B-B14F-4D97-AF65-F5344CB8AC3E}">
-        <p14:creationId xmlns:p14="http://schemas.microsoft.com/office/powerpoint/2010/main" val="2708422358"/>
+        <p14:creationId xmlns:p14="http://schemas.microsoft.com/office/powerpoint/2010/main" val="2696668645"/>
       </p:ext>
     </p:extLst>
   </p:cSld>
@@ -16478,402 +14018,6 @@
           <a:p>
             <a:r>
               <a:rPr lang="en-US" dirty="0" smtClean="0"/>
-              <a:t>Parallel Design Patterns</a:t>
-            </a:r>
-            <a:endParaRPr lang="en-US" dirty="0"/>
-          </a:p>
-        </p:txBody>
-      </p:sp>
-      <p:sp>
-        <p:nvSpPr>
-          <p:cNvPr id="3" name="Content Placeholder 2"/>
-          <p:cNvSpPr>
-            <a:spLocks noGrp="1"/>
-          </p:cNvSpPr>
-          <p:nvPr>
-            <p:ph idx="1"/>
-          </p:nvPr>
-        </p:nvSpPr>
-        <p:spPr/>
-        <p:txBody>
-          <a:bodyPr/>
-          <a:lstStyle/>
-          <a:p>
-            <a:r>
-              <a:rPr lang="en-US" dirty="0" smtClean="0"/>
-              <a:t>Parallel Loops</a:t>
-            </a:r>
-          </a:p>
-          <a:p>
-            <a:r>
-              <a:rPr lang="en-US" dirty="0" smtClean="0"/>
-              <a:t>Parallel Tasks</a:t>
-            </a:r>
-          </a:p>
-          <a:p>
-            <a:r>
-              <a:rPr lang="en-US" dirty="0" smtClean="0"/>
-              <a:t>Parallel Aggregation</a:t>
-            </a:r>
-          </a:p>
-          <a:p>
-            <a:r>
-              <a:rPr lang="en-US" dirty="0" smtClean="0"/>
-              <a:t>Futures (Task Graph)</a:t>
-            </a:r>
-          </a:p>
-          <a:p>
-            <a:r>
-              <a:rPr lang="en-US" dirty="0" smtClean="0"/>
-              <a:t>Pipelines</a:t>
-            </a:r>
-          </a:p>
-        </p:txBody>
-      </p:sp>
-    </p:spTree>
-    <p:extLst>
-      <p:ext uri="{BB962C8B-B14F-4D97-AF65-F5344CB8AC3E}">
-        <p14:creationId xmlns:p14="http://schemas.microsoft.com/office/powerpoint/2010/main" val="1197900658"/>
-      </p:ext>
-    </p:extLst>
-  </p:cSld>
-  <p:clrMapOvr>
-    <a:masterClrMapping/>
-  </p:clrMapOvr>
-  <p:timing>
-    <p:tnLst>
-      <p:par>
-        <p:cTn id="1" dur="indefinite" restart="never" nodeType="tmRoot"/>
-      </p:par>
-    </p:tnLst>
-  </p:timing>
-</p:sld>
-</file>
-
-<file path=ppt/slides/slide21.xml><?xml version="1.0" encoding="utf-8"?>
-<p:sld xmlns:a="http://schemas.openxmlformats.org/drawingml/2006/main" xmlns:r="http://schemas.openxmlformats.org/officeDocument/2006/relationships" xmlns:p="http://schemas.openxmlformats.org/presentationml/2006/main">
-  <p:cSld>
-    <p:spTree>
-      <p:nvGrpSpPr>
-        <p:cNvPr id="1" name=""/>
-        <p:cNvGrpSpPr/>
-        <p:nvPr/>
-      </p:nvGrpSpPr>
-      <p:grpSpPr>
-        <a:xfrm>
-          <a:off x="0" y="0"/>
-          <a:ext cx="0" cy="0"/>
-          <a:chOff x="0" y="0"/>
-          <a:chExt cx="0" cy="0"/>
-        </a:xfrm>
-      </p:grpSpPr>
-      <p:sp>
-        <p:nvSpPr>
-          <p:cNvPr id="2" name="Title 1"/>
-          <p:cNvSpPr>
-            <a:spLocks noGrp="1"/>
-          </p:cNvSpPr>
-          <p:nvPr>
-            <p:ph type="title"/>
-          </p:nvPr>
-        </p:nvSpPr>
-        <p:spPr/>
-        <p:txBody>
-          <a:bodyPr>
-            <a:normAutofit/>
-          </a:bodyPr>
-          <a:lstStyle/>
-          <a:p>
-            <a:r>
-              <a:rPr lang="en-US" dirty="0" smtClean="0"/>
-              <a:t>Parallel Loops</a:t>
-            </a:r>
-            <a:endParaRPr lang="en-US" dirty="0"/>
-          </a:p>
-        </p:txBody>
-      </p:sp>
-      <p:sp>
-        <p:nvSpPr>
-          <p:cNvPr id="3" name="Content Placeholder 2"/>
-          <p:cNvSpPr>
-            <a:spLocks noGrp="1"/>
-          </p:cNvSpPr>
-          <p:nvPr>
-            <p:ph idx="1"/>
-          </p:nvPr>
-        </p:nvSpPr>
-        <p:spPr/>
-        <p:txBody>
-          <a:bodyPr/>
-          <a:lstStyle/>
-          <a:p>
-            <a:r>
-              <a:rPr lang="en-US" dirty="0" smtClean="0"/>
-              <a:t>Perform the same independent operation on each element of a collection or for a fixed number of iterations.</a:t>
-            </a:r>
-          </a:p>
-          <a:p>
-            <a:r>
-              <a:rPr lang="en-US" dirty="0" smtClean="0"/>
-              <a:t>Steps are independent if they don’t write to memory locations, files, or other resources that are used by other steps.</a:t>
-            </a:r>
-          </a:p>
-          <a:p>
-            <a:endParaRPr lang="en-US" dirty="0"/>
-          </a:p>
-        </p:txBody>
-      </p:sp>
-    </p:spTree>
-    <p:extLst>
-      <p:ext uri="{BB962C8B-B14F-4D97-AF65-F5344CB8AC3E}">
-        <p14:creationId xmlns:p14="http://schemas.microsoft.com/office/powerpoint/2010/main" val="2861235052"/>
-      </p:ext>
-    </p:extLst>
-  </p:cSld>
-  <p:clrMapOvr>
-    <a:masterClrMapping/>
-  </p:clrMapOvr>
-</p:sld>
-</file>
-
-<file path=ppt/slides/slide22.xml><?xml version="1.0" encoding="utf-8"?>
-<p:sld xmlns:a="http://schemas.openxmlformats.org/drawingml/2006/main" xmlns:r="http://schemas.openxmlformats.org/officeDocument/2006/relationships" xmlns:p="http://schemas.openxmlformats.org/presentationml/2006/main">
-  <p:cSld>
-    <p:spTree>
-      <p:nvGrpSpPr>
-        <p:cNvPr id="1" name=""/>
-        <p:cNvGrpSpPr/>
-        <p:nvPr/>
-      </p:nvGrpSpPr>
-      <p:grpSpPr>
-        <a:xfrm>
-          <a:off x="0" y="0"/>
-          <a:ext cx="0" cy="0"/>
-          <a:chOff x="0" y="0"/>
-          <a:chExt cx="0" cy="0"/>
-        </a:xfrm>
-      </p:grpSpPr>
-      <p:sp>
-        <p:nvSpPr>
-          <p:cNvPr id="2" name="Title 1"/>
-          <p:cNvSpPr>
-            <a:spLocks noGrp="1"/>
-          </p:cNvSpPr>
-          <p:nvPr>
-            <p:ph type="title"/>
-          </p:nvPr>
-        </p:nvSpPr>
-        <p:spPr/>
-        <p:txBody>
-          <a:bodyPr>
-            <a:normAutofit/>
-          </a:bodyPr>
-          <a:lstStyle/>
-          <a:p>
-            <a:r>
-              <a:rPr lang="en-US" dirty="0" smtClean="0"/>
-              <a:t>Anti-Patterns</a:t>
-            </a:r>
-            <a:endParaRPr lang="en-US" dirty="0"/>
-          </a:p>
-        </p:txBody>
-      </p:sp>
-      <p:sp>
-        <p:nvSpPr>
-          <p:cNvPr id="3" name="Content Placeholder 2"/>
-          <p:cNvSpPr>
-            <a:spLocks noGrp="1"/>
-          </p:cNvSpPr>
-          <p:nvPr>
-            <p:ph idx="1"/>
-          </p:nvPr>
-        </p:nvSpPr>
-        <p:spPr/>
-        <p:txBody>
-          <a:bodyPr/>
-          <a:lstStyle/>
-          <a:p>
-            <a:r>
-              <a:rPr lang="en-US" b="1" dirty="0" smtClean="0"/>
-              <a:t>Step size != 1</a:t>
-            </a:r>
-            <a:r>
-              <a:rPr lang="en-US" dirty="0" smtClean="0"/>
-              <a:t>:  Often indicates data-dependency.</a:t>
-            </a:r>
-          </a:p>
-          <a:p>
-            <a:r>
-              <a:rPr lang="en-US" b="1" dirty="0" smtClean="0"/>
-              <a:t>Hidden loop body dependencies</a:t>
-            </a:r>
-            <a:r>
-              <a:rPr lang="en-US" dirty="0" smtClean="0"/>
-              <a:t>:  Don’t try to share instances that are not thread-safe, for example.  Random is a culprit in one of my examples.</a:t>
-            </a:r>
-          </a:p>
-          <a:p>
-            <a:r>
-              <a:rPr lang="en-US" b="1" dirty="0" smtClean="0"/>
-              <a:t>Small loop bodies with few iterations</a:t>
-            </a:r>
-            <a:r>
-              <a:rPr lang="en-US" dirty="0" smtClean="0"/>
-              <a:t>:  You won’t get enough performance improvement to justify the complexity.</a:t>
-            </a:r>
-          </a:p>
-          <a:p>
-            <a:r>
-              <a:rPr lang="en-US" b="1" dirty="0" smtClean="0"/>
-              <a:t>Processor over/under subscription</a:t>
-            </a:r>
-            <a:r>
-              <a:rPr lang="en-US" dirty="0" smtClean="0"/>
-              <a:t>:  Having many more or fewer threads running than available underutilized cores.</a:t>
-            </a:r>
-            <a:endParaRPr lang="en-US" dirty="0"/>
-          </a:p>
-        </p:txBody>
-      </p:sp>
-    </p:spTree>
-    <p:extLst>
-      <p:ext uri="{BB962C8B-B14F-4D97-AF65-F5344CB8AC3E}">
-        <p14:creationId xmlns:p14="http://schemas.microsoft.com/office/powerpoint/2010/main" val="2880399272"/>
-      </p:ext>
-    </p:extLst>
-  </p:cSld>
-  <p:clrMapOvr>
-    <a:masterClrMapping/>
-  </p:clrMapOvr>
-</p:sld>
-</file>
-
-<file path=ppt/slides/slide23.xml><?xml version="1.0" encoding="utf-8"?>
-<p:sld xmlns:a="http://schemas.openxmlformats.org/drawingml/2006/main" xmlns:r="http://schemas.openxmlformats.org/officeDocument/2006/relationships" xmlns:p="http://schemas.openxmlformats.org/presentationml/2006/main">
-  <p:cSld>
-    <p:spTree>
-      <p:nvGrpSpPr>
-        <p:cNvPr id="1" name=""/>
-        <p:cNvGrpSpPr/>
-        <p:nvPr/>
-      </p:nvGrpSpPr>
-      <p:grpSpPr>
-        <a:xfrm>
-          <a:off x="0" y="0"/>
-          <a:ext cx="0" cy="0"/>
-          <a:chOff x="0" y="0"/>
-          <a:chExt cx="0" cy="0"/>
-        </a:xfrm>
-      </p:grpSpPr>
-      <p:sp>
-        <p:nvSpPr>
-          <p:cNvPr id="2" name="Title 1"/>
-          <p:cNvSpPr>
-            <a:spLocks noGrp="1"/>
-          </p:cNvSpPr>
-          <p:nvPr>
-            <p:ph type="title"/>
-          </p:nvPr>
-        </p:nvSpPr>
-        <p:spPr/>
-        <p:txBody>
-          <a:bodyPr>
-            <a:normAutofit/>
-          </a:bodyPr>
-          <a:lstStyle/>
-          <a:p>
-            <a:r>
-              <a:rPr lang="en-US" dirty="0" smtClean="0"/>
-              <a:t>Recursion Joke</a:t>
-            </a:r>
-            <a:endParaRPr lang="en-US" dirty="0"/>
-          </a:p>
-        </p:txBody>
-      </p:sp>
-      <p:sp>
-        <p:nvSpPr>
-          <p:cNvPr id="3" name="Content Placeholder 2"/>
-          <p:cNvSpPr>
-            <a:spLocks noGrp="1"/>
-          </p:cNvSpPr>
-          <p:nvPr>
-            <p:ph idx="1"/>
-          </p:nvPr>
-        </p:nvSpPr>
-        <p:spPr/>
-        <p:txBody>
-          <a:bodyPr>
-            <a:normAutofit/>
-          </a:bodyPr>
-          <a:lstStyle/>
-          <a:p>
-            <a:pPr marL="0" indent="0">
-              <a:buNone/>
-            </a:pPr>
-            <a:r>
-              <a:rPr lang="en-US" dirty="0" smtClean="0"/>
-              <a:t>What does the “B” in Benoit B. Mandelbrot stand for?</a:t>
-            </a:r>
-            <a:endParaRPr lang="en-US" dirty="0"/>
-          </a:p>
-        </p:txBody>
-      </p:sp>
-    </p:spTree>
-    <p:extLst>
-      <p:ext uri="{BB962C8B-B14F-4D97-AF65-F5344CB8AC3E}">
-        <p14:creationId xmlns:p14="http://schemas.microsoft.com/office/powerpoint/2010/main" val="3778818798"/>
-      </p:ext>
-    </p:extLst>
-  </p:cSld>
-  <p:clrMapOvr>
-    <a:masterClrMapping/>
-  </p:clrMapOvr>
-  <p:timing>
-    <p:tnLst>
-      <p:par>
-        <p:cTn id="1" dur="indefinite" restart="never" nodeType="tmRoot"/>
-      </p:par>
-    </p:tnLst>
-  </p:timing>
-</p:sld>
-</file>
-
-<file path=ppt/slides/slide24.xml><?xml version="1.0" encoding="utf-8"?>
-<p:sld xmlns:a="http://schemas.openxmlformats.org/drawingml/2006/main" xmlns:r="http://schemas.openxmlformats.org/officeDocument/2006/relationships" xmlns:p="http://schemas.openxmlformats.org/presentationml/2006/main">
-  <p:cSld>
-    <p:spTree>
-      <p:nvGrpSpPr>
-        <p:cNvPr id="1" name=""/>
-        <p:cNvGrpSpPr/>
-        <p:nvPr/>
-      </p:nvGrpSpPr>
-      <p:grpSpPr>
-        <a:xfrm>
-          <a:off x="0" y="0"/>
-          <a:ext cx="0" cy="0"/>
-          <a:chOff x="0" y="0"/>
-          <a:chExt cx="0" cy="0"/>
-        </a:xfrm>
-      </p:grpSpPr>
-      <p:sp>
-        <p:nvSpPr>
-          <p:cNvPr id="2" name="Title 1"/>
-          <p:cNvSpPr>
-            <a:spLocks noGrp="1"/>
-          </p:cNvSpPr>
-          <p:nvPr>
-            <p:ph type="title"/>
-          </p:nvPr>
-        </p:nvSpPr>
-        <p:spPr/>
-        <p:txBody>
-          <a:bodyPr>
-            <a:normAutofit/>
-          </a:bodyPr>
-          <a:lstStyle/>
-          <a:p>
-            <a:r>
-              <a:rPr lang="en-US" dirty="0" smtClean="0"/>
               <a:t>Parallel Tasks (Fork/Join, Master/Worker, Etc…)</a:t>
             </a:r>
             <a:endParaRPr lang="en-US" dirty="0"/>
@@ -16934,7 +14078,7 @@
 </p:sld>
 </file>
 
-<file path=ppt/slides/slide25.xml><?xml version="1.0" encoding="utf-8"?>
+<file path=ppt/slides/slide21.xml><?xml version="1.0" encoding="utf-8"?>
 <p:sld xmlns:a="http://schemas.openxmlformats.org/drawingml/2006/main" xmlns:r="http://schemas.openxmlformats.org/officeDocument/2006/relationships" xmlns:p="http://schemas.openxmlformats.org/presentationml/2006/main">
   <p:cSld>
     <p:spTree>
@@ -17381,7 +14525,7 @@
 </p:sld>
 </file>
 
-<file path=ppt/slides/slide26.xml><?xml version="1.0" encoding="utf-8"?>
+<file path=ppt/slides/slide22.xml><?xml version="1.0" encoding="utf-8"?>
 <p:sld xmlns:a="http://schemas.openxmlformats.org/drawingml/2006/main" xmlns:r="http://schemas.openxmlformats.org/officeDocument/2006/relationships" xmlns:p="http://schemas.openxmlformats.org/presentationml/2006/main">
   <p:cSld>
     <p:spTree>
@@ -17489,7 +14633,7 @@
 </p:sld>
 </file>
 
-<file path=ppt/slides/slide27.xml><?xml version="1.0" encoding="utf-8"?>
+<file path=ppt/slides/slide23.xml><?xml version="1.0" encoding="utf-8"?>
 <p:sld xmlns:a="http://schemas.openxmlformats.org/drawingml/2006/main" xmlns:r="http://schemas.openxmlformats.org/officeDocument/2006/relationships" xmlns:p="http://schemas.openxmlformats.org/presentationml/2006/main">
   <p:cSld>
     <p:spTree>
@@ -17578,7 +14722,7 @@
 </p:sld>
 </file>
 
-<file path=ppt/slides/slide28.xml><?xml version="1.0" encoding="utf-8"?>
+<file path=ppt/slides/slide24.xml><?xml version="1.0" encoding="utf-8"?>
 <p:sld xmlns:a="http://schemas.openxmlformats.org/drawingml/2006/main" xmlns:r="http://schemas.openxmlformats.org/officeDocument/2006/relationships" xmlns:p="http://schemas.openxmlformats.org/presentationml/2006/main">
   <p:cSld>
     <p:spTree>
@@ -17732,7 +14876,7 @@
 </p:sld>
 </file>
 
-<file path=ppt/slides/slide29.xml><?xml version="1.0" encoding="utf-8"?>
+<file path=ppt/slides/slide25.xml><?xml version="1.0" encoding="utf-8"?>
 <p:sld xmlns:a="http://schemas.openxmlformats.org/drawingml/2006/main" xmlns:r="http://schemas.openxmlformats.org/officeDocument/2006/relationships" xmlns:p="http://schemas.openxmlformats.org/presentationml/2006/main">
   <p:cSld>
     <p:spTree>
@@ -18185,7 +15329,7 @@
 </p:sld>
 </file>
 
-<file path=ppt/slides/slide3.xml><?xml version="1.0" encoding="utf-8"?>
+<file path=ppt/slides/slide26.xml><?xml version="1.0" encoding="utf-8"?>
 <p:sld xmlns:a="http://schemas.openxmlformats.org/drawingml/2006/main" xmlns:r="http://schemas.openxmlformats.org/officeDocument/2006/relationships" xmlns:p="http://schemas.openxmlformats.org/presentationml/2006/main">
   <p:cSld>
     <p:spTree>
@@ -18221,7 +15365,7 @@
           <a:p>
             <a:r>
               <a:rPr lang="en-US" dirty="0" smtClean="0"/>
-              <a:t>I’m an Improver</a:t>
+              <a:t>Lame Joke</a:t>
             </a:r>
             <a:endParaRPr lang="en-US" dirty="0"/>
           </a:p>
@@ -18237,142 +15381,21 @@
             <p:ph idx="1"/>
           </p:nvPr>
         </p:nvSpPr>
-        <p:spPr>
-          <a:ln>
-            <a:noFill/>
-          </a:ln>
-        </p:spPr>
+        <p:spPr/>
         <p:txBody>
-          <a:bodyPr>
-            <a:normAutofit/>
-          </a:bodyPr>
+          <a:bodyPr/>
           <a:lstStyle/>
           <a:p>
-            <a:r>
-              <a:rPr lang="en-US" sz="1575" dirty="0"/>
-              <a:t>Principal Consultant with Improving Enterprises</a:t>
-            </a:r>
-          </a:p>
-          <a:p>
-            <a:r>
-              <a:rPr lang="en-US" sz="1575" dirty="0"/>
-              <a:t>We’re hiring (Attitude and Aptitude)</a:t>
-            </a:r>
-          </a:p>
-          <a:p>
-            <a:r>
-              <a:rPr lang="en-US" sz="1575" dirty="0"/>
-              <a:t>You should totally call me, bro:  </a:t>
-            </a:r>
-            <a:r>
-              <a:rPr lang="en-US" sz="1575" b="1" dirty="0"/>
-              <a:t>214-578-9217</a:t>
-            </a:r>
-          </a:p>
-          <a:p>
-            <a:r>
-              <a:rPr lang="en-US" sz="1575" dirty="0"/>
-              <a:t>Or email: </a:t>
-            </a:r>
-            <a:r>
-              <a:rPr lang="en-US" sz="1575" b="1" dirty="0">
-                <a:hlinkClick r:id="rId2"/>
-              </a:rPr>
-              <a:t>eric.burcham@improvingenterprises.com</a:t>
-            </a:r>
-            <a:endParaRPr lang="en-US" sz="1575" b="1" dirty="0"/>
-          </a:p>
-          <a:p>
-            <a:r>
-              <a:rPr lang="en-US" sz="1575" dirty="0"/>
-              <a:t>We have a website: </a:t>
-            </a:r>
-            <a:r>
-              <a:rPr lang="en-US" sz="1575" b="1" dirty="0">
-                <a:hlinkClick r:id="rId3"/>
-              </a:rPr>
-              <a:t>www.improvingenterprises.com</a:t>
-            </a:r>
-            <a:endParaRPr lang="en-US" sz="1575" b="1" dirty="0"/>
-          </a:p>
-          <a:p>
-            <a:endParaRPr lang="en-US" sz="1575" dirty="0"/>
-          </a:p>
-        </p:txBody>
-      </p:sp>
-      <p:pic>
-        <p:nvPicPr>
-          <p:cNvPr id="4" name="Picture 3"/>
-          <p:cNvPicPr>
-            <a:picLocks noChangeAspect="1"/>
-          </p:cNvPicPr>
-          <p:nvPr/>
-        </p:nvPicPr>
-        <p:blipFill>
-          <a:blip r:embed="rId4"/>
-          <a:stretch>
-            <a:fillRect/>
-          </a:stretch>
-        </p:blipFill>
-        <p:spPr>
-          <a:xfrm>
-            <a:off x="3742404" y="3255231"/>
-            <a:ext cx="2001173" cy="833674"/>
-          </a:xfrm>
-          <a:prstGeom prst="rect">
-            <a:avLst/>
-          </a:prstGeom>
-          <a:ln>
-            <a:solidFill>
-              <a:schemeClr val="tx1"/>
-            </a:solidFill>
-          </a:ln>
-          <a:effectLst>
-            <a:outerShdw blurRad="50800" dist="38100" dir="2700000" algn="tl" rotWithShape="0">
-              <a:prstClr val="black">
-                <a:alpha val="40000"/>
-              </a:prstClr>
-            </a:outerShdw>
-          </a:effectLst>
-        </p:spPr>
-      </p:pic>
-      <p:sp>
-        <p:nvSpPr>
-          <p:cNvPr id="6" name="Right Arrow 5"/>
-          <p:cNvSpPr/>
-          <p:nvPr/>
-        </p:nvSpPr>
-        <p:spPr>
-          <a:xfrm>
-            <a:off x="1394995" y="3255231"/>
-            <a:ext cx="2194445" cy="833674"/>
-          </a:xfrm>
-          <a:prstGeom prst="rightArrow">
-            <a:avLst/>
-          </a:prstGeom>
-        </p:spPr>
-        <p:style>
-          <a:lnRef idx="1">
-            <a:schemeClr val="accent2"/>
-          </a:lnRef>
-          <a:fillRef idx="3">
-            <a:schemeClr val="accent2"/>
-          </a:fillRef>
-          <a:effectRef idx="2">
-            <a:schemeClr val="accent2"/>
-          </a:effectRef>
-          <a:fontRef idx="minor">
-            <a:schemeClr val="lt1"/>
-          </a:fontRef>
-        </p:style>
-        <p:txBody>
-          <a:bodyPr rtlCol="0" anchor="ctr"/>
-          <a:lstStyle/>
-          <a:p>
-            <a:pPr algn="ctr"/>
-            <a:r>
-              <a:rPr lang="en-US" sz="1013" dirty="0"/>
-              <a:t>Go Now!!!</a:t>
+            <a:pPr marL="0" indent="0">
+              <a:buNone/>
+            </a:pPr>
+            <a:r>
+              <a:rPr lang="en-US" b="1" dirty="0"/>
+              <a:t>Audience Participation</a:t>
+            </a:r>
+            <a:r>
+              <a:rPr lang="en-US" dirty="0"/>
+              <a:t>:  Mr. Curtis Schlak</a:t>
             </a:r>
           </a:p>
         </p:txBody>
@@ -18380,24 +15403,17 @@
     </p:spTree>
     <p:extLst>
       <p:ext uri="{BB962C8B-B14F-4D97-AF65-F5344CB8AC3E}">
-        <p14:creationId xmlns:p14="http://schemas.microsoft.com/office/powerpoint/2010/main" val="3475792369"/>
+        <p14:creationId xmlns:p14="http://schemas.microsoft.com/office/powerpoint/2010/main" val="2718485294"/>
       </p:ext>
     </p:extLst>
   </p:cSld>
   <p:clrMapOvr>
     <a:masterClrMapping/>
   </p:clrMapOvr>
-  <p:timing>
-    <p:tnLst>
-      <p:par>
-        <p:cTn id="1" dur="indefinite" restart="never" nodeType="tmRoot"/>
-      </p:par>
-    </p:tnLst>
-  </p:timing>
 </p:sld>
 </file>
 
-<file path=ppt/slides/slide30.xml><?xml version="1.0" encoding="utf-8"?>
+<file path=ppt/slides/slide27.xml><?xml version="1.0" encoding="utf-8"?>
 <p:sld xmlns:a="http://schemas.openxmlformats.org/drawingml/2006/main" xmlns:r="http://schemas.openxmlformats.org/officeDocument/2006/relationships" xmlns:p="http://schemas.openxmlformats.org/presentationml/2006/main">
   <p:cSld>
     <p:spTree>
@@ -18433,90 +15449,6 @@
           <a:p>
             <a:r>
               <a:rPr lang="en-US" dirty="0" smtClean="0"/>
-              <a:t>Lame Joke</a:t>
-            </a:r>
-            <a:endParaRPr lang="en-US" dirty="0"/>
-          </a:p>
-        </p:txBody>
-      </p:sp>
-      <p:sp>
-        <p:nvSpPr>
-          <p:cNvPr id="3" name="Content Placeholder 2"/>
-          <p:cNvSpPr>
-            <a:spLocks noGrp="1"/>
-          </p:cNvSpPr>
-          <p:nvPr>
-            <p:ph idx="1"/>
-          </p:nvPr>
-        </p:nvSpPr>
-        <p:spPr/>
-        <p:txBody>
-          <a:bodyPr/>
-          <a:lstStyle/>
-          <a:p>
-            <a:pPr marL="0" indent="0">
-              <a:buNone/>
-            </a:pPr>
-            <a:r>
-              <a:rPr lang="en-US" b="1" dirty="0"/>
-              <a:t>Audience Participation</a:t>
-            </a:r>
-            <a:r>
-              <a:rPr lang="en-US" dirty="0"/>
-              <a:t>:  Mr. Curtis Schlak</a:t>
-            </a:r>
-          </a:p>
-        </p:txBody>
-      </p:sp>
-    </p:spTree>
-    <p:extLst>
-      <p:ext uri="{BB962C8B-B14F-4D97-AF65-F5344CB8AC3E}">
-        <p14:creationId xmlns:p14="http://schemas.microsoft.com/office/powerpoint/2010/main" val="2718485294"/>
-      </p:ext>
-    </p:extLst>
-  </p:cSld>
-  <p:clrMapOvr>
-    <a:masterClrMapping/>
-  </p:clrMapOvr>
-</p:sld>
-</file>
-
-<file path=ppt/slides/slide31.xml><?xml version="1.0" encoding="utf-8"?>
-<p:sld xmlns:a="http://schemas.openxmlformats.org/drawingml/2006/main" xmlns:r="http://schemas.openxmlformats.org/officeDocument/2006/relationships" xmlns:p="http://schemas.openxmlformats.org/presentationml/2006/main">
-  <p:cSld>
-    <p:spTree>
-      <p:nvGrpSpPr>
-        <p:cNvPr id="1" name=""/>
-        <p:cNvGrpSpPr/>
-        <p:nvPr/>
-      </p:nvGrpSpPr>
-      <p:grpSpPr>
-        <a:xfrm>
-          <a:off x="0" y="0"/>
-          <a:ext cx="0" cy="0"/>
-          <a:chOff x="0" y="0"/>
-          <a:chExt cx="0" cy="0"/>
-        </a:xfrm>
-      </p:grpSpPr>
-      <p:sp>
-        <p:nvSpPr>
-          <p:cNvPr id="2" name="Title 1"/>
-          <p:cNvSpPr>
-            <a:spLocks noGrp="1"/>
-          </p:cNvSpPr>
-          <p:nvPr>
-            <p:ph type="title"/>
-          </p:nvPr>
-        </p:nvSpPr>
-        <p:spPr/>
-        <p:txBody>
-          <a:bodyPr>
-            <a:normAutofit/>
-          </a:bodyPr>
-          <a:lstStyle/>
-          <a:p>
-            <a:r>
-              <a:rPr lang="en-US" dirty="0" smtClean="0"/>
               <a:t>Futures (Task Graph)</a:t>
             </a:r>
             <a:endParaRPr lang="en-US" dirty="0"/>
@@ -18594,7 +15526,7 @@
 </p:sld>
 </file>
 
-<file path=ppt/slides/slide32.xml><?xml version="1.0" encoding="utf-8"?>
+<file path=ppt/slides/slide28.xml><?xml version="1.0" encoding="utf-8"?>
 <p:sld xmlns:a="http://schemas.openxmlformats.org/drawingml/2006/main" xmlns:r="http://schemas.openxmlformats.org/officeDocument/2006/relationships" xmlns:p="http://schemas.openxmlformats.org/presentationml/2006/main">
   <p:cSld>
     <p:spTree>
@@ -19304,7 +16236,7 @@
 </p:sld>
 </file>
 
-<file path=ppt/slides/slide33.xml><?xml version="1.0" encoding="utf-8"?>
+<file path=ppt/slides/slide29.xml><?xml version="1.0" encoding="utf-8"?>
 <p:sld xmlns:a="http://schemas.openxmlformats.org/drawingml/2006/main" xmlns:r="http://schemas.openxmlformats.org/officeDocument/2006/relationships" xmlns:p="http://schemas.openxmlformats.org/presentationml/2006/main">
   <p:cSld>
     <p:spTree>
@@ -19396,7 +16328,97 @@
 </p:sld>
 </file>
 
-<file path=ppt/slides/slide34.xml><?xml version="1.0" encoding="utf-8"?>
+<file path=ppt/slides/slide3.xml><?xml version="1.0" encoding="utf-8"?>
+<p:sld xmlns:a="http://schemas.openxmlformats.org/drawingml/2006/main" xmlns:r="http://schemas.openxmlformats.org/officeDocument/2006/relationships" xmlns:p="http://schemas.openxmlformats.org/presentationml/2006/main">
+  <p:cSld>
+    <p:spTree>
+      <p:nvGrpSpPr>
+        <p:cNvPr id="1" name=""/>
+        <p:cNvGrpSpPr/>
+        <p:nvPr/>
+      </p:nvGrpSpPr>
+      <p:grpSpPr>
+        <a:xfrm>
+          <a:off x="0" y="0"/>
+          <a:ext cx="0" cy="0"/>
+          <a:chOff x="0" y="0"/>
+          <a:chExt cx="0" cy="0"/>
+        </a:xfrm>
+      </p:grpSpPr>
+      <p:sp>
+        <p:nvSpPr>
+          <p:cNvPr id="2" name="Title 1"/>
+          <p:cNvSpPr>
+            <a:spLocks noGrp="1"/>
+          </p:cNvSpPr>
+          <p:nvPr>
+            <p:ph type="title"/>
+          </p:nvPr>
+        </p:nvSpPr>
+        <p:spPr/>
+        <p:txBody>
+          <a:bodyPr/>
+          <a:lstStyle/>
+          <a:p>
+            <a:r>
+              <a:rPr lang="en-US" dirty="0" smtClean="0"/>
+              <a:t>Go See David Huguet Talk at 2:00!</a:t>
+            </a:r>
+            <a:endParaRPr lang="en-US" dirty="0"/>
+          </a:p>
+        </p:txBody>
+      </p:sp>
+      <p:sp>
+        <p:nvSpPr>
+          <p:cNvPr id="3" name="Content Placeholder 2"/>
+          <p:cNvSpPr>
+            <a:spLocks noGrp="1"/>
+          </p:cNvSpPr>
+          <p:nvPr>
+            <p:ph idx="1"/>
+          </p:nvPr>
+        </p:nvSpPr>
+        <p:spPr/>
+        <p:txBody>
+          <a:bodyPr/>
+          <a:lstStyle/>
+          <a:p>
+            <a:r>
+              <a:rPr lang="en-US" dirty="0" smtClean="0"/>
+              <a:t>This is the white-belt version </a:t>
+            </a:r>
+            <a:r>
+              <a:rPr lang="en-US" b="1" dirty="0" smtClean="0"/>
+              <a:t>(boo!!!)</a:t>
+            </a:r>
+          </a:p>
+          <a:p>
+            <a:r>
+              <a:rPr lang="en-US" dirty="0" smtClean="0"/>
+              <a:t>His is the black-belt version </a:t>
+            </a:r>
+            <a:r>
+              <a:rPr lang="en-US" b="1" dirty="0" smtClean="0"/>
+              <a:t>(YAY!!!)</a:t>
+            </a:r>
+            <a:endParaRPr lang="en-US" b="1" dirty="0"/>
+          </a:p>
+        </p:txBody>
+      </p:sp>
+    </p:spTree>
+    <p:extLst>
+      <p:ext uri="{BB962C8B-B14F-4D97-AF65-F5344CB8AC3E}">
+        <p14:creationId xmlns:p14="http://schemas.microsoft.com/office/powerpoint/2010/main" val="4026656525"/>
+      </p:ext>
+    </p:extLst>
+  </p:cSld>
+  <p:clrMapOvr>
+    <a:masterClrMapping/>
+  </p:clrMapOvr>
+</p:sld>
+</file>
+
+<file path=ppt/slides/slide30.xml><?xml version="1.0" encoding="utf-8"?>
 <p:sld xmlns:a="http://schemas.openxmlformats.org/drawingml/2006/main" xmlns:r="http://schemas.openxmlformats.org/officeDocument/2006/relationships" xmlns:p="http://schemas.openxmlformats.org/presentationml/2006/main">
   <p:cSld>
     <p:spTree>
@@ -19492,7 +16514,7 @@
 </p:sld>
 </file>
 
-<file path=ppt/slides/slide35.xml><?xml version="1.0" encoding="utf-8"?>
+<file path=ppt/slides/slide31.xml><?xml version="1.0" encoding="utf-8"?>
 <p:sld xmlns:a="http://schemas.openxmlformats.org/drawingml/2006/main" xmlns:r="http://schemas.openxmlformats.org/officeDocument/2006/relationships" xmlns:p="http://schemas.openxmlformats.org/presentationml/2006/main">
   <p:cSld>
     <p:spTree>
@@ -20228,6 +17250,443 @@
 </p:sld>
 </file>
 
+<file path=ppt/slides/slide32.xml><?xml version="1.0" encoding="utf-8"?>
+<p:sld xmlns:a="http://schemas.openxmlformats.org/drawingml/2006/main" xmlns:r="http://schemas.openxmlformats.org/officeDocument/2006/relationships" xmlns:p="http://schemas.openxmlformats.org/presentationml/2006/main">
+  <p:cSld>
+    <p:spTree>
+      <p:nvGrpSpPr>
+        <p:cNvPr id="1" name=""/>
+        <p:cNvGrpSpPr/>
+        <p:nvPr/>
+      </p:nvGrpSpPr>
+      <p:grpSpPr>
+        <a:xfrm>
+          <a:off x="0" y="0"/>
+          <a:ext cx="0" cy="0"/>
+          <a:chOff x="0" y="0"/>
+          <a:chExt cx="0" cy="0"/>
+        </a:xfrm>
+      </p:grpSpPr>
+      <p:sp>
+        <p:nvSpPr>
+          <p:cNvPr id="2" name="Title 1"/>
+          <p:cNvSpPr>
+            <a:spLocks noGrp="1"/>
+          </p:cNvSpPr>
+          <p:nvPr>
+            <p:ph type="title"/>
+          </p:nvPr>
+        </p:nvSpPr>
+        <p:spPr/>
+        <p:txBody>
+          <a:bodyPr>
+            <a:normAutofit/>
+          </a:bodyPr>
+          <a:lstStyle/>
+          <a:p>
+            <a:r>
+              <a:rPr lang="en-US" dirty="0" smtClean="0"/>
+              <a:t>Anti-Patterns</a:t>
+            </a:r>
+            <a:endParaRPr lang="en-US" dirty="0"/>
+          </a:p>
+        </p:txBody>
+      </p:sp>
+      <p:sp>
+        <p:nvSpPr>
+          <p:cNvPr id="3" name="Content Placeholder 2"/>
+          <p:cNvSpPr>
+            <a:spLocks noGrp="1"/>
+          </p:cNvSpPr>
+          <p:nvPr>
+            <p:ph idx="1"/>
+          </p:nvPr>
+        </p:nvSpPr>
+        <p:spPr/>
+        <p:txBody>
+          <a:bodyPr>
+            <a:normAutofit fontScale="92500" lnSpcReduction="20000"/>
+          </a:bodyPr>
+          <a:lstStyle/>
+          <a:p>
+            <a:r>
+              <a:rPr lang="en-US" b="1" dirty="0" smtClean="0"/>
+              <a:t>Thread starvation</a:t>
+            </a:r>
+            <a:r>
+              <a:rPr lang="en-US" dirty="0" smtClean="0"/>
+              <a:t>:  If there are not enough threads to run all pipeline tasks, the blocking collections can fill and block indefinitely.</a:t>
+            </a:r>
+          </a:p>
+          <a:p>
+            <a:r>
+              <a:rPr lang="en-US" b="1" dirty="0" smtClean="0"/>
+              <a:t>Infinite blocking collection waits</a:t>
+            </a:r>
+            <a:r>
+              <a:rPr lang="en-US" dirty="0" smtClean="0"/>
+              <a:t>:  If a pipeline task throws an exception, it will no longer take values from its input blocking collection.  If the input collection is full, the task that fills it will block.  Be sure to cancel pipelines if you anticipate this situation.</a:t>
+            </a:r>
+          </a:p>
+          <a:p>
+            <a:r>
+              <a:rPr lang="en-US" b="1" dirty="0" smtClean="0"/>
+              <a:t>Forgetting </a:t>
+            </a:r>
+            <a:r>
+              <a:rPr lang="en-US" b="1" dirty="0" err="1" smtClean="0"/>
+              <a:t>GetConsumingEnumerable</a:t>
+            </a:r>
+            <a:r>
+              <a:rPr lang="en-US" b="1" dirty="0" smtClean="0"/>
+              <a:t>()</a:t>
+            </a:r>
+            <a:r>
+              <a:rPr lang="en-US" dirty="0" smtClean="0"/>
+              <a:t>:  Blocking collections implement </a:t>
+            </a:r>
+            <a:r>
+              <a:rPr lang="en-US" dirty="0" err="1" smtClean="0"/>
+              <a:t>IEnumerable</a:t>
+            </a:r>
+            <a:r>
+              <a:rPr lang="en-US" dirty="0" smtClean="0"/>
+              <a:t>&lt;T&gt;, so this is easy to forget.  If you forget, the enumeration will be a snapshot and won’t consume from the collection.</a:t>
+            </a:r>
+          </a:p>
+          <a:p>
+            <a:r>
+              <a:rPr lang="en-US" b="1" dirty="0" smtClean="0"/>
+              <a:t>Using other flavors of </a:t>
+            </a:r>
+            <a:r>
+              <a:rPr lang="en-US" b="1" dirty="0" err="1" smtClean="0"/>
+              <a:t>IProducerConsumerCollection</a:t>
+            </a:r>
+            <a:r>
+              <a:rPr lang="en-US" b="1" dirty="0" smtClean="0"/>
+              <a:t> for your blocking collections</a:t>
+            </a:r>
+            <a:r>
+              <a:rPr lang="en-US" dirty="0" smtClean="0"/>
+              <a:t>:  </a:t>
+            </a:r>
+            <a:r>
+              <a:rPr lang="en-US" dirty="0" err="1" smtClean="0"/>
+              <a:t>ConcurrentStack</a:t>
+            </a:r>
+            <a:r>
+              <a:rPr lang="en-US" dirty="0" smtClean="0"/>
+              <a:t> may never consume the earliest entries, for examples.</a:t>
+            </a:r>
+            <a:endParaRPr lang="en-US" dirty="0"/>
+          </a:p>
+        </p:txBody>
+      </p:sp>
+    </p:spTree>
+    <p:extLst>
+      <p:ext uri="{BB962C8B-B14F-4D97-AF65-F5344CB8AC3E}">
+        <p14:creationId xmlns:p14="http://schemas.microsoft.com/office/powerpoint/2010/main" val="1549961303"/>
+      </p:ext>
+    </p:extLst>
+  </p:cSld>
+  <p:clrMapOvr>
+    <a:masterClrMapping/>
+  </p:clrMapOvr>
+</p:sld>
+</file>
+
+<file path=ppt/slides/slide33.xml><?xml version="1.0" encoding="utf-8"?>
+<p:sld xmlns:a="http://schemas.openxmlformats.org/drawingml/2006/main" xmlns:r="http://schemas.openxmlformats.org/officeDocument/2006/relationships" xmlns:p="http://schemas.openxmlformats.org/presentationml/2006/main">
+  <p:cSld>
+    <p:spTree>
+      <p:nvGrpSpPr>
+        <p:cNvPr id="1" name=""/>
+        <p:cNvGrpSpPr/>
+        <p:nvPr/>
+      </p:nvGrpSpPr>
+      <p:grpSpPr>
+        <a:xfrm>
+          <a:off x="0" y="0"/>
+          <a:ext cx="0" cy="0"/>
+          <a:chOff x="0" y="0"/>
+          <a:chExt cx="0" cy="0"/>
+        </a:xfrm>
+      </p:grpSpPr>
+      <p:sp>
+        <p:nvSpPr>
+          <p:cNvPr id="2" name="Title 1"/>
+          <p:cNvSpPr>
+            <a:spLocks noGrp="1"/>
+          </p:cNvSpPr>
+          <p:nvPr>
+            <p:ph type="title"/>
+          </p:nvPr>
+        </p:nvSpPr>
+        <p:spPr/>
+        <p:txBody>
+          <a:bodyPr>
+            <a:normAutofit/>
+          </a:bodyPr>
+          <a:lstStyle/>
+          <a:p>
+            <a:r>
+              <a:rPr lang="en-US" dirty="0" smtClean="0"/>
+              <a:t>Lame Joke</a:t>
+            </a:r>
+            <a:endParaRPr lang="en-US" dirty="0"/>
+          </a:p>
+        </p:txBody>
+      </p:sp>
+      <p:sp>
+        <p:nvSpPr>
+          <p:cNvPr id="3" name="Content Placeholder 2"/>
+          <p:cNvSpPr>
+            <a:spLocks noGrp="1"/>
+          </p:cNvSpPr>
+          <p:nvPr>
+            <p:ph idx="1"/>
+          </p:nvPr>
+        </p:nvSpPr>
+        <p:spPr/>
+        <p:txBody>
+          <a:bodyPr/>
+          <a:lstStyle/>
+          <a:p>
+            <a:r>
+              <a:rPr lang="en-US" dirty="0"/>
+              <a:t>Audience Participation</a:t>
+            </a:r>
+            <a:r>
+              <a:rPr lang="en-US" dirty="0" smtClean="0"/>
+              <a:t>!</a:t>
+            </a:r>
+            <a:endParaRPr lang="en-US" dirty="0"/>
+          </a:p>
+        </p:txBody>
+      </p:sp>
+    </p:spTree>
+    <p:extLst>
+      <p:ext uri="{BB962C8B-B14F-4D97-AF65-F5344CB8AC3E}">
+        <p14:creationId xmlns:p14="http://schemas.microsoft.com/office/powerpoint/2010/main" val="3112344474"/>
+      </p:ext>
+    </p:extLst>
+  </p:cSld>
+  <p:clrMapOvr>
+    <a:masterClrMapping/>
+  </p:clrMapOvr>
+</p:sld>
+</file>
+
+<file path=ppt/slides/slide34.xml><?xml version="1.0" encoding="utf-8"?>
+<p:sld xmlns:a="http://schemas.openxmlformats.org/drawingml/2006/main" xmlns:r="http://schemas.openxmlformats.org/officeDocument/2006/relationships" xmlns:p="http://schemas.openxmlformats.org/presentationml/2006/main">
+  <p:cSld>
+    <p:spTree>
+      <p:nvGrpSpPr>
+        <p:cNvPr id="1" name=""/>
+        <p:cNvGrpSpPr/>
+        <p:nvPr/>
+      </p:nvGrpSpPr>
+      <p:grpSpPr>
+        <a:xfrm>
+          <a:off x="0" y="0"/>
+          <a:ext cx="0" cy="0"/>
+          <a:chOff x="0" y="0"/>
+          <a:chExt cx="0" cy="0"/>
+        </a:xfrm>
+      </p:grpSpPr>
+      <p:sp>
+        <p:nvSpPr>
+          <p:cNvPr id="2" name="Title 1"/>
+          <p:cNvSpPr>
+            <a:spLocks noGrp="1"/>
+          </p:cNvSpPr>
+          <p:nvPr>
+            <p:ph type="title"/>
+          </p:nvPr>
+        </p:nvSpPr>
+        <p:spPr/>
+        <p:txBody>
+          <a:bodyPr>
+            <a:normAutofit/>
+          </a:bodyPr>
+          <a:lstStyle/>
+          <a:p>
+            <a:r>
+              <a:rPr lang="en-US" dirty="0" smtClean="0"/>
+              <a:t>Other Examples</a:t>
+            </a:r>
+            <a:endParaRPr lang="en-US" dirty="0"/>
+          </a:p>
+        </p:txBody>
+      </p:sp>
+      <p:sp>
+        <p:nvSpPr>
+          <p:cNvPr id="3" name="Content Placeholder 2"/>
+          <p:cNvSpPr>
+            <a:spLocks noGrp="1"/>
+          </p:cNvSpPr>
+          <p:nvPr>
+            <p:ph idx="1"/>
+          </p:nvPr>
+        </p:nvSpPr>
+        <p:spPr/>
+        <p:txBody>
+          <a:bodyPr/>
+          <a:lstStyle/>
+          <a:p>
+            <a:r>
+              <a:rPr lang="en-US" dirty="0" err="1" smtClean="0"/>
+              <a:t>Async</a:t>
+            </a:r>
+            <a:r>
+              <a:rPr lang="en-US" dirty="0" smtClean="0"/>
+              <a:t> Controllers</a:t>
+            </a:r>
+          </a:p>
+          <a:p>
+            <a:r>
+              <a:rPr lang="en-US" dirty="0"/>
+              <a:t>Finding “Similar” Strings</a:t>
+            </a:r>
+          </a:p>
+          <a:p>
+            <a:r>
+              <a:rPr lang="en-US" dirty="0" smtClean="0"/>
+              <a:t>Parallel Quick Sort</a:t>
+            </a:r>
+          </a:p>
+        </p:txBody>
+      </p:sp>
+    </p:spTree>
+    <p:extLst>
+      <p:ext uri="{BB962C8B-B14F-4D97-AF65-F5344CB8AC3E}">
+        <p14:creationId xmlns:p14="http://schemas.microsoft.com/office/powerpoint/2010/main" val="3347100784"/>
+      </p:ext>
+    </p:extLst>
+  </p:cSld>
+  <p:clrMapOvr>
+    <a:masterClrMapping/>
+  </p:clrMapOvr>
+  <p:timing>
+    <p:tnLst>
+      <p:par>
+        <p:cTn id="1" dur="indefinite" restart="never" nodeType="tmRoot"/>
+      </p:par>
+    </p:tnLst>
+  </p:timing>
+</p:sld>
+</file>
+
+<file path=ppt/slides/slide35.xml><?xml version="1.0" encoding="utf-8"?>
+<p:sld xmlns:a="http://schemas.openxmlformats.org/drawingml/2006/main" xmlns:r="http://schemas.openxmlformats.org/officeDocument/2006/relationships" xmlns:p="http://schemas.openxmlformats.org/presentationml/2006/main">
+  <p:cSld>
+    <p:spTree>
+      <p:nvGrpSpPr>
+        <p:cNvPr id="1" name=""/>
+        <p:cNvGrpSpPr/>
+        <p:nvPr/>
+      </p:nvGrpSpPr>
+      <p:grpSpPr>
+        <a:xfrm>
+          <a:off x="0" y="0"/>
+          <a:ext cx="0" cy="0"/>
+          <a:chOff x="0" y="0"/>
+          <a:chExt cx="0" cy="0"/>
+        </a:xfrm>
+      </p:grpSpPr>
+      <p:sp>
+        <p:nvSpPr>
+          <p:cNvPr id="2" name="Title 1"/>
+          <p:cNvSpPr>
+            <a:spLocks noGrp="1"/>
+          </p:cNvSpPr>
+          <p:nvPr>
+            <p:ph type="title"/>
+          </p:nvPr>
+        </p:nvSpPr>
+        <p:spPr/>
+        <p:txBody>
+          <a:bodyPr>
+            <a:normAutofit/>
+          </a:bodyPr>
+          <a:lstStyle/>
+          <a:p>
+            <a:r>
+              <a:rPr lang="en-US" dirty="0" smtClean="0"/>
+              <a:t>Questions And Answers</a:t>
+            </a:r>
+            <a:endParaRPr lang="en-US" dirty="0"/>
+          </a:p>
+        </p:txBody>
+      </p:sp>
+      <p:sp>
+        <p:nvSpPr>
+          <p:cNvPr id="3" name="Content Placeholder 2"/>
+          <p:cNvSpPr>
+            <a:spLocks noGrp="1"/>
+          </p:cNvSpPr>
+          <p:nvPr>
+            <p:ph idx="1"/>
+          </p:nvPr>
+        </p:nvSpPr>
+        <p:spPr/>
+        <p:txBody>
+          <a:bodyPr/>
+          <a:lstStyle/>
+          <a:p>
+            <a:r>
+              <a:rPr lang="en-US" dirty="0" smtClean="0"/>
+              <a:t>You line ‘</a:t>
+            </a:r>
+            <a:r>
+              <a:rPr lang="en-US" dirty="0" err="1" smtClean="0"/>
+              <a:t>em</a:t>
+            </a:r>
+            <a:r>
+              <a:rPr lang="en-US" dirty="0" smtClean="0"/>
+              <a:t> up.</a:t>
+            </a:r>
+          </a:p>
+          <a:p>
+            <a:r>
+              <a:rPr lang="en-US" dirty="0" smtClean="0"/>
+              <a:t>I’ll knock ‘</a:t>
+            </a:r>
+            <a:r>
+              <a:rPr lang="en-US" dirty="0" err="1" smtClean="0"/>
+              <a:t>em</a:t>
+            </a:r>
+            <a:r>
+              <a:rPr lang="en-US" dirty="0" smtClean="0"/>
+              <a:t> down.</a:t>
+            </a:r>
+          </a:p>
+          <a:p>
+            <a:r>
+              <a:rPr lang="en-US" b="1" dirty="0" smtClean="0">
+                <a:solidFill>
+                  <a:srgbClr val="FF0000"/>
+                </a:solidFill>
+              </a:rPr>
+              <a:t>If I say something dumb and you know better, SPEAK UP!</a:t>
+            </a:r>
+          </a:p>
+        </p:txBody>
+      </p:sp>
+    </p:spTree>
+    <p:extLst>
+      <p:ext uri="{BB962C8B-B14F-4D97-AF65-F5344CB8AC3E}">
+        <p14:creationId xmlns:p14="http://schemas.microsoft.com/office/powerpoint/2010/main" val="3412954014"/>
+      </p:ext>
+    </p:extLst>
+  </p:cSld>
+  <p:clrMapOvr>
+    <a:masterClrMapping/>
+  </p:clrMapOvr>
+</p:sld>
+</file>
+
 <file path=ppt/slides/slide36.xml><?xml version="1.0" encoding="utf-8"?>
 <p:sld xmlns:a="http://schemas.openxmlformats.org/drawingml/2006/main" xmlns:r="http://schemas.openxmlformats.org/officeDocument/2006/relationships" xmlns:p="http://schemas.openxmlformats.org/presentationml/2006/main">
   <p:cSld>
@@ -20264,7 +17723,7 @@
           <a:p>
             <a:r>
               <a:rPr lang="en-US" dirty="0" smtClean="0"/>
-              <a:t>Anti-Patterns</a:t>
+              <a:t>We’re Hiring</a:t>
             </a:r>
             <a:endParaRPr lang="en-US" dirty="0"/>
           </a:p>
@@ -20282,80 +17741,50 @@
         </p:nvSpPr>
         <p:spPr/>
         <p:txBody>
-          <a:bodyPr>
-            <a:normAutofit fontScale="92500" lnSpcReduction="20000"/>
-          </a:bodyPr>
+          <a:bodyPr/>
           <a:lstStyle/>
           <a:p>
             <a:r>
-              <a:rPr lang="en-US" b="1" dirty="0" smtClean="0"/>
-              <a:t>Thread starvation</a:t>
-            </a:r>
-            <a:r>
               <a:rPr lang="en-US" dirty="0" smtClean="0"/>
-              <a:t>:  If there are not enough threads to run all pipeline tasks, the blocking collections can fill and block indefinitely.</a:t>
-            </a:r>
-          </a:p>
-          <a:p>
-            <a:r>
-              <a:rPr lang="en-US" b="1" dirty="0" smtClean="0"/>
-              <a:t>Infinite blocking collection waits</a:t>
+              <a:t>Senior </a:t>
+            </a:r>
+            <a:r>
+              <a:rPr lang="en-US" dirty="0" err="1" smtClean="0"/>
+              <a:t>.Net</a:t>
             </a:r>
             <a:r>
               <a:rPr lang="en-US" dirty="0" smtClean="0"/>
-              <a:t>:  If a pipeline task throws an exception, it will no longer take values from its input blocking collection.  If the input collection is full, the task that fills it will block.  Be sure to cancel pipelines if you anticipate this situation.</a:t>
-            </a:r>
-          </a:p>
-          <a:p>
-            <a:r>
-              <a:rPr lang="en-US" b="1" dirty="0" smtClean="0"/>
-              <a:t>Forgetting </a:t>
-            </a:r>
-            <a:r>
-              <a:rPr lang="en-US" b="1" dirty="0" err="1" smtClean="0"/>
-              <a:t>GetConsumingEnumerable</a:t>
-            </a:r>
-            <a:r>
-              <a:rPr lang="en-US" b="1" dirty="0" smtClean="0"/>
-              <a:t>()</a:t>
-            </a:r>
+              <a:t> Developer</a:t>
+            </a:r>
+          </a:p>
+          <a:p>
             <a:r>
               <a:rPr lang="en-US" dirty="0" smtClean="0"/>
-              <a:t>:  Blocking collections implement </a:t>
-            </a:r>
-            <a:r>
-              <a:rPr lang="en-US" dirty="0" err="1" smtClean="0"/>
-              <a:t>IEnumerable</a:t>
-            </a:r>
+              <a:t>Business Development Manager</a:t>
+            </a:r>
+          </a:p>
+          <a:p>
             <a:r>
               <a:rPr lang="en-US" dirty="0" smtClean="0"/>
-              <a:t>&lt;T&gt;, so this is easy to forget.  If you forget, the enumeration will be a snapshot and won’t consume from the collection.</a:t>
-            </a:r>
-          </a:p>
-          <a:p>
-            <a:r>
-              <a:rPr lang="en-US" b="1" dirty="0" smtClean="0"/>
-              <a:t>Using other flavors of </a:t>
-            </a:r>
-            <a:r>
-              <a:rPr lang="en-US" b="1" dirty="0" err="1" smtClean="0"/>
-              <a:t>IProducerConsumerCollection</a:t>
-            </a:r>
-            <a:r>
-              <a:rPr lang="en-US" b="1" dirty="0" smtClean="0"/>
-              <a:t> for your blocking collections</a:t>
-            </a:r>
-            <a:r>
-              <a:rPr lang="en-US" dirty="0" smtClean="0"/>
-              <a:t>:  </a:t>
-            </a:r>
-            <a:r>
-              <a:rPr lang="en-US" dirty="0" err="1" smtClean="0"/>
-              <a:t>ConcurrentStack</a:t>
-            </a:r>
-            <a:r>
-              <a:rPr lang="en-US" dirty="0" smtClean="0"/>
-              <a:t> may never consume the earliest entries, for examples.</a:t>
+              <a:t>Program Manager</a:t>
+            </a:r>
+          </a:p>
+          <a:p>
+            <a:endParaRPr lang="en-US" dirty="0"/>
+          </a:p>
+          <a:p>
+            <a:pPr marL="0" indent="0">
+              <a:buNone/>
+            </a:pPr>
+            <a:r>
+              <a:rPr lang="en-US" sz="1500" dirty="0"/>
+              <a:t>Email Valerie Carmona:  </a:t>
+            </a:r>
+            <a:r>
+              <a:rPr lang="en-US" sz="1500" dirty="0">
+                <a:hlinkClick r:id="rId2"/>
+              </a:rPr>
+              <a:t>Valerie.Carmona@improvingenterprises.com</a:t>
             </a:r>
             <a:endParaRPr lang="en-US" dirty="0"/>
           </a:p>
@@ -20364,7 +17793,7 @@
     </p:spTree>
     <p:extLst>
       <p:ext uri="{BB962C8B-B14F-4D97-AF65-F5344CB8AC3E}">
-        <p14:creationId xmlns:p14="http://schemas.microsoft.com/office/powerpoint/2010/main" val="1549961303"/>
+        <p14:creationId xmlns:p14="http://schemas.microsoft.com/office/powerpoint/2010/main" val="1126961835"/>
       </p:ext>
     </p:extLst>
   </p:cSld>
@@ -20374,7 +17803,7 @@
 </p:sld>
 </file>
 
-<file path=ppt/slides/slide37.xml><?xml version="1.0" encoding="utf-8"?>
+<file path=ppt/slides/slide4.xml><?xml version="1.0" encoding="utf-8"?>
 <p:sld xmlns:a="http://schemas.openxmlformats.org/drawingml/2006/main" xmlns:r="http://schemas.openxmlformats.org/officeDocument/2006/relationships" xmlns:p="http://schemas.openxmlformats.org/presentationml/2006/main">
   <p:cSld>
     <p:spTree>
@@ -20410,7 +17839,7 @@
           <a:p>
             <a:r>
               <a:rPr lang="en-US" dirty="0" smtClean="0"/>
-              <a:t>Lame Joke</a:t>
+              <a:t>Word Joke</a:t>
             </a:r>
             <a:endParaRPr lang="en-US" dirty="0"/>
           </a:p>
@@ -20431,13 +17860,12 @@
           <a:bodyPr/>
           <a:lstStyle/>
           <a:p>
-            <a:r>
-              <a:rPr lang="en-US" dirty="0"/>
-              <a:t>Audience Participation</a:t>
-            </a:r>
+            <a:pPr marL="0" indent="0">
+              <a:buNone/>
+            </a:pPr>
             <a:r>
               <a:rPr lang="en-US" dirty="0" smtClean="0"/>
-              <a:t>!</a:t>
+              <a:t>Why is it so hard to explain puns to kleptomaniacs?</a:t>
             </a:r>
             <a:endParaRPr lang="en-US" dirty="0"/>
           </a:p>
@@ -20446,100 +17874,7 @@
     </p:spTree>
     <p:extLst>
       <p:ext uri="{BB962C8B-B14F-4D97-AF65-F5344CB8AC3E}">
-        <p14:creationId xmlns:p14="http://schemas.microsoft.com/office/powerpoint/2010/main" val="3112344474"/>
-      </p:ext>
-    </p:extLst>
-  </p:cSld>
-  <p:clrMapOvr>
-    <a:masterClrMapping/>
-  </p:clrMapOvr>
-</p:sld>
-</file>
-
-<file path=ppt/slides/slide38.xml><?xml version="1.0" encoding="utf-8"?>
-<p:sld xmlns:a="http://schemas.openxmlformats.org/drawingml/2006/main" xmlns:r="http://schemas.openxmlformats.org/officeDocument/2006/relationships" xmlns:p="http://schemas.openxmlformats.org/presentationml/2006/main">
-  <p:cSld>
-    <p:spTree>
-      <p:nvGrpSpPr>
-        <p:cNvPr id="1" name=""/>
-        <p:cNvGrpSpPr/>
-        <p:nvPr/>
-      </p:nvGrpSpPr>
-      <p:grpSpPr>
-        <a:xfrm>
-          <a:off x="0" y="0"/>
-          <a:ext cx="0" cy="0"/>
-          <a:chOff x="0" y="0"/>
-          <a:chExt cx="0" cy="0"/>
-        </a:xfrm>
-      </p:grpSpPr>
-      <p:sp>
-        <p:nvSpPr>
-          <p:cNvPr id="2" name="Title 1"/>
-          <p:cNvSpPr>
-            <a:spLocks noGrp="1"/>
-          </p:cNvSpPr>
-          <p:nvPr>
-            <p:ph type="title"/>
-          </p:nvPr>
-        </p:nvSpPr>
-        <p:spPr/>
-        <p:txBody>
-          <a:bodyPr>
-            <a:normAutofit/>
-          </a:bodyPr>
-          <a:lstStyle/>
-          <a:p>
-            <a:r>
-              <a:rPr lang="en-US" dirty="0" smtClean="0"/>
-              <a:t>Other Examples</a:t>
-            </a:r>
-            <a:endParaRPr lang="en-US" dirty="0"/>
-          </a:p>
-        </p:txBody>
-      </p:sp>
-      <p:sp>
-        <p:nvSpPr>
-          <p:cNvPr id="3" name="Content Placeholder 2"/>
-          <p:cNvSpPr>
-            <a:spLocks noGrp="1"/>
-          </p:cNvSpPr>
-          <p:nvPr>
-            <p:ph idx="1"/>
-          </p:nvPr>
-        </p:nvSpPr>
-        <p:spPr/>
-        <p:txBody>
-          <a:bodyPr/>
-          <a:lstStyle/>
-          <a:p>
-            <a:r>
-              <a:rPr lang="en-US" dirty="0" err="1" smtClean="0"/>
-              <a:t>Async</a:t>
-            </a:r>
-            <a:r>
-              <a:rPr lang="en-US" dirty="0" smtClean="0"/>
-              <a:t> Controllers</a:t>
-            </a:r>
-          </a:p>
-          <a:p>
-            <a:r>
-              <a:rPr lang="en-US" dirty="0"/>
-              <a:t>Finding “Similar” Strings</a:t>
-            </a:r>
-          </a:p>
-          <a:p>
-            <a:r>
-              <a:rPr lang="en-US" dirty="0" smtClean="0"/>
-              <a:t>Parallel Quick Sort</a:t>
-            </a:r>
-          </a:p>
-        </p:txBody>
-      </p:sp>
-    </p:spTree>
-    <p:extLst>
-      <p:ext uri="{BB962C8B-B14F-4D97-AF65-F5344CB8AC3E}">
-        <p14:creationId xmlns:p14="http://schemas.microsoft.com/office/powerpoint/2010/main" val="3347100784"/>
+        <p14:creationId xmlns:p14="http://schemas.microsoft.com/office/powerpoint/2010/main" val="1553533057"/>
       </p:ext>
     </p:extLst>
   </p:cSld>
@@ -20553,687 +17888,6 @@
       </p:par>
     </p:tnLst>
   </p:timing>
-</p:sld>
-</file>
-
-<file path=ppt/slides/slide39.xml><?xml version="1.0" encoding="utf-8"?>
-<p:sld xmlns:a="http://schemas.openxmlformats.org/drawingml/2006/main" xmlns:r="http://schemas.openxmlformats.org/officeDocument/2006/relationships" xmlns:p="http://schemas.openxmlformats.org/presentationml/2006/main">
-  <p:cSld>
-    <p:spTree>
-      <p:nvGrpSpPr>
-        <p:cNvPr id="1" name=""/>
-        <p:cNvGrpSpPr/>
-        <p:nvPr/>
-      </p:nvGrpSpPr>
-      <p:grpSpPr>
-        <a:xfrm>
-          <a:off x="0" y="0"/>
-          <a:ext cx="0" cy="0"/>
-          <a:chOff x="0" y="0"/>
-          <a:chExt cx="0" cy="0"/>
-        </a:xfrm>
-      </p:grpSpPr>
-      <p:sp>
-        <p:nvSpPr>
-          <p:cNvPr id="2" name="Title 1"/>
-          <p:cNvSpPr>
-            <a:spLocks noGrp="1"/>
-          </p:cNvSpPr>
-          <p:nvPr>
-            <p:ph type="title"/>
-          </p:nvPr>
-        </p:nvSpPr>
-        <p:spPr/>
-        <p:txBody>
-          <a:bodyPr>
-            <a:normAutofit/>
-          </a:bodyPr>
-          <a:lstStyle/>
-          <a:p>
-            <a:r>
-              <a:rPr lang="en-US" dirty="0" smtClean="0"/>
-              <a:t>Questions And Answers</a:t>
-            </a:r>
-            <a:endParaRPr lang="en-US" dirty="0"/>
-          </a:p>
-        </p:txBody>
-      </p:sp>
-      <p:sp>
-        <p:nvSpPr>
-          <p:cNvPr id="3" name="Content Placeholder 2"/>
-          <p:cNvSpPr>
-            <a:spLocks noGrp="1"/>
-          </p:cNvSpPr>
-          <p:nvPr>
-            <p:ph idx="1"/>
-          </p:nvPr>
-        </p:nvSpPr>
-        <p:spPr/>
-        <p:txBody>
-          <a:bodyPr/>
-          <a:lstStyle/>
-          <a:p>
-            <a:r>
-              <a:rPr lang="en-US" dirty="0" smtClean="0"/>
-              <a:t>You line ‘</a:t>
-            </a:r>
-            <a:r>
-              <a:rPr lang="en-US" dirty="0" err="1" smtClean="0"/>
-              <a:t>em</a:t>
-            </a:r>
-            <a:r>
-              <a:rPr lang="en-US" dirty="0" smtClean="0"/>
-              <a:t> up.</a:t>
-            </a:r>
-          </a:p>
-          <a:p>
-            <a:r>
-              <a:rPr lang="en-US" dirty="0" smtClean="0"/>
-              <a:t>I’ll knock ‘</a:t>
-            </a:r>
-            <a:r>
-              <a:rPr lang="en-US" dirty="0" err="1" smtClean="0"/>
-              <a:t>em</a:t>
-            </a:r>
-            <a:r>
-              <a:rPr lang="en-US" dirty="0" smtClean="0"/>
-              <a:t> down.</a:t>
-            </a:r>
-          </a:p>
-          <a:p>
-            <a:r>
-              <a:rPr lang="en-US" b="1" dirty="0" smtClean="0">
-                <a:solidFill>
-                  <a:srgbClr val="FF0000"/>
-                </a:solidFill>
-              </a:rPr>
-              <a:t>If I say something dumb and you know better, SPEAK UP!</a:t>
-            </a:r>
-          </a:p>
-        </p:txBody>
-      </p:sp>
-    </p:spTree>
-    <p:extLst>
-      <p:ext uri="{BB962C8B-B14F-4D97-AF65-F5344CB8AC3E}">
-        <p14:creationId xmlns:p14="http://schemas.microsoft.com/office/powerpoint/2010/main" val="3412954014"/>
-      </p:ext>
-    </p:extLst>
-  </p:cSld>
-  <p:clrMapOvr>
-    <a:masterClrMapping/>
-  </p:clrMapOvr>
-</p:sld>
-</file>
-
-<file path=ppt/slides/slide4.xml><?xml version="1.0" encoding="utf-8"?>
-<p:sld xmlns:a="http://schemas.openxmlformats.org/drawingml/2006/main" xmlns:r="http://schemas.openxmlformats.org/officeDocument/2006/relationships" xmlns:p="http://schemas.openxmlformats.org/presentationml/2006/main">
-  <p:cSld>
-    <p:bg>
-      <p:bgPr>
-        <a:gradFill flip="none" rotWithShape="1">
-          <a:gsLst>
-            <a:gs pos="0">
-              <a:schemeClr val="accent3">
-                <a:lumMod val="40000"/>
-                <a:lumOff val="60000"/>
-              </a:schemeClr>
-            </a:gs>
-            <a:gs pos="46000">
-              <a:schemeClr val="accent3">
-                <a:lumMod val="95000"/>
-                <a:lumOff val="5000"/>
-              </a:schemeClr>
-            </a:gs>
-            <a:gs pos="100000">
-              <a:schemeClr val="accent3">
-                <a:lumMod val="60000"/>
-              </a:schemeClr>
-            </a:gs>
-          </a:gsLst>
-          <a:path path="shape">
-            <a:fillToRect l="50000" t="50000" r="50000" b="50000"/>
-          </a:path>
-          <a:tileRect/>
-        </a:gradFill>
-        <a:effectLst/>
-      </p:bgPr>
-    </p:bg>
-    <p:spTree>
-      <p:nvGrpSpPr>
-        <p:cNvPr id="1" name=""/>
-        <p:cNvGrpSpPr/>
-        <p:nvPr/>
-      </p:nvGrpSpPr>
-      <p:grpSpPr>
-        <a:xfrm>
-          <a:off x="0" y="0"/>
-          <a:ext cx="0" cy="0"/>
-          <a:chOff x="0" y="0"/>
-          <a:chExt cx="0" cy="0"/>
-        </a:xfrm>
-      </p:grpSpPr>
-      <p:pic>
-        <p:nvPicPr>
-          <p:cNvPr id="41" name="Picture 40"/>
-          <p:cNvPicPr>
-            <a:picLocks noChangeAspect="1"/>
-          </p:cNvPicPr>
-          <p:nvPr/>
-        </p:nvPicPr>
-        <p:blipFill>
-          <a:blip r:embed="rId2">
-            <a:extLst>
-              <a:ext uri="{28A0092B-C50C-407E-A947-70E740481C1C}">
-                <a14:useLocalDpi xmlns:a14="http://schemas.microsoft.com/office/drawing/2010/main" val="0"/>
-              </a:ext>
-            </a:extLst>
-          </a:blip>
-          <a:stretch>
-            <a:fillRect/>
-          </a:stretch>
-        </p:blipFill>
-        <p:spPr>
-          <a:xfrm>
-            <a:off x="1432482" y="1969723"/>
-            <a:ext cx="3864769" cy="1002928"/>
-          </a:xfrm>
-          <a:prstGeom prst="rect">
-            <a:avLst/>
-          </a:prstGeom>
-        </p:spPr>
-      </p:pic>
-      <p:pic>
-        <p:nvPicPr>
-          <p:cNvPr id="11" name="Picture 10"/>
-          <p:cNvPicPr>
-            <a:picLocks noChangeAspect="1"/>
-          </p:cNvPicPr>
-          <p:nvPr/>
-        </p:nvPicPr>
-        <p:blipFill>
-          <a:blip r:embed="rId3" cstate="print">
-            <a:extLst>
-              <a:ext uri="{28A0092B-C50C-407E-A947-70E740481C1C}">
-                <a14:useLocalDpi xmlns:a14="http://schemas.microsoft.com/office/drawing/2010/main" val="0"/>
-              </a:ext>
-            </a:extLst>
-          </a:blip>
-          <a:stretch>
-            <a:fillRect/>
-          </a:stretch>
-        </p:blipFill>
-        <p:spPr>
-          <a:xfrm>
-            <a:off x="-2339048" y="1810531"/>
-            <a:ext cx="458046" cy="458046"/>
-          </a:xfrm>
-          <a:prstGeom prst="rect">
-            <a:avLst/>
-          </a:prstGeom>
-        </p:spPr>
-      </p:pic>
-      <p:sp>
-        <p:nvSpPr>
-          <p:cNvPr id="15" name="Rectangle 14"/>
-          <p:cNvSpPr/>
-          <p:nvPr/>
-        </p:nvSpPr>
-        <p:spPr>
-          <a:xfrm>
-            <a:off x="1432482" y="1972411"/>
-            <a:ext cx="3864769" cy="1011359"/>
-          </a:xfrm>
-          <a:prstGeom prst="rect">
-            <a:avLst/>
-          </a:prstGeom>
-          <a:solidFill>
-            <a:schemeClr val="tx1">
-              <a:alpha val="50000"/>
-            </a:schemeClr>
-          </a:solidFill>
-          <a:ln>
-            <a:solidFill>
-              <a:schemeClr val="bg1"/>
-            </a:solidFill>
-          </a:ln>
-        </p:spPr>
-        <p:style>
-          <a:lnRef idx="2">
-            <a:schemeClr val="dk1">
-              <a:shade val="50000"/>
-            </a:schemeClr>
-          </a:lnRef>
-          <a:fillRef idx="1">
-            <a:schemeClr val="dk1"/>
-          </a:fillRef>
-          <a:effectRef idx="0">
-            <a:schemeClr val="dk1"/>
-          </a:effectRef>
-          <a:fontRef idx="minor">
-            <a:schemeClr val="lt1"/>
-          </a:fontRef>
-        </p:style>
-        <p:txBody>
-          <a:bodyPr rtlCol="0" anchor="ctr"/>
-          <a:lstStyle/>
-          <a:p>
-            <a:pPr algn="ctr" defTabSz="385763"/>
-            <a:endParaRPr lang="en-US" sz="760" dirty="0">
-              <a:solidFill>
-                <a:prstClr val="white"/>
-              </a:solidFill>
-            </a:endParaRPr>
-          </a:p>
-        </p:txBody>
-      </p:sp>
-      <p:pic>
-        <p:nvPicPr>
-          <p:cNvPr id="16" name="Picture 15"/>
-          <p:cNvPicPr>
-            <a:picLocks noChangeAspect="1"/>
-          </p:cNvPicPr>
-          <p:nvPr/>
-        </p:nvPicPr>
-        <p:blipFill rotWithShape="1">
-          <a:blip r:embed="rId4">
-            <a:extLst>
-              <a:ext uri="{28A0092B-C50C-407E-A947-70E740481C1C}">
-                <a14:useLocalDpi xmlns:a14="http://schemas.microsoft.com/office/drawing/2010/main" val="0"/>
-              </a:ext>
-            </a:extLst>
-          </a:blip>
-          <a:srcRect t="-10060" r="50156"/>
-          <a:stretch/>
-        </p:blipFill>
-        <p:spPr>
-          <a:xfrm>
-            <a:off x="1822473" y="2307969"/>
-            <a:ext cx="3046524" cy="424747"/>
-          </a:xfrm>
-          <a:prstGeom prst="rect">
-            <a:avLst/>
-          </a:prstGeom>
-        </p:spPr>
-      </p:pic>
-      <p:sp>
-        <p:nvSpPr>
-          <p:cNvPr id="23" name="TextBox 22"/>
-          <p:cNvSpPr txBox="1"/>
-          <p:nvPr/>
-        </p:nvSpPr>
-        <p:spPr>
-          <a:xfrm>
-            <a:off x="1432482" y="968647"/>
-            <a:ext cx="3864769" cy="793743"/>
-          </a:xfrm>
-          <a:prstGeom prst="rect">
-            <a:avLst/>
-          </a:prstGeom>
-          <a:noFill/>
-        </p:spPr>
-        <p:txBody>
-          <a:bodyPr wrap="square" rtlCol="0">
-            <a:spAutoFit/>
-          </a:bodyPr>
-          <a:lstStyle/>
-          <a:p>
-            <a:pPr algn="ctr" defTabSz="385763"/>
-            <a:r>
-              <a:rPr lang="en-US" sz="1519" b="1" dirty="0">
-                <a:solidFill>
-                  <a:prstClr val="white"/>
-                </a:solidFill>
-              </a:rPr>
-              <a:t>Coming Soon to a Theatre Near You</a:t>
-            </a:r>
-          </a:p>
-          <a:p>
-            <a:pPr algn="ctr" defTabSz="385763"/>
-            <a:r>
-              <a:rPr lang="en-US" sz="1013" b="1" dirty="0">
-                <a:solidFill>
-                  <a:prstClr val="black"/>
-                </a:solidFill>
-              </a:rPr>
-              <a:t>Tuesday, August 11, 2015</a:t>
-            </a:r>
-          </a:p>
-          <a:p>
-            <a:pPr algn="ctr" defTabSz="385763"/>
-            <a:r>
-              <a:rPr lang="en-US" sz="1013" b="1" dirty="0">
-                <a:solidFill>
-                  <a:prstClr val="black"/>
-                </a:solidFill>
-              </a:rPr>
-              <a:t>8am-5pm</a:t>
-            </a:r>
-          </a:p>
-          <a:p>
-            <a:pPr algn="ctr" defTabSz="385763"/>
-            <a:r>
-              <a:rPr lang="en-US" sz="1013" b="1" dirty="0">
-                <a:solidFill>
-                  <a:prstClr val="black"/>
-                </a:solidFill>
-              </a:rPr>
-              <a:t>Studio Movie Grill City Center</a:t>
-            </a:r>
-          </a:p>
-        </p:txBody>
-      </p:sp>
-      <p:cxnSp>
-        <p:nvCxnSpPr>
-          <p:cNvPr id="26" name="Straight Connector 25"/>
-          <p:cNvCxnSpPr/>
-          <p:nvPr/>
-        </p:nvCxnSpPr>
-        <p:spPr>
-          <a:xfrm>
-            <a:off x="-551697" y="1972410"/>
-            <a:ext cx="0" cy="827325"/>
-          </a:xfrm>
-          <a:prstGeom prst="line">
-            <a:avLst/>
-          </a:prstGeom>
-          <a:ln>
-            <a:solidFill>
-              <a:schemeClr val="bg1"/>
-            </a:solidFill>
-          </a:ln>
-        </p:spPr>
-        <p:style>
-          <a:lnRef idx="1">
-            <a:schemeClr val="accent1"/>
-          </a:lnRef>
-          <a:fillRef idx="0">
-            <a:schemeClr val="accent1"/>
-          </a:fillRef>
-          <a:effectRef idx="0">
-            <a:schemeClr val="accent1"/>
-          </a:effectRef>
-          <a:fontRef idx="minor">
-            <a:schemeClr val="tx1"/>
-          </a:fontRef>
-        </p:style>
-      </p:cxnSp>
-      <p:sp>
-        <p:nvSpPr>
-          <p:cNvPr id="31" name="TextBox 30">
-            <a:hlinkClick r:id="rId5"/>
-          </p:cNvPr>
-          <p:cNvSpPr txBox="1"/>
-          <p:nvPr/>
-        </p:nvSpPr>
-        <p:spPr>
-          <a:xfrm>
-            <a:off x="2128105" y="2992328"/>
-            <a:ext cx="2599124" cy="300082"/>
-          </a:xfrm>
-          <a:prstGeom prst="rect">
-            <a:avLst/>
-          </a:prstGeom>
-          <a:noFill/>
-        </p:spPr>
-        <p:txBody>
-          <a:bodyPr wrap="square" rtlCol="0">
-            <a:spAutoFit/>
-          </a:bodyPr>
-          <a:lstStyle/>
-          <a:p>
-            <a:pPr algn="ctr" defTabSz="385763"/>
-            <a:r>
-              <a:rPr lang="en-US" sz="1350" b="1" dirty="0">
-                <a:solidFill>
-                  <a:prstClr val="white"/>
-                </a:solidFill>
-              </a:rPr>
-              <a:t>Register now </a:t>
-            </a:r>
-            <a:r>
-              <a:rPr lang="en-US" sz="1350" b="1" dirty="0">
-                <a:solidFill>
-                  <a:prstClr val="black"/>
-                </a:solidFill>
-                <a:hlinkClick r:id="rId6"/>
-              </a:rPr>
-              <a:t>AgileDotNext.com </a:t>
-            </a:r>
-            <a:r>
-              <a:rPr lang="en-US" sz="1350" b="1" dirty="0">
-                <a:solidFill>
-                  <a:prstClr val="black"/>
-                </a:solidFill>
-              </a:rPr>
-              <a:t> </a:t>
-            </a:r>
-          </a:p>
-        </p:txBody>
-      </p:sp>
-      <p:sp>
-        <p:nvSpPr>
-          <p:cNvPr id="32" name="TextBox 31"/>
-          <p:cNvSpPr txBox="1"/>
-          <p:nvPr/>
-        </p:nvSpPr>
-        <p:spPr>
-          <a:xfrm>
-            <a:off x="2523769" y="3343821"/>
-            <a:ext cx="1807790" cy="404085"/>
-          </a:xfrm>
-          <a:prstGeom prst="rect">
-            <a:avLst/>
-          </a:prstGeom>
-          <a:noFill/>
-        </p:spPr>
-        <p:txBody>
-          <a:bodyPr wrap="square" rtlCol="0">
-            <a:spAutoFit/>
-          </a:bodyPr>
-          <a:lstStyle/>
-          <a:p>
-            <a:pPr algn="ctr" defTabSz="385763"/>
-            <a:r>
-              <a:rPr lang="en-US" sz="1013" b="1" dirty="0">
-                <a:solidFill>
-                  <a:prstClr val="white"/>
-                </a:solidFill>
-              </a:rPr>
-              <a:t>Get 10% off by entering</a:t>
-            </a:r>
-            <a:r>
-              <a:rPr lang="en-US" sz="1013" b="1" dirty="0">
-                <a:solidFill>
-                  <a:prstClr val="black"/>
-                </a:solidFill>
-              </a:rPr>
-              <a:t>  </a:t>
-            </a:r>
-            <a:r>
-              <a:rPr lang="en-US" sz="1013" b="1" i="1" u="sng" dirty="0">
-                <a:solidFill>
-                  <a:prstClr val="black"/>
-                </a:solidFill>
-              </a:rPr>
-              <a:t>IEfriends</a:t>
-            </a:r>
-          </a:p>
-        </p:txBody>
-      </p:sp>
-      <p:pic>
-        <p:nvPicPr>
-          <p:cNvPr id="1026" name="Picture 2" descr="http://agiledotnext.com/Content/supreme/image/improving_logo2.png"/>
-          <p:cNvPicPr>
-            <a:picLocks noChangeAspect="1" noChangeArrowheads="1"/>
-          </p:cNvPicPr>
-          <p:nvPr/>
-        </p:nvPicPr>
-        <p:blipFill>
-          <a:blip r:embed="rId7" cstate="print">
-            <a:extLst>
-              <a:ext uri="{28A0092B-C50C-407E-A947-70E740481C1C}">
-                <a14:useLocalDpi xmlns:a14="http://schemas.microsoft.com/office/drawing/2010/main" val="0"/>
-              </a:ext>
-            </a:extLst>
-          </a:blip>
-          <a:srcRect/>
-          <a:stretch>
-            <a:fillRect/>
-          </a:stretch>
-        </p:blipFill>
-        <p:spPr bwMode="auto">
-          <a:xfrm>
-            <a:off x="1522208" y="2039554"/>
-            <a:ext cx="1064404" cy="244814"/>
-          </a:xfrm>
-          <a:prstGeom prst="rect">
-            <a:avLst/>
-          </a:prstGeom>
-          <a:noFill/>
-          <a:extLst>
-            <a:ext uri="{909E8E84-426E-40DD-AFC4-6F175D3DCCD1}">
-              <a14:hiddenFill xmlns:a14="http://schemas.microsoft.com/office/drawing/2010/main">
-                <a:solidFill>
-                  <a:srgbClr val="FFFFFF"/>
-                </a:solidFill>
-              </a14:hiddenFill>
-            </a:ext>
-          </a:extLst>
-        </p:spPr>
-      </p:pic>
-    </p:spTree>
-    <p:extLst>
-      <p:ext uri="{BB962C8B-B14F-4D97-AF65-F5344CB8AC3E}">
-        <p14:creationId xmlns:p14="http://schemas.microsoft.com/office/powerpoint/2010/main" val="2627251381"/>
-      </p:ext>
-    </p:extLst>
-  </p:cSld>
-  <p:clrMapOvr>
-    <a:masterClrMapping/>
-  </p:clrMapOvr>
-  <p:timing>
-    <p:tnLst>
-      <p:par>
-        <p:cTn id="1" dur="indefinite" restart="never" nodeType="tmRoot"/>
-      </p:par>
-    </p:tnLst>
-  </p:timing>
-</p:sld>
-</file>
-
-<file path=ppt/slides/slide40.xml><?xml version="1.0" encoding="utf-8"?>
-<p:sld xmlns:a="http://schemas.openxmlformats.org/drawingml/2006/main" xmlns:r="http://schemas.openxmlformats.org/officeDocument/2006/relationships" xmlns:p="http://schemas.openxmlformats.org/presentationml/2006/main">
-  <p:cSld>
-    <p:spTree>
-      <p:nvGrpSpPr>
-        <p:cNvPr id="1" name=""/>
-        <p:cNvGrpSpPr/>
-        <p:nvPr/>
-      </p:nvGrpSpPr>
-      <p:grpSpPr>
-        <a:xfrm>
-          <a:off x="0" y="0"/>
-          <a:ext cx="0" cy="0"/>
-          <a:chOff x="0" y="0"/>
-          <a:chExt cx="0" cy="0"/>
-        </a:xfrm>
-      </p:grpSpPr>
-      <p:sp>
-        <p:nvSpPr>
-          <p:cNvPr id="2" name="Title 1"/>
-          <p:cNvSpPr>
-            <a:spLocks noGrp="1"/>
-          </p:cNvSpPr>
-          <p:nvPr>
-            <p:ph type="title"/>
-          </p:nvPr>
-        </p:nvSpPr>
-        <p:spPr/>
-        <p:txBody>
-          <a:bodyPr>
-            <a:normAutofit/>
-          </a:bodyPr>
-          <a:lstStyle/>
-          <a:p>
-            <a:r>
-              <a:rPr lang="en-US" dirty="0" smtClean="0"/>
-              <a:t>We’re Hiring</a:t>
-            </a:r>
-            <a:endParaRPr lang="en-US" dirty="0"/>
-          </a:p>
-        </p:txBody>
-      </p:sp>
-      <p:sp>
-        <p:nvSpPr>
-          <p:cNvPr id="3" name="Content Placeholder 2"/>
-          <p:cNvSpPr>
-            <a:spLocks noGrp="1"/>
-          </p:cNvSpPr>
-          <p:nvPr>
-            <p:ph idx="1"/>
-          </p:nvPr>
-        </p:nvSpPr>
-        <p:spPr/>
-        <p:txBody>
-          <a:bodyPr/>
-          <a:lstStyle/>
-          <a:p>
-            <a:r>
-              <a:rPr lang="en-US" dirty="0" smtClean="0"/>
-              <a:t>Senior </a:t>
-            </a:r>
-            <a:r>
-              <a:rPr lang="en-US" dirty="0" err="1" smtClean="0"/>
-              <a:t>.Net</a:t>
-            </a:r>
-            <a:r>
-              <a:rPr lang="en-US" dirty="0" smtClean="0"/>
-              <a:t> Developer</a:t>
-            </a:r>
-          </a:p>
-          <a:p>
-            <a:r>
-              <a:rPr lang="en-US" dirty="0" smtClean="0"/>
-              <a:t>Business Development Manager</a:t>
-            </a:r>
-          </a:p>
-          <a:p>
-            <a:r>
-              <a:rPr lang="en-US" dirty="0" smtClean="0"/>
-              <a:t>Program Manager</a:t>
-            </a:r>
-          </a:p>
-          <a:p>
-            <a:endParaRPr lang="en-US" dirty="0"/>
-          </a:p>
-          <a:p>
-            <a:pPr marL="0" indent="0">
-              <a:buNone/>
-            </a:pPr>
-            <a:r>
-              <a:rPr lang="en-US" sz="1500" dirty="0"/>
-              <a:t>Email Valerie Carmona:  </a:t>
-            </a:r>
-            <a:r>
-              <a:rPr lang="en-US" sz="1500" dirty="0">
-                <a:hlinkClick r:id="rId2"/>
-              </a:rPr>
-              <a:t>Valerie.Carmona@improvingenterprises.com</a:t>
-            </a:r>
-            <a:endParaRPr lang="en-US" dirty="0"/>
-          </a:p>
-        </p:txBody>
-      </p:sp>
-    </p:spTree>
-    <p:extLst>
-      <p:ext uri="{BB962C8B-B14F-4D97-AF65-F5344CB8AC3E}">
-        <p14:creationId xmlns:p14="http://schemas.microsoft.com/office/powerpoint/2010/main" val="1126961835"/>
-      </p:ext>
-    </p:extLst>
-  </p:cSld>
-  <p:clrMapOvr>
-    <a:masterClrMapping/>
-  </p:clrMapOvr>
 </p:sld>
 </file>
 
@@ -21256,7 +17910,7 @@
       </p:grpSpPr>
       <p:sp>
         <p:nvSpPr>
-          <p:cNvPr id="2" name="Title 1"/>
+          <p:cNvPr id="4" name="Title 3"/>
           <p:cNvSpPr>
             <a:spLocks noGrp="1"/>
           </p:cNvSpPr>
@@ -21273,11 +17927,7 @@
           <a:p>
             <a:r>
               <a:rPr lang="en-US" dirty="0" smtClean="0"/>
-              <a:t>Houston </a:t>
-            </a:r>
-            <a:r>
-              <a:rPr lang="en-US" dirty="0" err="1" smtClean="0"/>
-              <a:t>TechFest</a:t>
+              <a:t>When to Use Multi-threading</a:t>
             </a:r>
             <a:endParaRPr lang="en-US" dirty="0"/>
           </a:p>
@@ -21285,7 +17935,7 @@
       </p:sp>
       <p:sp>
         <p:nvSpPr>
-          <p:cNvPr id="3" name="Content Placeholder 2"/>
+          <p:cNvPr id="9" name="Content Placeholder 8"/>
           <p:cNvSpPr>
             <a:spLocks noGrp="1"/>
           </p:cNvSpPr>
@@ -21302,87 +17952,27 @@
           <a:p>
             <a:r>
               <a:rPr lang="en-US" dirty="0" smtClean="0"/>
-              <a:t>All-day Internet and Technology Conference</a:t>
+              <a:t>Application is CPU bound and not using all cores.  The task manager tells the story.</a:t>
             </a:r>
           </a:p>
           <a:p>
             <a:r>
               <a:rPr lang="en-US" dirty="0" smtClean="0"/>
-              <a:t>September 12, 2015</a:t>
+              <a:t>Application is waiting on external resources that can be loaded in parallel.</a:t>
             </a:r>
           </a:p>
           <a:p>
             <a:r>
               <a:rPr lang="en-US" dirty="0" smtClean="0"/>
-              <a:t>It has a logo.  Here it is!!!  </a:t>
-            </a:r>
-          </a:p>
-          <a:p>
-            <a:endParaRPr lang="en-US" dirty="0" smtClean="0"/>
-          </a:p>
-          <a:p>
-            <a:r>
-              <a:rPr lang="en-US" dirty="0" smtClean="0"/>
-              <a:t>It’s pretty much free.  As in free beer.  There’s gas and your time and stuff, but whatever…</a:t>
-            </a:r>
-          </a:p>
-          <a:p>
-            <a:r>
-              <a:rPr lang="en-US" dirty="0" smtClean="0"/>
-              <a:t>It actually has pretty decent speakers.</a:t>
-            </a:r>
-          </a:p>
-          <a:p>
-            <a:pPr lvl="1"/>
-            <a:r>
-              <a:rPr lang="en-US" dirty="0" smtClean="0"/>
-              <a:t>WAY better than me.</a:t>
-            </a:r>
-          </a:p>
-          <a:p>
-            <a:pPr lvl="1"/>
-            <a:r>
-              <a:rPr lang="en-US" dirty="0" smtClean="0"/>
-              <a:t>I’ll be there too, though, probably.</a:t>
-            </a:r>
-            <a:endParaRPr lang="en-US" dirty="0"/>
+              <a:t>Only when the benefits outweigh the costs.</a:t>
+            </a:r>
           </a:p>
         </p:txBody>
       </p:sp>
-      <p:pic>
-        <p:nvPicPr>
-          <p:cNvPr id="4" name="Picture 3"/>
-          <p:cNvPicPr>
-            <a:picLocks noChangeAspect="1"/>
-          </p:cNvPicPr>
-          <p:nvPr/>
-        </p:nvPicPr>
-        <p:blipFill>
-          <a:blip r:embed="rId2">
-            <a:extLst>
-              <a:ext uri="{28A0092B-C50C-407E-A947-70E740481C1C}">
-                <a14:useLocalDpi xmlns:a14="http://schemas.microsoft.com/office/drawing/2010/main" val="0"/>
-              </a:ext>
-            </a:extLst>
-          </a:blip>
-          <a:stretch>
-            <a:fillRect/>
-          </a:stretch>
-        </p:blipFill>
-        <p:spPr>
-          <a:xfrm>
-            <a:off x="3003054" y="1820160"/>
-            <a:ext cx="578644" cy="337542"/>
-          </a:xfrm>
-          <a:prstGeom prst="rect">
-            <a:avLst/>
-          </a:prstGeom>
-        </p:spPr>
-      </p:pic>
     </p:spTree>
     <p:extLst>
       <p:ext uri="{BB962C8B-B14F-4D97-AF65-F5344CB8AC3E}">
-        <p14:creationId xmlns:p14="http://schemas.microsoft.com/office/powerpoint/2010/main" val="3012238587"/>
+        <p14:creationId xmlns:p14="http://schemas.microsoft.com/office/powerpoint/2010/main" val="729225566"/>
       </p:ext>
     </p:extLst>
   </p:cSld>
@@ -21434,20 +18024,8 @@
           <a:lstStyle/>
           <a:p>
             <a:r>
-              <a:rPr lang="en-US" dirty="0" err="1" smtClean="0"/>
-              <a:t>Broism</a:t>
-            </a:r>
-            <a:r>
               <a:rPr lang="en-US" dirty="0" smtClean="0"/>
-              <a:t>: </a:t>
-            </a:r>
-            <a:r>
-              <a:rPr lang="en-US" dirty="0" err="1" smtClean="0"/>
-              <a:t>Bilbro</a:t>
-            </a:r>
-            <a:r>
-              <a:rPr lang="en-US" dirty="0" smtClean="0"/>
-              <a:t> Baggins</a:t>
+              <a:t>Superhero Joke</a:t>
             </a:r>
             <a:endParaRPr lang="en-US" dirty="0"/>
           </a:p>
@@ -21472,32 +18050,8 @@
               <a:buNone/>
             </a:pPr>
             <a:r>
-              <a:rPr lang="en-US" b="1" dirty="0" err="1"/>
-              <a:t>Bilbro</a:t>
-            </a:r>
-            <a:r>
-              <a:rPr lang="en-US" b="1" dirty="0"/>
-              <a:t> </a:t>
-            </a:r>
-            <a:r>
-              <a:rPr lang="en-US" b="1" dirty="0" smtClean="0"/>
-              <a:t>Baggins</a:t>
-            </a:r>
-            <a:r>
               <a:rPr lang="en-US" dirty="0" smtClean="0"/>
-              <a:t>:  Your bro who is obsessed with Lord of the Rings.  Example:  Joe has seen the twin towers like 5 times.  He’s such a </a:t>
-            </a:r>
-            <a:r>
-              <a:rPr lang="en-US" i="1" dirty="0" err="1" smtClean="0"/>
-              <a:t>Bilbro</a:t>
-            </a:r>
-            <a:r>
-              <a:rPr lang="en-US" i="1" dirty="0" smtClean="0"/>
-              <a:t> Baggins</a:t>
-            </a:r>
-            <a:r>
-              <a:rPr lang="en-US" dirty="0" smtClean="0"/>
-              <a:t>.</a:t>
+              <a:t>Sixteen sodium atoms walk into a bar, followed by Batman.</a:t>
             </a:r>
             <a:endParaRPr lang="en-US" dirty="0"/>
           </a:p>
@@ -21506,7 +18060,7 @@
     </p:spTree>
     <p:extLst>
       <p:ext uri="{BB962C8B-B14F-4D97-AF65-F5344CB8AC3E}">
-        <p14:creationId xmlns:p14="http://schemas.microsoft.com/office/powerpoint/2010/main" val="263428660"/>
+        <p14:creationId xmlns:p14="http://schemas.microsoft.com/office/powerpoint/2010/main" val="3353674203"/>
       </p:ext>
     </p:extLst>
   </p:cSld>
@@ -21559,7 +18113,7 @@
           <a:p>
             <a:r>
               <a:rPr lang="en-US" dirty="0" smtClean="0"/>
-              <a:t>Overview</a:t>
+              <a:t>A Word of Caution</a:t>
             </a:r>
             <a:endParaRPr lang="en-US" dirty="0"/>
           </a:p>
@@ -21578,74 +18132,105 @@
         <p:spPr/>
         <p:txBody>
           <a:bodyPr>
-            <a:normAutofit/>
+            <a:normAutofit fontScale="92500" lnSpcReduction="10000"/>
           </a:bodyPr>
           <a:lstStyle/>
           <a:p>
             <a:r>
               <a:rPr lang="en-US" dirty="0" smtClean="0"/>
-              <a:t>Lots of bad jokes (I can’t help it).</a:t>
+              <a:t>I’m not an expert.</a:t>
             </a:r>
           </a:p>
           <a:p>
             <a:r>
               <a:rPr lang="en-US" dirty="0" smtClean="0"/>
-              <a:t>When to use threads.</a:t>
+              <a:t>Can become a minefield of subtle and hard to reproduce defects.</a:t>
             </a:r>
           </a:p>
           <a:p>
             <a:r>
               <a:rPr lang="en-US" dirty="0" smtClean="0"/>
-              <a:t>Basics of multi-threading in </a:t>
+              <a:t>More computing sins are committed in the name of efficiency that for any other single reason, including blind stupidity</a:t>
+            </a:r>
+            <a:br>
+              <a:rPr lang="en-US" dirty="0" smtClean="0"/>
+            </a:br>
+            <a:r>
+              <a:rPr lang="en-US" dirty="0" smtClean="0"/>
+              <a:t>		– W.A. </a:t>
             </a:r>
             <a:r>
               <a:rPr lang="en-US" dirty="0" err="1" smtClean="0"/>
-              <a:t>.Net</a:t>
+              <a:t>Wulf</a:t>
             </a:r>
             <a:endParaRPr lang="en-US" dirty="0" smtClean="0"/>
           </a:p>
           <a:p>
             <a:r>
               <a:rPr lang="en-US" dirty="0" smtClean="0"/>
-              <a:t>Multi-threaded programming patterns</a:t>
-            </a:r>
-          </a:p>
-          <a:p>
-            <a:r>
+              <a:t>Premature optimization is the root of all evil</a:t>
+            </a:r>
+            <a:br>
               <a:rPr lang="en-US" dirty="0" smtClean="0"/>
-              <a:t>Parallel </a:t>
+            </a:br>
+            <a:r>
+              <a:rPr lang="en-US" dirty="0" smtClean="0"/>
+              <a:t>		– Donald </a:t>
             </a:r>
             <a:r>
               <a:rPr lang="en-US" dirty="0" err="1" smtClean="0"/>
-              <a:t>Linq</a:t>
+              <a:t>Kuth</a:t>
             </a:r>
             <a:endParaRPr lang="en-US" dirty="0" smtClean="0"/>
           </a:p>
           <a:p>
             <a:r>
               <a:rPr lang="en-US" dirty="0" smtClean="0"/>
-              <a:t>Task Parallel Library</a:t>
-            </a:r>
-          </a:p>
-          <a:p>
-            <a:r>
-              <a:rPr lang="en-US" dirty="0" err="1" smtClean="0"/>
-              <a:t>Async</a:t>
-            </a:r>
+              <a:t>Jackson’s Rules of Optimization</a:t>
+            </a:r>
+          </a:p>
+          <a:p>
+            <a:pPr lvl="1"/>
             <a:r>
               <a:rPr lang="en-US" dirty="0" smtClean="0"/>
-              <a:t> Controllers (and why they matter)</a:t>
-            </a:r>
-          </a:p>
-          <a:p>
+              <a:t>Don’t do it.</a:t>
+            </a:r>
+          </a:p>
+          <a:p>
+            <a:pPr lvl="1"/>
+            <a:r>
+              <a:rPr lang="en-US" dirty="0" smtClean="0"/>
+              <a:t>(For experts only): Don’t do it </a:t>
+            </a:r>
+            <a:r>
+              <a:rPr lang="en-US" i="1" dirty="0" smtClean="0"/>
+              <a:t>yet</a:t>
+            </a:r>
+            <a:r>
+              <a:rPr lang="en-US" dirty="0" smtClean="0"/>
+              <a:t>.</a:t>
+            </a:r>
             <a:endParaRPr lang="en-US" dirty="0"/>
+          </a:p>
+          <a:p>
+            <a:r>
+              <a:rPr lang="en-US" dirty="0" smtClean="0"/>
+              <a:t>Eric’s Rule of Optimization</a:t>
+            </a:r>
+          </a:p>
+          <a:p>
+            <a:pPr lvl="1"/>
+            <a:r>
+              <a:rPr lang="en-US" dirty="0" smtClean="0"/>
+              <a:t>Do whatever the heck you want!</a:t>
+            </a:r>
           </a:p>
         </p:txBody>
       </p:sp>
     </p:spTree>
     <p:extLst>
       <p:ext uri="{BB962C8B-B14F-4D97-AF65-F5344CB8AC3E}">
-        <p14:creationId xmlns:p14="http://schemas.microsoft.com/office/powerpoint/2010/main" val="2696668645"/>
+        <p14:creationId xmlns:p14="http://schemas.microsoft.com/office/powerpoint/2010/main" val="266457984"/>
       </p:ext>
     </p:extLst>
   </p:cSld>
@@ -21698,7 +18283,7 @@
           <a:p>
             <a:r>
               <a:rPr lang="en-US" dirty="0" smtClean="0"/>
-              <a:t>Word Joke</a:t>
+              <a:t>Language Joke</a:t>
             </a:r>
             <a:endParaRPr lang="en-US" dirty="0"/>
           </a:p>
@@ -21716,15 +18301,21 @@
         </p:nvSpPr>
         <p:spPr/>
         <p:txBody>
-          <a:bodyPr/>
+          <a:bodyPr>
+            <a:normAutofit/>
+          </a:bodyPr>
           <a:lstStyle/>
           <a:p>
             <a:pPr marL="0" indent="0">
               <a:buNone/>
             </a:pPr>
             <a:r>
+              <a:rPr lang="en-US" dirty="0"/>
+              <a:t>What’s the difference between an etymologist and an </a:t>
+            </a:r>
+            <a:r>
               <a:rPr lang="en-US" dirty="0" smtClean="0"/>
-              <a:t>Why is it so hard to explain puns to kleptomaniacs?</a:t>
+              <a:t>entomologist?</a:t>
             </a:r>
             <a:endParaRPr lang="en-US" dirty="0"/>
           </a:p>
@@ -21733,7 +18324,7 @@
     </p:spTree>
     <p:extLst>
       <p:ext uri="{BB962C8B-B14F-4D97-AF65-F5344CB8AC3E}">
-        <p14:creationId xmlns:p14="http://schemas.microsoft.com/office/powerpoint/2010/main" val="1553533057"/>
+        <p14:creationId xmlns:p14="http://schemas.microsoft.com/office/powerpoint/2010/main" val="1260671292"/>
       </p:ext>
     </p:extLst>
   </p:cSld>
@@ -21769,7 +18360,7 @@
       </p:grpSpPr>
       <p:sp>
         <p:nvSpPr>
-          <p:cNvPr id="4" name="Title 3"/>
+          <p:cNvPr id="2" name="Title 1"/>
           <p:cNvSpPr>
             <a:spLocks noGrp="1"/>
           </p:cNvSpPr>
@@ -21786,7 +18377,7 @@
           <a:p>
             <a:r>
               <a:rPr lang="en-US" dirty="0" smtClean="0"/>
-              <a:t>When to Use Multi-threading</a:t>
+              <a:t>How to Begin</a:t>
             </a:r>
             <a:endParaRPr lang="en-US" dirty="0"/>
           </a:p>
@@ -21794,7 +18385,7 @@
       </p:sp>
       <p:sp>
         <p:nvSpPr>
-          <p:cNvPr id="9" name="Content Placeholder 8"/>
+          <p:cNvPr id="3" name="Content Placeholder 2"/>
           <p:cNvSpPr>
             <a:spLocks noGrp="1"/>
           </p:cNvSpPr>
@@ -21804,34 +18395,57 @@
         </p:nvSpPr>
         <p:spPr/>
         <p:txBody>
-          <a:bodyPr>
-            <a:normAutofit/>
-          </a:bodyPr>
+          <a:bodyPr/>
           <a:lstStyle/>
           <a:p>
             <a:r>
               <a:rPr lang="en-US" dirty="0" smtClean="0"/>
-              <a:t>Application is CPU bound and not using all cores.  The task manager tells the story.</a:t>
-            </a:r>
-          </a:p>
-          <a:p>
+              <a:t>Understanding your application and what can be done in parallel </a:t>
+            </a:r>
+            <a:r>
+              <a:rPr lang="en-US" b="1" dirty="0" smtClean="0">
+                <a:solidFill>
+                  <a:srgbClr val="FF0000"/>
+                </a:solidFill>
+              </a:rPr>
+              <a:t>CANNOT be skipped</a:t>
+            </a:r>
             <a:r>
               <a:rPr lang="en-US" dirty="0" smtClean="0"/>
-              <a:t>Application is waiting on external resources that can be loaded in parallel.</a:t>
+              <a:t>.</a:t>
             </a:r>
           </a:p>
           <a:p>
             <a:r>
               <a:rPr lang="en-US" dirty="0" smtClean="0"/>
-              <a:t>Only when the benefits outweigh the costs.</a:t>
-            </a:r>
+              <a:t>Look for potential parallelism across the application as a whole.</a:t>
+            </a:r>
+          </a:p>
+          <a:p>
+            <a:r>
+              <a:rPr lang="en-US" dirty="0" smtClean="0"/>
+              <a:t>Prepare your application for parallel execution my making structural changes.</a:t>
+            </a:r>
+          </a:p>
+          <a:p>
+            <a:r>
+              <a:rPr lang="en-US" dirty="0" smtClean="0"/>
+              <a:t>Sound vague?  Know </a:t>
+            </a:r>
+            <a:r>
+              <a:rPr lang="en-US" dirty="0"/>
+              <a:t>the patterns and the problems they solve!</a:t>
+            </a:r>
+          </a:p>
+          <a:p>
+            <a:endParaRPr lang="en-US" dirty="0"/>
           </a:p>
         </p:txBody>
       </p:sp>
     </p:spTree>
     <p:extLst>
       <p:ext uri="{BB962C8B-B14F-4D97-AF65-F5344CB8AC3E}">
-        <p14:creationId xmlns:p14="http://schemas.microsoft.com/office/powerpoint/2010/main" val="729225566"/>
+        <p14:creationId xmlns:p14="http://schemas.microsoft.com/office/powerpoint/2010/main" val="2846285021"/>
       </p:ext>
     </p:extLst>
   </p:cSld>
@@ -22173,268 +18787,13 @@
 </a:theme>
 </file>
 
-<file path=ppt/theme/theme2.xml><?xml version="1.0" encoding="utf-8"?>
-<a:theme xmlns:a="http://schemas.openxmlformats.org/drawingml/2006/main" name="1_Office Theme">
-  <a:themeElements>
-    <a:clrScheme name="Office Theme">
-      <a:dk1>
-        <a:sysClr val="windowText" lastClr="000000"/>
-      </a:dk1>
-      <a:lt1>
-        <a:sysClr val="window" lastClr="FFFFFF"/>
-      </a:lt1>
-      <a:dk2>
-        <a:srgbClr val="44546A"/>
-      </a:dk2>
-      <a:lt2>
-        <a:srgbClr val="E7E6E6"/>
-      </a:lt2>
-      <a:accent1>
-        <a:srgbClr val="5B9BD5"/>
-      </a:accent1>
-      <a:accent2>
-        <a:srgbClr val="ED7D31"/>
-      </a:accent2>
-      <a:accent3>
-        <a:srgbClr val="A5A5A5"/>
-      </a:accent3>
-      <a:accent4>
-        <a:srgbClr val="FFC000"/>
-      </a:accent4>
-      <a:accent5>
-        <a:srgbClr val="4472C4"/>
-      </a:accent5>
-      <a:accent6>
-        <a:srgbClr val="70AD47"/>
-      </a:accent6>
-      <a:hlink>
-        <a:srgbClr val="0563C1"/>
-      </a:hlink>
-      <a:folHlink>
-        <a:srgbClr val="954F72"/>
-      </a:folHlink>
-    </a:clrScheme>
-    <a:fontScheme name="Office Theme">
-      <a:majorFont>
-        <a:latin typeface="Calibri Light" panose="020F0302020204030204"/>
-        <a:ea typeface=""/>
-        <a:cs typeface=""/>
-        <a:font script="Jpan" typeface="ＭＳ Ｐゴシック"/>
-        <a:font script="Hang" typeface="맑은 고딕"/>
-        <a:font script="Hans" typeface="宋体"/>
-        <a:font script="Hant" typeface="新細明體"/>
-        <a:font script="Arab" typeface="Times New Roman"/>
-        <a:font script="Hebr" typeface="Times New Roman"/>
-        <a:font script="Thai" typeface="Angsana New"/>
-        <a:font script="Ethi" typeface="Nyala"/>
-        <a:font script="Beng" typeface="Vrinda"/>
-        <a:font script="Gujr" typeface="Shruti"/>
-        <a:font script="Khmr" typeface="MoolBoran"/>
-        <a:font script="Knda" typeface="Tunga"/>
-        <a:font script="Guru" typeface="Raavi"/>
-        <a:font script="Cans" typeface="Euphemia"/>
-        <a:font script="Cher" typeface="Plantagenet Cherokee"/>
-        <a:font script="Yiii" typeface="Microsoft Yi Baiti"/>
-        <a:font script="Tibt" typeface="Microsoft Himalaya"/>
-        <a:font script="Thaa" typeface="MV Boli"/>
-        <a:font script="Deva" typeface="Mangal"/>
-        <a:font script="Telu" typeface="Gautami"/>
-        <a:font script="Taml" typeface="Latha"/>
-        <a:font script="Syrc" typeface="Estrangelo Edessa"/>
-        <a:font script="Orya" typeface="Kalinga"/>
-        <a:font script="Mlym" typeface="Kartika"/>
-        <a:font script="Laoo" typeface="DokChampa"/>
-        <a:font script="Sinh" typeface="Iskoola Pota"/>
-        <a:font script="Mong" typeface="Mongolian Baiti"/>
-        <a:font script="Viet" typeface="Times New Roman"/>
-        <a:font script="Uigh" typeface="Microsoft Uighur"/>
-        <a:font script="Geor" typeface="Sylfaen"/>
-      </a:majorFont>
-      <a:minorFont>
-        <a:latin typeface="Calibri" panose="020F0502020204030204"/>
-        <a:ea typeface=""/>
-        <a:cs typeface=""/>
-        <a:font script="Jpan" typeface="ＭＳ Ｐゴシック"/>
-        <a:font script="Hang" typeface="맑은 고딕"/>
-        <a:font script="Hans" typeface="宋体"/>
-        <a:font script="Hant" typeface="新細明體"/>
-        <a:font script="Arab" typeface="Arial"/>
-        <a:font script="Hebr" typeface="Arial"/>
-        <a:font script="Thai" typeface="Cordia New"/>
-        <a:font script="Ethi" typeface="Nyala"/>
-        <a:font script="Beng" typeface="Vrinda"/>
-        <a:font script="Gujr" typeface="Shruti"/>
-        <a:font script="Khmr" typeface="DaunPenh"/>
-        <a:font script="Knda" typeface="Tunga"/>
-        <a:font script="Guru" typeface="Raavi"/>
-        <a:font script="Cans" typeface="Euphemia"/>
-        <a:font script="Cher" typeface="Plantagenet Cherokee"/>
-        <a:font script="Yiii" typeface="Microsoft Yi Baiti"/>
-        <a:font script="Tibt" typeface="Microsoft Himalaya"/>
-        <a:font script="Thaa" typeface="MV Boli"/>
-        <a:font script="Deva" typeface="Mangal"/>
-        <a:font script="Telu" typeface="Gautami"/>
-        <a:font script="Taml" typeface="Latha"/>
-        <a:font script="Syrc" typeface="Estrangelo Edessa"/>
-        <a:font script="Orya" typeface="Kalinga"/>
-        <a:font script="Mlym" typeface="Kartika"/>
-        <a:font script="Laoo" typeface="DokChampa"/>
-        <a:font script="Sinh" typeface="Iskoola Pota"/>
-        <a:font script="Mong" typeface="Mongolian Baiti"/>
-        <a:font script="Viet" typeface="Arial"/>
-        <a:font script="Uigh" typeface="Microsoft Uighur"/>
-        <a:font script="Geor" typeface="Sylfaen"/>
-      </a:minorFont>
-    </a:fontScheme>
-    <a:fmtScheme name="Office Theme">
-      <a:fillStyleLst>
-        <a:solidFill>
-          <a:schemeClr val="phClr"/>
-        </a:solidFill>
-        <a:gradFill rotWithShape="1">
-          <a:gsLst>
-            <a:gs pos="0">
-              <a:schemeClr val="phClr">
-                <a:lumMod val="110000"/>
-                <a:satMod val="105000"/>
-                <a:tint val="67000"/>
-              </a:schemeClr>
-            </a:gs>
-            <a:gs pos="50000">
-              <a:schemeClr val="phClr">
-                <a:lumMod val="105000"/>
-                <a:satMod val="103000"/>
-                <a:tint val="73000"/>
-              </a:schemeClr>
-            </a:gs>
-            <a:gs pos="100000">
-              <a:schemeClr val="phClr">
-                <a:lumMod val="105000"/>
-                <a:satMod val="109000"/>
-                <a:tint val="81000"/>
-              </a:schemeClr>
-            </a:gs>
-          </a:gsLst>
-          <a:lin ang="5400000" scaled="0"/>
-        </a:gradFill>
-        <a:gradFill rotWithShape="1">
-          <a:gsLst>
-            <a:gs pos="0">
-              <a:schemeClr val="phClr">
-                <a:satMod val="103000"/>
-                <a:lumMod val="102000"/>
-                <a:tint val="94000"/>
-              </a:schemeClr>
-            </a:gs>
-            <a:gs pos="50000">
-              <a:schemeClr val="phClr">
-                <a:satMod val="110000"/>
-                <a:lumMod val="100000"/>
-                <a:shade val="100000"/>
-              </a:schemeClr>
-            </a:gs>
-            <a:gs pos="100000">
-              <a:schemeClr val="phClr">
-                <a:lumMod val="99000"/>
-                <a:satMod val="120000"/>
-                <a:shade val="78000"/>
-              </a:schemeClr>
-            </a:gs>
-          </a:gsLst>
-          <a:lin ang="5400000" scaled="0"/>
-        </a:gradFill>
-      </a:fillStyleLst>
-      <a:lnStyleLst>
-        <a:ln w="6350" cap="flat" cmpd="sng" algn="ctr">
-          <a:solidFill>
-            <a:schemeClr val="phClr"/>
-          </a:solidFill>
-          <a:prstDash val="solid"/>
-          <a:miter lim="800000"/>
-        </a:ln>
-        <a:ln w="12700" cap="flat" cmpd="sng" algn="ctr">
-          <a:solidFill>
-            <a:schemeClr val="phClr"/>
-          </a:solidFill>
-          <a:prstDash val="solid"/>
-          <a:miter lim="800000"/>
-        </a:ln>
-        <a:ln w="19050" cap="flat" cmpd="sng" algn="ctr">
-          <a:solidFill>
-            <a:schemeClr val="phClr"/>
-          </a:solidFill>
-          <a:prstDash val="solid"/>
-          <a:miter lim="800000"/>
-        </a:ln>
-      </a:lnStyleLst>
-      <a:effectStyleLst>
-        <a:effectStyle>
-          <a:effectLst/>
-        </a:effectStyle>
-        <a:effectStyle>
-          <a:effectLst/>
-        </a:effectStyle>
-        <a:effectStyle>
-          <a:effectLst>
-            <a:outerShdw blurRad="57150" dist="19050" dir="5400000" algn="ctr" rotWithShape="0">
-              <a:srgbClr val="000000">
-                <a:alpha val="63000"/>
-              </a:srgbClr>
-            </a:outerShdw>
-          </a:effectLst>
-        </a:effectStyle>
-      </a:effectStyleLst>
-      <a:bgFillStyleLst>
-        <a:solidFill>
-          <a:schemeClr val="phClr"/>
-        </a:solidFill>
-        <a:solidFill>
-          <a:schemeClr val="phClr">
-            <a:tint val="95000"/>
-            <a:satMod val="170000"/>
-          </a:schemeClr>
-        </a:solidFill>
-        <a:gradFill rotWithShape="1">
-          <a:gsLst>
-            <a:gs pos="0">
-              <a:schemeClr val="phClr">
-                <a:tint val="93000"/>
-                <a:satMod val="150000"/>
-                <a:shade val="98000"/>
-                <a:lumMod val="102000"/>
-              </a:schemeClr>
-            </a:gs>
-            <a:gs pos="50000">
-              <a:schemeClr val="phClr">
-                <a:tint val="98000"/>
-                <a:satMod val="130000"/>
-                <a:shade val="90000"/>
-                <a:lumMod val="103000"/>
-              </a:schemeClr>
-            </a:gs>
-            <a:gs pos="100000">
-              <a:schemeClr val="phClr">
-                <a:shade val="63000"/>
-                <a:satMod val="120000"/>
-              </a:schemeClr>
-            </a:gs>
-          </a:gsLst>
-          <a:lin ang="5400000" scaled="0"/>
-        </a:gradFill>
-      </a:bgFillStyleLst>
-    </a:fmtScheme>
-  </a:themeElements>
-  <a:objectDefaults/>
-  <a:extraClrSchemeLst/>
-  <a:extLst>
-    <a:ext uri="{05A4C25C-085E-4340-85A3-A5531E510DB2}">
-      <thm15:themeFamily xmlns:thm15="http://schemas.microsoft.com/office/thememl/2012/main" name="Office Theme" id="{62F939B6-93AF-4DB8-9C6B-D6C7DFDC589F}" vid="{4A3C46E8-61CC-4603-A589-7422A47A8E4A}"/>
-    </a:ext>
-  </a:extLst>
-</a:theme>
+<file path=customXml/item1.xml><?xml version="1.0" encoding="utf-8"?>
+<p:properties xmlns:p="http://schemas.microsoft.com/office/2006/metadata/properties" xmlns:xsi="http://www.w3.org/2001/XMLSchema-instance" xmlns:pc="http://schemas.microsoft.com/office/infopath/2007/PartnerControls">
+  <documentManagement/>
+</p:properties>
 </file>
 
-<file path=customXml/item1.xml><?xml version="1.0" encoding="utf-8"?>
+<file path=customXml/item2.xml><?xml version="1.0" encoding="utf-8"?>
 <ct:contentTypeSchema xmlns:ct="http://schemas.microsoft.com/office/2006/metadata/contentType" xmlns:ma="http://schemas.microsoft.com/office/2006/metadata/properties/metaAttributes" ct:_="" ma:_="" ma:contentTypeName="Document" ma:contentTypeID="0x010100D7398AE121397446B28901E5E849BF40" ma:contentTypeVersion="1" ma:contentTypeDescription="Create a new document." ma:contentTypeScope="" ma:versionID="a7e693a555462a2cb5a0a6921c4c327e">
   <xsd:schema xmlns:xsd="http://www.w3.org/2001/XMLSchema" xmlns:xs="http://www.w3.org/2001/XMLSchema" xmlns:p="http://schemas.microsoft.com/office/2006/metadata/properties" targetNamespace="http://schemas.microsoft.com/office/2006/metadata/properties" ma:root="true" ma:fieldsID="391dd5b7355e85894d95fdf891f88749">
     <xsd:element name="properties">
@@ -22548,12 +18907,6 @@
 </ct:contentTypeSchema>
 </file>
 
-<file path=customXml/item2.xml><?xml version="1.0" encoding="utf-8"?>
-<p:properties xmlns:p="http://schemas.microsoft.com/office/2006/metadata/properties" xmlns:xsi="http://www.w3.org/2001/XMLSchema-instance" xmlns:pc="http://schemas.microsoft.com/office/infopath/2007/PartnerControls">
-  <documentManagement/>
-</p:properties>
-</file>
-
 <file path=customXml/item3.xml><?xml version="1.0" encoding="utf-8"?>
 <?mso-contentType ?>
 <FormTemplates xmlns="http://schemas.microsoft.com/sharepoint/v3/contenttype/forms">
@@ -22564,6 +18917,21 @@
 </file>
 
 <file path=customXml/itemProps1.xml><?xml version="1.0" encoding="utf-8"?>
+<ds:datastoreItem xmlns:ds="http://schemas.openxmlformats.org/officeDocument/2006/customXml" ds:itemID="{A04551C0-1604-41A0-9B5C-A5F88AD2E0FE}">
+  <ds:schemaRefs>
+    <ds:schemaRef ds:uri="http://schemas.microsoft.com/office/infopath/2007/PartnerControls"/>
+    <ds:schemaRef ds:uri="http://purl.org/dc/elements/1.1/"/>
+    <ds:schemaRef ds:uri="http://schemas.microsoft.com/office/2006/metadata/properties"/>
+    <ds:schemaRef ds:uri="http://purl.org/dc/terms/"/>
+    <ds:schemaRef ds:uri="http://schemas.openxmlformats.org/package/2006/metadata/core-properties"/>
+    <ds:schemaRef ds:uri="http://schemas.microsoft.com/office/2006/documentManagement/types"/>
+    <ds:schemaRef ds:uri="http://www.w3.org/XML/1998/namespace"/>
+    <ds:schemaRef ds:uri="http://purl.org/dc/dcmitype/"/>
+  </ds:schemaRefs>
+</ds:datastoreItem>
+</file>
+
+<file path=customXml/itemProps2.xml><?xml version="1.0" encoding="utf-8"?>
 <ds:datastoreItem xmlns:ds="http://schemas.openxmlformats.org/officeDocument/2006/customXml" ds:itemID="{BC072F6F-04ED-4B85-B28F-4D6DE375C2E0}">
   <ds:schemaRefs>
     <ds:schemaRef ds:uri="http://schemas.microsoft.com/office/2006/metadata/contentType"/>
@@ -22579,21 +18947,6 @@
 </ds:datastoreItem>
 </file>
 
-<file path=customXml/itemProps2.xml><?xml version="1.0" encoding="utf-8"?>
-<ds:datastoreItem xmlns:ds="http://schemas.openxmlformats.org/officeDocument/2006/customXml" ds:itemID="{A04551C0-1604-41A0-9B5C-A5F88AD2E0FE}">
-  <ds:schemaRefs>
-    <ds:schemaRef ds:uri="http://schemas.microsoft.com/office/infopath/2007/PartnerControls"/>
-    <ds:schemaRef ds:uri="http://purl.org/dc/elements/1.1/"/>
-    <ds:schemaRef ds:uri="http://schemas.microsoft.com/office/2006/metadata/properties"/>
-    <ds:schemaRef ds:uri="http://purl.org/dc/terms/"/>
-    <ds:schemaRef ds:uri="http://schemas.openxmlformats.org/package/2006/metadata/core-properties"/>
-    <ds:schemaRef ds:uri="http://schemas.microsoft.com/office/2006/documentManagement/types"/>
-    <ds:schemaRef ds:uri="http://www.w3.org/XML/1998/namespace"/>
-    <ds:schemaRef ds:uri="http://purl.org/dc/dcmitype/"/>
-  </ds:schemaRefs>
-</ds:datastoreItem>
-</file>
-
 <file path=customXml/itemProps3.xml><?xml version="1.0" encoding="utf-8"?>
 <ds:datastoreItem xmlns:ds="http://schemas.openxmlformats.org/officeDocument/2006/customXml" ds:itemID="{B857AB07-B2ED-439E-860F-4F56FB345D1B}">
   <ds:schemaRefs>

--- a/Presentation/THasINKync - 4x3.pptx
+++ b/Presentation/THasINKync - 4x3.pptx
@@ -144,7 +144,7 @@
   </p:defaultTextStyle>
   <p:extLst>
     <p:ext uri="{EFAFB233-063F-42B5-8137-9DF3F51BA10A}">
-      <p15:sldGuideLst xmlns:p15="http://schemas.microsoft.com/office/powerpoint/2012/main" xmlns="">
+      <p15:sldGuideLst xmlns="" xmlns:p15="http://schemas.microsoft.com/office/powerpoint/2012/main">
         <p15:guide id="1" orient="horz" pos="1620" userDrawn="1">
           <p15:clr>
             <a:srgbClr val="A4A3A4"/>
@@ -3160,379 +3160,6 @@
       <dsp:cNvGrpSpPr/>
     </dsp:nvGrpSpPr>
     <dsp:grpSpPr/>
-    <dsp:sp modelId="{B88EDF4C-4C3E-43DA-8D4C-21268F4ED6EF}">
-      <dsp:nvSpPr>
-        <dsp:cNvPr id="0" name=""/>
-        <dsp:cNvSpPr/>
-      </dsp:nvSpPr>
-      <dsp:spPr>
-        <a:xfrm>
-          <a:off x="0" y="0"/>
-          <a:ext cx="1082239" cy="601244"/>
-        </a:xfrm>
-        <a:prstGeom prst="flowChartMultidocument">
-          <a:avLst/>
-        </a:prstGeom>
-        <a:solidFill>
-          <a:schemeClr val="accent1">
-            <a:hueOff val="0"/>
-            <a:satOff val="0"/>
-            <a:lumOff val="0"/>
-            <a:alphaOff val="0"/>
-          </a:schemeClr>
-        </a:solidFill>
-        <a:ln w="25400" cap="flat" cmpd="sng" algn="ctr">
-          <a:solidFill>
-            <a:schemeClr val="lt1">
-              <a:hueOff val="0"/>
-              <a:satOff val="0"/>
-              <a:lumOff val="0"/>
-              <a:alphaOff val="0"/>
-            </a:schemeClr>
-          </a:solidFill>
-          <a:prstDash val="solid"/>
-        </a:ln>
-        <a:effectLst/>
-      </dsp:spPr>
-      <dsp:style>
-        <a:lnRef idx="2">
-          <a:scrgbClr r="0" g="0" b="0"/>
-        </a:lnRef>
-        <a:fillRef idx="1">
-          <a:scrgbClr r="0" g="0" b="0"/>
-        </a:fillRef>
-        <a:effectRef idx="0">
-          <a:scrgbClr r="0" g="0" b="0"/>
-        </a:effectRef>
-        <a:fontRef idx="minor">
-          <a:schemeClr val="lt1"/>
-        </a:fontRef>
-      </dsp:style>
-      <dsp:txBody>
-        <a:bodyPr spcFirstLastPara="0" vert="horz" wrap="square" lIns="53340" tIns="53340" rIns="53340" bIns="53340" numCol="1" spcCol="1270" anchor="ctr" anchorCtr="0">
-          <a:noAutofit/>
-        </a:bodyPr>
-        <a:lstStyle/>
-        <a:p>
-          <a:pPr lvl="0" algn="ctr" defTabSz="622300">
-            <a:lnSpc>
-              <a:spcPct val="90000"/>
-            </a:lnSpc>
-            <a:spcBef>
-              <a:spcPct val="0"/>
-            </a:spcBef>
-            <a:spcAft>
-              <a:spcPct val="35000"/>
-            </a:spcAft>
-          </a:pPr>
-          <a:r>
-            <a:rPr lang="en-US" sz="1400" kern="1200" dirty="0" smtClean="0"/>
-            <a:t>…</a:t>
-          </a:r>
-          <a:endParaRPr lang="en-US" sz="1400" kern="1200" dirty="0"/>
-        </a:p>
-      </dsp:txBody>
-      <dsp:txXfrm>
-        <a:off x="0" y="102295"/>
-        <a:ext cx="931678" cy="476180"/>
-      </dsp:txXfrm>
-    </dsp:sp>
-    <dsp:sp modelId="{6F3F6FFB-3805-400E-92AC-42AFFB8E29D5}">
-      <dsp:nvSpPr>
-        <dsp:cNvPr id="0" name=""/>
-        <dsp:cNvSpPr/>
-      </dsp:nvSpPr>
-      <dsp:spPr>
-        <a:xfrm rot="5400000">
-          <a:off x="428386" y="616275"/>
-          <a:ext cx="225466" cy="270559"/>
-        </a:xfrm>
-        <a:prstGeom prst="rightArrow">
-          <a:avLst>
-            <a:gd name="adj1" fmla="val 60000"/>
-            <a:gd name="adj2" fmla="val 50000"/>
-          </a:avLst>
-        </a:prstGeom>
-        <a:solidFill>
-          <a:schemeClr val="accent1">
-            <a:tint val="60000"/>
-            <a:hueOff val="0"/>
-            <a:satOff val="0"/>
-            <a:lumOff val="0"/>
-            <a:alphaOff val="0"/>
-          </a:schemeClr>
-        </a:solidFill>
-        <a:ln>
-          <a:noFill/>
-        </a:ln>
-        <a:effectLst/>
-      </dsp:spPr>
-      <dsp:style>
-        <a:lnRef idx="0">
-          <a:scrgbClr r="0" g="0" b="0"/>
-        </a:lnRef>
-        <a:fillRef idx="1">
-          <a:scrgbClr r="0" g="0" b="0"/>
-        </a:fillRef>
-        <a:effectRef idx="0">
-          <a:scrgbClr r="0" g="0" b="0"/>
-        </a:effectRef>
-        <a:fontRef idx="minor">
-          <a:schemeClr val="lt1"/>
-        </a:fontRef>
-      </dsp:style>
-      <dsp:txBody>
-        <a:bodyPr spcFirstLastPara="0" vert="horz" wrap="square" lIns="0" tIns="0" rIns="0" bIns="0" numCol="1" spcCol="1270" anchor="ctr" anchorCtr="0">
-          <a:noAutofit/>
-        </a:bodyPr>
-        <a:lstStyle/>
-        <a:p>
-          <a:pPr lvl="0" algn="ctr" defTabSz="488950">
-            <a:lnSpc>
-              <a:spcPct val="90000"/>
-            </a:lnSpc>
-            <a:spcBef>
-              <a:spcPct val="0"/>
-            </a:spcBef>
-            <a:spcAft>
-              <a:spcPct val="35000"/>
-            </a:spcAft>
-          </a:pPr>
-          <a:endParaRPr lang="en-US" sz="1100" kern="1200"/>
-        </a:p>
-      </dsp:txBody>
-      <dsp:txXfrm rot="-5400000">
-        <a:off x="459952" y="638821"/>
-        <a:ext cx="162335" cy="157826"/>
-      </dsp:txXfrm>
-    </dsp:sp>
-    <dsp:sp modelId="{25EF5F4E-FB50-4FF9-B013-E9D8AA82EDC7}">
-      <dsp:nvSpPr>
-        <dsp:cNvPr id="0" name=""/>
-        <dsp:cNvSpPr/>
-      </dsp:nvSpPr>
-      <dsp:spPr>
-        <a:xfrm>
-          <a:off x="0" y="901866"/>
-          <a:ext cx="1082239" cy="601244"/>
-        </a:xfrm>
-        <a:prstGeom prst="roundRect">
-          <a:avLst>
-            <a:gd name="adj" fmla="val 10000"/>
-          </a:avLst>
-        </a:prstGeom>
-        <a:solidFill>
-          <a:schemeClr val="accent1">
-            <a:hueOff val="0"/>
-            <a:satOff val="0"/>
-            <a:lumOff val="0"/>
-            <a:alphaOff val="0"/>
-          </a:schemeClr>
-        </a:solidFill>
-        <a:ln w="25400" cap="flat" cmpd="sng" algn="ctr">
-          <a:solidFill>
-            <a:schemeClr val="lt1">
-              <a:hueOff val="0"/>
-              <a:satOff val="0"/>
-              <a:lumOff val="0"/>
-              <a:alphaOff val="0"/>
-            </a:schemeClr>
-          </a:solidFill>
-          <a:prstDash val="solid"/>
-        </a:ln>
-        <a:effectLst/>
-      </dsp:spPr>
-      <dsp:style>
-        <a:lnRef idx="2">
-          <a:scrgbClr r="0" g="0" b="0"/>
-        </a:lnRef>
-        <a:fillRef idx="1">
-          <a:scrgbClr r="0" g="0" b="0"/>
-        </a:fillRef>
-        <a:effectRef idx="0">
-          <a:scrgbClr r="0" g="0" b="0"/>
-        </a:effectRef>
-        <a:fontRef idx="minor">
-          <a:schemeClr val="lt1"/>
-        </a:fontRef>
-      </dsp:style>
-      <dsp:txBody>
-        <a:bodyPr spcFirstLastPara="0" vert="horz" wrap="square" lIns="53340" tIns="53340" rIns="53340" bIns="53340" numCol="1" spcCol="1270" anchor="ctr" anchorCtr="0">
-          <a:noAutofit/>
-        </a:bodyPr>
-        <a:lstStyle/>
-        <a:p>
-          <a:pPr lvl="0" algn="ctr" defTabSz="622300">
-            <a:lnSpc>
-              <a:spcPct val="90000"/>
-            </a:lnSpc>
-            <a:spcBef>
-              <a:spcPct val="0"/>
-            </a:spcBef>
-            <a:spcAft>
-              <a:spcPct val="35000"/>
-            </a:spcAft>
-          </a:pPr>
-          <a:r>
-            <a:rPr lang="en-US" sz="1400" kern="1200" dirty="0" smtClean="0"/>
-            <a:t>Accumulate Into Subtotal</a:t>
-          </a:r>
-          <a:endParaRPr lang="en-US" sz="1400" kern="1200" dirty="0"/>
-        </a:p>
-      </dsp:txBody>
-      <dsp:txXfrm>
-        <a:off x="17610" y="919476"/>
-        <a:ext cx="1047019" cy="566024"/>
-      </dsp:txXfrm>
-    </dsp:sp>
-    <dsp:sp modelId="{1BBC6809-A424-46A5-9C8A-0973516973CB}">
-      <dsp:nvSpPr>
-        <dsp:cNvPr id="0" name=""/>
-        <dsp:cNvSpPr/>
-      </dsp:nvSpPr>
-      <dsp:spPr>
-        <a:xfrm rot="5400000">
-          <a:off x="428386" y="1518141"/>
-          <a:ext cx="225466" cy="270559"/>
-        </a:xfrm>
-        <a:prstGeom prst="rightArrow">
-          <a:avLst>
-            <a:gd name="adj1" fmla="val 60000"/>
-            <a:gd name="adj2" fmla="val 50000"/>
-          </a:avLst>
-        </a:prstGeom>
-        <a:solidFill>
-          <a:schemeClr val="accent1">
-            <a:tint val="60000"/>
-            <a:hueOff val="0"/>
-            <a:satOff val="0"/>
-            <a:lumOff val="0"/>
-            <a:alphaOff val="0"/>
-          </a:schemeClr>
-        </a:solidFill>
-        <a:ln>
-          <a:noFill/>
-        </a:ln>
-        <a:effectLst/>
-      </dsp:spPr>
-      <dsp:style>
-        <a:lnRef idx="0">
-          <a:scrgbClr r="0" g="0" b="0"/>
-        </a:lnRef>
-        <a:fillRef idx="1">
-          <a:scrgbClr r="0" g="0" b="0"/>
-        </a:fillRef>
-        <a:effectRef idx="0">
-          <a:scrgbClr r="0" g="0" b="0"/>
-        </a:effectRef>
-        <a:fontRef idx="minor">
-          <a:schemeClr val="lt1"/>
-        </a:fontRef>
-      </dsp:style>
-      <dsp:txBody>
-        <a:bodyPr spcFirstLastPara="0" vert="horz" wrap="square" lIns="0" tIns="0" rIns="0" bIns="0" numCol="1" spcCol="1270" anchor="ctr" anchorCtr="0">
-          <a:noAutofit/>
-        </a:bodyPr>
-        <a:lstStyle/>
-        <a:p>
-          <a:pPr lvl="0" algn="ctr" defTabSz="488950">
-            <a:lnSpc>
-              <a:spcPct val="90000"/>
-            </a:lnSpc>
-            <a:spcBef>
-              <a:spcPct val="0"/>
-            </a:spcBef>
-            <a:spcAft>
-              <a:spcPct val="35000"/>
-            </a:spcAft>
-          </a:pPr>
-          <a:endParaRPr lang="en-US" sz="1100" kern="1200"/>
-        </a:p>
-      </dsp:txBody>
-      <dsp:txXfrm rot="-5400000">
-        <a:off x="459952" y="1540687"/>
-        <a:ext cx="162335" cy="157826"/>
-      </dsp:txXfrm>
-    </dsp:sp>
-    <dsp:sp modelId="{A72FF043-F390-4BC5-BCF5-E6F82BAB33C5}">
-      <dsp:nvSpPr>
-        <dsp:cNvPr id="0" name=""/>
-        <dsp:cNvSpPr/>
-      </dsp:nvSpPr>
-      <dsp:spPr>
-        <a:xfrm>
-          <a:off x="0" y="1803732"/>
-          <a:ext cx="1082239" cy="601244"/>
-        </a:xfrm>
-        <a:prstGeom prst="roundRect">
-          <a:avLst>
-            <a:gd name="adj" fmla="val 10000"/>
-          </a:avLst>
-        </a:prstGeom>
-        <a:solidFill>
-          <a:schemeClr val="accent1">
-            <a:hueOff val="0"/>
-            <a:satOff val="0"/>
-            <a:lumOff val="0"/>
-            <a:alphaOff val="0"/>
-          </a:schemeClr>
-        </a:solidFill>
-        <a:ln w="25400" cap="flat" cmpd="sng" algn="ctr">
-          <a:solidFill>
-            <a:schemeClr val="lt1">
-              <a:hueOff val="0"/>
-              <a:satOff val="0"/>
-              <a:lumOff val="0"/>
-              <a:alphaOff val="0"/>
-            </a:schemeClr>
-          </a:solidFill>
-          <a:prstDash val="solid"/>
-        </a:ln>
-        <a:effectLst/>
-      </dsp:spPr>
-      <dsp:style>
-        <a:lnRef idx="2">
-          <a:scrgbClr r="0" g="0" b="0"/>
-        </a:lnRef>
-        <a:fillRef idx="1">
-          <a:scrgbClr r="0" g="0" b="0"/>
-        </a:fillRef>
-        <a:effectRef idx="0">
-          <a:scrgbClr r="0" g="0" b="0"/>
-        </a:effectRef>
-        <a:fontRef idx="minor">
-          <a:schemeClr val="lt1"/>
-        </a:fontRef>
-      </dsp:style>
-      <dsp:txBody>
-        <a:bodyPr spcFirstLastPara="0" vert="horz" wrap="square" lIns="53340" tIns="53340" rIns="53340" bIns="53340" numCol="1" spcCol="1270" anchor="ctr" anchorCtr="0">
-          <a:noAutofit/>
-        </a:bodyPr>
-        <a:lstStyle/>
-        <a:p>
-          <a:pPr lvl="0" algn="ctr" defTabSz="622300">
-            <a:lnSpc>
-              <a:spcPct val="90000"/>
-            </a:lnSpc>
-            <a:spcBef>
-              <a:spcPct val="0"/>
-            </a:spcBef>
-            <a:spcAft>
-              <a:spcPct val="35000"/>
-            </a:spcAft>
-          </a:pPr>
-          <a:r>
-            <a:rPr lang="en-US" sz="1400" kern="1200" dirty="0" smtClean="0"/>
-            <a:t>Add Subtotal to Result</a:t>
-          </a:r>
-          <a:endParaRPr lang="en-US" sz="1400" kern="1200" dirty="0"/>
-        </a:p>
-      </dsp:txBody>
-      <dsp:txXfrm>
-        <a:off x="17610" y="1821342"/>
-        <a:ext cx="1047019" cy="566024"/>
-      </dsp:txXfrm>
-    </dsp:sp>
   </dsp:spTree>
 </dsp:drawing>
 </file>
@@ -3545,379 +3172,6 @@
       <dsp:cNvGrpSpPr/>
     </dsp:nvGrpSpPr>
     <dsp:grpSpPr/>
-    <dsp:sp modelId="{B88EDF4C-4C3E-43DA-8D4C-21268F4ED6EF}">
-      <dsp:nvSpPr>
-        <dsp:cNvPr id="0" name=""/>
-        <dsp:cNvSpPr/>
-      </dsp:nvSpPr>
-      <dsp:spPr>
-        <a:xfrm>
-          <a:off x="0" y="0"/>
-          <a:ext cx="1082239" cy="601244"/>
-        </a:xfrm>
-        <a:prstGeom prst="flowChartMultidocument">
-          <a:avLst/>
-        </a:prstGeom>
-        <a:solidFill>
-          <a:schemeClr val="accent1">
-            <a:hueOff val="0"/>
-            <a:satOff val="0"/>
-            <a:lumOff val="0"/>
-            <a:alphaOff val="0"/>
-          </a:schemeClr>
-        </a:solidFill>
-        <a:ln w="25400" cap="flat" cmpd="sng" algn="ctr">
-          <a:solidFill>
-            <a:schemeClr val="lt1">
-              <a:hueOff val="0"/>
-              <a:satOff val="0"/>
-              <a:lumOff val="0"/>
-              <a:alphaOff val="0"/>
-            </a:schemeClr>
-          </a:solidFill>
-          <a:prstDash val="solid"/>
-        </a:ln>
-        <a:effectLst/>
-      </dsp:spPr>
-      <dsp:style>
-        <a:lnRef idx="2">
-          <a:scrgbClr r="0" g="0" b="0"/>
-        </a:lnRef>
-        <a:fillRef idx="1">
-          <a:scrgbClr r="0" g="0" b="0"/>
-        </a:fillRef>
-        <a:effectRef idx="0">
-          <a:scrgbClr r="0" g="0" b="0"/>
-        </a:effectRef>
-        <a:fontRef idx="minor">
-          <a:schemeClr val="lt1"/>
-        </a:fontRef>
-      </dsp:style>
-      <dsp:txBody>
-        <a:bodyPr spcFirstLastPara="0" vert="horz" wrap="square" lIns="53340" tIns="53340" rIns="53340" bIns="53340" numCol="1" spcCol="1270" anchor="ctr" anchorCtr="0">
-          <a:noAutofit/>
-        </a:bodyPr>
-        <a:lstStyle/>
-        <a:p>
-          <a:pPr lvl="0" algn="ctr" defTabSz="622300">
-            <a:lnSpc>
-              <a:spcPct val="90000"/>
-            </a:lnSpc>
-            <a:spcBef>
-              <a:spcPct val="0"/>
-            </a:spcBef>
-            <a:spcAft>
-              <a:spcPct val="35000"/>
-            </a:spcAft>
-          </a:pPr>
-          <a:r>
-            <a:rPr lang="en-US" sz="1400" kern="1200" dirty="0" smtClean="0"/>
-            <a:t>…</a:t>
-          </a:r>
-          <a:endParaRPr lang="en-US" sz="1400" kern="1200" dirty="0"/>
-        </a:p>
-      </dsp:txBody>
-      <dsp:txXfrm>
-        <a:off x="0" y="102295"/>
-        <a:ext cx="931678" cy="476180"/>
-      </dsp:txXfrm>
-    </dsp:sp>
-    <dsp:sp modelId="{6F3F6FFB-3805-400E-92AC-42AFFB8E29D5}">
-      <dsp:nvSpPr>
-        <dsp:cNvPr id="0" name=""/>
-        <dsp:cNvSpPr/>
-      </dsp:nvSpPr>
-      <dsp:spPr>
-        <a:xfrm rot="5400000">
-          <a:off x="428386" y="616275"/>
-          <a:ext cx="225466" cy="270559"/>
-        </a:xfrm>
-        <a:prstGeom prst="rightArrow">
-          <a:avLst>
-            <a:gd name="adj1" fmla="val 60000"/>
-            <a:gd name="adj2" fmla="val 50000"/>
-          </a:avLst>
-        </a:prstGeom>
-        <a:solidFill>
-          <a:schemeClr val="accent1">
-            <a:tint val="60000"/>
-            <a:hueOff val="0"/>
-            <a:satOff val="0"/>
-            <a:lumOff val="0"/>
-            <a:alphaOff val="0"/>
-          </a:schemeClr>
-        </a:solidFill>
-        <a:ln>
-          <a:noFill/>
-        </a:ln>
-        <a:effectLst/>
-      </dsp:spPr>
-      <dsp:style>
-        <a:lnRef idx="0">
-          <a:scrgbClr r="0" g="0" b="0"/>
-        </a:lnRef>
-        <a:fillRef idx="1">
-          <a:scrgbClr r="0" g="0" b="0"/>
-        </a:fillRef>
-        <a:effectRef idx="0">
-          <a:scrgbClr r="0" g="0" b="0"/>
-        </a:effectRef>
-        <a:fontRef idx="minor">
-          <a:schemeClr val="lt1"/>
-        </a:fontRef>
-      </dsp:style>
-      <dsp:txBody>
-        <a:bodyPr spcFirstLastPara="0" vert="horz" wrap="square" lIns="0" tIns="0" rIns="0" bIns="0" numCol="1" spcCol="1270" anchor="ctr" anchorCtr="0">
-          <a:noAutofit/>
-        </a:bodyPr>
-        <a:lstStyle/>
-        <a:p>
-          <a:pPr lvl="0" algn="ctr" defTabSz="488950">
-            <a:lnSpc>
-              <a:spcPct val="90000"/>
-            </a:lnSpc>
-            <a:spcBef>
-              <a:spcPct val="0"/>
-            </a:spcBef>
-            <a:spcAft>
-              <a:spcPct val="35000"/>
-            </a:spcAft>
-          </a:pPr>
-          <a:endParaRPr lang="en-US" sz="1100" kern="1200"/>
-        </a:p>
-      </dsp:txBody>
-      <dsp:txXfrm rot="-5400000">
-        <a:off x="459952" y="638821"/>
-        <a:ext cx="162335" cy="157826"/>
-      </dsp:txXfrm>
-    </dsp:sp>
-    <dsp:sp modelId="{25EF5F4E-FB50-4FF9-B013-E9D8AA82EDC7}">
-      <dsp:nvSpPr>
-        <dsp:cNvPr id="0" name=""/>
-        <dsp:cNvSpPr/>
-      </dsp:nvSpPr>
-      <dsp:spPr>
-        <a:xfrm>
-          <a:off x="0" y="901866"/>
-          <a:ext cx="1082239" cy="601244"/>
-        </a:xfrm>
-        <a:prstGeom prst="roundRect">
-          <a:avLst>
-            <a:gd name="adj" fmla="val 10000"/>
-          </a:avLst>
-        </a:prstGeom>
-        <a:solidFill>
-          <a:schemeClr val="accent1">
-            <a:hueOff val="0"/>
-            <a:satOff val="0"/>
-            <a:lumOff val="0"/>
-            <a:alphaOff val="0"/>
-          </a:schemeClr>
-        </a:solidFill>
-        <a:ln w="25400" cap="flat" cmpd="sng" algn="ctr">
-          <a:solidFill>
-            <a:schemeClr val="lt1">
-              <a:hueOff val="0"/>
-              <a:satOff val="0"/>
-              <a:lumOff val="0"/>
-              <a:alphaOff val="0"/>
-            </a:schemeClr>
-          </a:solidFill>
-          <a:prstDash val="solid"/>
-        </a:ln>
-        <a:effectLst/>
-      </dsp:spPr>
-      <dsp:style>
-        <a:lnRef idx="2">
-          <a:scrgbClr r="0" g="0" b="0"/>
-        </a:lnRef>
-        <a:fillRef idx="1">
-          <a:scrgbClr r="0" g="0" b="0"/>
-        </a:fillRef>
-        <a:effectRef idx="0">
-          <a:scrgbClr r="0" g="0" b="0"/>
-        </a:effectRef>
-        <a:fontRef idx="minor">
-          <a:schemeClr val="lt1"/>
-        </a:fontRef>
-      </dsp:style>
-      <dsp:txBody>
-        <a:bodyPr spcFirstLastPara="0" vert="horz" wrap="square" lIns="53340" tIns="53340" rIns="53340" bIns="53340" numCol="1" spcCol="1270" anchor="ctr" anchorCtr="0">
-          <a:noAutofit/>
-        </a:bodyPr>
-        <a:lstStyle/>
-        <a:p>
-          <a:pPr lvl="0" algn="ctr" defTabSz="622300">
-            <a:lnSpc>
-              <a:spcPct val="90000"/>
-            </a:lnSpc>
-            <a:spcBef>
-              <a:spcPct val="0"/>
-            </a:spcBef>
-            <a:spcAft>
-              <a:spcPct val="35000"/>
-            </a:spcAft>
-          </a:pPr>
-          <a:r>
-            <a:rPr lang="en-US" sz="1400" kern="1200" dirty="0" smtClean="0"/>
-            <a:t>Accumulate Into Subtotal</a:t>
-          </a:r>
-          <a:endParaRPr lang="en-US" sz="1400" kern="1200" dirty="0"/>
-        </a:p>
-      </dsp:txBody>
-      <dsp:txXfrm>
-        <a:off x="17610" y="919476"/>
-        <a:ext cx="1047019" cy="566024"/>
-      </dsp:txXfrm>
-    </dsp:sp>
-    <dsp:sp modelId="{1BBC6809-A424-46A5-9C8A-0973516973CB}">
-      <dsp:nvSpPr>
-        <dsp:cNvPr id="0" name=""/>
-        <dsp:cNvSpPr/>
-      </dsp:nvSpPr>
-      <dsp:spPr>
-        <a:xfrm rot="5400000">
-          <a:off x="428386" y="1518141"/>
-          <a:ext cx="225466" cy="270559"/>
-        </a:xfrm>
-        <a:prstGeom prst="rightArrow">
-          <a:avLst>
-            <a:gd name="adj1" fmla="val 60000"/>
-            <a:gd name="adj2" fmla="val 50000"/>
-          </a:avLst>
-        </a:prstGeom>
-        <a:solidFill>
-          <a:schemeClr val="accent1">
-            <a:tint val="60000"/>
-            <a:hueOff val="0"/>
-            <a:satOff val="0"/>
-            <a:lumOff val="0"/>
-            <a:alphaOff val="0"/>
-          </a:schemeClr>
-        </a:solidFill>
-        <a:ln>
-          <a:noFill/>
-        </a:ln>
-        <a:effectLst/>
-      </dsp:spPr>
-      <dsp:style>
-        <a:lnRef idx="0">
-          <a:scrgbClr r="0" g="0" b="0"/>
-        </a:lnRef>
-        <a:fillRef idx="1">
-          <a:scrgbClr r="0" g="0" b="0"/>
-        </a:fillRef>
-        <a:effectRef idx="0">
-          <a:scrgbClr r="0" g="0" b="0"/>
-        </a:effectRef>
-        <a:fontRef idx="minor">
-          <a:schemeClr val="lt1"/>
-        </a:fontRef>
-      </dsp:style>
-      <dsp:txBody>
-        <a:bodyPr spcFirstLastPara="0" vert="horz" wrap="square" lIns="0" tIns="0" rIns="0" bIns="0" numCol="1" spcCol="1270" anchor="ctr" anchorCtr="0">
-          <a:noAutofit/>
-        </a:bodyPr>
-        <a:lstStyle/>
-        <a:p>
-          <a:pPr lvl="0" algn="ctr" defTabSz="488950">
-            <a:lnSpc>
-              <a:spcPct val="90000"/>
-            </a:lnSpc>
-            <a:spcBef>
-              <a:spcPct val="0"/>
-            </a:spcBef>
-            <a:spcAft>
-              <a:spcPct val="35000"/>
-            </a:spcAft>
-          </a:pPr>
-          <a:endParaRPr lang="en-US" sz="1100" kern="1200"/>
-        </a:p>
-      </dsp:txBody>
-      <dsp:txXfrm rot="-5400000">
-        <a:off x="459952" y="1540687"/>
-        <a:ext cx="162335" cy="157826"/>
-      </dsp:txXfrm>
-    </dsp:sp>
-    <dsp:sp modelId="{A72FF043-F390-4BC5-BCF5-E6F82BAB33C5}">
-      <dsp:nvSpPr>
-        <dsp:cNvPr id="0" name=""/>
-        <dsp:cNvSpPr/>
-      </dsp:nvSpPr>
-      <dsp:spPr>
-        <a:xfrm>
-          <a:off x="0" y="1803732"/>
-          <a:ext cx="1082239" cy="601244"/>
-        </a:xfrm>
-        <a:prstGeom prst="roundRect">
-          <a:avLst>
-            <a:gd name="adj" fmla="val 10000"/>
-          </a:avLst>
-        </a:prstGeom>
-        <a:solidFill>
-          <a:schemeClr val="accent1">
-            <a:hueOff val="0"/>
-            <a:satOff val="0"/>
-            <a:lumOff val="0"/>
-            <a:alphaOff val="0"/>
-          </a:schemeClr>
-        </a:solidFill>
-        <a:ln w="25400" cap="flat" cmpd="sng" algn="ctr">
-          <a:solidFill>
-            <a:schemeClr val="lt1">
-              <a:hueOff val="0"/>
-              <a:satOff val="0"/>
-              <a:lumOff val="0"/>
-              <a:alphaOff val="0"/>
-            </a:schemeClr>
-          </a:solidFill>
-          <a:prstDash val="solid"/>
-        </a:ln>
-        <a:effectLst/>
-      </dsp:spPr>
-      <dsp:style>
-        <a:lnRef idx="2">
-          <a:scrgbClr r="0" g="0" b="0"/>
-        </a:lnRef>
-        <a:fillRef idx="1">
-          <a:scrgbClr r="0" g="0" b="0"/>
-        </a:fillRef>
-        <a:effectRef idx="0">
-          <a:scrgbClr r="0" g="0" b="0"/>
-        </a:effectRef>
-        <a:fontRef idx="minor">
-          <a:schemeClr val="lt1"/>
-        </a:fontRef>
-      </dsp:style>
-      <dsp:txBody>
-        <a:bodyPr spcFirstLastPara="0" vert="horz" wrap="square" lIns="53340" tIns="53340" rIns="53340" bIns="53340" numCol="1" spcCol="1270" anchor="ctr" anchorCtr="0">
-          <a:noAutofit/>
-        </a:bodyPr>
-        <a:lstStyle/>
-        <a:p>
-          <a:pPr lvl="0" algn="ctr" defTabSz="622300">
-            <a:lnSpc>
-              <a:spcPct val="90000"/>
-            </a:lnSpc>
-            <a:spcBef>
-              <a:spcPct val="0"/>
-            </a:spcBef>
-            <a:spcAft>
-              <a:spcPct val="35000"/>
-            </a:spcAft>
-          </a:pPr>
-          <a:r>
-            <a:rPr lang="en-US" sz="1400" kern="1200" dirty="0" smtClean="0"/>
-            <a:t>Add Subtotal to Result</a:t>
-          </a:r>
-          <a:endParaRPr lang="en-US" sz="1400" kern="1200" dirty="0"/>
-        </a:p>
-      </dsp:txBody>
-      <dsp:txXfrm>
-        <a:off x="17610" y="1821342"/>
-        <a:ext cx="1047019" cy="566024"/>
-      </dsp:txXfrm>
-    </dsp:sp>
   </dsp:spTree>
 </dsp:drawing>
 </file>
@@ -3930,379 +3184,6 @@
       <dsp:cNvGrpSpPr/>
     </dsp:nvGrpSpPr>
     <dsp:grpSpPr/>
-    <dsp:sp modelId="{B88EDF4C-4C3E-43DA-8D4C-21268F4ED6EF}">
-      <dsp:nvSpPr>
-        <dsp:cNvPr id="0" name=""/>
-        <dsp:cNvSpPr/>
-      </dsp:nvSpPr>
-      <dsp:spPr>
-        <a:xfrm>
-          <a:off x="0" y="0"/>
-          <a:ext cx="1082239" cy="601244"/>
-        </a:xfrm>
-        <a:prstGeom prst="flowChartMultidocument">
-          <a:avLst/>
-        </a:prstGeom>
-        <a:solidFill>
-          <a:schemeClr val="accent1">
-            <a:hueOff val="0"/>
-            <a:satOff val="0"/>
-            <a:lumOff val="0"/>
-            <a:alphaOff val="0"/>
-          </a:schemeClr>
-        </a:solidFill>
-        <a:ln w="25400" cap="flat" cmpd="sng" algn="ctr">
-          <a:solidFill>
-            <a:schemeClr val="lt1">
-              <a:hueOff val="0"/>
-              <a:satOff val="0"/>
-              <a:lumOff val="0"/>
-              <a:alphaOff val="0"/>
-            </a:schemeClr>
-          </a:solidFill>
-          <a:prstDash val="solid"/>
-        </a:ln>
-        <a:effectLst/>
-      </dsp:spPr>
-      <dsp:style>
-        <a:lnRef idx="2">
-          <a:scrgbClr r="0" g="0" b="0"/>
-        </a:lnRef>
-        <a:fillRef idx="1">
-          <a:scrgbClr r="0" g="0" b="0"/>
-        </a:fillRef>
-        <a:effectRef idx="0">
-          <a:scrgbClr r="0" g="0" b="0"/>
-        </a:effectRef>
-        <a:fontRef idx="minor">
-          <a:schemeClr val="lt1"/>
-        </a:fontRef>
-      </dsp:style>
-      <dsp:txBody>
-        <a:bodyPr spcFirstLastPara="0" vert="horz" wrap="square" lIns="53340" tIns="53340" rIns="53340" bIns="53340" numCol="1" spcCol="1270" anchor="ctr" anchorCtr="0">
-          <a:noAutofit/>
-        </a:bodyPr>
-        <a:lstStyle/>
-        <a:p>
-          <a:pPr lvl="0" algn="ctr" defTabSz="622300">
-            <a:lnSpc>
-              <a:spcPct val="90000"/>
-            </a:lnSpc>
-            <a:spcBef>
-              <a:spcPct val="0"/>
-            </a:spcBef>
-            <a:spcAft>
-              <a:spcPct val="35000"/>
-            </a:spcAft>
-          </a:pPr>
-          <a:r>
-            <a:rPr lang="en-US" sz="1400" kern="1200" dirty="0" smtClean="0"/>
-            <a:t>…</a:t>
-          </a:r>
-          <a:endParaRPr lang="en-US" sz="1400" kern="1200" dirty="0"/>
-        </a:p>
-      </dsp:txBody>
-      <dsp:txXfrm>
-        <a:off x="0" y="102295"/>
-        <a:ext cx="931678" cy="476180"/>
-      </dsp:txXfrm>
-    </dsp:sp>
-    <dsp:sp modelId="{6F3F6FFB-3805-400E-92AC-42AFFB8E29D5}">
-      <dsp:nvSpPr>
-        <dsp:cNvPr id="0" name=""/>
-        <dsp:cNvSpPr/>
-      </dsp:nvSpPr>
-      <dsp:spPr>
-        <a:xfrm rot="5400000">
-          <a:off x="428386" y="616275"/>
-          <a:ext cx="225466" cy="270559"/>
-        </a:xfrm>
-        <a:prstGeom prst="rightArrow">
-          <a:avLst>
-            <a:gd name="adj1" fmla="val 60000"/>
-            <a:gd name="adj2" fmla="val 50000"/>
-          </a:avLst>
-        </a:prstGeom>
-        <a:solidFill>
-          <a:schemeClr val="accent1">
-            <a:tint val="60000"/>
-            <a:hueOff val="0"/>
-            <a:satOff val="0"/>
-            <a:lumOff val="0"/>
-            <a:alphaOff val="0"/>
-          </a:schemeClr>
-        </a:solidFill>
-        <a:ln>
-          <a:noFill/>
-        </a:ln>
-        <a:effectLst/>
-      </dsp:spPr>
-      <dsp:style>
-        <a:lnRef idx="0">
-          <a:scrgbClr r="0" g="0" b="0"/>
-        </a:lnRef>
-        <a:fillRef idx="1">
-          <a:scrgbClr r="0" g="0" b="0"/>
-        </a:fillRef>
-        <a:effectRef idx="0">
-          <a:scrgbClr r="0" g="0" b="0"/>
-        </a:effectRef>
-        <a:fontRef idx="minor">
-          <a:schemeClr val="lt1"/>
-        </a:fontRef>
-      </dsp:style>
-      <dsp:txBody>
-        <a:bodyPr spcFirstLastPara="0" vert="horz" wrap="square" lIns="0" tIns="0" rIns="0" bIns="0" numCol="1" spcCol="1270" anchor="ctr" anchorCtr="0">
-          <a:noAutofit/>
-        </a:bodyPr>
-        <a:lstStyle/>
-        <a:p>
-          <a:pPr lvl="0" algn="ctr" defTabSz="488950">
-            <a:lnSpc>
-              <a:spcPct val="90000"/>
-            </a:lnSpc>
-            <a:spcBef>
-              <a:spcPct val="0"/>
-            </a:spcBef>
-            <a:spcAft>
-              <a:spcPct val="35000"/>
-            </a:spcAft>
-          </a:pPr>
-          <a:endParaRPr lang="en-US" sz="1100" kern="1200"/>
-        </a:p>
-      </dsp:txBody>
-      <dsp:txXfrm rot="-5400000">
-        <a:off x="459952" y="638821"/>
-        <a:ext cx="162335" cy="157826"/>
-      </dsp:txXfrm>
-    </dsp:sp>
-    <dsp:sp modelId="{25EF5F4E-FB50-4FF9-B013-E9D8AA82EDC7}">
-      <dsp:nvSpPr>
-        <dsp:cNvPr id="0" name=""/>
-        <dsp:cNvSpPr/>
-      </dsp:nvSpPr>
-      <dsp:spPr>
-        <a:xfrm>
-          <a:off x="0" y="901866"/>
-          <a:ext cx="1082239" cy="601244"/>
-        </a:xfrm>
-        <a:prstGeom prst="roundRect">
-          <a:avLst>
-            <a:gd name="adj" fmla="val 10000"/>
-          </a:avLst>
-        </a:prstGeom>
-        <a:solidFill>
-          <a:schemeClr val="accent1">
-            <a:hueOff val="0"/>
-            <a:satOff val="0"/>
-            <a:lumOff val="0"/>
-            <a:alphaOff val="0"/>
-          </a:schemeClr>
-        </a:solidFill>
-        <a:ln w="25400" cap="flat" cmpd="sng" algn="ctr">
-          <a:solidFill>
-            <a:schemeClr val="lt1">
-              <a:hueOff val="0"/>
-              <a:satOff val="0"/>
-              <a:lumOff val="0"/>
-              <a:alphaOff val="0"/>
-            </a:schemeClr>
-          </a:solidFill>
-          <a:prstDash val="solid"/>
-        </a:ln>
-        <a:effectLst/>
-      </dsp:spPr>
-      <dsp:style>
-        <a:lnRef idx="2">
-          <a:scrgbClr r="0" g="0" b="0"/>
-        </a:lnRef>
-        <a:fillRef idx="1">
-          <a:scrgbClr r="0" g="0" b="0"/>
-        </a:fillRef>
-        <a:effectRef idx="0">
-          <a:scrgbClr r="0" g="0" b="0"/>
-        </a:effectRef>
-        <a:fontRef idx="minor">
-          <a:schemeClr val="lt1"/>
-        </a:fontRef>
-      </dsp:style>
-      <dsp:txBody>
-        <a:bodyPr spcFirstLastPara="0" vert="horz" wrap="square" lIns="53340" tIns="53340" rIns="53340" bIns="53340" numCol="1" spcCol="1270" anchor="ctr" anchorCtr="0">
-          <a:noAutofit/>
-        </a:bodyPr>
-        <a:lstStyle/>
-        <a:p>
-          <a:pPr lvl="0" algn="ctr" defTabSz="622300">
-            <a:lnSpc>
-              <a:spcPct val="90000"/>
-            </a:lnSpc>
-            <a:spcBef>
-              <a:spcPct val="0"/>
-            </a:spcBef>
-            <a:spcAft>
-              <a:spcPct val="35000"/>
-            </a:spcAft>
-          </a:pPr>
-          <a:r>
-            <a:rPr lang="en-US" sz="1400" kern="1200" dirty="0" smtClean="0"/>
-            <a:t>Accumulate Into Subtotal</a:t>
-          </a:r>
-          <a:endParaRPr lang="en-US" sz="1400" kern="1200" dirty="0"/>
-        </a:p>
-      </dsp:txBody>
-      <dsp:txXfrm>
-        <a:off x="17610" y="919476"/>
-        <a:ext cx="1047019" cy="566024"/>
-      </dsp:txXfrm>
-    </dsp:sp>
-    <dsp:sp modelId="{1BBC6809-A424-46A5-9C8A-0973516973CB}">
-      <dsp:nvSpPr>
-        <dsp:cNvPr id="0" name=""/>
-        <dsp:cNvSpPr/>
-      </dsp:nvSpPr>
-      <dsp:spPr>
-        <a:xfrm rot="5400000">
-          <a:off x="428386" y="1518141"/>
-          <a:ext cx="225466" cy="270559"/>
-        </a:xfrm>
-        <a:prstGeom prst="rightArrow">
-          <a:avLst>
-            <a:gd name="adj1" fmla="val 60000"/>
-            <a:gd name="adj2" fmla="val 50000"/>
-          </a:avLst>
-        </a:prstGeom>
-        <a:solidFill>
-          <a:schemeClr val="accent1">
-            <a:tint val="60000"/>
-            <a:hueOff val="0"/>
-            <a:satOff val="0"/>
-            <a:lumOff val="0"/>
-            <a:alphaOff val="0"/>
-          </a:schemeClr>
-        </a:solidFill>
-        <a:ln>
-          <a:noFill/>
-        </a:ln>
-        <a:effectLst/>
-      </dsp:spPr>
-      <dsp:style>
-        <a:lnRef idx="0">
-          <a:scrgbClr r="0" g="0" b="0"/>
-        </a:lnRef>
-        <a:fillRef idx="1">
-          <a:scrgbClr r="0" g="0" b="0"/>
-        </a:fillRef>
-        <a:effectRef idx="0">
-          <a:scrgbClr r="0" g="0" b="0"/>
-        </a:effectRef>
-        <a:fontRef idx="minor">
-          <a:schemeClr val="lt1"/>
-        </a:fontRef>
-      </dsp:style>
-      <dsp:txBody>
-        <a:bodyPr spcFirstLastPara="0" vert="horz" wrap="square" lIns="0" tIns="0" rIns="0" bIns="0" numCol="1" spcCol="1270" anchor="ctr" anchorCtr="0">
-          <a:noAutofit/>
-        </a:bodyPr>
-        <a:lstStyle/>
-        <a:p>
-          <a:pPr lvl="0" algn="ctr" defTabSz="488950">
-            <a:lnSpc>
-              <a:spcPct val="90000"/>
-            </a:lnSpc>
-            <a:spcBef>
-              <a:spcPct val="0"/>
-            </a:spcBef>
-            <a:spcAft>
-              <a:spcPct val="35000"/>
-            </a:spcAft>
-          </a:pPr>
-          <a:endParaRPr lang="en-US" sz="1100" kern="1200"/>
-        </a:p>
-      </dsp:txBody>
-      <dsp:txXfrm rot="-5400000">
-        <a:off x="459952" y="1540687"/>
-        <a:ext cx="162335" cy="157826"/>
-      </dsp:txXfrm>
-    </dsp:sp>
-    <dsp:sp modelId="{A72FF043-F390-4BC5-BCF5-E6F82BAB33C5}">
-      <dsp:nvSpPr>
-        <dsp:cNvPr id="0" name=""/>
-        <dsp:cNvSpPr/>
-      </dsp:nvSpPr>
-      <dsp:spPr>
-        <a:xfrm>
-          <a:off x="0" y="1803732"/>
-          <a:ext cx="1082239" cy="601244"/>
-        </a:xfrm>
-        <a:prstGeom prst="roundRect">
-          <a:avLst>
-            <a:gd name="adj" fmla="val 10000"/>
-          </a:avLst>
-        </a:prstGeom>
-        <a:solidFill>
-          <a:schemeClr val="accent1">
-            <a:hueOff val="0"/>
-            <a:satOff val="0"/>
-            <a:lumOff val="0"/>
-            <a:alphaOff val="0"/>
-          </a:schemeClr>
-        </a:solidFill>
-        <a:ln w="25400" cap="flat" cmpd="sng" algn="ctr">
-          <a:solidFill>
-            <a:schemeClr val="lt1">
-              <a:hueOff val="0"/>
-              <a:satOff val="0"/>
-              <a:lumOff val="0"/>
-              <a:alphaOff val="0"/>
-            </a:schemeClr>
-          </a:solidFill>
-          <a:prstDash val="solid"/>
-        </a:ln>
-        <a:effectLst/>
-      </dsp:spPr>
-      <dsp:style>
-        <a:lnRef idx="2">
-          <a:scrgbClr r="0" g="0" b="0"/>
-        </a:lnRef>
-        <a:fillRef idx="1">
-          <a:scrgbClr r="0" g="0" b="0"/>
-        </a:fillRef>
-        <a:effectRef idx="0">
-          <a:scrgbClr r="0" g="0" b="0"/>
-        </a:effectRef>
-        <a:fontRef idx="minor">
-          <a:schemeClr val="lt1"/>
-        </a:fontRef>
-      </dsp:style>
-      <dsp:txBody>
-        <a:bodyPr spcFirstLastPara="0" vert="horz" wrap="square" lIns="53340" tIns="53340" rIns="53340" bIns="53340" numCol="1" spcCol="1270" anchor="ctr" anchorCtr="0">
-          <a:noAutofit/>
-        </a:bodyPr>
-        <a:lstStyle/>
-        <a:p>
-          <a:pPr lvl="0" algn="ctr" defTabSz="622300">
-            <a:lnSpc>
-              <a:spcPct val="90000"/>
-            </a:lnSpc>
-            <a:spcBef>
-              <a:spcPct val="0"/>
-            </a:spcBef>
-            <a:spcAft>
-              <a:spcPct val="35000"/>
-            </a:spcAft>
-          </a:pPr>
-          <a:r>
-            <a:rPr lang="en-US" sz="1400" kern="1200" dirty="0" smtClean="0"/>
-            <a:t>Add Subtotal to Result</a:t>
-          </a:r>
-          <a:endParaRPr lang="en-US" sz="1400" kern="1200" dirty="0"/>
-        </a:p>
-      </dsp:txBody>
-      <dsp:txXfrm>
-        <a:off x="17610" y="1821342"/>
-        <a:ext cx="1047019" cy="566024"/>
-      </dsp:txXfrm>
-    </dsp:sp>
   </dsp:spTree>
 </dsp:drawing>
 </file>
@@ -7938,7 +6819,7 @@
           <a:p>
             <a:fld id="{F7BDCA69-2664-4DFF-ABC1-4FF1F3BA5447}" type="datetimeFigureOut">
               <a:rPr lang="en-US" smtClean="0"/>
-              <a:t>10/8/2015</a:t>
+              <a:t>10/13/2015</a:t>
             </a:fld>
             <a:endParaRPr lang="en-US"/>
           </a:p>
@@ -8484,7 +7365,7 @@
           <a:p>
             <a:fld id="{2A7CB402-B72D-3346-9EA5-354251120F9E}" type="datetimeFigureOut">
               <a:rPr lang="en-US" smtClean="0"/>
-              <a:t>10/8/2015</a:t>
+              <a:t>10/13/2015</a:t>
             </a:fld>
             <a:endParaRPr lang="en-US"/>
           </a:p>
@@ -8647,7 +7528,7 @@
           <a:p>
             <a:fld id="{2A7CB402-B72D-3346-9EA5-354251120F9E}" type="datetimeFigureOut">
               <a:rPr lang="en-US" smtClean="0"/>
-              <a:t>10/8/2015</a:t>
+              <a:t>10/13/2015</a:t>
             </a:fld>
             <a:endParaRPr lang="en-US"/>
           </a:p>
@@ -8808,7 +7689,7 @@
           <a:p>
             <a:fld id="{2A7CB402-B72D-3346-9EA5-354251120F9E}" type="datetimeFigureOut">
               <a:rPr lang="en-US" smtClean="0"/>
-              <a:t>10/8/2015</a:t>
+              <a:t>10/13/2015</a:t>
             </a:fld>
             <a:endParaRPr lang="en-US"/>
           </a:p>
@@ -9007,7 +7888,7 @@
           <a:p>
             <a:fld id="{2A7CB402-B72D-3346-9EA5-354251120F9E}" type="datetimeFigureOut">
               <a:rPr lang="en-US" smtClean="0"/>
-              <a:t>10/8/2015</a:t>
+              <a:t>10/13/2015</a:t>
             </a:fld>
             <a:endParaRPr lang="en-US"/>
           </a:p>
@@ -9238,7 +8119,7 @@
           <a:p>
             <a:fld id="{2A7CB402-B72D-3346-9EA5-354251120F9E}" type="datetimeFigureOut">
               <a:rPr lang="en-US" smtClean="0"/>
-              <a:t>10/8/2015</a:t>
+              <a:t>10/13/2015</a:t>
             </a:fld>
             <a:endParaRPr lang="en-US"/>
           </a:p>
@@ -9562,7 +8443,7 @@
           <a:p>
             <a:fld id="{2A7CB402-B72D-3346-9EA5-354251120F9E}" type="datetimeFigureOut">
               <a:rPr lang="en-US" smtClean="0"/>
-              <a:t>10/8/2015</a:t>
+              <a:t>10/13/2015</a:t>
             </a:fld>
             <a:endParaRPr lang="en-US"/>
           </a:p>
@@ -10024,7 +8905,7 @@
           <a:p>
             <a:fld id="{2A7CB402-B72D-3346-9EA5-354251120F9E}" type="datetimeFigureOut">
               <a:rPr lang="en-US" smtClean="0"/>
-              <a:t>10/8/2015</a:t>
+              <a:t>10/13/2015</a:t>
             </a:fld>
             <a:endParaRPr lang="en-US"/>
           </a:p>
@@ -10138,7 +9019,7 @@
           <a:p>
             <a:fld id="{2A7CB402-B72D-3346-9EA5-354251120F9E}" type="datetimeFigureOut">
               <a:rPr lang="en-US" smtClean="0"/>
-              <a:t>10/8/2015</a:t>
+              <a:t>10/13/2015</a:t>
             </a:fld>
             <a:endParaRPr lang="en-US"/>
           </a:p>
@@ -10214,7 +9095,7 @@
           <a:p>
             <a:fld id="{2A7CB402-B72D-3346-9EA5-354251120F9E}" type="datetimeFigureOut">
               <a:rPr lang="en-US" smtClean="0"/>
-              <a:t>10/8/2015</a:t>
+              <a:t>10/13/2015</a:t>
             </a:fld>
             <a:endParaRPr lang="en-US"/>
           </a:p>
@@ -10508,7 +9389,7 @@
           <a:p>
             <a:fld id="{2A7CB402-B72D-3346-9EA5-354251120F9E}" type="datetimeFigureOut">
               <a:rPr lang="en-US" smtClean="0"/>
-              <a:t>10/8/2015</a:t>
+              <a:t>10/13/2015</a:t>
             </a:fld>
             <a:endParaRPr lang="en-US"/>
           </a:p>
@@ -10746,7 +9627,7 @@
           <a:p>
             <a:fld id="{2A7CB402-B72D-3346-9EA5-354251120F9E}" type="datetimeFigureOut">
               <a:rPr lang="en-US" smtClean="0"/>
-              <a:t>10/8/2015</a:t>
+              <a:t>10/13/2015</a:t>
             </a:fld>
             <a:endParaRPr lang="en-US"/>
           </a:p>
@@ -10940,7 +9821,7 @@
           <a:p>
             <a:fld id="{2A7CB402-B72D-3346-9EA5-354251120F9E}" type="datetimeFigureOut">
               <a:rPr lang="en-US" smtClean="0"/>
-              <a:t>10/8/2015</a:t>
+              <a:t>10/13/2015</a:t>
             </a:fld>
             <a:endParaRPr lang="en-US"/>
           </a:p>
@@ -13815,8 +12696,19 @@
           <a:p>
             <a:r>
               <a:rPr lang="en-US" dirty="0" smtClean="0"/>
-              <a:t>Futures (Task Graph)</a:t>
-            </a:r>
+              <a:t>Futures (Task Graph</a:t>
+            </a:r>
+            <a:r>
+              <a:rPr lang="en-US" dirty="0" smtClean="0"/>
+              <a:t>)</a:t>
+            </a:r>
+          </a:p>
+          <a:p>
+            <a:r>
+              <a:rPr lang="en-US" dirty="0" smtClean="0"/>
+              <a:t>Dynamic Task Parallelism</a:t>
+            </a:r>
+            <a:endParaRPr lang="en-US" dirty="0" smtClean="0"/>
           </a:p>
           <a:p>
             <a:r>
@@ -19068,7 +17960,7 @@
   <a:extraClrSchemeLst/>
   <a:extLst>
     <a:ext uri="{05A4C25C-085E-4340-85A3-A5531E510DB2}">
-      <thm15:themeFamily xmlns:thm15="http://schemas.microsoft.com/office/thememl/2012/main" xmlns="" name="2013 Improving ppt template [Read-Only]" id="{9CD52372-1ABB-429C-AE8B-5116A847D281}" vid="{C9E045ED-5E7D-45F0-ABC2-8913C89F506A}"/>
+      <thm15:themeFamily xmlns="" xmlns:thm15="http://schemas.microsoft.com/office/thememl/2012/main" name="2013 Improving ppt template [Read-Only]" id="{9CD52372-1ABB-429C-AE8B-5116A847D281}" vid="{C9E045ED-5E7D-45F0-ABC2-8913C89F506A}"/>
     </a:ext>
   </a:extLst>
 </a:theme>
@@ -19360,21 +18252,6 @@
 </file>
 
 <file path=customXml/item1.xml><?xml version="1.0" encoding="utf-8"?>
-<?mso-contentType ?>
-<FormTemplates xmlns="http://schemas.microsoft.com/sharepoint/v3/contenttype/forms">
-  <Display>DocumentLibraryForm</Display>
-  <Edit>DocumentLibraryForm</Edit>
-  <New>DocumentLibraryForm</New>
-</FormTemplates>
-</file>
-
-<file path=customXml/item2.xml><?xml version="1.0" encoding="utf-8"?>
-<p:properties xmlns:p="http://schemas.microsoft.com/office/2006/metadata/properties" xmlns:xsi="http://www.w3.org/2001/XMLSchema-instance" xmlns:pc="http://schemas.microsoft.com/office/infopath/2007/PartnerControls">
-  <documentManagement/>
-</p:properties>
-</file>
-
-<file path=customXml/item3.xml><?xml version="1.0" encoding="utf-8"?>
 <ct:contentTypeSchema xmlns:ct="http://schemas.microsoft.com/office/2006/metadata/contentType" xmlns:ma="http://schemas.microsoft.com/office/2006/metadata/properties/metaAttributes" ct:_="" ma:_="" ma:contentTypeName="Document" ma:contentTypeID="0x010100D7398AE121397446B28901E5E849BF40" ma:contentTypeVersion="1" ma:contentTypeDescription="Create a new document." ma:contentTypeScope="" ma:versionID="a7e693a555462a2cb5a0a6921c4c327e">
   <xsd:schema xmlns:xsd="http://www.w3.org/2001/XMLSchema" xmlns:xs="http://www.w3.org/2001/XMLSchema" xmlns:p="http://schemas.microsoft.com/office/2006/metadata/properties" targetNamespace="http://schemas.microsoft.com/office/2006/metadata/properties" ma:root="true" ma:fieldsID="391dd5b7355e85894d95fdf891f88749">
     <xsd:element name="properties">
@@ -19488,10 +18365,33 @@
 </ct:contentTypeSchema>
 </file>
 
+<file path=customXml/item2.xml><?xml version="1.0" encoding="utf-8"?>
+<p:properties xmlns:p="http://schemas.microsoft.com/office/2006/metadata/properties" xmlns:xsi="http://www.w3.org/2001/XMLSchema-instance" xmlns:pc="http://schemas.microsoft.com/office/infopath/2007/PartnerControls">
+  <documentManagement/>
+</p:properties>
+</file>
+
+<file path=customXml/item3.xml><?xml version="1.0" encoding="utf-8"?>
+<?mso-contentType ?>
+<FormTemplates xmlns="http://schemas.microsoft.com/sharepoint/v3/contenttype/forms">
+  <Display>DocumentLibraryForm</Display>
+  <Edit>DocumentLibraryForm</Edit>
+  <New>DocumentLibraryForm</New>
+</FormTemplates>
+</file>
+
 <file path=customXml/itemProps1.xml><?xml version="1.0" encoding="utf-8"?>
-<ds:datastoreItem xmlns:ds="http://schemas.openxmlformats.org/officeDocument/2006/customXml" ds:itemID="{B857AB07-B2ED-439E-860F-4F56FB345D1B}">
+<ds:datastoreItem xmlns:ds="http://schemas.openxmlformats.org/officeDocument/2006/customXml" ds:itemID="{BC072F6F-04ED-4B85-B28F-4D6DE375C2E0}">
   <ds:schemaRefs>
-    <ds:schemaRef ds:uri="http://schemas.microsoft.com/sharepoint/v3/contenttype/forms"/>
+    <ds:schemaRef ds:uri="http://schemas.microsoft.com/office/2006/metadata/contentType"/>
+    <ds:schemaRef ds:uri="http://schemas.microsoft.com/office/2006/metadata/properties/metaAttributes"/>
+    <ds:schemaRef ds:uri="http://www.w3.org/2001/XMLSchema"/>
+    <ds:schemaRef ds:uri="http://schemas.microsoft.com/office/2006/metadata/properties"/>
+    <ds:schemaRef ds:uri="http://schemas.openxmlformats.org/package/2006/metadata/core-properties"/>
+    <ds:schemaRef ds:uri="http://purl.org/dc/elements/1.1/"/>
+    <ds:schemaRef ds:uri="http://purl.org/dc/terms/"/>
+    <ds:schemaRef ds:uri="http://schemas.microsoft.com/internal/obd"/>
+    <ds:schemaRef ds:uri="http://schemas.microsoft.com/office/infopath/2007/PartnerControls"/>
   </ds:schemaRefs>
 </ds:datastoreItem>
 </file>
@@ -19512,17 +18412,9 @@
 </file>
 
 <file path=customXml/itemProps3.xml><?xml version="1.0" encoding="utf-8"?>
-<ds:datastoreItem xmlns:ds="http://schemas.openxmlformats.org/officeDocument/2006/customXml" ds:itemID="{BC072F6F-04ED-4B85-B28F-4D6DE375C2E0}">
+<ds:datastoreItem xmlns:ds="http://schemas.openxmlformats.org/officeDocument/2006/customXml" ds:itemID="{B857AB07-B2ED-439E-860F-4F56FB345D1B}">
   <ds:schemaRefs>
-    <ds:schemaRef ds:uri="http://schemas.microsoft.com/office/2006/metadata/contentType"/>
-    <ds:schemaRef ds:uri="http://schemas.microsoft.com/office/2006/metadata/properties/metaAttributes"/>
-    <ds:schemaRef ds:uri="http://www.w3.org/2001/XMLSchema"/>
-    <ds:schemaRef ds:uri="http://schemas.microsoft.com/office/2006/metadata/properties"/>
-    <ds:schemaRef ds:uri="http://schemas.openxmlformats.org/package/2006/metadata/core-properties"/>
-    <ds:schemaRef ds:uri="http://purl.org/dc/elements/1.1/"/>
-    <ds:schemaRef ds:uri="http://purl.org/dc/terms/"/>
-    <ds:schemaRef ds:uri="http://schemas.microsoft.com/internal/obd"/>
-    <ds:schemaRef ds:uri="http://schemas.microsoft.com/office/infopath/2007/PartnerControls"/>
+    <ds:schemaRef ds:uri="http://schemas.microsoft.com/sharepoint/v3/contenttype/forms"/>
   </ds:schemaRefs>
 </ds:datastoreItem>
 </file>
--- a/Presentation/THasINKync - 4x3.pptx
+++ b/Presentation/THasINKync - 4x3.pptx
@@ -5,7 +5,7 @@
     <p:sldMasterId id="2147483648" r:id="rId4"/>
   </p:sldMasterIdLst>
   <p:notesMasterIdLst>
-    <p:notesMasterId r:id="rId41"/>
+    <p:notesMasterId r:id="rId42"/>
   </p:notesMasterIdLst>
   <p:sldIdLst>
     <p:sldId id="256" r:id="rId5"/>
@@ -37,13 +37,14 @@
     <p:sldId id="287" r:id="rId31"/>
     <p:sldId id="283" r:id="rId32"/>
     <p:sldId id="284" r:id="rId33"/>
-    <p:sldId id="288" r:id="rId34"/>
-    <p:sldId id="285" r:id="rId35"/>
-    <p:sldId id="286" r:id="rId36"/>
-    <p:sldId id="292" r:id="rId37"/>
-    <p:sldId id="289" r:id="rId38"/>
-    <p:sldId id="276" r:id="rId39"/>
-    <p:sldId id="294" r:id="rId40"/>
+    <p:sldId id="296" r:id="rId34"/>
+    <p:sldId id="288" r:id="rId35"/>
+    <p:sldId id="285" r:id="rId36"/>
+    <p:sldId id="286" r:id="rId37"/>
+    <p:sldId id="292" r:id="rId38"/>
+    <p:sldId id="289" r:id="rId39"/>
+    <p:sldId id="276" r:id="rId40"/>
+    <p:sldId id="294" r:id="rId41"/>
   </p:sldIdLst>
   <p:sldSz cx="6858000" cy="5143500"/>
   <p:notesSz cx="6858000" cy="9144000"/>
@@ -144,7 +145,7 @@
   </p:defaultTextStyle>
   <p:extLst>
     <p:ext uri="{EFAFB233-063F-42B5-8137-9DF3F51BA10A}">
-      <p15:sldGuideLst xmlns="" xmlns:p15="http://schemas.microsoft.com/office/powerpoint/2012/main">
+      <p15:sldGuideLst xmlns:p15="http://schemas.microsoft.com/office/powerpoint/2012/main" xmlns="">
         <p15:guide id="1" orient="horz" pos="1620" userDrawn="1">
           <p15:clr>
             <a:srgbClr val="A4A3A4"/>
@@ -3160,6 +3161,379 @@
       <dsp:cNvGrpSpPr/>
     </dsp:nvGrpSpPr>
     <dsp:grpSpPr/>
+    <dsp:sp modelId="{B88EDF4C-4C3E-43DA-8D4C-21268F4ED6EF}">
+      <dsp:nvSpPr>
+        <dsp:cNvPr id="0" name=""/>
+        <dsp:cNvSpPr/>
+      </dsp:nvSpPr>
+      <dsp:spPr>
+        <a:xfrm>
+          <a:off x="0" y="0"/>
+          <a:ext cx="1082239" cy="601244"/>
+        </a:xfrm>
+        <a:prstGeom prst="flowChartMultidocument">
+          <a:avLst/>
+        </a:prstGeom>
+        <a:solidFill>
+          <a:schemeClr val="accent1">
+            <a:hueOff val="0"/>
+            <a:satOff val="0"/>
+            <a:lumOff val="0"/>
+            <a:alphaOff val="0"/>
+          </a:schemeClr>
+        </a:solidFill>
+        <a:ln w="25400" cap="flat" cmpd="sng" algn="ctr">
+          <a:solidFill>
+            <a:schemeClr val="lt1">
+              <a:hueOff val="0"/>
+              <a:satOff val="0"/>
+              <a:lumOff val="0"/>
+              <a:alphaOff val="0"/>
+            </a:schemeClr>
+          </a:solidFill>
+          <a:prstDash val="solid"/>
+        </a:ln>
+        <a:effectLst/>
+      </dsp:spPr>
+      <dsp:style>
+        <a:lnRef idx="2">
+          <a:scrgbClr r="0" g="0" b="0"/>
+        </a:lnRef>
+        <a:fillRef idx="1">
+          <a:scrgbClr r="0" g="0" b="0"/>
+        </a:fillRef>
+        <a:effectRef idx="0">
+          <a:scrgbClr r="0" g="0" b="0"/>
+        </a:effectRef>
+        <a:fontRef idx="minor">
+          <a:schemeClr val="lt1"/>
+        </a:fontRef>
+      </dsp:style>
+      <dsp:txBody>
+        <a:bodyPr spcFirstLastPara="0" vert="horz" wrap="square" lIns="53340" tIns="53340" rIns="53340" bIns="53340" numCol="1" spcCol="1270" anchor="ctr" anchorCtr="0">
+          <a:noAutofit/>
+        </a:bodyPr>
+        <a:lstStyle/>
+        <a:p>
+          <a:pPr lvl="0" algn="ctr" defTabSz="622300">
+            <a:lnSpc>
+              <a:spcPct val="90000"/>
+            </a:lnSpc>
+            <a:spcBef>
+              <a:spcPct val="0"/>
+            </a:spcBef>
+            <a:spcAft>
+              <a:spcPct val="35000"/>
+            </a:spcAft>
+          </a:pPr>
+          <a:r>
+            <a:rPr lang="en-US" sz="1400" kern="1200" dirty="0" smtClean="0"/>
+            <a:t>…</a:t>
+          </a:r>
+          <a:endParaRPr lang="en-US" sz="1400" kern="1200" dirty="0"/>
+        </a:p>
+      </dsp:txBody>
+      <dsp:txXfrm>
+        <a:off x="0" y="102295"/>
+        <a:ext cx="931678" cy="476180"/>
+      </dsp:txXfrm>
+    </dsp:sp>
+    <dsp:sp modelId="{6F3F6FFB-3805-400E-92AC-42AFFB8E29D5}">
+      <dsp:nvSpPr>
+        <dsp:cNvPr id="0" name=""/>
+        <dsp:cNvSpPr/>
+      </dsp:nvSpPr>
+      <dsp:spPr>
+        <a:xfrm rot="5400000">
+          <a:off x="428386" y="616275"/>
+          <a:ext cx="225466" cy="270559"/>
+        </a:xfrm>
+        <a:prstGeom prst="rightArrow">
+          <a:avLst>
+            <a:gd name="adj1" fmla="val 60000"/>
+            <a:gd name="adj2" fmla="val 50000"/>
+          </a:avLst>
+        </a:prstGeom>
+        <a:solidFill>
+          <a:schemeClr val="accent1">
+            <a:tint val="60000"/>
+            <a:hueOff val="0"/>
+            <a:satOff val="0"/>
+            <a:lumOff val="0"/>
+            <a:alphaOff val="0"/>
+          </a:schemeClr>
+        </a:solidFill>
+        <a:ln>
+          <a:noFill/>
+        </a:ln>
+        <a:effectLst/>
+      </dsp:spPr>
+      <dsp:style>
+        <a:lnRef idx="0">
+          <a:scrgbClr r="0" g="0" b="0"/>
+        </a:lnRef>
+        <a:fillRef idx="1">
+          <a:scrgbClr r="0" g="0" b="0"/>
+        </a:fillRef>
+        <a:effectRef idx="0">
+          <a:scrgbClr r="0" g="0" b="0"/>
+        </a:effectRef>
+        <a:fontRef idx="minor">
+          <a:schemeClr val="lt1"/>
+        </a:fontRef>
+      </dsp:style>
+      <dsp:txBody>
+        <a:bodyPr spcFirstLastPara="0" vert="horz" wrap="square" lIns="0" tIns="0" rIns="0" bIns="0" numCol="1" spcCol="1270" anchor="ctr" anchorCtr="0">
+          <a:noAutofit/>
+        </a:bodyPr>
+        <a:lstStyle/>
+        <a:p>
+          <a:pPr lvl="0" algn="ctr" defTabSz="488950">
+            <a:lnSpc>
+              <a:spcPct val="90000"/>
+            </a:lnSpc>
+            <a:spcBef>
+              <a:spcPct val="0"/>
+            </a:spcBef>
+            <a:spcAft>
+              <a:spcPct val="35000"/>
+            </a:spcAft>
+          </a:pPr>
+          <a:endParaRPr lang="en-US" sz="1100" kern="1200"/>
+        </a:p>
+      </dsp:txBody>
+      <dsp:txXfrm rot="-5400000">
+        <a:off x="459952" y="638821"/>
+        <a:ext cx="162335" cy="157826"/>
+      </dsp:txXfrm>
+    </dsp:sp>
+    <dsp:sp modelId="{25EF5F4E-FB50-4FF9-B013-E9D8AA82EDC7}">
+      <dsp:nvSpPr>
+        <dsp:cNvPr id="0" name=""/>
+        <dsp:cNvSpPr/>
+      </dsp:nvSpPr>
+      <dsp:spPr>
+        <a:xfrm>
+          <a:off x="0" y="901866"/>
+          <a:ext cx="1082239" cy="601244"/>
+        </a:xfrm>
+        <a:prstGeom prst="roundRect">
+          <a:avLst>
+            <a:gd name="adj" fmla="val 10000"/>
+          </a:avLst>
+        </a:prstGeom>
+        <a:solidFill>
+          <a:schemeClr val="accent1">
+            <a:hueOff val="0"/>
+            <a:satOff val="0"/>
+            <a:lumOff val="0"/>
+            <a:alphaOff val="0"/>
+          </a:schemeClr>
+        </a:solidFill>
+        <a:ln w="25400" cap="flat" cmpd="sng" algn="ctr">
+          <a:solidFill>
+            <a:schemeClr val="lt1">
+              <a:hueOff val="0"/>
+              <a:satOff val="0"/>
+              <a:lumOff val="0"/>
+              <a:alphaOff val="0"/>
+            </a:schemeClr>
+          </a:solidFill>
+          <a:prstDash val="solid"/>
+        </a:ln>
+        <a:effectLst/>
+      </dsp:spPr>
+      <dsp:style>
+        <a:lnRef idx="2">
+          <a:scrgbClr r="0" g="0" b="0"/>
+        </a:lnRef>
+        <a:fillRef idx="1">
+          <a:scrgbClr r="0" g="0" b="0"/>
+        </a:fillRef>
+        <a:effectRef idx="0">
+          <a:scrgbClr r="0" g="0" b="0"/>
+        </a:effectRef>
+        <a:fontRef idx="minor">
+          <a:schemeClr val="lt1"/>
+        </a:fontRef>
+      </dsp:style>
+      <dsp:txBody>
+        <a:bodyPr spcFirstLastPara="0" vert="horz" wrap="square" lIns="53340" tIns="53340" rIns="53340" bIns="53340" numCol="1" spcCol="1270" anchor="ctr" anchorCtr="0">
+          <a:noAutofit/>
+        </a:bodyPr>
+        <a:lstStyle/>
+        <a:p>
+          <a:pPr lvl="0" algn="ctr" defTabSz="622300">
+            <a:lnSpc>
+              <a:spcPct val="90000"/>
+            </a:lnSpc>
+            <a:spcBef>
+              <a:spcPct val="0"/>
+            </a:spcBef>
+            <a:spcAft>
+              <a:spcPct val="35000"/>
+            </a:spcAft>
+          </a:pPr>
+          <a:r>
+            <a:rPr lang="en-US" sz="1400" kern="1200" dirty="0" smtClean="0"/>
+            <a:t>Accumulate Into Subtotal</a:t>
+          </a:r>
+          <a:endParaRPr lang="en-US" sz="1400" kern="1200" dirty="0"/>
+        </a:p>
+      </dsp:txBody>
+      <dsp:txXfrm>
+        <a:off x="17610" y="919476"/>
+        <a:ext cx="1047019" cy="566024"/>
+      </dsp:txXfrm>
+    </dsp:sp>
+    <dsp:sp modelId="{1BBC6809-A424-46A5-9C8A-0973516973CB}">
+      <dsp:nvSpPr>
+        <dsp:cNvPr id="0" name=""/>
+        <dsp:cNvSpPr/>
+      </dsp:nvSpPr>
+      <dsp:spPr>
+        <a:xfrm rot="5400000">
+          <a:off x="428386" y="1518141"/>
+          <a:ext cx="225466" cy="270559"/>
+        </a:xfrm>
+        <a:prstGeom prst="rightArrow">
+          <a:avLst>
+            <a:gd name="adj1" fmla="val 60000"/>
+            <a:gd name="adj2" fmla="val 50000"/>
+          </a:avLst>
+        </a:prstGeom>
+        <a:solidFill>
+          <a:schemeClr val="accent1">
+            <a:tint val="60000"/>
+            <a:hueOff val="0"/>
+            <a:satOff val="0"/>
+            <a:lumOff val="0"/>
+            <a:alphaOff val="0"/>
+          </a:schemeClr>
+        </a:solidFill>
+        <a:ln>
+          <a:noFill/>
+        </a:ln>
+        <a:effectLst/>
+      </dsp:spPr>
+      <dsp:style>
+        <a:lnRef idx="0">
+          <a:scrgbClr r="0" g="0" b="0"/>
+        </a:lnRef>
+        <a:fillRef idx="1">
+          <a:scrgbClr r="0" g="0" b="0"/>
+        </a:fillRef>
+        <a:effectRef idx="0">
+          <a:scrgbClr r="0" g="0" b="0"/>
+        </a:effectRef>
+        <a:fontRef idx="minor">
+          <a:schemeClr val="lt1"/>
+        </a:fontRef>
+      </dsp:style>
+      <dsp:txBody>
+        <a:bodyPr spcFirstLastPara="0" vert="horz" wrap="square" lIns="0" tIns="0" rIns="0" bIns="0" numCol="1" spcCol="1270" anchor="ctr" anchorCtr="0">
+          <a:noAutofit/>
+        </a:bodyPr>
+        <a:lstStyle/>
+        <a:p>
+          <a:pPr lvl="0" algn="ctr" defTabSz="488950">
+            <a:lnSpc>
+              <a:spcPct val="90000"/>
+            </a:lnSpc>
+            <a:spcBef>
+              <a:spcPct val="0"/>
+            </a:spcBef>
+            <a:spcAft>
+              <a:spcPct val="35000"/>
+            </a:spcAft>
+          </a:pPr>
+          <a:endParaRPr lang="en-US" sz="1100" kern="1200"/>
+        </a:p>
+      </dsp:txBody>
+      <dsp:txXfrm rot="-5400000">
+        <a:off x="459952" y="1540687"/>
+        <a:ext cx="162335" cy="157826"/>
+      </dsp:txXfrm>
+    </dsp:sp>
+    <dsp:sp modelId="{A72FF043-F390-4BC5-BCF5-E6F82BAB33C5}">
+      <dsp:nvSpPr>
+        <dsp:cNvPr id="0" name=""/>
+        <dsp:cNvSpPr/>
+      </dsp:nvSpPr>
+      <dsp:spPr>
+        <a:xfrm>
+          <a:off x="0" y="1803732"/>
+          <a:ext cx="1082239" cy="601244"/>
+        </a:xfrm>
+        <a:prstGeom prst="roundRect">
+          <a:avLst>
+            <a:gd name="adj" fmla="val 10000"/>
+          </a:avLst>
+        </a:prstGeom>
+        <a:solidFill>
+          <a:schemeClr val="accent1">
+            <a:hueOff val="0"/>
+            <a:satOff val="0"/>
+            <a:lumOff val="0"/>
+            <a:alphaOff val="0"/>
+          </a:schemeClr>
+        </a:solidFill>
+        <a:ln w="25400" cap="flat" cmpd="sng" algn="ctr">
+          <a:solidFill>
+            <a:schemeClr val="lt1">
+              <a:hueOff val="0"/>
+              <a:satOff val="0"/>
+              <a:lumOff val="0"/>
+              <a:alphaOff val="0"/>
+            </a:schemeClr>
+          </a:solidFill>
+          <a:prstDash val="solid"/>
+        </a:ln>
+        <a:effectLst/>
+      </dsp:spPr>
+      <dsp:style>
+        <a:lnRef idx="2">
+          <a:scrgbClr r="0" g="0" b="0"/>
+        </a:lnRef>
+        <a:fillRef idx="1">
+          <a:scrgbClr r="0" g="0" b="0"/>
+        </a:fillRef>
+        <a:effectRef idx="0">
+          <a:scrgbClr r="0" g="0" b="0"/>
+        </a:effectRef>
+        <a:fontRef idx="minor">
+          <a:schemeClr val="lt1"/>
+        </a:fontRef>
+      </dsp:style>
+      <dsp:txBody>
+        <a:bodyPr spcFirstLastPara="0" vert="horz" wrap="square" lIns="53340" tIns="53340" rIns="53340" bIns="53340" numCol="1" spcCol="1270" anchor="ctr" anchorCtr="0">
+          <a:noAutofit/>
+        </a:bodyPr>
+        <a:lstStyle/>
+        <a:p>
+          <a:pPr lvl="0" algn="ctr" defTabSz="622300">
+            <a:lnSpc>
+              <a:spcPct val="90000"/>
+            </a:lnSpc>
+            <a:spcBef>
+              <a:spcPct val="0"/>
+            </a:spcBef>
+            <a:spcAft>
+              <a:spcPct val="35000"/>
+            </a:spcAft>
+          </a:pPr>
+          <a:r>
+            <a:rPr lang="en-US" sz="1400" kern="1200" dirty="0" smtClean="0"/>
+            <a:t>Add Subtotal to Result</a:t>
+          </a:r>
+          <a:endParaRPr lang="en-US" sz="1400" kern="1200" dirty="0"/>
+        </a:p>
+      </dsp:txBody>
+      <dsp:txXfrm>
+        <a:off x="17610" y="1821342"/>
+        <a:ext cx="1047019" cy="566024"/>
+      </dsp:txXfrm>
+    </dsp:sp>
   </dsp:spTree>
 </dsp:drawing>
 </file>
@@ -3172,6 +3546,379 @@
       <dsp:cNvGrpSpPr/>
     </dsp:nvGrpSpPr>
     <dsp:grpSpPr/>
+    <dsp:sp modelId="{B88EDF4C-4C3E-43DA-8D4C-21268F4ED6EF}">
+      <dsp:nvSpPr>
+        <dsp:cNvPr id="0" name=""/>
+        <dsp:cNvSpPr/>
+      </dsp:nvSpPr>
+      <dsp:spPr>
+        <a:xfrm>
+          <a:off x="0" y="0"/>
+          <a:ext cx="1082239" cy="601244"/>
+        </a:xfrm>
+        <a:prstGeom prst="flowChartMultidocument">
+          <a:avLst/>
+        </a:prstGeom>
+        <a:solidFill>
+          <a:schemeClr val="accent1">
+            <a:hueOff val="0"/>
+            <a:satOff val="0"/>
+            <a:lumOff val="0"/>
+            <a:alphaOff val="0"/>
+          </a:schemeClr>
+        </a:solidFill>
+        <a:ln w="25400" cap="flat" cmpd="sng" algn="ctr">
+          <a:solidFill>
+            <a:schemeClr val="lt1">
+              <a:hueOff val="0"/>
+              <a:satOff val="0"/>
+              <a:lumOff val="0"/>
+              <a:alphaOff val="0"/>
+            </a:schemeClr>
+          </a:solidFill>
+          <a:prstDash val="solid"/>
+        </a:ln>
+        <a:effectLst/>
+      </dsp:spPr>
+      <dsp:style>
+        <a:lnRef idx="2">
+          <a:scrgbClr r="0" g="0" b="0"/>
+        </a:lnRef>
+        <a:fillRef idx="1">
+          <a:scrgbClr r="0" g="0" b="0"/>
+        </a:fillRef>
+        <a:effectRef idx="0">
+          <a:scrgbClr r="0" g="0" b="0"/>
+        </a:effectRef>
+        <a:fontRef idx="minor">
+          <a:schemeClr val="lt1"/>
+        </a:fontRef>
+      </dsp:style>
+      <dsp:txBody>
+        <a:bodyPr spcFirstLastPara="0" vert="horz" wrap="square" lIns="53340" tIns="53340" rIns="53340" bIns="53340" numCol="1" spcCol="1270" anchor="ctr" anchorCtr="0">
+          <a:noAutofit/>
+        </a:bodyPr>
+        <a:lstStyle/>
+        <a:p>
+          <a:pPr lvl="0" algn="ctr" defTabSz="622300">
+            <a:lnSpc>
+              <a:spcPct val="90000"/>
+            </a:lnSpc>
+            <a:spcBef>
+              <a:spcPct val="0"/>
+            </a:spcBef>
+            <a:spcAft>
+              <a:spcPct val="35000"/>
+            </a:spcAft>
+          </a:pPr>
+          <a:r>
+            <a:rPr lang="en-US" sz="1400" kern="1200" dirty="0" smtClean="0"/>
+            <a:t>…</a:t>
+          </a:r>
+          <a:endParaRPr lang="en-US" sz="1400" kern="1200" dirty="0"/>
+        </a:p>
+      </dsp:txBody>
+      <dsp:txXfrm>
+        <a:off x="0" y="102295"/>
+        <a:ext cx="931678" cy="476180"/>
+      </dsp:txXfrm>
+    </dsp:sp>
+    <dsp:sp modelId="{6F3F6FFB-3805-400E-92AC-42AFFB8E29D5}">
+      <dsp:nvSpPr>
+        <dsp:cNvPr id="0" name=""/>
+        <dsp:cNvSpPr/>
+      </dsp:nvSpPr>
+      <dsp:spPr>
+        <a:xfrm rot="5400000">
+          <a:off x="428386" y="616275"/>
+          <a:ext cx="225466" cy="270559"/>
+        </a:xfrm>
+        <a:prstGeom prst="rightArrow">
+          <a:avLst>
+            <a:gd name="adj1" fmla="val 60000"/>
+            <a:gd name="adj2" fmla="val 50000"/>
+          </a:avLst>
+        </a:prstGeom>
+        <a:solidFill>
+          <a:schemeClr val="accent1">
+            <a:tint val="60000"/>
+            <a:hueOff val="0"/>
+            <a:satOff val="0"/>
+            <a:lumOff val="0"/>
+            <a:alphaOff val="0"/>
+          </a:schemeClr>
+        </a:solidFill>
+        <a:ln>
+          <a:noFill/>
+        </a:ln>
+        <a:effectLst/>
+      </dsp:spPr>
+      <dsp:style>
+        <a:lnRef idx="0">
+          <a:scrgbClr r="0" g="0" b="0"/>
+        </a:lnRef>
+        <a:fillRef idx="1">
+          <a:scrgbClr r="0" g="0" b="0"/>
+        </a:fillRef>
+        <a:effectRef idx="0">
+          <a:scrgbClr r="0" g="0" b="0"/>
+        </a:effectRef>
+        <a:fontRef idx="minor">
+          <a:schemeClr val="lt1"/>
+        </a:fontRef>
+      </dsp:style>
+      <dsp:txBody>
+        <a:bodyPr spcFirstLastPara="0" vert="horz" wrap="square" lIns="0" tIns="0" rIns="0" bIns="0" numCol="1" spcCol="1270" anchor="ctr" anchorCtr="0">
+          <a:noAutofit/>
+        </a:bodyPr>
+        <a:lstStyle/>
+        <a:p>
+          <a:pPr lvl="0" algn="ctr" defTabSz="488950">
+            <a:lnSpc>
+              <a:spcPct val="90000"/>
+            </a:lnSpc>
+            <a:spcBef>
+              <a:spcPct val="0"/>
+            </a:spcBef>
+            <a:spcAft>
+              <a:spcPct val="35000"/>
+            </a:spcAft>
+          </a:pPr>
+          <a:endParaRPr lang="en-US" sz="1100" kern="1200"/>
+        </a:p>
+      </dsp:txBody>
+      <dsp:txXfrm rot="-5400000">
+        <a:off x="459952" y="638821"/>
+        <a:ext cx="162335" cy="157826"/>
+      </dsp:txXfrm>
+    </dsp:sp>
+    <dsp:sp modelId="{25EF5F4E-FB50-4FF9-B013-E9D8AA82EDC7}">
+      <dsp:nvSpPr>
+        <dsp:cNvPr id="0" name=""/>
+        <dsp:cNvSpPr/>
+      </dsp:nvSpPr>
+      <dsp:spPr>
+        <a:xfrm>
+          <a:off x="0" y="901866"/>
+          <a:ext cx="1082239" cy="601244"/>
+        </a:xfrm>
+        <a:prstGeom prst="roundRect">
+          <a:avLst>
+            <a:gd name="adj" fmla="val 10000"/>
+          </a:avLst>
+        </a:prstGeom>
+        <a:solidFill>
+          <a:schemeClr val="accent1">
+            <a:hueOff val="0"/>
+            <a:satOff val="0"/>
+            <a:lumOff val="0"/>
+            <a:alphaOff val="0"/>
+          </a:schemeClr>
+        </a:solidFill>
+        <a:ln w="25400" cap="flat" cmpd="sng" algn="ctr">
+          <a:solidFill>
+            <a:schemeClr val="lt1">
+              <a:hueOff val="0"/>
+              <a:satOff val="0"/>
+              <a:lumOff val="0"/>
+              <a:alphaOff val="0"/>
+            </a:schemeClr>
+          </a:solidFill>
+          <a:prstDash val="solid"/>
+        </a:ln>
+        <a:effectLst/>
+      </dsp:spPr>
+      <dsp:style>
+        <a:lnRef idx="2">
+          <a:scrgbClr r="0" g="0" b="0"/>
+        </a:lnRef>
+        <a:fillRef idx="1">
+          <a:scrgbClr r="0" g="0" b="0"/>
+        </a:fillRef>
+        <a:effectRef idx="0">
+          <a:scrgbClr r="0" g="0" b="0"/>
+        </a:effectRef>
+        <a:fontRef idx="minor">
+          <a:schemeClr val="lt1"/>
+        </a:fontRef>
+      </dsp:style>
+      <dsp:txBody>
+        <a:bodyPr spcFirstLastPara="0" vert="horz" wrap="square" lIns="53340" tIns="53340" rIns="53340" bIns="53340" numCol="1" spcCol="1270" anchor="ctr" anchorCtr="0">
+          <a:noAutofit/>
+        </a:bodyPr>
+        <a:lstStyle/>
+        <a:p>
+          <a:pPr lvl="0" algn="ctr" defTabSz="622300">
+            <a:lnSpc>
+              <a:spcPct val="90000"/>
+            </a:lnSpc>
+            <a:spcBef>
+              <a:spcPct val="0"/>
+            </a:spcBef>
+            <a:spcAft>
+              <a:spcPct val="35000"/>
+            </a:spcAft>
+          </a:pPr>
+          <a:r>
+            <a:rPr lang="en-US" sz="1400" kern="1200" dirty="0" smtClean="0"/>
+            <a:t>Accumulate Into Subtotal</a:t>
+          </a:r>
+          <a:endParaRPr lang="en-US" sz="1400" kern="1200" dirty="0"/>
+        </a:p>
+      </dsp:txBody>
+      <dsp:txXfrm>
+        <a:off x="17610" y="919476"/>
+        <a:ext cx="1047019" cy="566024"/>
+      </dsp:txXfrm>
+    </dsp:sp>
+    <dsp:sp modelId="{1BBC6809-A424-46A5-9C8A-0973516973CB}">
+      <dsp:nvSpPr>
+        <dsp:cNvPr id="0" name=""/>
+        <dsp:cNvSpPr/>
+      </dsp:nvSpPr>
+      <dsp:spPr>
+        <a:xfrm rot="5400000">
+          <a:off x="428386" y="1518141"/>
+          <a:ext cx="225466" cy="270559"/>
+        </a:xfrm>
+        <a:prstGeom prst="rightArrow">
+          <a:avLst>
+            <a:gd name="adj1" fmla="val 60000"/>
+            <a:gd name="adj2" fmla="val 50000"/>
+          </a:avLst>
+        </a:prstGeom>
+        <a:solidFill>
+          <a:schemeClr val="accent1">
+            <a:tint val="60000"/>
+            <a:hueOff val="0"/>
+            <a:satOff val="0"/>
+            <a:lumOff val="0"/>
+            <a:alphaOff val="0"/>
+          </a:schemeClr>
+        </a:solidFill>
+        <a:ln>
+          <a:noFill/>
+        </a:ln>
+        <a:effectLst/>
+      </dsp:spPr>
+      <dsp:style>
+        <a:lnRef idx="0">
+          <a:scrgbClr r="0" g="0" b="0"/>
+        </a:lnRef>
+        <a:fillRef idx="1">
+          <a:scrgbClr r="0" g="0" b="0"/>
+        </a:fillRef>
+        <a:effectRef idx="0">
+          <a:scrgbClr r="0" g="0" b="0"/>
+        </a:effectRef>
+        <a:fontRef idx="minor">
+          <a:schemeClr val="lt1"/>
+        </a:fontRef>
+      </dsp:style>
+      <dsp:txBody>
+        <a:bodyPr spcFirstLastPara="0" vert="horz" wrap="square" lIns="0" tIns="0" rIns="0" bIns="0" numCol="1" spcCol="1270" anchor="ctr" anchorCtr="0">
+          <a:noAutofit/>
+        </a:bodyPr>
+        <a:lstStyle/>
+        <a:p>
+          <a:pPr lvl="0" algn="ctr" defTabSz="488950">
+            <a:lnSpc>
+              <a:spcPct val="90000"/>
+            </a:lnSpc>
+            <a:spcBef>
+              <a:spcPct val="0"/>
+            </a:spcBef>
+            <a:spcAft>
+              <a:spcPct val="35000"/>
+            </a:spcAft>
+          </a:pPr>
+          <a:endParaRPr lang="en-US" sz="1100" kern="1200"/>
+        </a:p>
+      </dsp:txBody>
+      <dsp:txXfrm rot="-5400000">
+        <a:off x="459952" y="1540687"/>
+        <a:ext cx="162335" cy="157826"/>
+      </dsp:txXfrm>
+    </dsp:sp>
+    <dsp:sp modelId="{A72FF043-F390-4BC5-BCF5-E6F82BAB33C5}">
+      <dsp:nvSpPr>
+        <dsp:cNvPr id="0" name=""/>
+        <dsp:cNvSpPr/>
+      </dsp:nvSpPr>
+      <dsp:spPr>
+        <a:xfrm>
+          <a:off x="0" y="1803732"/>
+          <a:ext cx="1082239" cy="601244"/>
+        </a:xfrm>
+        <a:prstGeom prst="roundRect">
+          <a:avLst>
+            <a:gd name="adj" fmla="val 10000"/>
+          </a:avLst>
+        </a:prstGeom>
+        <a:solidFill>
+          <a:schemeClr val="accent1">
+            <a:hueOff val="0"/>
+            <a:satOff val="0"/>
+            <a:lumOff val="0"/>
+            <a:alphaOff val="0"/>
+          </a:schemeClr>
+        </a:solidFill>
+        <a:ln w="25400" cap="flat" cmpd="sng" algn="ctr">
+          <a:solidFill>
+            <a:schemeClr val="lt1">
+              <a:hueOff val="0"/>
+              <a:satOff val="0"/>
+              <a:lumOff val="0"/>
+              <a:alphaOff val="0"/>
+            </a:schemeClr>
+          </a:solidFill>
+          <a:prstDash val="solid"/>
+        </a:ln>
+        <a:effectLst/>
+      </dsp:spPr>
+      <dsp:style>
+        <a:lnRef idx="2">
+          <a:scrgbClr r="0" g="0" b="0"/>
+        </a:lnRef>
+        <a:fillRef idx="1">
+          <a:scrgbClr r="0" g="0" b="0"/>
+        </a:fillRef>
+        <a:effectRef idx="0">
+          <a:scrgbClr r="0" g="0" b="0"/>
+        </a:effectRef>
+        <a:fontRef idx="minor">
+          <a:schemeClr val="lt1"/>
+        </a:fontRef>
+      </dsp:style>
+      <dsp:txBody>
+        <a:bodyPr spcFirstLastPara="0" vert="horz" wrap="square" lIns="53340" tIns="53340" rIns="53340" bIns="53340" numCol="1" spcCol="1270" anchor="ctr" anchorCtr="0">
+          <a:noAutofit/>
+        </a:bodyPr>
+        <a:lstStyle/>
+        <a:p>
+          <a:pPr lvl="0" algn="ctr" defTabSz="622300">
+            <a:lnSpc>
+              <a:spcPct val="90000"/>
+            </a:lnSpc>
+            <a:spcBef>
+              <a:spcPct val="0"/>
+            </a:spcBef>
+            <a:spcAft>
+              <a:spcPct val="35000"/>
+            </a:spcAft>
+          </a:pPr>
+          <a:r>
+            <a:rPr lang="en-US" sz="1400" kern="1200" dirty="0" smtClean="0"/>
+            <a:t>Add Subtotal to Result</a:t>
+          </a:r>
+          <a:endParaRPr lang="en-US" sz="1400" kern="1200" dirty="0"/>
+        </a:p>
+      </dsp:txBody>
+      <dsp:txXfrm>
+        <a:off x="17610" y="1821342"/>
+        <a:ext cx="1047019" cy="566024"/>
+      </dsp:txXfrm>
+    </dsp:sp>
   </dsp:spTree>
 </dsp:drawing>
 </file>
@@ -3184,6 +3931,379 @@
       <dsp:cNvGrpSpPr/>
     </dsp:nvGrpSpPr>
     <dsp:grpSpPr/>
+    <dsp:sp modelId="{B88EDF4C-4C3E-43DA-8D4C-21268F4ED6EF}">
+      <dsp:nvSpPr>
+        <dsp:cNvPr id="0" name=""/>
+        <dsp:cNvSpPr/>
+      </dsp:nvSpPr>
+      <dsp:spPr>
+        <a:xfrm>
+          <a:off x="0" y="0"/>
+          <a:ext cx="1082239" cy="601244"/>
+        </a:xfrm>
+        <a:prstGeom prst="flowChartMultidocument">
+          <a:avLst/>
+        </a:prstGeom>
+        <a:solidFill>
+          <a:schemeClr val="accent1">
+            <a:hueOff val="0"/>
+            <a:satOff val="0"/>
+            <a:lumOff val="0"/>
+            <a:alphaOff val="0"/>
+          </a:schemeClr>
+        </a:solidFill>
+        <a:ln w="25400" cap="flat" cmpd="sng" algn="ctr">
+          <a:solidFill>
+            <a:schemeClr val="lt1">
+              <a:hueOff val="0"/>
+              <a:satOff val="0"/>
+              <a:lumOff val="0"/>
+              <a:alphaOff val="0"/>
+            </a:schemeClr>
+          </a:solidFill>
+          <a:prstDash val="solid"/>
+        </a:ln>
+        <a:effectLst/>
+      </dsp:spPr>
+      <dsp:style>
+        <a:lnRef idx="2">
+          <a:scrgbClr r="0" g="0" b="0"/>
+        </a:lnRef>
+        <a:fillRef idx="1">
+          <a:scrgbClr r="0" g="0" b="0"/>
+        </a:fillRef>
+        <a:effectRef idx="0">
+          <a:scrgbClr r="0" g="0" b="0"/>
+        </a:effectRef>
+        <a:fontRef idx="minor">
+          <a:schemeClr val="lt1"/>
+        </a:fontRef>
+      </dsp:style>
+      <dsp:txBody>
+        <a:bodyPr spcFirstLastPara="0" vert="horz" wrap="square" lIns="53340" tIns="53340" rIns="53340" bIns="53340" numCol="1" spcCol="1270" anchor="ctr" anchorCtr="0">
+          <a:noAutofit/>
+        </a:bodyPr>
+        <a:lstStyle/>
+        <a:p>
+          <a:pPr lvl="0" algn="ctr" defTabSz="622300">
+            <a:lnSpc>
+              <a:spcPct val="90000"/>
+            </a:lnSpc>
+            <a:spcBef>
+              <a:spcPct val="0"/>
+            </a:spcBef>
+            <a:spcAft>
+              <a:spcPct val="35000"/>
+            </a:spcAft>
+          </a:pPr>
+          <a:r>
+            <a:rPr lang="en-US" sz="1400" kern="1200" dirty="0" smtClean="0"/>
+            <a:t>…</a:t>
+          </a:r>
+          <a:endParaRPr lang="en-US" sz="1400" kern="1200" dirty="0"/>
+        </a:p>
+      </dsp:txBody>
+      <dsp:txXfrm>
+        <a:off x="0" y="102295"/>
+        <a:ext cx="931678" cy="476180"/>
+      </dsp:txXfrm>
+    </dsp:sp>
+    <dsp:sp modelId="{6F3F6FFB-3805-400E-92AC-42AFFB8E29D5}">
+      <dsp:nvSpPr>
+        <dsp:cNvPr id="0" name=""/>
+        <dsp:cNvSpPr/>
+      </dsp:nvSpPr>
+      <dsp:spPr>
+        <a:xfrm rot="5400000">
+          <a:off x="428386" y="616275"/>
+          <a:ext cx="225466" cy="270559"/>
+        </a:xfrm>
+        <a:prstGeom prst="rightArrow">
+          <a:avLst>
+            <a:gd name="adj1" fmla="val 60000"/>
+            <a:gd name="adj2" fmla="val 50000"/>
+          </a:avLst>
+        </a:prstGeom>
+        <a:solidFill>
+          <a:schemeClr val="accent1">
+            <a:tint val="60000"/>
+            <a:hueOff val="0"/>
+            <a:satOff val="0"/>
+            <a:lumOff val="0"/>
+            <a:alphaOff val="0"/>
+          </a:schemeClr>
+        </a:solidFill>
+        <a:ln>
+          <a:noFill/>
+        </a:ln>
+        <a:effectLst/>
+      </dsp:spPr>
+      <dsp:style>
+        <a:lnRef idx="0">
+          <a:scrgbClr r="0" g="0" b="0"/>
+        </a:lnRef>
+        <a:fillRef idx="1">
+          <a:scrgbClr r="0" g="0" b="0"/>
+        </a:fillRef>
+        <a:effectRef idx="0">
+          <a:scrgbClr r="0" g="0" b="0"/>
+        </a:effectRef>
+        <a:fontRef idx="minor">
+          <a:schemeClr val="lt1"/>
+        </a:fontRef>
+      </dsp:style>
+      <dsp:txBody>
+        <a:bodyPr spcFirstLastPara="0" vert="horz" wrap="square" lIns="0" tIns="0" rIns="0" bIns="0" numCol="1" spcCol="1270" anchor="ctr" anchorCtr="0">
+          <a:noAutofit/>
+        </a:bodyPr>
+        <a:lstStyle/>
+        <a:p>
+          <a:pPr lvl="0" algn="ctr" defTabSz="488950">
+            <a:lnSpc>
+              <a:spcPct val="90000"/>
+            </a:lnSpc>
+            <a:spcBef>
+              <a:spcPct val="0"/>
+            </a:spcBef>
+            <a:spcAft>
+              <a:spcPct val="35000"/>
+            </a:spcAft>
+          </a:pPr>
+          <a:endParaRPr lang="en-US" sz="1100" kern="1200"/>
+        </a:p>
+      </dsp:txBody>
+      <dsp:txXfrm rot="-5400000">
+        <a:off x="459952" y="638821"/>
+        <a:ext cx="162335" cy="157826"/>
+      </dsp:txXfrm>
+    </dsp:sp>
+    <dsp:sp modelId="{25EF5F4E-FB50-4FF9-B013-E9D8AA82EDC7}">
+      <dsp:nvSpPr>
+        <dsp:cNvPr id="0" name=""/>
+        <dsp:cNvSpPr/>
+      </dsp:nvSpPr>
+      <dsp:spPr>
+        <a:xfrm>
+          <a:off x="0" y="901866"/>
+          <a:ext cx="1082239" cy="601244"/>
+        </a:xfrm>
+        <a:prstGeom prst="roundRect">
+          <a:avLst>
+            <a:gd name="adj" fmla="val 10000"/>
+          </a:avLst>
+        </a:prstGeom>
+        <a:solidFill>
+          <a:schemeClr val="accent1">
+            <a:hueOff val="0"/>
+            <a:satOff val="0"/>
+            <a:lumOff val="0"/>
+            <a:alphaOff val="0"/>
+          </a:schemeClr>
+        </a:solidFill>
+        <a:ln w="25400" cap="flat" cmpd="sng" algn="ctr">
+          <a:solidFill>
+            <a:schemeClr val="lt1">
+              <a:hueOff val="0"/>
+              <a:satOff val="0"/>
+              <a:lumOff val="0"/>
+              <a:alphaOff val="0"/>
+            </a:schemeClr>
+          </a:solidFill>
+          <a:prstDash val="solid"/>
+        </a:ln>
+        <a:effectLst/>
+      </dsp:spPr>
+      <dsp:style>
+        <a:lnRef idx="2">
+          <a:scrgbClr r="0" g="0" b="0"/>
+        </a:lnRef>
+        <a:fillRef idx="1">
+          <a:scrgbClr r="0" g="0" b="0"/>
+        </a:fillRef>
+        <a:effectRef idx="0">
+          <a:scrgbClr r="0" g="0" b="0"/>
+        </a:effectRef>
+        <a:fontRef idx="minor">
+          <a:schemeClr val="lt1"/>
+        </a:fontRef>
+      </dsp:style>
+      <dsp:txBody>
+        <a:bodyPr spcFirstLastPara="0" vert="horz" wrap="square" lIns="53340" tIns="53340" rIns="53340" bIns="53340" numCol="1" spcCol="1270" anchor="ctr" anchorCtr="0">
+          <a:noAutofit/>
+        </a:bodyPr>
+        <a:lstStyle/>
+        <a:p>
+          <a:pPr lvl="0" algn="ctr" defTabSz="622300">
+            <a:lnSpc>
+              <a:spcPct val="90000"/>
+            </a:lnSpc>
+            <a:spcBef>
+              <a:spcPct val="0"/>
+            </a:spcBef>
+            <a:spcAft>
+              <a:spcPct val="35000"/>
+            </a:spcAft>
+          </a:pPr>
+          <a:r>
+            <a:rPr lang="en-US" sz="1400" kern="1200" dirty="0" smtClean="0"/>
+            <a:t>Accumulate Into Subtotal</a:t>
+          </a:r>
+          <a:endParaRPr lang="en-US" sz="1400" kern="1200" dirty="0"/>
+        </a:p>
+      </dsp:txBody>
+      <dsp:txXfrm>
+        <a:off x="17610" y="919476"/>
+        <a:ext cx="1047019" cy="566024"/>
+      </dsp:txXfrm>
+    </dsp:sp>
+    <dsp:sp modelId="{1BBC6809-A424-46A5-9C8A-0973516973CB}">
+      <dsp:nvSpPr>
+        <dsp:cNvPr id="0" name=""/>
+        <dsp:cNvSpPr/>
+      </dsp:nvSpPr>
+      <dsp:spPr>
+        <a:xfrm rot="5400000">
+          <a:off x="428386" y="1518141"/>
+          <a:ext cx="225466" cy="270559"/>
+        </a:xfrm>
+        <a:prstGeom prst="rightArrow">
+          <a:avLst>
+            <a:gd name="adj1" fmla="val 60000"/>
+            <a:gd name="adj2" fmla="val 50000"/>
+          </a:avLst>
+        </a:prstGeom>
+        <a:solidFill>
+          <a:schemeClr val="accent1">
+            <a:tint val="60000"/>
+            <a:hueOff val="0"/>
+            <a:satOff val="0"/>
+            <a:lumOff val="0"/>
+            <a:alphaOff val="0"/>
+          </a:schemeClr>
+        </a:solidFill>
+        <a:ln>
+          <a:noFill/>
+        </a:ln>
+        <a:effectLst/>
+      </dsp:spPr>
+      <dsp:style>
+        <a:lnRef idx="0">
+          <a:scrgbClr r="0" g="0" b="0"/>
+        </a:lnRef>
+        <a:fillRef idx="1">
+          <a:scrgbClr r="0" g="0" b="0"/>
+        </a:fillRef>
+        <a:effectRef idx="0">
+          <a:scrgbClr r="0" g="0" b="0"/>
+        </a:effectRef>
+        <a:fontRef idx="minor">
+          <a:schemeClr val="lt1"/>
+        </a:fontRef>
+      </dsp:style>
+      <dsp:txBody>
+        <a:bodyPr spcFirstLastPara="0" vert="horz" wrap="square" lIns="0" tIns="0" rIns="0" bIns="0" numCol="1" spcCol="1270" anchor="ctr" anchorCtr="0">
+          <a:noAutofit/>
+        </a:bodyPr>
+        <a:lstStyle/>
+        <a:p>
+          <a:pPr lvl="0" algn="ctr" defTabSz="488950">
+            <a:lnSpc>
+              <a:spcPct val="90000"/>
+            </a:lnSpc>
+            <a:spcBef>
+              <a:spcPct val="0"/>
+            </a:spcBef>
+            <a:spcAft>
+              <a:spcPct val="35000"/>
+            </a:spcAft>
+          </a:pPr>
+          <a:endParaRPr lang="en-US" sz="1100" kern="1200"/>
+        </a:p>
+      </dsp:txBody>
+      <dsp:txXfrm rot="-5400000">
+        <a:off x="459952" y="1540687"/>
+        <a:ext cx="162335" cy="157826"/>
+      </dsp:txXfrm>
+    </dsp:sp>
+    <dsp:sp modelId="{A72FF043-F390-4BC5-BCF5-E6F82BAB33C5}">
+      <dsp:nvSpPr>
+        <dsp:cNvPr id="0" name=""/>
+        <dsp:cNvSpPr/>
+      </dsp:nvSpPr>
+      <dsp:spPr>
+        <a:xfrm>
+          <a:off x="0" y="1803732"/>
+          <a:ext cx="1082239" cy="601244"/>
+        </a:xfrm>
+        <a:prstGeom prst="roundRect">
+          <a:avLst>
+            <a:gd name="adj" fmla="val 10000"/>
+          </a:avLst>
+        </a:prstGeom>
+        <a:solidFill>
+          <a:schemeClr val="accent1">
+            <a:hueOff val="0"/>
+            <a:satOff val="0"/>
+            <a:lumOff val="0"/>
+            <a:alphaOff val="0"/>
+          </a:schemeClr>
+        </a:solidFill>
+        <a:ln w="25400" cap="flat" cmpd="sng" algn="ctr">
+          <a:solidFill>
+            <a:schemeClr val="lt1">
+              <a:hueOff val="0"/>
+              <a:satOff val="0"/>
+              <a:lumOff val="0"/>
+              <a:alphaOff val="0"/>
+            </a:schemeClr>
+          </a:solidFill>
+          <a:prstDash val="solid"/>
+        </a:ln>
+        <a:effectLst/>
+      </dsp:spPr>
+      <dsp:style>
+        <a:lnRef idx="2">
+          <a:scrgbClr r="0" g="0" b="0"/>
+        </a:lnRef>
+        <a:fillRef idx="1">
+          <a:scrgbClr r="0" g="0" b="0"/>
+        </a:fillRef>
+        <a:effectRef idx="0">
+          <a:scrgbClr r="0" g="0" b="0"/>
+        </a:effectRef>
+        <a:fontRef idx="minor">
+          <a:schemeClr val="lt1"/>
+        </a:fontRef>
+      </dsp:style>
+      <dsp:txBody>
+        <a:bodyPr spcFirstLastPara="0" vert="horz" wrap="square" lIns="53340" tIns="53340" rIns="53340" bIns="53340" numCol="1" spcCol="1270" anchor="ctr" anchorCtr="0">
+          <a:noAutofit/>
+        </a:bodyPr>
+        <a:lstStyle/>
+        <a:p>
+          <a:pPr lvl="0" algn="ctr" defTabSz="622300">
+            <a:lnSpc>
+              <a:spcPct val="90000"/>
+            </a:lnSpc>
+            <a:spcBef>
+              <a:spcPct val="0"/>
+            </a:spcBef>
+            <a:spcAft>
+              <a:spcPct val="35000"/>
+            </a:spcAft>
+          </a:pPr>
+          <a:r>
+            <a:rPr lang="en-US" sz="1400" kern="1200" dirty="0" smtClean="0"/>
+            <a:t>Add Subtotal to Result</a:t>
+          </a:r>
+          <a:endParaRPr lang="en-US" sz="1400" kern="1200" dirty="0"/>
+        </a:p>
+      </dsp:txBody>
+      <dsp:txXfrm>
+        <a:off x="17610" y="1821342"/>
+        <a:ext cx="1047019" cy="566024"/>
+      </dsp:txXfrm>
+    </dsp:sp>
   </dsp:spTree>
 </dsp:drawing>
 </file>
@@ -12696,11 +13816,7 @@
           <a:p>
             <a:r>
               <a:rPr lang="en-US" dirty="0" smtClean="0"/>
-              <a:t>Futures (Task Graph</a:t>
-            </a:r>
-            <a:r>
-              <a:rPr lang="en-US" dirty="0" smtClean="0"/>
-              <a:t>)</a:t>
+              <a:t>Futures (Task Graph)</a:t>
             </a:r>
           </a:p>
           <a:p>
@@ -12708,7 +13824,6 @@
               <a:rPr lang="en-US" dirty="0" smtClean="0"/>
               <a:t>Dynamic Task Parallelism</a:t>
             </a:r>
-            <a:endParaRPr lang="en-US" dirty="0" smtClean="0"/>
           </a:p>
           <a:p>
             <a:r>
@@ -13412,8 +14527,8 @@
         </p:nvSpPr>
         <p:spPr>
           <a:xfrm>
-            <a:off x="5111066" y="3328989"/>
-            <a:ext cx="1361173" cy="681167"/>
+            <a:off x="4996329" y="3328989"/>
+            <a:ext cx="1475911" cy="681167"/>
           </a:xfrm>
           <a:prstGeom prst="ellipse">
             <a:avLst/>
@@ -13439,9 +14554,10 @@
           <a:p>
             <a:pPr algn="ctr"/>
             <a:r>
-              <a:rPr lang="en-US" sz="1400" dirty="0"/>
-              <a:t>Run to Completion</a:t>
-            </a:r>
+              <a:rPr lang="en-US" sz="1400" dirty="0" smtClean="0"/>
+              <a:t>Ran to Completion</a:t>
+            </a:r>
+            <a:endParaRPr lang="en-US" sz="1400" dirty="0"/>
           </a:p>
         </p:txBody>
       </p:sp>
@@ -13723,8 +14839,122 @@
         </p:nvCxnSpPr>
         <p:spPr>
           <a:xfrm>
-            <a:off x="4109587" y="2659019"/>
-            <a:ext cx="1200818" cy="769722"/>
+            <a:off x="4109588" y="2659022"/>
+            <a:ext cx="1102883" cy="769722"/>
+          </a:xfrm>
+          <a:prstGeom prst="straightConnector1">
+            <a:avLst/>
+          </a:prstGeom>
+          <a:ln>
+            <a:tailEnd type="triangle"/>
+          </a:ln>
+        </p:spPr>
+        <p:style>
+          <a:lnRef idx="2">
+            <a:schemeClr val="dk1"/>
+          </a:lnRef>
+          <a:fillRef idx="0">
+            <a:schemeClr val="dk1"/>
+          </a:fillRef>
+          <a:effectRef idx="1">
+            <a:schemeClr val="dk1"/>
+          </a:effectRef>
+          <a:fontRef idx="minor">
+            <a:schemeClr val="tx1"/>
+          </a:fontRef>
+        </p:style>
+      </p:cxnSp>
+      <p:sp>
+        <p:nvSpPr>
+          <p:cNvPr id="15" name="Oval 14"/>
+          <p:cNvSpPr/>
+          <p:nvPr/>
+        </p:nvSpPr>
+        <p:spPr>
+          <a:xfrm>
+            <a:off x="4996329" y="2312328"/>
+            <a:ext cx="1475911" cy="681167"/>
+          </a:xfrm>
+          <a:prstGeom prst="ellipse">
+            <a:avLst/>
+          </a:prstGeom>
+        </p:spPr>
+        <p:style>
+          <a:lnRef idx="1">
+            <a:schemeClr val="accent1"/>
+          </a:lnRef>
+          <a:fillRef idx="3">
+            <a:schemeClr val="accent1"/>
+          </a:fillRef>
+          <a:effectRef idx="2">
+            <a:schemeClr val="accent1"/>
+          </a:effectRef>
+          <a:fontRef idx="minor">
+            <a:schemeClr val="lt1"/>
+          </a:fontRef>
+        </p:style>
+        <p:txBody>
+          <a:bodyPr lIns="91436" tIns="45718" rIns="91436" bIns="45718" rtlCol="0" anchor="ctr"/>
+          <a:lstStyle/>
+          <a:p>
+            <a:pPr algn="ctr"/>
+            <a:r>
+              <a:rPr lang="en-US" sz="1400" dirty="0" smtClean="0"/>
+              <a:t>Waiting for Children to Complete</a:t>
+            </a:r>
+            <a:endParaRPr lang="en-US" sz="1400" dirty="0"/>
+          </a:p>
+        </p:txBody>
+      </p:sp>
+      <p:cxnSp>
+        <p:nvCxnSpPr>
+          <p:cNvPr id="17" name="Straight Arrow Connector 16"/>
+          <p:cNvCxnSpPr>
+            <a:stCxn id="12" idx="6"/>
+            <a:endCxn id="15" idx="2"/>
+          </p:cNvCxnSpPr>
+          <p:nvPr/>
+        </p:nvCxnSpPr>
+        <p:spPr>
+          <a:xfrm flipV="1">
+            <a:off x="4109588" y="2652912"/>
+            <a:ext cx="886741" cy="6110"/>
+          </a:xfrm>
+          <a:prstGeom prst="straightConnector1">
+            <a:avLst/>
+          </a:prstGeom>
+          <a:ln>
+            <a:tailEnd type="triangle"/>
+          </a:ln>
+        </p:spPr>
+        <p:style>
+          <a:lnRef idx="2">
+            <a:schemeClr val="dk1"/>
+          </a:lnRef>
+          <a:fillRef idx="0">
+            <a:schemeClr val="dk1"/>
+          </a:fillRef>
+          <a:effectRef idx="1">
+            <a:schemeClr val="dk1"/>
+          </a:effectRef>
+          <a:fontRef idx="minor">
+            <a:schemeClr val="tx1"/>
+          </a:fontRef>
+        </p:style>
+      </p:cxnSp>
+      <p:cxnSp>
+        <p:nvCxnSpPr>
+          <p:cNvPr id="19" name="Straight Arrow Connector 18"/>
+          <p:cNvCxnSpPr>
+            <a:stCxn id="15" idx="0"/>
+            <a:endCxn id="12" idx="0"/>
+          </p:cNvCxnSpPr>
+          <p:nvPr/>
+        </p:nvCxnSpPr>
+        <p:spPr>
+          <a:xfrm flipH="1">
+            <a:off x="3429002" y="2312328"/>
+            <a:ext cx="2305283" cy="6110"/>
           </a:xfrm>
           <a:prstGeom prst="straightConnector1">
             <a:avLst/>
@@ -15633,13 +16863,13 @@
         <p:spPr/>
         <p:txBody>
           <a:bodyPr>
-            <a:normAutofit/>
+            <a:normAutofit fontScale="90000"/>
           </a:bodyPr>
           <a:lstStyle/>
           <a:p>
             <a:r>
               <a:rPr lang="en-US" dirty="0" smtClean="0"/>
-              <a:t>Lame Joke</a:t>
+              <a:t>Dynamic Task Parallelism (Recursive Decomposition)</a:t>
             </a:r>
             <a:endParaRPr lang="en-US" dirty="0"/>
           </a:p>
@@ -15660,38 +16890,61 @@
           <a:bodyPr/>
           <a:lstStyle/>
           <a:p>
-            <a:pPr marL="0" indent="0">
-              <a:buNone/>
-            </a:pPr>
-            <a:r>
-              <a:rPr lang="en-US" b="1" dirty="0"/>
-              <a:t>Audience Participation</a:t>
-            </a:r>
-            <a:r>
-              <a:rPr lang="en-US" dirty="0"/>
-              <a:t>:  </a:t>
-            </a:r>
             <a:r>
               <a:rPr lang="en-US" dirty="0" smtClean="0"/>
-              <a:t>Paul DeCarlo</a:t>
-            </a:r>
-            <a:endParaRPr lang="en-US" dirty="0"/>
-          </a:p>
-          <a:p>
-            <a:endParaRPr lang="en-US" dirty="0"/>
+              <a:t>Tasks are dynamically added to the work queue as computation proceeds.</a:t>
+            </a:r>
+          </a:p>
+          <a:p>
+            <a:r>
+              <a:rPr lang="en-US" dirty="0" smtClean="0"/>
+              <a:t>Applies to problems that are solved by first solving smaller, related problems.</a:t>
+            </a:r>
+          </a:p>
+          <a:p>
+            <a:r>
+              <a:rPr lang="en-US" dirty="0" smtClean="0"/>
+              <a:t>Examples</a:t>
+            </a:r>
+          </a:p>
+          <a:p>
+            <a:pPr lvl="1"/>
+            <a:r>
+              <a:rPr lang="en-US" dirty="0" smtClean="0"/>
+              <a:t>Works for traversing trees and graphs (Partitioned by child node)</a:t>
+            </a:r>
+          </a:p>
+          <a:p>
+            <a:pPr lvl="1"/>
+            <a:r>
+              <a:rPr lang="en-US" dirty="0" smtClean="0"/>
+              <a:t>Geographic or geometric aspects (Partitioned </a:t>
+            </a:r>
+            <a:r>
+              <a:rPr lang="en-US" smtClean="0"/>
+              <a:t>spatially)</a:t>
+            </a:r>
+            <a:endParaRPr lang="en-US" dirty="0" smtClean="0"/>
           </a:p>
         </p:txBody>
       </p:sp>
     </p:spTree>
     <p:extLst>
       <p:ext uri="{BB962C8B-B14F-4D97-AF65-F5344CB8AC3E}">
-        <p14:creationId xmlns:p14="http://schemas.microsoft.com/office/powerpoint/2010/main" val="3112344474"/>
+        <p14:creationId xmlns:p14="http://schemas.microsoft.com/office/powerpoint/2010/main" val="504063438"/>
       </p:ext>
     </p:extLst>
   </p:cSld>
   <p:clrMapOvr>
     <a:masterClrMapping/>
   </p:clrMapOvr>
+  <p:timing>
+    <p:tnLst>
+      <p:par>
+        <p:cTn id="1" dur="indefinite" restart="never" nodeType="tmRoot"/>
+      </p:par>
+    </p:tnLst>
+  </p:timing>
 </p:sld>
 </file>
 
@@ -15731,7 +16984,7 @@
           <a:p>
             <a:r>
               <a:rPr lang="en-US" dirty="0" smtClean="0"/>
-              <a:t>Pipelines</a:t>
+              <a:t>Lame Joke</a:t>
             </a:r>
             <a:endParaRPr lang="en-US" dirty="0"/>
           </a:p>
@@ -15752,6 +17005,105 @@
           <a:bodyPr/>
           <a:lstStyle/>
           <a:p>
+            <a:pPr marL="0" indent="0">
+              <a:buNone/>
+            </a:pPr>
+            <a:r>
+              <a:rPr lang="en-US" b="1" dirty="0"/>
+              <a:t>Audience Participation</a:t>
+            </a:r>
+            <a:r>
+              <a:rPr lang="en-US" dirty="0"/>
+              <a:t>:  </a:t>
+            </a:r>
+            <a:r>
+              <a:rPr lang="en-US" dirty="0" smtClean="0"/>
+              <a:t>Paul DeCarlo</a:t>
+            </a:r>
+            <a:endParaRPr lang="en-US" dirty="0"/>
+          </a:p>
+          <a:p>
+            <a:endParaRPr lang="en-US" dirty="0"/>
+          </a:p>
+        </p:txBody>
+      </p:sp>
+    </p:spTree>
+    <p:extLst>
+      <p:ext uri="{BB962C8B-B14F-4D97-AF65-F5344CB8AC3E}">
+        <p14:creationId xmlns:p14="http://schemas.microsoft.com/office/powerpoint/2010/main" val="3112344474"/>
+      </p:ext>
+    </p:extLst>
+  </p:cSld>
+  <p:clrMapOvr>
+    <a:masterClrMapping/>
+  </p:clrMapOvr>
+  <p:timing>
+    <p:tnLst>
+      <p:par>
+        <p:cTn id="1" dur="indefinite" restart="never" nodeType="tmRoot"/>
+      </p:par>
+    </p:tnLst>
+  </p:timing>
+</p:sld>
+</file>
+
+<file path=ppt/slides/slide32.xml><?xml version="1.0" encoding="utf-8"?>
+<p:sld xmlns:a="http://schemas.openxmlformats.org/drawingml/2006/main" xmlns:r="http://schemas.openxmlformats.org/officeDocument/2006/relationships" xmlns:p="http://schemas.openxmlformats.org/presentationml/2006/main">
+  <p:cSld>
+    <p:spTree>
+      <p:nvGrpSpPr>
+        <p:cNvPr id="1" name=""/>
+        <p:cNvGrpSpPr/>
+        <p:nvPr/>
+      </p:nvGrpSpPr>
+      <p:grpSpPr>
+        <a:xfrm>
+          <a:off x="0" y="0"/>
+          <a:ext cx="0" cy="0"/>
+          <a:chOff x="0" y="0"/>
+          <a:chExt cx="0" cy="0"/>
+        </a:xfrm>
+      </p:grpSpPr>
+      <p:sp>
+        <p:nvSpPr>
+          <p:cNvPr id="2" name="Title 1"/>
+          <p:cNvSpPr>
+            <a:spLocks noGrp="1"/>
+          </p:cNvSpPr>
+          <p:nvPr>
+            <p:ph type="title"/>
+          </p:nvPr>
+        </p:nvSpPr>
+        <p:spPr/>
+        <p:txBody>
+          <a:bodyPr>
+            <a:normAutofit/>
+          </a:bodyPr>
+          <a:lstStyle/>
+          <a:p>
+            <a:r>
+              <a:rPr lang="en-US" dirty="0" smtClean="0"/>
+              <a:t>Pipelines</a:t>
+            </a:r>
+            <a:endParaRPr lang="en-US" dirty="0"/>
+          </a:p>
+        </p:txBody>
+      </p:sp>
+      <p:sp>
+        <p:nvSpPr>
+          <p:cNvPr id="3" name="Content Placeholder 2"/>
+          <p:cNvSpPr>
+            <a:spLocks noGrp="1"/>
+          </p:cNvSpPr>
+          <p:nvPr>
+            <p:ph idx="1"/>
+          </p:nvPr>
+        </p:nvSpPr>
+        <p:spPr/>
+        <p:txBody>
+          <a:bodyPr/>
+          <a:lstStyle/>
+          <a:p>
             <a:r>
               <a:rPr lang="en-US" dirty="0" smtClean="0"/>
               <a:t>Uses parallel tasks and concurrent queues to process a sequence of input values.</a:t>
@@ -15788,10 +17140,17 @@
   <p:clrMapOvr>
     <a:masterClrMapping/>
   </p:clrMapOvr>
+  <p:timing>
+    <p:tnLst>
+      <p:par>
+        <p:cTn id="1" dur="indefinite" restart="never" nodeType="tmRoot"/>
+      </p:par>
+    </p:tnLst>
+  </p:timing>
 </p:sld>
 </file>
 
-<file path=ppt/slides/slide32.xml><?xml version="1.0" encoding="utf-8"?>
+<file path=ppt/slides/slide33.xml><?xml version="1.0" encoding="utf-8"?>
 <p:sld xmlns:a="http://schemas.openxmlformats.org/drawingml/2006/main" xmlns:r="http://schemas.openxmlformats.org/officeDocument/2006/relationships" xmlns:p="http://schemas.openxmlformats.org/presentationml/2006/main">
   <p:cSld>
     <p:spTree>
@@ -16527,152 +17886,6 @@
 </p:sld>
 </file>
 
-<file path=ppt/slides/slide33.xml><?xml version="1.0" encoding="utf-8"?>
-<p:sld xmlns:a="http://schemas.openxmlformats.org/drawingml/2006/main" xmlns:r="http://schemas.openxmlformats.org/officeDocument/2006/relationships" xmlns:p="http://schemas.openxmlformats.org/presentationml/2006/main">
-  <p:cSld>
-    <p:spTree>
-      <p:nvGrpSpPr>
-        <p:cNvPr id="1" name=""/>
-        <p:cNvGrpSpPr/>
-        <p:nvPr/>
-      </p:nvGrpSpPr>
-      <p:grpSpPr>
-        <a:xfrm>
-          <a:off x="0" y="0"/>
-          <a:ext cx="0" cy="0"/>
-          <a:chOff x="0" y="0"/>
-          <a:chExt cx="0" cy="0"/>
-        </a:xfrm>
-      </p:grpSpPr>
-      <p:sp>
-        <p:nvSpPr>
-          <p:cNvPr id="2" name="Title 1"/>
-          <p:cNvSpPr>
-            <a:spLocks noGrp="1"/>
-          </p:cNvSpPr>
-          <p:nvPr>
-            <p:ph type="title"/>
-          </p:nvPr>
-        </p:nvSpPr>
-        <p:spPr/>
-        <p:txBody>
-          <a:bodyPr>
-            <a:normAutofit/>
-          </a:bodyPr>
-          <a:lstStyle/>
-          <a:p>
-            <a:r>
-              <a:rPr lang="en-US" dirty="0" smtClean="0"/>
-              <a:t>Anti-Patterns</a:t>
-            </a:r>
-            <a:endParaRPr lang="en-US" dirty="0"/>
-          </a:p>
-        </p:txBody>
-      </p:sp>
-      <p:sp>
-        <p:nvSpPr>
-          <p:cNvPr id="3" name="Content Placeholder 2"/>
-          <p:cNvSpPr>
-            <a:spLocks noGrp="1"/>
-          </p:cNvSpPr>
-          <p:nvPr>
-            <p:ph idx="1"/>
-          </p:nvPr>
-        </p:nvSpPr>
-        <p:spPr/>
-        <p:txBody>
-          <a:bodyPr>
-            <a:normAutofit fontScale="92500" lnSpcReduction="20000"/>
-          </a:bodyPr>
-          <a:lstStyle/>
-          <a:p>
-            <a:r>
-              <a:rPr lang="en-US" b="1" dirty="0" smtClean="0"/>
-              <a:t>Thread starvation</a:t>
-            </a:r>
-            <a:r>
-              <a:rPr lang="en-US" dirty="0" smtClean="0"/>
-              <a:t>:  If there are not enough threads to run all pipeline tasks, the blocking collections can fill and block indefinitely.</a:t>
-            </a:r>
-          </a:p>
-          <a:p>
-            <a:r>
-              <a:rPr lang="en-US" b="1" dirty="0" smtClean="0"/>
-              <a:t>Infinite blocking collection waits</a:t>
-            </a:r>
-            <a:r>
-              <a:rPr lang="en-US" dirty="0" smtClean="0"/>
-              <a:t>:  If a pipeline task throws an exception, it will no longer take values from its input blocking collection.  If the input collection is full, the task that fills it will block.  Be sure to cancel pipelines if you anticipate this situation.</a:t>
-            </a:r>
-          </a:p>
-          <a:p>
-            <a:r>
-              <a:rPr lang="en-US" b="1" dirty="0" smtClean="0"/>
-              <a:t>Forgetting </a:t>
-            </a:r>
-            <a:r>
-              <a:rPr lang="en-US" b="1" dirty="0" err="1" smtClean="0"/>
-              <a:t>GetConsumingEnumerable</a:t>
-            </a:r>
-            <a:r>
-              <a:rPr lang="en-US" b="1" dirty="0" smtClean="0"/>
-              <a:t>()</a:t>
-            </a:r>
-            <a:r>
-              <a:rPr lang="en-US" dirty="0" smtClean="0"/>
-              <a:t>:  Blocking collections implement </a:t>
-            </a:r>
-            <a:r>
-              <a:rPr lang="en-US" dirty="0" err="1" smtClean="0"/>
-              <a:t>IEnumerable</a:t>
-            </a:r>
-            <a:r>
-              <a:rPr lang="en-US" dirty="0" smtClean="0"/>
-              <a:t>&lt;T&gt;, so this is easy to forget.  If you forget, the enumeration will be a snapshot and won’t consume from the collection.</a:t>
-            </a:r>
-          </a:p>
-          <a:p>
-            <a:r>
-              <a:rPr lang="en-US" b="1" dirty="0" smtClean="0"/>
-              <a:t>Using other flavors of </a:t>
-            </a:r>
-            <a:r>
-              <a:rPr lang="en-US" b="1" dirty="0" err="1" smtClean="0"/>
-              <a:t>IProducerConsumerCollection</a:t>
-            </a:r>
-            <a:r>
-              <a:rPr lang="en-US" b="1" dirty="0" smtClean="0"/>
-              <a:t> for your blocking collections</a:t>
-            </a:r>
-            <a:r>
-              <a:rPr lang="en-US" dirty="0" smtClean="0"/>
-              <a:t>:  </a:t>
-            </a:r>
-            <a:r>
-              <a:rPr lang="en-US" dirty="0" err="1" smtClean="0"/>
-              <a:t>ConcurrentStack</a:t>
-            </a:r>
-            <a:r>
-              <a:rPr lang="en-US" dirty="0" smtClean="0"/>
-              <a:t> may never consume the earliest entries, for examples.</a:t>
-            </a:r>
-            <a:endParaRPr lang="en-US" dirty="0"/>
-          </a:p>
-        </p:txBody>
-      </p:sp>
-    </p:spTree>
-    <p:extLst>
-      <p:ext uri="{BB962C8B-B14F-4D97-AF65-F5344CB8AC3E}">
-        <p14:creationId xmlns:p14="http://schemas.microsoft.com/office/powerpoint/2010/main" val="1549961303"/>
-      </p:ext>
-    </p:extLst>
-  </p:cSld>
-  <p:clrMapOvr>
-    <a:masterClrMapping/>
-  </p:clrMapOvr>
-</p:sld>
-</file>
-
 <file path=ppt/slides/slide34.xml><?xml version="1.0" encoding="utf-8"?>
 <p:sld xmlns:a="http://schemas.openxmlformats.org/drawingml/2006/main" xmlns:r="http://schemas.openxmlformats.org/officeDocument/2006/relationships" xmlns:p="http://schemas.openxmlformats.org/presentationml/2006/main">
   <p:cSld>
@@ -16709,7 +17922,7 @@
           <a:p>
             <a:r>
               <a:rPr lang="en-US" dirty="0" smtClean="0"/>
-              <a:t>Lame Joke</a:t>
+              <a:t>Anti-Patterns</a:t>
             </a:r>
             <a:endParaRPr lang="en-US" dirty="0"/>
           </a:p>
@@ -16727,16 +17940,80 @@
         </p:nvSpPr>
         <p:spPr/>
         <p:txBody>
-          <a:bodyPr/>
+          <a:bodyPr>
+            <a:normAutofit fontScale="92500" lnSpcReduction="20000"/>
+          </a:bodyPr>
           <a:lstStyle/>
           <a:p>
             <a:r>
-              <a:rPr lang="en-US" dirty="0"/>
-              <a:t>Audience Participation</a:t>
+              <a:rPr lang="en-US" b="1" dirty="0" smtClean="0"/>
+              <a:t>Thread starvation</a:t>
             </a:r>
             <a:r>
               <a:rPr lang="en-US" dirty="0" smtClean="0"/>
-              <a:t>!</a:t>
+              <a:t>:  If there are not enough threads to run all pipeline tasks, the blocking collections can fill and block indefinitely.</a:t>
+            </a:r>
+          </a:p>
+          <a:p>
+            <a:r>
+              <a:rPr lang="en-US" b="1" dirty="0" smtClean="0"/>
+              <a:t>Infinite blocking collection waits</a:t>
+            </a:r>
+            <a:r>
+              <a:rPr lang="en-US" dirty="0" smtClean="0"/>
+              <a:t>:  If a pipeline task throws an exception, it will no longer take values from its input blocking collection.  If the input collection is full, the task that fills it will block.  Be sure to cancel pipelines if you anticipate this situation.</a:t>
+            </a:r>
+          </a:p>
+          <a:p>
+            <a:r>
+              <a:rPr lang="en-US" b="1" dirty="0" smtClean="0"/>
+              <a:t>Forgetting </a:t>
+            </a:r>
+            <a:r>
+              <a:rPr lang="en-US" b="1" dirty="0" err="1" smtClean="0"/>
+              <a:t>GetConsumingEnumerable</a:t>
+            </a:r>
+            <a:r>
+              <a:rPr lang="en-US" b="1" dirty="0" smtClean="0"/>
+              <a:t>()</a:t>
+            </a:r>
+            <a:r>
+              <a:rPr lang="en-US" dirty="0" smtClean="0"/>
+              <a:t>:  Blocking collections implement </a:t>
+            </a:r>
+            <a:r>
+              <a:rPr lang="en-US" dirty="0" err="1" smtClean="0"/>
+              <a:t>IEnumerable</a:t>
+            </a:r>
+            <a:r>
+              <a:rPr lang="en-US" dirty="0" smtClean="0"/>
+              <a:t>&lt;T&gt;, so this is easy to forget.  If you forget, the enumeration will be a snapshot and won’t consume from the collection.</a:t>
+            </a:r>
+          </a:p>
+          <a:p>
+            <a:r>
+              <a:rPr lang="en-US" b="1" dirty="0" smtClean="0"/>
+              <a:t>Using other flavors of </a:t>
+            </a:r>
+            <a:r>
+              <a:rPr lang="en-US" b="1" dirty="0" err="1" smtClean="0"/>
+              <a:t>IProducerConsumerCollection</a:t>
+            </a:r>
+            <a:r>
+              <a:rPr lang="en-US" b="1" dirty="0" smtClean="0"/>
+              <a:t> for your blocking collections</a:t>
+            </a:r>
+            <a:r>
+              <a:rPr lang="en-US" dirty="0" smtClean="0"/>
+              <a:t>:  </a:t>
+            </a:r>
+            <a:r>
+              <a:rPr lang="en-US" dirty="0" err="1" smtClean="0"/>
+              <a:t>ConcurrentStack</a:t>
+            </a:r>
+            <a:r>
+              <a:rPr lang="en-US" dirty="0" smtClean="0"/>
+              <a:t> may never consume the earliest entries, for examples.</a:t>
             </a:r>
             <a:endParaRPr lang="en-US" dirty="0"/>
           </a:p>
@@ -16745,7 +18022,7 @@
     </p:spTree>
     <p:extLst>
       <p:ext uri="{BB962C8B-B14F-4D97-AF65-F5344CB8AC3E}">
-        <p14:creationId xmlns:p14="http://schemas.microsoft.com/office/powerpoint/2010/main" val="3112344474"/>
+        <p14:creationId xmlns:p14="http://schemas.microsoft.com/office/powerpoint/2010/main" val="1549961303"/>
       </p:ext>
     </p:extLst>
   </p:cSld>
@@ -16791,6 +18068,88 @@
           <a:p>
             <a:r>
               <a:rPr lang="en-US" dirty="0" smtClean="0"/>
+              <a:t>Lame Joke</a:t>
+            </a:r>
+            <a:endParaRPr lang="en-US" dirty="0"/>
+          </a:p>
+        </p:txBody>
+      </p:sp>
+      <p:sp>
+        <p:nvSpPr>
+          <p:cNvPr id="3" name="Content Placeholder 2"/>
+          <p:cNvSpPr>
+            <a:spLocks noGrp="1"/>
+          </p:cNvSpPr>
+          <p:nvPr>
+            <p:ph idx="1"/>
+          </p:nvPr>
+        </p:nvSpPr>
+        <p:spPr/>
+        <p:txBody>
+          <a:bodyPr/>
+          <a:lstStyle/>
+          <a:p>
+            <a:r>
+              <a:rPr lang="en-US" dirty="0"/>
+              <a:t>Audience Participation</a:t>
+            </a:r>
+            <a:r>
+              <a:rPr lang="en-US" dirty="0" smtClean="0"/>
+              <a:t>!</a:t>
+            </a:r>
+            <a:endParaRPr lang="en-US" dirty="0"/>
+          </a:p>
+        </p:txBody>
+      </p:sp>
+    </p:spTree>
+    <p:extLst>
+      <p:ext uri="{BB962C8B-B14F-4D97-AF65-F5344CB8AC3E}">
+        <p14:creationId xmlns:p14="http://schemas.microsoft.com/office/powerpoint/2010/main" val="3112344474"/>
+      </p:ext>
+    </p:extLst>
+  </p:cSld>
+  <p:clrMapOvr>
+    <a:masterClrMapping/>
+  </p:clrMapOvr>
+</p:sld>
+</file>
+
+<file path=ppt/slides/slide36.xml><?xml version="1.0" encoding="utf-8"?>
+<p:sld xmlns:a="http://schemas.openxmlformats.org/drawingml/2006/main" xmlns:r="http://schemas.openxmlformats.org/officeDocument/2006/relationships" xmlns:p="http://schemas.openxmlformats.org/presentationml/2006/main">
+  <p:cSld>
+    <p:spTree>
+      <p:nvGrpSpPr>
+        <p:cNvPr id="1" name=""/>
+        <p:cNvGrpSpPr/>
+        <p:nvPr/>
+      </p:nvGrpSpPr>
+      <p:grpSpPr>
+        <a:xfrm>
+          <a:off x="0" y="0"/>
+          <a:ext cx="0" cy="0"/>
+          <a:chOff x="0" y="0"/>
+          <a:chExt cx="0" cy="0"/>
+        </a:xfrm>
+      </p:grpSpPr>
+      <p:sp>
+        <p:nvSpPr>
+          <p:cNvPr id="2" name="Title 1"/>
+          <p:cNvSpPr>
+            <a:spLocks noGrp="1"/>
+          </p:cNvSpPr>
+          <p:nvPr>
+            <p:ph type="title"/>
+          </p:nvPr>
+        </p:nvSpPr>
+        <p:spPr/>
+        <p:txBody>
+          <a:bodyPr>
+            <a:normAutofit/>
+          </a:bodyPr>
+          <a:lstStyle/>
+          <a:p>
+            <a:r>
+              <a:rPr lang="en-US" dirty="0" smtClean="0"/>
               <a:t>Other Examples</a:t>
             </a:r>
             <a:endParaRPr lang="en-US" dirty="0"/>
@@ -16855,7 +18214,7 @@
 </p:sld>
 </file>
 
-<file path=ppt/slides/slide36.xml><?xml version="1.0" encoding="utf-8"?>
+<file path=ppt/slides/slide37.xml><?xml version="1.0" encoding="utf-8"?>
 <p:sld xmlns:a="http://schemas.openxmlformats.org/drawingml/2006/main" xmlns:r="http://schemas.openxmlformats.org/officeDocument/2006/relationships" xmlns:p="http://schemas.openxmlformats.org/presentationml/2006/main">
   <p:cSld>
     <p:spTree>
@@ -17960,7 +19319,7 @@
   <a:extraClrSchemeLst/>
   <a:extLst>
     <a:ext uri="{05A4C25C-085E-4340-85A3-A5531E510DB2}">
-      <thm15:themeFamily xmlns="" xmlns:thm15="http://schemas.microsoft.com/office/thememl/2012/main" name="2013 Improving ppt template [Read-Only]" id="{9CD52372-1ABB-429C-AE8B-5116A847D281}" vid="{C9E045ED-5E7D-45F0-ABC2-8913C89F506A}"/>
+      <thm15:themeFamily xmlns:thm15="http://schemas.microsoft.com/office/thememl/2012/main" xmlns="" name="2013 Improving ppt template [Read-Only]" id="{9CD52372-1ABB-429C-AE8B-5116A847D281}" vid="{C9E045ED-5E7D-45F0-ABC2-8913C89F506A}"/>
     </a:ext>
   </a:extLst>
 </a:theme>
@@ -18252,6 +19611,21 @@
 </file>
 
 <file path=customXml/item1.xml><?xml version="1.0" encoding="utf-8"?>
+<?mso-contentType ?>
+<FormTemplates xmlns="http://schemas.microsoft.com/sharepoint/v3/contenttype/forms">
+  <Display>DocumentLibraryForm</Display>
+  <Edit>DocumentLibraryForm</Edit>
+  <New>DocumentLibraryForm</New>
+</FormTemplates>
+</file>
+
+<file path=customXml/item2.xml><?xml version="1.0" encoding="utf-8"?>
+<p:properties xmlns:p="http://schemas.microsoft.com/office/2006/metadata/properties" xmlns:xsi="http://www.w3.org/2001/XMLSchema-instance" xmlns:pc="http://schemas.microsoft.com/office/infopath/2007/PartnerControls">
+  <documentManagement/>
+</p:properties>
+</file>
+
+<file path=customXml/item3.xml><?xml version="1.0" encoding="utf-8"?>
 <ct:contentTypeSchema xmlns:ct="http://schemas.microsoft.com/office/2006/metadata/contentType" xmlns:ma="http://schemas.microsoft.com/office/2006/metadata/properties/metaAttributes" ct:_="" ma:_="" ma:contentTypeName="Document" ma:contentTypeID="0x010100D7398AE121397446B28901E5E849BF40" ma:contentTypeVersion="1" ma:contentTypeDescription="Create a new document." ma:contentTypeScope="" ma:versionID="a7e693a555462a2cb5a0a6921c4c327e">
   <xsd:schema xmlns:xsd="http://www.w3.org/2001/XMLSchema" xmlns:xs="http://www.w3.org/2001/XMLSchema" xmlns:p="http://schemas.microsoft.com/office/2006/metadata/properties" targetNamespace="http://schemas.microsoft.com/office/2006/metadata/properties" ma:root="true" ma:fieldsID="391dd5b7355e85894d95fdf891f88749">
     <xsd:element name="properties">
@@ -18365,33 +19739,10 @@
 </ct:contentTypeSchema>
 </file>
 
-<file path=customXml/item2.xml><?xml version="1.0" encoding="utf-8"?>
-<p:properties xmlns:p="http://schemas.microsoft.com/office/2006/metadata/properties" xmlns:xsi="http://www.w3.org/2001/XMLSchema-instance" xmlns:pc="http://schemas.microsoft.com/office/infopath/2007/PartnerControls">
-  <documentManagement/>
-</p:properties>
-</file>
-
-<file path=customXml/item3.xml><?xml version="1.0" encoding="utf-8"?>
-<?mso-contentType ?>
-<FormTemplates xmlns="http://schemas.microsoft.com/sharepoint/v3/contenttype/forms">
-  <Display>DocumentLibraryForm</Display>
-  <Edit>DocumentLibraryForm</Edit>
-  <New>DocumentLibraryForm</New>
-</FormTemplates>
-</file>
-
 <file path=customXml/itemProps1.xml><?xml version="1.0" encoding="utf-8"?>
-<ds:datastoreItem xmlns:ds="http://schemas.openxmlformats.org/officeDocument/2006/customXml" ds:itemID="{BC072F6F-04ED-4B85-B28F-4D6DE375C2E0}">
+<ds:datastoreItem xmlns:ds="http://schemas.openxmlformats.org/officeDocument/2006/customXml" ds:itemID="{B857AB07-B2ED-439E-860F-4F56FB345D1B}">
   <ds:schemaRefs>
-    <ds:schemaRef ds:uri="http://schemas.microsoft.com/office/2006/metadata/contentType"/>
-    <ds:schemaRef ds:uri="http://schemas.microsoft.com/office/2006/metadata/properties/metaAttributes"/>
-    <ds:schemaRef ds:uri="http://www.w3.org/2001/XMLSchema"/>
-    <ds:schemaRef ds:uri="http://schemas.microsoft.com/office/2006/metadata/properties"/>
-    <ds:schemaRef ds:uri="http://schemas.openxmlformats.org/package/2006/metadata/core-properties"/>
-    <ds:schemaRef ds:uri="http://purl.org/dc/elements/1.1/"/>
-    <ds:schemaRef ds:uri="http://purl.org/dc/terms/"/>
-    <ds:schemaRef ds:uri="http://schemas.microsoft.com/internal/obd"/>
-    <ds:schemaRef ds:uri="http://schemas.microsoft.com/office/infopath/2007/PartnerControls"/>
+    <ds:schemaRef ds:uri="http://schemas.microsoft.com/sharepoint/v3/contenttype/forms"/>
   </ds:schemaRefs>
 </ds:datastoreItem>
 </file>
@@ -18412,9 +19763,17 @@
 </file>
 
 <file path=customXml/itemProps3.xml><?xml version="1.0" encoding="utf-8"?>
-<ds:datastoreItem xmlns:ds="http://schemas.openxmlformats.org/officeDocument/2006/customXml" ds:itemID="{B857AB07-B2ED-439E-860F-4F56FB345D1B}">
+<ds:datastoreItem xmlns:ds="http://schemas.openxmlformats.org/officeDocument/2006/customXml" ds:itemID="{BC072F6F-04ED-4B85-B28F-4D6DE375C2E0}">
   <ds:schemaRefs>
-    <ds:schemaRef ds:uri="http://schemas.microsoft.com/sharepoint/v3/contenttype/forms"/>
+    <ds:schemaRef ds:uri="http://schemas.microsoft.com/office/2006/metadata/contentType"/>
+    <ds:schemaRef ds:uri="http://schemas.microsoft.com/office/2006/metadata/properties/metaAttributes"/>
+    <ds:schemaRef ds:uri="http://www.w3.org/2001/XMLSchema"/>
+    <ds:schemaRef ds:uri="http://schemas.microsoft.com/office/2006/metadata/properties"/>
+    <ds:schemaRef ds:uri="http://schemas.openxmlformats.org/package/2006/metadata/core-properties"/>
+    <ds:schemaRef ds:uri="http://purl.org/dc/elements/1.1/"/>
+    <ds:schemaRef ds:uri="http://purl.org/dc/terms/"/>
+    <ds:schemaRef ds:uri="http://schemas.microsoft.com/internal/obd"/>
+    <ds:schemaRef ds:uri="http://schemas.microsoft.com/office/infopath/2007/PartnerControls"/>
   </ds:schemaRefs>
 </ds:datastoreItem>
 </file>
--- a/Presentation/THasINKync - 4x3.pptx
+++ b/Presentation/THasINKync - 4x3.pptx
@@ -145,7 +145,7 @@
   </p:defaultTextStyle>
   <p:extLst>
     <p:ext uri="{EFAFB233-063F-42B5-8137-9DF3F51BA10A}">
-      <p15:sldGuideLst xmlns:p15="http://schemas.microsoft.com/office/powerpoint/2012/main" xmlns="">
+      <p15:sldGuideLst xmlns:p15="http://schemas.microsoft.com/office/powerpoint/2012/main">
         <p15:guide id="1" orient="horz" pos="1620" userDrawn="1">
           <p15:clr>
             <a:srgbClr val="A4A3A4"/>
@@ -11603,8 +11603,27 @@
                   </a:schemeClr>
                 </a:solidFill>
               </a:rPr>
-              <a:t>Eric Burcham – Improving Enterprises</a:t>
-            </a:r>
+              <a:t>Eric Burcham – </a:t>
+            </a:r>
+            <a:r>
+              <a:rPr lang="en-US" sz="1400" smtClean="0">
+                <a:solidFill>
+                  <a:schemeClr val="tx1">
+                    <a:lumMod val="50000"/>
+                    <a:lumOff val="50000"/>
+                  </a:schemeClr>
+                </a:solidFill>
+              </a:rPr>
+              <a:t>Enterprise Products</a:t>
+            </a:r>
+            <a:endParaRPr lang="en-US" sz="1400" dirty="0">
+              <a:solidFill>
+                <a:schemeClr val="tx1">
+                  <a:lumMod val="50000"/>
+                  <a:lumOff val="50000"/>
+                </a:schemeClr>
+              </a:solidFill>
+            </a:endParaRPr>
           </a:p>
         </p:txBody>
       </p:sp>
@@ -19319,7 +19338,7 @@
   <a:extraClrSchemeLst/>
   <a:extLst>
     <a:ext uri="{05A4C25C-085E-4340-85A3-A5531E510DB2}">
-      <thm15:themeFamily xmlns:thm15="http://schemas.microsoft.com/office/thememl/2012/main" xmlns="" name="2013 Improving ppt template [Read-Only]" id="{9CD52372-1ABB-429C-AE8B-5116A847D281}" vid="{C9E045ED-5E7D-45F0-ABC2-8913C89F506A}"/>
+      <thm15:themeFamily xmlns:thm15="http://schemas.microsoft.com/office/thememl/2012/main" name="2013 Improving ppt template [Read-Only]" id="{9CD52372-1ABB-429C-AE8B-5116A847D281}" vid="{C9E045ED-5E7D-45F0-ABC2-8913C89F506A}"/>
     </a:ext>
   </a:extLst>
 </a:theme>
@@ -19611,18 +19630,18 @@
 </file>
 
 <file path=customXml/item1.xml><?xml version="1.0" encoding="utf-8"?>
+<p:properties xmlns:p="http://schemas.microsoft.com/office/2006/metadata/properties" xmlns:xsi="http://www.w3.org/2001/XMLSchema-instance" xmlns:pc="http://schemas.microsoft.com/office/infopath/2007/PartnerControls">
+  <documentManagement/>
+</p:properties>
+</file>
+
+<file path=customXml/item2.xml><?xml version="1.0" encoding="utf-8"?>
 <?mso-contentType ?>
 <FormTemplates xmlns="http://schemas.microsoft.com/sharepoint/v3/contenttype/forms">
   <Display>DocumentLibraryForm</Display>
   <Edit>DocumentLibraryForm</Edit>
   <New>DocumentLibraryForm</New>
 </FormTemplates>
-</file>
-
-<file path=customXml/item2.xml><?xml version="1.0" encoding="utf-8"?>
-<p:properties xmlns:p="http://schemas.microsoft.com/office/2006/metadata/properties" xmlns:xsi="http://www.w3.org/2001/XMLSchema-instance" xmlns:pc="http://schemas.microsoft.com/office/infopath/2007/PartnerControls">
-  <documentManagement/>
-</p:properties>
 </file>
 
 <file path=customXml/item3.xml><?xml version="1.0" encoding="utf-8"?>
@@ -19740,14 +19759,6 @@
 </file>
 
 <file path=customXml/itemProps1.xml><?xml version="1.0" encoding="utf-8"?>
-<ds:datastoreItem xmlns:ds="http://schemas.openxmlformats.org/officeDocument/2006/customXml" ds:itemID="{B857AB07-B2ED-439E-860F-4F56FB345D1B}">
-  <ds:schemaRefs>
-    <ds:schemaRef ds:uri="http://schemas.microsoft.com/sharepoint/v3/contenttype/forms"/>
-  </ds:schemaRefs>
-</ds:datastoreItem>
-</file>
-
-<file path=customXml/itemProps2.xml><?xml version="1.0" encoding="utf-8"?>
 <ds:datastoreItem xmlns:ds="http://schemas.openxmlformats.org/officeDocument/2006/customXml" ds:itemID="{A04551C0-1604-41A0-9B5C-A5F88AD2E0FE}">
   <ds:schemaRefs>
     <ds:schemaRef ds:uri="http://schemas.microsoft.com/office/infopath/2007/PartnerControls"/>
@@ -19758,6 +19769,14 @@
     <ds:schemaRef ds:uri="http://schemas.microsoft.com/office/2006/documentManagement/types"/>
     <ds:schemaRef ds:uri="http://www.w3.org/XML/1998/namespace"/>
     <ds:schemaRef ds:uri="http://purl.org/dc/dcmitype/"/>
+  </ds:schemaRefs>
+</ds:datastoreItem>
+</file>
+
+<file path=customXml/itemProps2.xml><?xml version="1.0" encoding="utf-8"?>
+<ds:datastoreItem xmlns:ds="http://schemas.openxmlformats.org/officeDocument/2006/customXml" ds:itemID="{B857AB07-B2ED-439E-860F-4F56FB345D1B}">
+  <ds:schemaRefs>
+    <ds:schemaRef ds:uri="http://schemas.microsoft.com/sharepoint/v3/contenttype/forms"/>
   </ds:schemaRefs>
 </ds:datastoreItem>
 </file>
